--- a/배달 주문 시스템.pptx
+++ b/배달 주문 시스템.pptx
@@ -1,8 +1,8 @@
 
 <file path=ppt/presentation.xml><?xml version="1.0" encoding="utf-8"?>
-<p:presentation xmlns:a="http://schemas.openxmlformats.org/drawingml/2006/main" xmlns:r="http://schemas.openxmlformats.org/officeDocument/2006/relationships" xmlns:p="http://schemas.openxmlformats.org/presentationml/2006/main" saveSubsetFonts="1">
+<p:presentation xmlns:r="http://schemas.openxmlformats.org/officeDocument/2006/relationships" xmlns:c="http://schemas.openxmlformats.org/drawingml/2006/chart" xmlns:a="http://schemas.openxmlformats.org/drawingml/2006/main" xmlns:dgm="http://schemas.openxmlformats.org/drawingml/2006/diagram" xmlns:dsp="http://schemas.microsoft.com/office/drawing/2008/diagram" xmlns:p="http://schemas.openxmlformats.org/presentationml/2006/main">
   <p:sldMasterIdLst>
-    <p:sldMasterId id="2147484042" r:id="rId1"/>
+    <p:sldMasterId id="2147484131" r:id="rId1"/>
   </p:sldMasterIdLst>
   <p:sldIdLst>
     <p:sldId id="256" r:id="rId2"/>
@@ -12,6 +12,7 @@
     <p:sldId id="260" r:id="rId6"/>
     <p:sldId id="261" r:id="rId7"/>
     <p:sldId id="262" r:id="rId8"/>
+    <p:sldId id="263" r:id="rId9"/>
   </p:sldIdLst>
   <p:sldSz cx="12192000" cy="6858000"/>
   <p:notesSz cx="6858000" cy="9144000"/>
@@ -110,42 +111,26 @@
       </a:defRPr>
     </a:lvl9pPr>
   </p:defaultTextStyle>
-  <p:extLst>
-    <p:ext uri="{EFAFB233-063F-42B5-8137-9DF3F51BA10A}">
-      <p15:sldGuideLst xmlns:p15="http://schemas.microsoft.com/office/powerpoint/2012/main"/>
-    </p:ext>
-  </p:extLst>
 </p:presentation>
 </file>
 
 <file path=ppt/commentAuthors.xml><?xml version="1.0" encoding="utf-8"?>
-<p:cmAuthorLst xmlns:a="http://schemas.openxmlformats.org/drawingml/2006/main" xmlns:r="http://schemas.openxmlformats.org/officeDocument/2006/relationships" xmlns:p="http://schemas.openxmlformats.org/presentationml/2006/main">
-  <p:cmAuthor id="1" name="user" initials="u" lastIdx="1" clrIdx="0">
-    <p:extLst>
-      <p:ext uri="{19B8F6BF-5375-455C-9EA6-DF929625EA0E}">
-        <p15:presenceInfo xmlns:p15="http://schemas.microsoft.com/office/powerpoint/2012/main" userId="user" providerId="None"/>
-      </p:ext>
-    </p:extLst>
-  </p:cmAuthor>
+<p:cmAuthorLst xmlns:r="http://schemas.openxmlformats.org/officeDocument/2006/relationships" xmlns:c="http://schemas.openxmlformats.org/drawingml/2006/chart" xmlns:a="http://schemas.openxmlformats.org/drawingml/2006/main" xmlns:dgm="http://schemas.openxmlformats.org/drawingml/2006/diagram" xmlns:dsp="http://schemas.microsoft.com/office/drawing/2008/diagram" xmlns:p="http://schemas.openxmlformats.org/presentationml/2006/main">
+  <p:cmAuthor id="1" name="user" initials="u" lastIdx="1" clrIdx="0"/>
 </p:cmAuthorLst>
 </file>
 
 <file path=ppt/comments/comment1.xml><?xml version="1.0" encoding="utf-8"?>
-<p:cmLst xmlns:a="http://schemas.openxmlformats.org/drawingml/2006/main" xmlns:r="http://schemas.openxmlformats.org/officeDocument/2006/relationships" xmlns:p="http://schemas.openxmlformats.org/presentationml/2006/main">
+<p:cmLst xmlns:r="http://schemas.openxmlformats.org/officeDocument/2006/relationships" xmlns:c="http://schemas.openxmlformats.org/drawingml/2006/chart" xmlns:a="http://schemas.openxmlformats.org/drawingml/2006/main" xmlns:dgm="http://schemas.openxmlformats.org/drawingml/2006/diagram" xmlns:dsp="http://schemas.microsoft.com/office/drawing/2008/diagram" xmlns:p="http://schemas.openxmlformats.org/presentationml/2006/main">
   <p:cm authorId="1" dt="2018-11-28T16:29:09.870" idx="1">
-    <p:pos x="10" y="10"/>
+    <p:pos x="9" y="9"/>
     <p:text/>
-    <p:extLst>
-      <p:ext uri="{C676402C-5697-4E1C-873F-D02D1690AC5C}">
-        <p15:threadingInfo xmlns:p15="http://schemas.microsoft.com/office/powerpoint/2012/main" timeZoneBias="-540"/>
-      </p:ext>
-    </p:extLst>
   </p:cm>
 </p:cmLst>
 </file>
 
 <file path=ppt/slideLayouts/slideLayout1.xml><?xml version="1.0" encoding="utf-8"?>
-<p:sldLayout xmlns:a="http://schemas.openxmlformats.org/drawingml/2006/main" xmlns:r="http://schemas.openxmlformats.org/officeDocument/2006/relationships" xmlns:p="http://schemas.openxmlformats.org/presentationml/2006/main" type="title" preserve="1">
+<p:sldLayout xmlns:r="http://schemas.openxmlformats.org/officeDocument/2006/relationships" xmlns:c="http://schemas.openxmlformats.org/drawingml/2006/chart" xmlns:a="http://schemas.openxmlformats.org/drawingml/2006/main" xmlns:dgm="http://schemas.openxmlformats.org/drawingml/2006/diagram" xmlns:dsp="http://schemas.microsoft.com/office/drawing/2008/diagram" xmlns:p="http://schemas.openxmlformats.org/presentationml/2006/main" showMasterPhAnim="1" matchingName="제목 슬라이드" type="title" preserve="1">
   <p:cSld name="제목 슬라이드">
     <p:spTree>
       <p:nvGrpSpPr>
@@ -163,50 +148,38 @@
       </p:grpSpPr>
       <p:sp>
         <p:nvSpPr>
-          <p:cNvPr id="2" name="제목 1">
-            <a:extLst>
-              <a:ext uri="{FF2B5EF4-FFF2-40B4-BE49-F238E27FC236}">
-                <a16:creationId xmlns:a16="http://schemas.microsoft.com/office/drawing/2014/main" id="{1BCBAE3B-400D-490F-8BC2-8679A12D05D2}"/>
-              </a:ext>
-            </a:extLst>
-          </p:cNvPr>
-          <p:cNvSpPr>
-            <a:spLocks noGrp="1"/>
-          </p:cNvSpPr>
-          <p:nvPr>
-            <p:ph type="ctrTitle"/>
+          <p:cNvPr id="2" name="제목 1"/>
+          <p:cNvSpPr>
+            <a:spLocks noGrp="1"/>
+          </p:cNvSpPr>
+          <p:nvPr>
+            <p:ph type="ctrTitle" idx="0"/>
           </p:nvPr>
         </p:nvSpPr>
         <p:spPr>
           <a:xfrm>
-            <a:off x="1524000" y="1122363"/>
-            <a:ext cx="9144000" cy="2387600"/>
+            <a:off x="914399" y="2130425"/>
+            <a:ext cx="10363198" cy="1470025"/>
           </a:xfrm>
         </p:spPr>
         <p:txBody>
-          <a:bodyPr anchor="b"/>
-          <a:lstStyle>
-            <a:lvl1pPr algn="ctr">
-              <a:defRPr sz="6000"/>
-            </a:lvl1pPr>
-          </a:lstStyle>
-          <a:p>
+          <a:bodyPr/>
+          <a:lstStyle/>
+          <a:p>
+            <a:pPr lvl="0">
+              <a:defRPr/>
+            </a:pPr>
             <a:r>
               <a:rPr lang="ko-KR" altLang="en-US"/>
               <a:t>마스터 제목 스타일 편집</a:t>
             </a:r>
-          </a:p>
-        </p:txBody>
-      </p:sp>
-      <p:sp>
-        <p:nvSpPr>
-          <p:cNvPr id="3" name="부제목 2">
-            <a:extLst>
-              <a:ext uri="{FF2B5EF4-FFF2-40B4-BE49-F238E27FC236}">
-                <a16:creationId xmlns:a16="http://schemas.microsoft.com/office/drawing/2014/main" id="{D42EC55A-9968-4B99-9107-3D378844E3C9}"/>
-              </a:ext>
-            </a:extLst>
-          </p:cNvPr>
+            <a:endParaRPr lang="ko-KR" altLang="en-US"/>
+          </a:p>
+        </p:txBody>
+      </p:sp>
+      <p:sp>
+        <p:nvSpPr>
+          <p:cNvPr id="3" name="부제목 2"/>
           <p:cNvSpPr>
             <a:spLocks noGrp="1"/>
           </p:cNvSpPr>
@@ -216,8 +189,8 @@
         </p:nvSpPr>
         <p:spPr>
           <a:xfrm>
-            <a:off x="1524000" y="3602038"/>
-            <a:ext cx="9144000" cy="1655762"/>
+            <a:off x="1828799" y="3886200"/>
+            <a:ext cx="8534399" cy="1752600"/>
           </a:xfrm>
         </p:spPr>
         <p:txBody>
@@ -225,58 +198,110 @@
           <a:lstStyle>
             <a:lvl1pPr marL="0" indent="0" algn="ctr">
               <a:buNone/>
-              <a:defRPr sz="2400"/>
+              <a:defRPr>
+                <a:solidFill>
+                  <a:schemeClr val="tx1">
+                    <a:tint val="75000"/>
+                  </a:schemeClr>
+                </a:solidFill>
+              </a:defRPr>
             </a:lvl1pPr>
             <a:lvl2pPr marL="457200" indent="0" algn="ctr">
               <a:buNone/>
-              <a:defRPr sz="2000"/>
+              <a:defRPr>
+                <a:solidFill>
+                  <a:schemeClr val="tx1">
+                    <a:tint val="75000"/>
+                  </a:schemeClr>
+                </a:solidFill>
+              </a:defRPr>
             </a:lvl2pPr>
             <a:lvl3pPr marL="914400" indent="0" algn="ctr">
               <a:buNone/>
-              <a:defRPr sz="1800"/>
+              <a:defRPr>
+                <a:solidFill>
+                  <a:schemeClr val="tx1">
+                    <a:tint val="75000"/>
+                  </a:schemeClr>
+                </a:solidFill>
+              </a:defRPr>
             </a:lvl3pPr>
             <a:lvl4pPr marL="1371600" indent="0" algn="ctr">
               <a:buNone/>
-              <a:defRPr sz="1600"/>
+              <a:defRPr>
+                <a:solidFill>
+                  <a:schemeClr val="tx1">
+                    <a:tint val="75000"/>
+                  </a:schemeClr>
+                </a:solidFill>
+              </a:defRPr>
             </a:lvl4pPr>
             <a:lvl5pPr marL="1828800" indent="0" algn="ctr">
               <a:buNone/>
-              <a:defRPr sz="1600"/>
+              <a:defRPr>
+                <a:solidFill>
+                  <a:schemeClr val="tx1">
+                    <a:tint val="75000"/>
+                  </a:schemeClr>
+                </a:solidFill>
+              </a:defRPr>
             </a:lvl5pPr>
             <a:lvl6pPr marL="2286000" indent="0" algn="ctr">
               <a:buNone/>
-              <a:defRPr sz="1600"/>
+              <a:defRPr>
+                <a:solidFill>
+                  <a:schemeClr val="tx1">
+                    <a:tint val="75000"/>
+                  </a:schemeClr>
+                </a:solidFill>
+              </a:defRPr>
             </a:lvl6pPr>
             <a:lvl7pPr marL="2743200" indent="0" algn="ctr">
               <a:buNone/>
-              <a:defRPr sz="1600"/>
+              <a:defRPr>
+                <a:solidFill>
+                  <a:schemeClr val="tx1">
+                    <a:tint val="75000"/>
+                  </a:schemeClr>
+                </a:solidFill>
+              </a:defRPr>
             </a:lvl7pPr>
             <a:lvl8pPr marL="3200400" indent="0" algn="ctr">
               <a:buNone/>
-              <a:defRPr sz="1600"/>
+              <a:defRPr>
+                <a:solidFill>
+                  <a:schemeClr val="tx1">
+                    <a:tint val="75000"/>
+                  </a:schemeClr>
+                </a:solidFill>
+              </a:defRPr>
             </a:lvl8pPr>
             <a:lvl9pPr marL="3657600" indent="0" algn="ctr">
               <a:buNone/>
-              <a:defRPr sz="1600"/>
+              <a:defRPr>
+                <a:solidFill>
+                  <a:schemeClr val="tx1">
+                    <a:tint val="75000"/>
+                  </a:schemeClr>
+                </a:solidFill>
+              </a:defRPr>
             </a:lvl9pPr>
           </a:lstStyle>
           <a:p>
-            <a:r>
-              <a:rPr lang="ko-KR" altLang="en-US"/>
-              <a:t>클릭하여 마스터 부제목 스타일 편집</a:t>
-            </a:r>
-          </a:p>
-        </p:txBody>
-      </p:sp>
-      <p:sp>
-        <p:nvSpPr>
-          <p:cNvPr id="4" name="날짜 개체 틀 3">
-            <a:extLst>
-              <a:ext uri="{FF2B5EF4-FFF2-40B4-BE49-F238E27FC236}">
-                <a16:creationId xmlns:a16="http://schemas.microsoft.com/office/drawing/2014/main" id="{3DE10D4A-4E2F-45D1-9786-9B809118AA46}"/>
-              </a:ext>
-            </a:extLst>
-          </p:cNvPr>
+            <a:pPr lvl="0">
+              <a:defRPr/>
+            </a:pPr>
+            <a:r>
+              <a:rPr lang="ko-KR" altLang="en-US"/>
+              <a:t>마스터 부제목 스타일 편집</a:t>
+            </a:r>
+            <a:endParaRPr lang="ko-KR" altLang="en-US"/>
+          </a:p>
+        </p:txBody>
+      </p:sp>
+      <p:sp>
+        <p:nvSpPr>
+          <p:cNvPr id="4" name="날짜 개체 틀 3"/>
           <p:cNvSpPr>
             <a:spLocks noGrp="1"/>
           </p:cNvSpPr>
@@ -289,9 +314,15 @@
           <a:bodyPr/>
           <a:lstStyle/>
           <a:p>
-            <a:fld id="{19EB0ECF-D969-43D9-9AC3-D8140255FEF8}" type="datetimeFigureOut">
-              <a:rPr lang="ko-KR" altLang="en-US" smtClean="0"/>
-              <a:t>2018-11-29</a:t>
+            <a:pPr lvl="0">
+              <a:defRPr/>
+            </a:pPr>
+            <a:fld id="{940A130E-E3B8-4EBE-931F-81B26B8448AA}" type="datetime1">
+              <a:rPr lang="ko-KR" altLang="en-US"/>
+              <a:pPr lvl="0">
+                <a:defRPr/>
+              </a:pPr>
+              <a:t>2018-12-10</a:t>
             </a:fld>
             <a:endParaRPr lang="ko-KR" altLang="en-US"/>
           </a:p>
@@ -299,13 +330,7 @@
       </p:sp>
       <p:sp>
         <p:nvSpPr>
-          <p:cNvPr id="5" name="바닥글 개체 틀 4">
-            <a:extLst>
-              <a:ext uri="{FF2B5EF4-FFF2-40B4-BE49-F238E27FC236}">
-                <a16:creationId xmlns:a16="http://schemas.microsoft.com/office/drawing/2014/main" id="{AE8EAB9F-EBDC-4047-A1A0-1A29905600FF}"/>
-              </a:ext>
-            </a:extLst>
-          </p:cNvPr>
+          <p:cNvPr id="5" name="바닥글 개체 틀 4"/>
           <p:cNvSpPr>
             <a:spLocks noGrp="1"/>
           </p:cNvSpPr>
@@ -318,19 +343,20 @@
           <a:bodyPr/>
           <a:lstStyle/>
           <a:p>
-            <a:endParaRPr lang="ko-KR" altLang="en-US"/>
-          </a:p>
-        </p:txBody>
-      </p:sp>
-      <p:sp>
-        <p:nvSpPr>
-          <p:cNvPr id="6" name="슬라이드 번호 개체 틀 5">
-            <a:extLst>
-              <a:ext uri="{FF2B5EF4-FFF2-40B4-BE49-F238E27FC236}">
-                <a16:creationId xmlns:a16="http://schemas.microsoft.com/office/drawing/2014/main" id="{A4B79B3E-40BA-45D7-B00B-E6679DF088A3}"/>
-              </a:ext>
-            </a:extLst>
-          </p:cNvPr>
+            <a:pPr lvl="0">
+              <a:defRPr/>
+            </a:pPr>
+            <a:r>
+              <a:rPr lang="ko-KR" altLang="en-US"/>
+              <a:t/>
+            </a:r>
+            <a:endParaRPr lang="ko-KR" altLang="en-US"/>
+          </a:p>
+        </p:txBody>
+      </p:sp>
+      <p:sp>
+        <p:nvSpPr>
+          <p:cNvPr id="6" name="슬라이드 번호 개체 틀 5"/>
           <p:cNvSpPr>
             <a:spLocks noGrp="1"/>
           </p:cNvSpPr>
@@ -343,8 +369,14 @@
           <a:bodyPr/>
           <a:lstStyle/>
           <a:p>
-            <a:fld id="{304156D8-57F3-479A-8BA3-D77E0031E147}" type="slidenum">
-              <a:rPr lang="ko-KR" altLang="en-US" smtClean="0"/>
+            <a:pPr lvl="0">
+              <a:defRPr/>
+            </a:pPr>
+            <a:fld id="{800C6A38-4290-41DD-B95C-4155372FD4AF}" type="slidenum">
+              <a:rPr lang="ko-KR" altLang="en-US"/>
+              <a:pPr lvl="0">
+                <a:defRPr/>
+              </a:pPr>
               <a:t>‹#›</a:t>
             </a:fld>
             <a:endParaRPr lang="ko-KR" altLang="en-US"/>
@@ -352,21 +384,17 @@
         </p:txBody>
       </p:sp>
     </p:spTree>
-    <p:extLst>
-      <p:ext uri="{BB962C8B-B14F-4D97-AF65-F5344CB8AC3E}">
-        <p14:creationId xmlns:p14="http://schemas.microsoft.com/office/powerpoint/2010/main" val="3296726131"/>
-      </p:ext>
-    </p:extLst>
   </p:cSld>
   <p:clrMapOvr>
     <a:masterClrMapping/>
   </p:clrMapOvr>
+  <p:transition xmlns:mc="http://schemas.openxmlformats.org/markup-compatibility/2006" xmlns:hp="http://schemas.haansoft.com/office/presentation/8.0" mc:Ignorable="hp" hp:hslDur="500"/>
 </p:sldLayout>
 </file>
 
 <file path=ppt/slideLayouts/slideLayout10.xml><?xml version="1.0" encoding="utf-8"?>
-<p:sldLayout xmlns:a="http://schemas.openxmlformats.org/drawingml/2006/main" xmlns:r="http://schemas.openxmlformats.org/officeDocument/2006/relationships" xmlns:p="http://schemas.openxmlformats.org/presentationml/2006/main" type="vertTx" preserve="1">
-  <p:cSld name="제목 및 세로 텍스트">
+<p:sldLayout xmlns:r="http://schemas.openxmlformats.org/officeDocument/2006/relationships" xmlns:c="http://schemas.openxmlformats.org/drawingml/2006/chart" xmlns:a="http://schemas.openxmlformats.org/drawingml/2006/main" xmlns:dgm="http://schemas.openxmlformats.org/drawingml/2006/diagram" xmlns:dsp="http://schemas.microsoft.com/office/drawing/2008/diagram" xmlns:p="http://schemas.openxmlformats.org/presentationml/2006/main" showMasterPhAnim="1" matchingName="간지" type="objOnly" preserve="1">
+  <p:cSld name="간지">
     <p:spTree>
       <p:nvGrpSpPr>
         <p:cNvPr id="1" name=""/>
@@ -383,18 +411,49 @@
       </p:grpSpPr>
       <p:sp>
         <p:nvSpPr>
-          <p:cNvPr id="2" name="제목 1">
-            <a:extLst>
-              <a:ext uri="{FF2B5EF4-FFF2-40B4-BE49-F238E27FC236}">
-                <a16:creationId xmlns:a16="http://schemas.microsoft.com/office/drawing/2014/main" id="{13778C9A-5C60-44BB-835D-9C16A5F1CB61}"/>
-              </a:ext>
-            </a:extLst>
-          </p:cNvPr>
-          <p:cNvSpPr>
-            <a:spLocks noGrp="1"/>
-          </p:cNvSpPr>
-          <p:nvPr>
-            <p:ph type="title"/>
+          <p:cNvPr id="2" name="제목 1"/>
+          <p:cNvSpPr>
+            <a:spLocks noGrp="1"/>
+          </p:cNvSpPr>
+          <p:nvPr>
+            <p:ph type="ctrTitle" idx="0"/>
+          </p:nvPr>
+        </p:nvSpPr>
+        <p:spPr>
+          <a:xfrm>
+            <a:off x="0" y="2130425"/>
+            <a:ext cx="12192000" cy="1470025"/>
+          </a:xfrm>
+        </p:spPr>
+        <p:txBody>
+          <a:bodyPr>
+            <a:normAutofit/>
+          </a:bodyPr>
+          <a:lstStyle>
+            <a:lvl1pPr>
+              <a:defRPr sz="4400" b="1"/>
+            </a:lvl1pPr>
+          </a:lstStyle>
+          <a:p>
+            <a:pPr lvl="0">
+              <a:defRPr/>
+            </a:pPr>
+            <a:r>
+              <a:rPr lang="ko-KR" altLang="en-US"/>
+              <a:t>마스터 제목 스타일 편집</a:t>
+            </a:r>
+            <a:endParaRPr lang="ko-KR" altLang="en-US"/>
+          </a:p>
+        </p:txBody>
+      </p:sp>
+      <p:sp>
+        <p:nvSpPr>
+          <p:cNvPr id="3" name="날짜 개체 틀 3"/>
+          <p:cNvSpPr>
+            <a:spLocks noGrp="1"/>
+          </p:cNvSpPr>
+          <p:nvPr>
+            <p:ph type="dt" sz="half" idx="10"/>
           </p:nvPr>
         </p:nvSpPr>
         <p:spPr/>
@@ -402,84 +461,54 @@
           <a:bodyPr/>
           <a:lstStyle/>
           <a:p>
-            <a:r>
-              <a:rPr lang="ko-KR" altLang="en-US"/>
-              <a:t>마스터 제목 스타일 편집</a:t>
-            </a:r>
-          </a:p>
-        </p:txBody>
-      </p:sp>
-      <p:sp>
-        <p:nvSpPr>
-          <p:cNvPr id="3" name="세로 텍스트 개체 틀 2">
-            <a:extLst>
-              <a:ext uri="{FF2B5EF4-FFF2-40B4-BE49-F238E27FC236}">
-                <a16:creationId xmlns:a16="http://schemas.microsoft.com/office/drawing/2014/main" id="{356E10A7-7ECE-4B17-A153-9BAA6AE6C9DD}"/>
-              </a:ext>
-            </a:extLst>
-          </p:cNvPr>
-          <p:cNvSpPr>
-            <a:spLocks noGrp="1"/>
-          </p:cNvSpPr>
-          <p:nvPr>
-            <p:ph type="body" orient="vert" idx="1"/>
+            <a:pPr lvl="0">
+              <a:defRPr/>
+            </a:pPr>
+            <a:fld id="{CA348888-F454-4AD2-BA62-3AF29D9807C0}" type="datetime1">
+              <a:rPr lang="ko-KR" altLang="en-US"/>
+              <a:pPr lvl="0">
+                <a:defRPr/>
+              </a:pPr>
+              <a:t>2018-12-10</a:t>
+            </a:fld>
+            <a:endParaRPr lang="ko-KR" altLang="en-US"/>
+          </a:p>
+        </p:txBody>
+      </p:sp>
+      <p:sp>
+        <p:nvSpPr>
+          <p:cNvPr id="4" name="바닥글 개체 틀 4"/>
+          <p:cNvSpPr>
+            <a:spLocks noGrp="1"/>
+          </p:cNvSpPr>
+          <p:nvPr>
+            <p:ph type="ftr" sz="quarter" idx="11"/>
           </p:nvPr>
         </p:nvSpPr>
         <p:spPr/>
         <p:txBody>
-          <a:bodyPr vert="eaVert"/>
-          <a:lstStyle/>
-          <a:p>
-            <a:pPr lvl="0"/>
-            <a:r>
-              <a:rPr lang="ko-KR" altLang="en-US"/>
-              <a:t>마스터 텍스트 스타일 편집</a:t>
-            </a:r>
-          </a:p>
-          <a:p>
-            <a:pPr lvl="1"/>
-            <a:r>
-              <a:rPr lang="ko-KR" altLang="en-US"/>
-              <a:t>둘째 수준</a:t>
-            </a:r>
-          </a:p>
-          <a:p>
-            <a:pPr lvl="2"/>
-            <a:r>
-              <a:rPr lang="ko-KR" altLang="en-US"/>
-              <a:t>셋째 수준</a:t>
-            </a:r>
-          </a:p>
-          <a:p>
-            <a:pPr lvl="3"/>
-            <a:r>
-              <a:rPr lang="ko-KR" altLang="en-US"/>
-              <a:t>넷째 수준</a:t>
-            </a:r>
-          </a:p>
-          <a:p>
-            <a:pPr lvl="4"/>
-            <a:r>
-              <a:rPr lang="ko-KR" altLang="en-US"/>
-              <a:t>다섯째 수준</a:t>
-            </a:r>
-          </a:p>
-        </p:txBody>
-      </p:sp>
-      <p:sp>
-        <p:nvSpPr>
-          <p:cNvPr id="4" name="날짜 개체 틀 3">
-            <a:extLst>
-              <a:ext uri="{FF2B5EF4-FFF2-40B4-BE49-F238E27FC236}">
-                <a16:creationId xmlns:a16="http://schemas.microsoft.com/office/drawing/2014/main" id="{B129939E-E8EA-4A96-A3CB-D9BFEF5A6270}"/>
-              </a:ext>
-            </a:extLst>
-          </p:cNvPr>
-          <p:cNvSpPr>
-            <a:spLocks noGrp="1"/>
-          </p:cNvSpPr>
-          <p:nvPr>
-            <p:ph type="dt" sz="half" idx="10"/>
+          <a:bodyPr/>
+          <a:lstStyle/>
+          <a:p>
+            <a:pPr lvl="0">
+              <a:defRPr/>
+            </a:pPr>
+            <a:r>
+              <a:rPr lang="ko-KR" altLang="en-US"/>
+              <a:t/>
+            </a:r>
+            <a:endParaRPr lang="ko-KR" altLang="en-US"/>
+          </a:p>
+        </p:txBody>
+      </p:sp>
+      <p:sp>
+        <p:nvSpPr>
+          <p:cNvPr id="5" name="슬라이드 번호 개체 틀 5"/>
+          <p:cNvSpPr>
+            <a:spLocks noGrp="1"/>
+          </p:cNvSpPr>
+          <p:nvPr>
+            <p:ph type="sldNum" sz="quarter" idx="12"/>
           </p:nvPr>
         </p:nvSpPr>
         <p:spPr/>
@@ -487,62 +516,14 @@
           <a:bodyPr/>
           <a:lstStyle/>
           <a:p>
-            <a:fld id="{19EB0ECF-D969-43D9-9AC3-D8140255FEF8}" type="datetimeFigureOut">
-              <a:rPr lang="ko-KR" altLang="en-US" smtClean="0"/>
-              <a:t>2018-11-29</a:t>
-            </a:fld>
-            <a:endParaRPr lang="ko-KR" altLang="en-US"/>
-          </a:p>
-        </p:txBody>
-      </p:sp>
-      <p:sp>
-        <p:nvSpPr>
-          <p:cNvPr id="5" name="바닥글 개체 틀 4">
-            <a:extLst>
-              <a:ext uri="{FF2B5EF4-FFF2-40B4-BE49-F238E27FC236}">
-                <a16:creationId xmlns:a16="http://schemas.microsoft.com/office/drawing/2014/main" id="{F53617B6-C847-4578-B66D-39967885352A}"/>
-              </a:ext>
-            </a:extLst>
-          </p:cNvPr>
-          <p:cNvSpPr>
-            <a:spLocks noGrp="1"/>
-          </p:cNvSpPr>
-          <p:nvPr>
-            <p:ph type="ftr" sz="quarter" idx="11"/>
-          </p:nvPr>
-        </p:nvSpPr>
-        <p:spPr/>
-        <p:txBody>
-          <a:bodyPr/>
-          <a:lstStyle/>
-          <a:p>
-            <a:endParaRPr lang="ko-KR" altLang="en-US"/>
-          </a:p>
-        </p:txBody>
-      </p:sp>
-      <p:sp>
-        <p:nvSpPr>
-          <p:cNvPr id="6" name="슬라이드 번호 개체 틀 5">
-            <a:extLst>
-              <a:ext uri="{FF2B5EF4-FFF2-40B4-BE49-F238E27FC236}">
-                <a16:creationId xmlns:a16="http://schemas.microsoft.com/office/drawing/2014/main" id="{6472C377-3E73-46D5-B48B-074376F56546}"/>
-              </a:ext>
-            </a:extLst>
-          </p:cNvPr>
-          <p:cNvSpPr>
-            <a:spLocks noGrp="1"/>
-          </p:cNvSpPr>
-          <p:nvPr>
-            <p:ph type="sldNum" sz="quarter" idx="12"/>
-          </p:nvPr>
-        </p:nvSpPr>
-        <p:spPr/>
-        <p:txBody>
-          <a:bodyPr/>
-          <a:lstStyle/>
-          <a:p>
-            <a:fld id="{304156D8-57F3-479A-8BA3-D77E0031E147}" type="slidenum">
-              <a:rPr lang="ko-KR" altLang="en-US" smtClean="0"/>
+            <a:pPr lvl="0">
+              <a:defRPr/>
+            </a:pPr>
+            <a:fld id="{AD22CD3B-FDDF-4998-970C-76E6E0BEC65F}" type="slidenum">
+              <a:rPr lang="ko-KR" altLang="en-US"/>
+              <a:pPr lvl="0">
+                <a:defRPr/>
+              </a:pPr>
               <a:t>‹#›</a:t>
             </a:fld>
             <a:endParaRPr lang="ko-KR" altLang="en-US"/>
@@ -550,21 +531,17 @@
         </p:txBody>
       </p:sp>
     </p:spTree>
-    <p:extLst>
-      <p:ext uri="{BB962C8B-B14F-4D97-AF65-F5344CB8AC3E}">
-        <p14:creationId xmlns:p14="http://schemas.microsoft.com/office/powerpoint/2010/main" val="3593769567"/>
-      </p:ext>
-    </p:extLst>
   </p:cSld>
   <p:clrMapOvr>
     <a:masterClrMapping/>
   </p:clrMapOvr>
+  <p:transition xmlns:mc="http://schemas.openxmlformats.org/markup-compatibility/2006" xmlns:hp="http://schemas.haansoft.com/office/presentation/8.0" mc:Ignorable="hp" hp:hslDur="500"/>
 </p:sldLayout>
 </file>
 
 <file path=ppt/slideLayouts/slideLayout11.xml><?xml version="1.0" encoding="utf-8"?>
-<p:sldLayout xmlns:a="http://schemas.openxmlformats.org/drawingml/2006/main" xmlns:r="http://schemas.openxmlformats.org/officeDocument/2006/relationships" xmlns:p="http://schemas.openxmlformats.org/presentationml/2006/main" type="vertTitleAndTx" preserve="1">
-  <p:cSld name="세로 제목 및 텍스트">
+<p:sldLayout xmlns:r="http://schemas.openxmlformats.org/officeDocument/2006/relationships" xmlns:c="http://schemas.openxmlformats.org/drawingml/2006/chart" xmlns:a="http://schemas.openxmlformats.org/drawingml/2006/main" xmlns:dgm="http://schemas.openxmlformats.org/drawingml/2006/diagram" xmlns:dsp="http://schemas.microsoft.com/office/drawing/2008/diagram" xmlns:p="http://schemas.openxmlformats.org/presentationml/2006/main" showMasterPhAnim="1" matchingName="목차" type="clipArtAndTx" preserve="1">
+  <p:cSld name="목차">
     <p:spTree>
       <p:nvGrpSpPr>
         <p:cNvPr id="1" name=""/>
@@ -581,108 +558,122 @@
       </p:grpSpPr>
       <p:sp>
         <p:nvSpPr>
-          <p:cNvPr id="2" name="세로 제목 1">
-            <a:extLst>
-              <a:ext uri="{FF2B5EF4-FFF2-40B4-BE49-F238E27FC236}">
-                <a16:creationId xmlns:a16="http://schemas.microsoft.com/office/drawing/2014/main" id="{DAD0DBB0-6E21-4454-8584-344E671F70E0}"/>
-              </a:ext>
-            </a:extLst>
-          </p:cNvPr>
-          <p:cNvSpPr>
-            <a:spLocks noGrp="1"/>
-          </p:cNvSpPr>
-          <p:nvPr>
-            <p:ph type="title" orient="vert"/>
+          <p:cNvPr id="2" name="제목 1"/>
+          <p:cNvSpPr>
+            <a:spLocks noGrp="1"/>
+          </p:cNvSpPr>
+          <p:nvPr>
+            <p:ph type="title" idx="0"/>
           </p:nvPr>
         </p:nvSpPr>
         <p:spPr>
           <a:xfrm>
-            <a:off x="8724900" y="365125"/>
-            <a:ext cx="2628900" cy="5811838"/>
+            <a:off x="609599" y="274638"/>
+            <a:ext cx="10972798" cy="1143000"/>
           </a:xfrm>
         </p:spPr>
         <p:txBody>
-          <a:bodyPr vert="eaVert"/>
-          <a:lstStyle/>
-          <a:p>
+          <a:bodyPr/>
+          <a:lstStyle>
+            <a:lvl1pPr>
+              <a:defRPr/>
+            </a:lvl1pPr>
+          </a:lstStyle>
+          <a:p>
+            <a:pPr lvl="0">
+              <a:defRPr/>
+            </a:pPr>
             <a:r>
               <a:rPr lang="ko-KR" altLang="en-US"/>
               <a:t>마스터 제목 스타일 편집</a:t>
             </a:r>
-          </a:p>
-        </p:txBody>
-      </p:sp>
-      <p:sp>
-        <p:nvSpPr>
-          <p:cNvPr id="3" name="세로 텍스트 개체 틀 2">
-            <a:extLst>
-              <a:ext uri="{FF2B5EF4-FFF2-40B4-BE49-F238E27FC236}">
-                <a16:creationId xmlns:a16="http://schemas.microsoft.com/office/drawing/2014/main" id="{AC8873A8-6922-4109-8D95-9D14309AA8D9}"/>
-              </a:ext>
-            </a:extLst>
-          </p:cNvPr>
-          <p:cNvSpPr>
-            <a:spLocks noGrp="1"/>
-          </p:cNvSpPr>
-          <p:nvPr>
-            <p:ph type="body" orient="vert" idx="1"/>
+            <a:endParaRPr lang="ko-KR" altLang="en-US"/>
+          </a:p>
+        </p:txBody>
+      </p:sp>
+      <p:sp>
+        <p:nvSpPr>
+          <p:cNvPr id="8" name="텍스트 개체 틀 7"/>
+          <p:cNvSpPr>
+            <a:spLocks noGrp="1"/>
+          </p:cNvSpPr>
+          <p:nvPr>
+            <p:ph type="body" sz="quarter" idx="14" hasCustomPrompt="1"/>
           </p:nvPr>
         </p:nvSpPr>
         <p:spPr>
           <a:xfrm>
-            <a:off x="838200" y="365125"/>
-            <a:ext cx="7734300" cy="5811838"/>
+            <a:off x="2857477" y="2214563"/>
+            <a:ext cx="6477021" cy="3214687"/>
           </a:xfrm>
         </p:spPr>
         <p:txBody>
-          <a:bodyPr vert="eaVert"/>
-          <a:lstStyle/>
-          <a:p>
-            <a:pPr lvl="0"/>
-            <a:r>
-              <a:rPr lang="ko-KR" altLang="en-US"/>
-              <a:t>마스터 텍스트 스타일 편집</a:t>
-            </a:r>
-          </a:p>
-          <a:p>
-            <a:pPr lvl="1"/>
-            <a:r>
-              <a:rPr lang="ko-KR" altLang="en-US"/>
-              <a:t>둘째 수준</a:t>
-            </a:r>
-          </a:p>
-          <a:p>
-            <a:pPr lvl="2"/>
-            <a:r>
-              <a:rPr lang="ko-KR" altLang="en-US"/>
-              <a:t>셋째 수준</a:t>
-            </a:r>
-          </a:p>
-          <a:p>
-            <a:pPr lvl="3"/>
-            <a:r>
-              <a:rPr lang="ko-KR" altLang="en-US"/>
-              <a:t>넷째 수준</a:t>
-            </a:r>
-          </a:p>
-          <a:p>
-            <a:pPr lvl="4"/>
-            <a:r>
-              <a:rPr lang="ko-KR" altLang="en-US"/>
-              <a:t>다섯째 수준</a:t>
-            </a:r>
-          </a:p>
-        </p:txBody>
-      </p:sp>
-      <p:sp>
-        <p:nvSpPr>
-          <p:cNvPr id="4" name="날짜 개체 틀 3">
-            <a:extLst>
-              <a:ext uri="{FF2B5EF4-FFF2-40B4-BE49-F238E27FC236}">
-                <a16:creationId xmlns:a16="http://schemas.microsoft.com/office/drawing/2014/main" id="{B322BB35-D2D5-4F56-8597-11116291AACE}"/>
-              </a:ext>
-            </a:extLst>
-          </p:cNvPr>
+          <a:bodyPr>
+            <a:normAutofit/>
+          </a:bodyPr>
+          <a:lstStyle>
+            <a:lvl1pPr>
+              <a:lnSpc>
+                <a:spcPct val="150000"/>
+              </a:lnSpc>
+              <a:defRPr sz="2400"/>
+            </a:lvl1pPr>
+          </a:lstStyle>
+          <a:p>
+            <a:pPr lvl="0">
+              <a:defRPr/>
+            </a:pPr>
+            <a:r>
+              <a:rPr lang="ko-KR" altLang="en-US"/>
+              <a:t>첫째 목차</a:t>
+            </a:r>
+            <a:endParaRPr lang="ko-KR" altLang="en-US"/>
+          </a:p>
+          <a:p>
+            <a:pPr lvl="0">
+              <a:defRPr/>
+            </a:pPr>
+            <a:r>
+              <a:rPr lang="ko-KR" altLang="en-US"/>
+              <a:t>둘째 목차</a:t>
+            </a:r>
+            <a:endParaRPr lang="ko-KR" altLang="en-US"/>
+          </a:p>
+          <a:p>
+            <a:pPr lvl="0">
+              <a:defRPr/>
+            </a:pPr>
+            <a:r>
+              <a:rPr lang="ko-KR" altLang="en-US"/>
+              <a:t>셋째 목차</a:t>
+            </a:r>
+            <a:endParaRPr lang="ko-KR" altLang="en-US"/>
+          </a:p>
+          <a:p>
+            <a:pPr lvl="0">
+              <a:defRPr/>
+            </a:pPr>
+            <a:r>
+              <a:rPr lang="ko-KR" altLang="en-US"/>
+              <a:t>넷째 목차</a:t>
+            </a:r>
+            <a:endParaRPr lang="ko-KR" altLang="en-US"/>
+          </a:p>
+          <a:p>
+            <a:pPr lvl="0">
+              <a:defRPr/>
+            </a:pPr>
+            <a:r>
+              <a:rPr lang="ko-KR" altLang="en-US"/>
+              <a:t>다섯째 목차</a:t>
+            </a:r>
+            <a:endParaRPr lang="ko-KR" altLang="en-US"/>
+          </a:p>
+        </p:txBody>
+      </p:sp>
+      <p:sp>
+        <p:nvSpPr>
+          <p:cNvPr id="4" name="날짜 개체 틀 3"/>
           <p:cNvSpPr>
             <a:spLocks noGrp="1"/>
           </p:cNvSpPr>
@@ -695,9 +686,15 @@
           <a:bodyPr/>
           <a:lstStyle/>
           <a:p>
-            <a:fld id="{19EB0ECF-D969-43D9-9AC3-D8140255FEF8}" type="datetimeFigureOut">
-              <a:rPr lang="ko-KR" altLang="en-US" smtClean="0"/>
-              <a:t>2018-11-29</a:t>
+            <a:pPr lvl="0">
+              <a:defRPr/>
+            </a:pPr>
+            <a:fld id="{956FEC12-A4C9-4837-AF94-AD867782C04C}" type="datetime1">
+              <a:rPr lang="ko-KR" altLang="en-US"/>
+              <a:pPr lvl="0">
+                <a:defRPr/>
+              </a:pPr>
+              <a:t>2018-12-10</a:t>
             </a:fld>
             <a:endParaRPr lang="ko-KR" altLang="en-US"/>
           </a:p>
@@ -705,13 +702,7 @@
       </p:sp>
       <p:sp>
         <p:nvSpPr>
-          <p:cNvPr id="5" name="바닥글 개체 틀 4">
-            <a:extLst>
-              <a:ext uri="{FF2B5EF4-FFF2-40B4-BE49-F238E27FC236}">
-                <a16:creationId xmlns:a16="http://schemas.microsoft.com/office/drawing/2014/main" id="{3B8ADF89-BF7F-459D-A10F-C67458BBF355}"/>
-              </a:ext>
-            </a:extLst>
-          </p:cNvPr>
+          <p:cNvPr id="5" name="바닥글 개체 틀 4"/>
           <p:cNvSpPr>
             <a:spLocks noGrp="1"/>
           </p:cNvSpPr>
@@ -724,19 +715,20 @@
           <a:bodyPr/>
           <a:lstStyle/>
           <a:p>
-            <a:endParaRPr lang="ko-KR" altLang="en-US"/>
-          </a:p>
-        </p:txBody>
-      </p:sp>
-      <p:sp>
-        <p:nvSpPr>
-          <p:cNvPr id="6" name="슬라이드 번호 개체 틀 5">
-            <a:extLst>
-              <a:ext uri="{FF2B5EF4-FFF2-40B4-BE49-F238E27FC236}">
-                <a16:creationId xmlns:a16="http://schemas.microsoft.com/office/drawing/2014/main" id="{882D0297-EA94-4F42-A9CB-6B4E9A2C0685}"/>
-              </a:ext>
-            </a:extLst>
-          </p:cNvPr>
+            <a:pPr lvl="0">
+              <a:defRPr/>
+            </a:pPr>
+            <a:r>
+              <a:rPr lang="ko-KR" altLang="en-US"/>
+              <a:t/>
+            </a:r>
+            <a:endParaRPr lang="ko-KR" altLang="en-US"/>
+          </a:p>
+        </p:txBody>
+      </p:sp>
+      <p:sp>
+        <p:nvSpPr>
+          <p:cNvPr id="6" name="슬라이드 번호 개체 틀 5"/>
           <p:cNvSpPr>
             <a:spLocks noGrp="1"/>
           </p:cNvSpPr>
@@ -749,8 +741,14 @@
           <a:bodyPr/>
           <a:lstStyle/>
           <a:p>
-            <a:fld id="{304156D8-57F3-479A-8BA3-D77E0031E147}" type="slidenum">
-              <a:rPr lang="ko-KR" altLang="en-US" smtClean="0"/>
+            <a:pPr lvl="0">
+              <a:defRPr/>
+            </a:pPr>
+            <a:fld id="{AD22CD3B-FDDF-4998-970C-76E6E0BEC65F}" type="slidenum">
+              <a:rPr lang="ko-KR" altLang="en-US"/>
+              <a:pPr lvl="0">
+                <a:defRPr/>
+              </a:pPr>
               <a:t>‹#›</a:t>
             </a:fld>
             <a:endParaRPr lang="ko-KR" altLang="en-US"/>
@@ -758,20 +756,228 @@
         </p:txBody>
       </p:sp>
     </p:spTree>
-    <p:extLst>
-      <p:ext uri="{BB962C8B-B14F-4D97-AF65-F5344CB8AC3E}">
-        <p14:creationId xmlns:p14="http://schemas.microsoft.com/office/powerpoint/2010/main" val="2290509817"/>
-      </p:ext>
-    </p:extLst>
   </p:cSld>
   <p:clrMapOvr>
     <a:masterClrMapping/>
   </p:clrMapOvr>
+  <p:transition xmlns:mc="http://schemas.openxmlformats.org/markup-compatibility/2006" xmlns:hp="http://schemas.haansoft.com/office/presentation/8.0" mc:Ignorable="hp" hp:hslDur="500"/>
+</p:sldLayout>
+</file>
+
+<file path=ppt/slideLayouts/slideLayout12.xml><?xml version="1.0" encoding="utf-8"?>
+<p:sldLayout xmlns:r="http://schemas.openxmlformats.org/officeDocument/2006/relationships" xmlns:c="http://schemas.openxmlformats.org/drawingml/2006/chart" xmlns:a="http://schemas.openxmlformats.org/drawingml/2006/main" xmlns:dgm="http://schemas.openxmlformats.org/drawingml/2006/diagram" xmlns:dsp="http://schemas.microsoft.com/office/drawing/2008/diagram" xmlns:p="http://schemas.openxmlformats.org/presentationml/2006/main" showMasterPhAnim="1" matchingName="세로 제목 및 본문" type="vertTitleAndTx" preserve="1">
+  <p:cSld name="세로 제목 및 본문">
+    <p:spTree>
+      <p:nvGrpSpPr>
+        <p:cNvPr id="1" name=""/>
+        <p:cNvGrpSpPr/>
+        <p:nvPr/>
+      </p:nvGrpSpPr>
+      <p:grpSpPr>
+        <a:xfrm>
+          <a:off x="0" y="0"/>
+          <a:ext cx="0" cy="0"/>
+          <a:chOff x="0" y="0"/>
+          <a:chExt cx="0" cy="0"/>
+        </a:xfrm>
+      </p:grpSpPr>
+      <p:sp>
+        <p:nvSpPr>
+          <p:cNvPr id="2" name="세로 제목 1"/>
+          <p:cNvSpPr>
+            <a:spLocks noGrp="1"/>
+          </p:cNvSpPr>
+          <p:nvPr>
+            <p:ph type="title" orient="vert" idx="0"/>
+          </p:nvPr>
+        </p:nvSpPr>
+        <p:spPr>
+          <a:xfrm>
+            <a:off x="8839199" y="274638"/>
+            <a:ext cx="2743199" cy="5851525"/>
+          </a:xfrm>
+        </p:spPr>
+        <p:txBody>
+          <a:bodyPr vert="eaVert"/>
+          <a:lstStyle/>
+          <a:p>
+            <a:pPr lvl="0">
+              <a:defRPr/>
+            </a:pPr>
+            <a:r>
+              <a:rPr lang="ko-KR" altLang="en-US"/>
+              <a:t>마스터 제목 스타일 편집</a:t>
+            </a:r>
+            <a:endParaRPr lang="ko-KR" altLang="en-US"/>
+          </a:p>
+        </p:txBody>
+      </p:sp>
+      <p:sp>
+        <p:nvSpPr>
+          <p:cNvPr id="3" name="세로 텍스트 개체 틀 2"/>
+          <p:cNvSpPr>
+            <a:spLocks noGrp="1"/>
+          </p:cNvSpPr>
+          <p:nvPr>
+            <p:ph type="body" orient="vert" idx="1"/>
+          </p:nvPr>
+        </p:nvSpPr>
+        <p:spPr>
+          <a:xfrm>
+            <a:off x="609599" y="274638"/>
+            <a:ext cx="8026399" cy="5851525"/>
+          </a:xfrm>
+        </p:spPr>
+        <p:txBody>
+          <a:bodyPr vert="eaVert"/>
+          <a:lstStyle/>
+          <a:p>
+            <a:pPr lvl="0">
+              <a:defRPr/>
+            </a:pPr>
+            <a:r>
+              <a:rPr lang="ko-KR" altLang="en-US"/>
+              <a:t>마스터 텍스트 스타일을 편집합니다</a:t>
+            </a:r>
+            <a:endParaRPr lang="ko-KR" altLang="en-US"/>
+          </a:p>
+          <a:p>
+            <a:pPr lvl="1">
+              <a:defRPr/>
+            </a:pPr>
+            <a:r>
+              <a:rPr lang="ko-KR" altLang="en-US"/>
+              <a:t>둘째 수준</a:t>
+            </a:r>
+            <a:endParaRPr lang="ko-KR" altLang="en-US"/>
+          </a:p>
+          <a:p>
+            <a:pPr lvl="2">
+              <a:defRPr/>
+            </a:pPr>
+            <a:r>
+              <a:rPr lang="ko-KR" altLang="en-US"/>
+              <a:t>셋째 수준</a:t>
+            </a:r>
+            <a:endParaRPr lang="ko-KR" altLang="en-US"/>
+          </a:p>
+          <a:p>
+            <a:pPr lvl="3">
+              <a:defRPr/>
+            </a:pPr>
+            <a:r>
+              <a:rPr lang="ko-KR" altLang="en-US"/>
+              <a:t>넷째 수준</a:t>
+            </a:r>
+            <a:endParaRPr lang="ko-KR" altLang="en-US"/>
+          </a:p>
+          <a:p>
+            <a:pPr lvl="4">
+              <a:defRPr/>
+            </a:pPr>
+            <a:r>
+              <a:rPr lang="ko-KR" altLang="en-US"/>
+              <a:t>다섯째 수준</a:t>
+            </a:r>
+            <a:endParaRPr lang="ko-KR" altLang="en-US"/>
+          </a:p>
+        </p:txBody>
+      </p:sp>
+      <p:sp>
+        <p:nvSpPr>
+          <p:cNvPr id="4" name="날짜 개체 틀 3"/>
+          <p:cNvSpPr>
+            <a:spLocks noGrp="1"/>
+          </p:cNvSpPr>
+          <p:nvPr>
+            <p:ph type="dt" sz="half" idx="10"/>
+          </p:nvPr>
+        </p:nvSpPr>
+        <p:spPr/>
+        <p:txBody>
+          <a:bodyPr/>
+          <a:lstStyle/>
+          <a:p>
+            <a:pPr lvl="0">
+              <a:defRPr/>
+            </a:pPr>
+            <a:fld id="{957F84A3-4F29-4053-ACFD-1BAF2D3F140C}" type="datetime1">
+              <a:rPr lang="ko-KR" altLang="en-US"/>
+              <a:pPr lvl="0">
+                <a:defRPr/>
+              </a:pPr>
+              <a:t>2018-12-10</a:t>
+            </a:fld>
+            <a:endParaRPr lang="ko-KR" altLang="en-US"/>
+          </a:p>
+        </p:txBody>
+      </p:sp>
+      <p:sp>
+        <p:nvSpPr>
+          <p:cNvPr id="5" name="바닥글 개체 틀 4"/>
+          <p:cNvSpPr>
+            <a:spLocks noGrp="1"/>
+          </p:cNvSpPr>
+          <p:nvPr>
+            <p:ph type="ftr" sz="quarter" idx="11"/>
+          </p:nvPr>
+        </p:nvSpPr>
+        <p:spPr/>
+        <p:txBody>
+          <a:bodyPr/>
+          <a:lstStyle/>
+          <a:p>
+            <a:pPr lvl="0">
+              <a:defRPr/>
+            </a:pPr>
+            <a:r>
+              <a:rPr lang="ko-KR" altLang="en-US"/>
+              <a:t/>
+            </a:r>
+            <a:endParaRPr lang="ko-KR" altLang="en-US"/>
+          </a:p>
+        </p:txBody>
+      </p:sp>
+      <p:sp>
+        <p:nvSpPr>
+          <p:cNvPr id="6" name="슬라이드 번호 개체 틀 5"/>
+          <p:cNvSpPr>
+            <a:spLocks noGrp="1"/>
+          </p:cNvSpPr>
+          <p:nvPr>
+            <p:ph type="sldNum" sz="quarter" idx="12"/>
+          </p:nvPr>
+        </p:nvSpPr>
+        <p:spPr/>
+        <p:txBody>
+          <a:bodyPr/>
+          <a:lstStyle/>
+          <a:p>
+            <a:pPr lvl="0">
+              <a:defRPr/>
+            </a:pPr>
+            <a:fld id="{AD22CD3B-FDDF-4998-970C-76E6E0BEC65F}" type="slidenum">
+              <a:rPr lang="ko-KR" altLang="en-US"/>
+              <a:pPr lvl="0">
+                <a:defRPr/>
+              </a:pPr>
+              <a:t>‹#›</a:t>
+            </a:fld>
+            <a:endParaRPr lang="ko-KR" altLang="en-US"/>
+          </a:p>
+        </p:txBody>
+      </p:sp>
+    </p:spTree>
+  </p:cSld>
+  <p:clrMapOvr>
+    <a:masterClrMapping/>
+  </p:clrMapOvr>
+  <p:transition xmlns:mc="http://schemas.openxmlformats.org/markup-compatibility/2006" xmlns:hp="http://schemas.haansoft.com/office/presentation/8.0" mc:Ignorable="hp" hp:hslDur="500"/>
 </p:sldLayout>
 </file>
 
 <file path=ppt/slideLayouts/slideLayout2.xml><?xml version="1.0" encoding="utf-8"?>
-<p:sldLayout xmlns:a="http://schemas.openxmlformats.org/drawingml/2006/main" xmlns:r="http://schemas.openxmlformats.org/officeDocument/2006/relationships" xmlns:p="http://schemas.openxmlformats.org/presentationml/2006/main" type="obj" preserve="1">
+<p:sldLayout xmlns:r="http://schemas.openxmlformats.org/officeDocument/2006/relationships" xmlns:c="http://schemas.openxmlformats.org/drawingml/2006/chart" xmlns:a="http://schemas.openxmlformats.org/drawingml/2006/main" xmlns:dgm="http://schemas.openxmlformats.org/drawingml/2006/diagram" xmlns:dsp="http://schemas.microsoft.com/office/drawing/2008/diagram" xmlns:p="http://schemas.openxmlformats.org/presentationml/2006/main" showMasterPhAnim="1" matchingName="제목 및 내용" type="obj" preserve="1">
   <p:cSld name="제목 및 내용">
     <p:spTree>
       <p:nvGrpSpPr>
@@ -789,18 +995,12 @@
       </p:grpSpPr>
       <p:sp>
         <p:nvSpPr>
-          <p:cNvPr id="2" name="제목 1">
-            <a:extLst>
-              <a:ext uri="{FF2B5EF4-FFF2-40B4-BE49-F238E27FC236}">
-                <a16:creationId xmlns:a16="http://schemas.microsoft.com/office/drawing/2014/main" id="{39718582-4FF3-4DA1-A20E-36C1178C8CB6}"/>
-              </a:ext>
-            </a:extLst>
-          </p:cNvPr>
-          <p:cNvSpPr>
-            <a:spLocks noGrp="1"/>
-          </p:cNvSpPr>
-          <p:nvPr>
-            <p:ph type="title"/>
+          <p:cNvPr id="2" name="제목 1"/>
+          <p:cNvSpPr>
+            <a:spLocks noGrp="1"/>
+          </p:cNvSpPr>
+          <p:nvPr>
+            <p:ph type="title" idx="0"/>
           </p:nvPr>
         </p:nvSpPr>
         <p:spPr/>
@@ -808,22 +1008,20 @@
           <a:bodyPr/>
           <a:lstStyle/>
           <a:p>
+            <a:pPr lvl="0">
+              <a:defRPr/>
+            </a:pPr>
             <a:r>
               <a:rPr lang="ko-KR" altLang="en-US"/>
               <a:t>마스터 제목 스타일 편집</a:t>
             </a:r>
-          </a:p>
-        </p:txBody>
-      </p:sp>
-      <p:sp>
-        <p:nvSpPr>
-          <p:cNvPr id="3" name="내용 개체 틀 2">
-            <a:extLst>
-              <a:ext uri="{FF2B5EF4-FFF2-40B4-BE49-F238E27FC236}">
-                <a16:creationId xmlns:a16="http://schemas.microsoft.com/office/drawing/2014/main" id="{526ABC6F-DF0B-4408-930F-2FAB03115CF1}"/>
-              </a:ext>
-            </a:extLst>
-          </p:cNvPr>
+            <a:endParaRPr lang="ko-KR" altLang="en-US"/>
+          </a:p>
+        </p:txBody>
+      </p:sp>
+      <p:sp>
+        <p:nvSpPr>
+          <p:cNvPr id="3" name="내용 개체 틀 2"/>
           <p:cNvSpPr>
             <a:spLocks noGrp="1"/>
           </p:cNvSpPr>
@@ -836,51 +1034,60 @@
           <a:bodyPr/>
           <a:lstStyle/>
           <a:p>
-            <a:pPr lvl="0"/>
-            <a:r>
-              <a:rPr lang="ko-KR" altLang="en-US"/>
-              <a:t>마스터 텍스트 스타일 편집</a:t>
-            </a:r>
-          </a:p>
-          <a:p>
-            <a:pPr lvl="1"/>
+            <a:pPr lvl="0">
+              <a:defRPr/>
+            </a:pPr>
+            <a:r>
+              <a:rPr lang="ko-KR" altLang="en-US"/>
+              <a:t>마스터 텍스트 스타일을 편집합니다</a:t>
+            </a:r>
+            <a:endParaRPr lang="ko-KR" altLang="en-US"/>
+          </a:p>
+          <a:p>
+            <a:pPr lvl="1">
+              <a:defRPr/>
+            </a:pPr>
             <a:r>
               <a:rPr lang="ko-KR" altLang="en-US"/>
               <a:t>둘째 수준</a:t>
             </a:r>
-          </a:p>
-          <a:p>
-            <a:pPr lvl="2"/>
+            <a:endParaRPr lang="ko-KR" altLang="en-US"/>
+          </a:p>
+          <a:p>
+            <a:pPr lvl="2">
+              <a:defRPr/>
+            </a:pPr>
             <a:r>
               <a:rPr lang="ko-KR" altLang="en-US"/>
               <a:t>셋째 수준</a:t>
             </a:r>
-          </a:p>
-          <a:p>
-            <a:pPr lvl="3"/>
+            <a:endParaRPr lang="ko-KR" altLang="en-US"/>
+          </a:p>
+          <a:p>
+            <a:pPr lvl="3">
+              <a:defRPr/>
+            </a:pPr>
             <a:r>
               <a:rPr lang="ko-KR" altLang="en-US"/>
               <a:t>넷째 수준</a:t>
             </a:r>
-          </a:p>
-          <a:p>
-            <a:pPr lvl="4"/>
+            <a:endParaRPr lang="ko-KR" altLang="en-US"/>
+          </a:p>
+          <a:p>
+            <a:pPr lvl="4">
+              <a:defRPr/>
+            </a:pPr>
             <a:r>
               <a:rPr lang="ko-KR" altLang="en-US"/>
               <a:t>다섯째 수준</a:t>
             </a:r>
-          </a:p>
-        </p:txBody>
-      </p:sp>
-      <p:sp>
-        <p:nvSpPr>
-          <p:cNvPr id="4" name="날짜 개체 틀 3">
-            <a:extLst>
-              <a:ext uri="{FF2B5EF4-FFF2-40B4-BE49-F238E27FC236}">
-                <a16:creationId xmlns:a16="http://schemas.microsoft.com/office/drawing/2014/main" id="{961FF9A4-A7C0-43E3-9A09-3B42E9F7138F}"/>
-              </a:ext>
-            </a:extLst>
-          </p:cNvPr>
+            <a:endParaRPr lang="ko-KR" altLang="en-US"/>
+          </a:p>
+        </p:txBody>
+      </p:sp>
+      <p:sp>
+        <p:nvSpPr>
+          <p:cNvPr id="4" name="날짜 개체 틀 3"/>
           <p:cNvSpPr>
             <a:spLocks noGrp="1"/>
           </p:cNvSpPr>
@@ -893,9 +1100,15 @@
           <a:bodyPr/>
           <a:lstStyle/>
           <a:p>
-            <a:fld id="{19EB0ECF-D969-43D9-9AC3-D8140255FEF8}" type="datetimeFigureOut">
-              <a:rPr lang="ko-KR" altLang="en-US" smtClean="0"/>
-              <a:t>2018-11-29</a:t>
+            <a:pPr lvl="0">
+              <a:defRPr/>
+            </a:pPr>
+            <a:fld id="{4953836A-82A3-4C8B-9D31-CD724F3673ED}" type="datetime1">
+              <a:rPr lang="ko-KR" altLang="en-US"/>
+              <a:pPr lvl="0">
+                <a:defRPr/>
+              </a:pPr>
+              <a:t>2018-12-10</a:t>
             </a:fld>
             <a:endParaRPr lang="ko-KR" altLang="en-US"/>
           </a:p>
@@ -903,13 +1116,7 @@
       </p:sp>
       <p:sp>
         <p:nvSpPr>
-          <p:cNvPr id="5" name="바닥글 개체 틀 4">
-            <a:extLst>
-              <a:ext uri="{FF2B5EF4-FFF2-40B4-BE49-F238E27FC236}">
-                <a16:creationId xmlns:a16="http://schemas.microsoft.com/office/drawing/2014/main" id="{11D885C0-2858-48FB-8886-F9DD7A16519F}"/>
-              </a:ext>
-            </a:extLst>
-          </p:cNvPr>
+          <p:cNvPr id="5" name="바닥글 개체 틀 4"/>
           <p:cNvSpPr>
             <a:spLocks noGrp="1"/>
           </p:cNvSpPr>
@@ -922,19 +1129,20 @@
           <a:bodyPr/>
           <a:lstStyle/>
           <a:p>
-            <a:endParaRPr lang="ko-KR" altLang="en-US"/>
-          </a:p>
-        </p:txBody>
-      </p:sp>
-      <p:sp>
-        <p:nvSpPr>
-          <p:cNvPr id="6" name="슬라이드 번호 개체 틀 5">
-            <a:extLst>
-              <a:ext uri="{FF2B5EF4-FFF2-40B4-BE49-F238E27FC236}">
-                <a16:creationId xmlns:a16="http://schemas.microsoft.com/office/drawing/2014/main" id="{8AF05AFE-104E-4AD1-8EAD-6CA78207F51D}"/>
-              </a:ext>
-            </a:extLst>
-          </p:cNvPr>
+            <a:pPr lvl="0">
+              <a:defRPr/>
+            </a:pPr>
+            <a:r>
+              <a:rPr lang="ko-KR" altLang="en-US"/>
+              <a:t/>
+            </a:r>
+            <a:endParaRPr lang="ko-KR" altLang="en-US"/>
+          </a:p>
+        </p:txBody>
+      </p:sp>
+      <p:sp>
+        <p:nvSpPr>
+          <p:cNvPr id="6" name="슬라이드 번호 개체 틀 5"/>
           <p:cNvSpPr>
             <a:spLocks noGrp="1"/>
           </p:cNvSpPr>
@@ -947,8 +1155,14 @@
           <a:bodyPr/>
           <a:lstStyle/>
           <a:p>
-            <a:fld id="{304156D8-57F3-479A-8BA3-D77E0031E147}" type="slidenum">
-              <a:rPr lang="ko-KR" altLang="en-US" smtClean="0"/>
+            <a:pPr lvl="0">
+              <a:defRPr/>
+            </a:pPr>
+            <a:fld id="{AD22CD3B-FDDF-4998-970C-76E6E0BEC65F}" type="slidenum">
+              <a:rPr lang="ko-KR" altLang="en-US"/>
+              <a:pPr lvl="0">
+                <a:defRPr/>
+              </a:pPr>
               <a:t>‹#›</a:t>
             </a:fld>
             <a:endParaRPr lang="ko-KR" altLang="en-US"/>
@@ -956,20 +1170,126 @@
         </p:txBody>
       </p:sp>
     </p:spTree>
-    <p:extLst>
-      <p:ext uri="{BB962C8B-B14F-4D97-AF65-F5344CB8AC3E}">
-        <p14:creationId xmlns:p14="http://schemas.microsoft.com/office/powerpoint/2010/main" val="2046168614"/>
-      </p:ext>
-    </p:extLst>
   </p:cSld>
   <p:clrMapOvr>
     <a:masterClrMapping/>
   </p:clrMapOvr>
+  <p:transition xmlns:mc="http://schemas.openxmlformats.org/markup-compatibility/2006" xmlns:hp="http://schemas.haansoft.com/office/presentation/8.0" mc:Ignorable="hp" hp:hslDur="500"/>
 </p:sldLayout>
 </file>
 
 <file path=ppt/slideLayouts/slideLayout3.xml><?xml version="1.0" encoding="utf-8"?>
-<p:sldLayout xmlns:a="http://schemas.openxmlformats.org/drawingml/2006/main" xmlns:r="http://schemas.openxmlformats.org/officeDocument/2006/relationships" xmlns:p="http://schemas.openxmlformats.org/presentationml/2006/main" type="secHead" preserve="1">
+<p:sldLayout xmlns:r="http://schemas.openxmlformats.org/officeDocument/2006/relationships" xmlns:c="http://schemas.openxmlformats.org/drawingml/2006/chart" xmlns:a="http://schemas.openxmlformats.org/drawingml/2006/main" xmlns:dgm="http://schemas.openxmlformats.org/drawingml/2006/diagram" xmlns:dsp="http://schemas.microsoft.com/office/drawing/2008/diagram" xmlns:p="http://schemas.openxmlformats.org/presentationml/2006/main" showMasterPhAnim="1" matchingName="빈 화면" type="blank" preserve="1">
+  <p:cSld name="빈 화면">
+    <p:spTree>
+      <p:nvGrpSpPr>
+        <p:cNvPr id="1" name=""/>
+        <p:cNvGrpSpPr/>
+        <p:nvPr/>
+      </p:nvGrpSpPr>
+      <p:grpSpPr>
+        <a:xfrm>
+          <a:off x="0" y="0"/>
+          <a:ext cx="0" cy="0"/>
+          <a:chOff x="0" y="0"/>
+          <a:chExt cx="0" cy="0"/>
+        </a:xfrm>
+      </p:grpSpPr>
+      <p:sp>
+        <p:nvSpPr>
+          <p:cNvPr id="2" name="날짜 개체 틀 3"/>
+          <p:cNvSpPr>
+            <a:spLocks noGrp="1"/>
+          </p:cNvSpPr>
+          <p:nvPr>
+            <p:ph type="dt" sz="half" idx="10"/>
+          </p:nvPr>
+        </p:nvSpPr>
+        <p:spPr/>
+        <p:txBody>
+          <a:bodyPr/>
+          <a:lstStyle/>
+          <a:p>
+            <a:pPr lvl="0">
+              <a:defRPr/>
+            </a:pPr>
+            <a:fld id="{AD2EBAF6-36D0-4DD8-B695-D4C1B37E35D6}" type="datetime1">
+              <a:rPr lang="ko-KR" altLang="en-US"/>
+              <a:pPr lvl="0">
+                <a:defRPr/>
+              </a:pPr>
+              <a:t>2018-12-10</a:t>
+            </a:fld>
+            <a:endParaRPr lang="ko-KR" altLang="en-US"/>
+          </a:p>
+        </p:txBody>
+      </p:sp>
+      <p:sp>
+        <p:nvSpPr>
+          <p:cNvPr id="3" name="바닥글 개체 틀 4"/>
+          <p:cNvSpPr>
+            <a:spLocks noGrp="1"/>
+          </p:cNvSpPr>
+          <p:nvPr>
+            <p:ph type="ftr" sz="quarter" idx="11"/>
+          </p:nvPr>
+        </p:nvSpPr>
+        <p:spPr/>
+        <p:txBody>
+          <a:bodyPr/>
+          <a:lstStyle/>
+          <a:p>
+            <a:pPr lvl="0">
+              <a:defRPr/>
+            </a:pPr>
+            <a:r>
+              <a:rPr lang="ko-KR" altLang="en-US"/>
+              <a:t/>
+            </a:r>
+            <a:endParaRPr lang="ko-KR" altLang="en-US"/>
+          </a:p>
+        </p:txBody>
+      </p:sp>
+      <p:sp>
+        <p:nvSpPr>
+          <p:cNvPr id="4" name="슬라이드 번호 개체 틀 5"/>
+          <p:cNvSpPr>
+            <a:spLocks noGrp="1"/>
+          </p:cNvSpPr>
+          <p:nvPr>
+            <p:ph type="sldNum" sz="quarter" idx="12"/>
+          </p:nvPr>
+        </p:nvSpPr>
+        <p:spPr/>
+        <p:txBody>
+          <a:bodyPr/>
+          <a:lstStyle/>
+          <a:p>
+            <a:pPr lvl="0">
+              <a:defRPr/>
+            </a:pPr>
+            <a:fld id="{AD22CD3B-FDDF-4998-970C-76E6E0BEC65F}" type="slidenum">
+              <a:rPr lang="ko-KR" altLang="en-US"/>
+              <a:pPr lvl="0">
+                <a:defRPr/>
+              </a:pPr>
+              <a:t>‹#›</a:t>
+            </a:fld>
+            <a:endParaRPr lang="ko-KR" altLang="en-US"/>
+          </a:p>
+        </p:txBody>
+      </p:sp>
+    </p:spTree>
+  </p:cSld>
+  <p:clrMapOvr>
+    <a:masterClrMapping/>
+  </p:clrMapOvr>
+  <p:transition xmlns:mc="http://schemas.openxmlformats.org/markup-compatibility/2006" xmlns:hp="http://schemas.haansoft.com/office/presentation/8.0" mc:Ignorable="hp" hp:hslDur="500"/>
+</p:sldLayout>
+</file>
+
+<file path=ppt/slideLayouts/slideLayout4.xml><?xml version="1.0" encoding="utf-8"?>
+<p:sldLayout xmlns:r="http://schemas.openxmlformats.org/officeDocument/2006/relationships" xmlns:c="http://schemas.openxmlformats.org/drawingml/2006/chart" xmlns:a="http://schemas.openxmlformats.org/drawingml/2006/main" xmlns:dgm="http://schemas.openxmlformats.org/drawingml/2006/diagram" xmlns:dsp="http://schemas.microsoft.com/office/drawing/2008/diagram" xmlns:p="http://schemas.openxmlformats.org/presentationml/2006/main" showMasterPhAnim="1" matchingName="구역 머리글" type="secHead" preserve="1">
   <p:cSld name="구역 머리글">
     <p:spTree>
       <p:nvGrpSpPr>
@@ -987,69 +1307,61 @@
       </p:grpSpPr>
       <p:sp>
         <p:nvSpPr>
-          <p:cNvPr id="2" name="제목 1">
-            <a:extLst>
-              <a:ext uri="{FF2B5EF4-FFF2-40B4-BE49-F238E27FC236}">
-                <a16:creationId xmlns:a16="http://schemas.microsoft.com/office/drawing/2014/main" id="{1F633C61-DB43-4077-9514-93E037C3D927}"/>
-              </a:ext>
-            </a:extLst>
-          </p:cNvPr>
-          <p:cNvSpPr>
-            <a:spLocks noGrp="1"/>
-          </p:cNvSpPr>
-          <p:nvPr>
-            <p:ph type="title"/>
+          <p:cNvPr id="2" name="제목 1"/>
+          <p:cNvSpPr>
+            <a:spLocks noGrp="1"/>
+          </p:cNvSpPr>
+          <p:nvPr>
+            <p:ph type="title" idx="0"/>
           </p:nvPr>
         </p:nvSpPr>
         <p:spPr>
           <a:xfrm>
-            <a:off x="831850" y="1709738"/>
-            <a:ext cx="10515600" cy="2852737"/>
+            <a:off x="963083" y="4406900"/>
+            <a:ext cx="10363198" cy="1362075"/>
           </a:xfrm>
         </p:spPr>
         <p:txBody>
+          <a:bodyPr anchor="t"/>
+          <a:lstStyle>
+            <a:lvl1pPr algn="l">
+              <a:defRPr sz="4000" b="1" cap="all"/>
+            </a:lvl1pPr>
+          </a:lstStyle>
+          <a:p>
+            <a:pPr lvl="0">
+              <a:defRPr/>
+            </a:pPr>
+            <a:r>
+              <a:rPr lang="ko-KR" altLang="en-US"/>
+              <a:t>마스터 제목 스타일 편집</a:t>
+            </a:r>
+            <a:endParaRPr lang="ko-KR" altLang="en-US"/>
+          </a:p>
+        </p:txBody>
+      </p:sp>
+      <p:sp>
+        <p:nvSpPr>
+          <p:cNvPr id="3" name="텍스트 개체 틀 2"/>
+          <p:cNvSpPr>
+            <a:spLocks noGrp="1"/>
+          </p:cNvSpPr>
+          <p:nvPr>
+            <p:ph type="body" idx="1"/>
+          </p:nvPr>
+        </p:nvSpPr>
+        <p:spPr>
+          <a:xfrm>
+            <a:off x="963083" y="2906713"/>
+            <a:ext cx="10363198" cy="1500187"/>
+          </a:xfrm>
+        </p:spPr>
+        <p:txBody>
           <a:bodyPr anchor="b"/>
           <a:lstStyle>
-            <a:lvl1pPr>
-              <a:defRPr sz="6000"/>
-            </a:lvl1pPr>
-          </a:lstStyle>
-          <a:p>
-            <a:r>
-              <a:rPr lang="ko-KR" altLang="en-US"/>
-              <a:t>마스터 제목 스타일 편집</a:t>
-            </a:r>
-          </a:p>
-        </p:txBody>
-      </p:sp>
-      <p:sp>
-        <p:nvSpPr>
-          <p:cNvPr id="3" name="텍스트 개체 틀 2">
-            <a:extLst>
-              <a:ext uri="{FF2B5EF4-FFF2-40B4-BE49-F238E27FC236}">
-                <a16:creationId xmlns:a16="http://schemas.microsoft.com/office/drawing/2014/main" id="{418BC89A-53FE-4E48-82F6-EFF33BE9E1F8}"/>
-              </a:ext>
-            </a:extLst>
-          </p:cNvPr>
-          <p:cNvSpPr>
-            <a:spLocks noGrp="1"/>
-          </p:cNvSpPr>
-          <p:nvPr>
-            <p:ph type="body" idx="1"/>
-          </p:nvPr>
-        </p:nvSpPr>
-        <p:spPr>
-          <a:xfrm>
-            <a:off x="831850" y="4589463"/>
-            <a:ext cx="10515600" cy="1500187"/>
-          </a:xfrm>
-        </p:spPr>
-        <p:txBody>
-          <a:bodyPr/>
-          <a:lstStyle>
             <a:lvl1pPr marL="0" indent="0">
               <a:buNone/>
-              <a:defRPr sz="2400">
+              <a:defRPr sz="2000">
                 <a:solidFill>
                   <a:schemeClr val="tx1">
                     <a:tint val="75000"/>
@@ -1059,7 +1371,7 @@
             </a:lvl1pPr>
             <a:lvl2pPr marL="457200" indent="0">
               <a:buNone/>
-              <a:defRPr sz="2000">
+              <a:defRPr sz="1800">
                 <a:solidFill>
                   <a:schemeClr val="tx1">
                     <a:tint val="75000"/>
@@ -1069,7 +1381,7 @@
             </a:lvl2pPr>
             <a:lvl3pPr marL="914400" indent="0">
               <a:buNone/>
-              <a:defRPr sz="1800">
+              <a:defRPr sz="1600">
                 <a:solidFill>
                   <a:schemeClr val="tx1">
                     <a:tint val="75000"/>
@@ -1079,7 +1391,7 @@
             </a:lvl3pPr>
             <a:lvl4pPr marL="1371600" indent="0">
               <a:buNone/>
-              <a:defRPr sz="1600">
+              <a:defRPr sz="1400">
                 <a:solidFill>
                   <a:schemeClr val="tx1">
                     <a:tint val="75000"/>
@@ -1089,7 +1401,7 @@
             </a:lvl4pPr>
             <a:lvl5pPr marL="1828800" indent="0">
               <a:buNone/>
-              <a:defRPr sz="1600">
+              <a:defRPr sz="1400">
                 <a:solidFill>
                   <a:schemeClr val="tx1">
                     <a:tint val="75000"/>
@@ -1099,7 +1411,7 @@
             </a:lvl5pPr>
             <a:lvl6pPr marL="2286000" indent="0">
               <a:buNone/>
-              <a:defRPr sz="1600">
+              <a:defRPr sz="1400">
                 <a:solidFill>
                   <a:schemeClr val="tx1">
                     <a:tint val="75000"/>
@@ -1109,7 +1421,7 @@
             </a:lvl6pPr>
             <a:lvl7pPr marL="2743200" indent="0">
               <a:buNone/>
-              <a:defRPr sz="1600">
+              <a:defRPr sz="1400">
                 <a:solidFill>
                   <a:schemeClr val="tx1">
                     <a:tint val="75000"/>
@@ -1119,7 +1431,7 @@
             </a:lvl7pPr>
             <a:lvl8pPr marL="3200400" indent="0">
               <a:buNone/>
-              <a:defRPr sz="1600">
+              <a:defRPr sz="1400">
                 <a:solidFill>
                   <a:schemeClr val="tx1">
                     <a:tint val="75000"/>
@@ -1129,7 +1441,7 @@
             </a:lvl8pPr>
             <a:lvl9pPr marL="3657600" indent="0">
               <a:buNone/>
-              <a:defRPr sz="1600">
+              <a:defRPr sz="1400">
                 <a:solidFill>
                   <a:schemeClr val="tx1">
                     <a:tint val="75000"/>
@@ -1139,23 +1451,20 @@
             </a:lvl9pPr>
           </a:lstStyle>
           <a:p>
-            <a:pPr lvl="0"/>
-            <a:r>
-              <a:rPr lang="ko-KR" altLang="en-US"/>
-              <a:t>마스터 텍스트 스타일 편집</a:t>
-            </a:r>
-          </a:p>
-        </p:txBody>
-      </p:sp>
-      <p:sp>
-        <p:nvSpPr>
-          <p:cNvPr id="4" name="날짜 개체 틀 3">
-            <a:extLst>
-              <a:ext uri="{FF2B5EF4-FFF2-40B4-BE49-F238E27FC236}">
-                <a16:creationId xmlns:a16="http://schemas.microsoft.com/office/drawing/2014/main" id="{04C20197-8E49-40A9-AAF8-002F60EF488B}"/>
-              </a:ext>
-            </a:extLst>
-          </p:cNvPr>
+            <a:pPr lvl="0">
+              <a:defRPr/>
+            </a:pPr>
+            <a:r>
+              <a:rPr lang="ko-KR" altLang="en-US"/>
+              <a:t>마스터 텍스트 스타일을 편집합니다</a:t>
+            </a:r>
+            <a:endParaRPr lang="ko-KR" altLang="en-US"/>
+          </a:p>
+        </p:txBody>
+      </p:sp>
+      <p:sp>
+        <p:nvSpPr>
+          <p:cNvPr id="4" name="날짜 개체 틀 3"/>
           <p:cNvSpPr>
             <a:spLocks noGrp="1"/>
           </p:cNvSpPr>
@@ -1168,9 +1477,15 @@
           <a:bodyPr/>
           <a:lstStyle/>
           <a:p>
-            <a:fld id="{19EB0ECF-D969-43D9-9AC3-D8140255FEF8}" type="datetimeFigureOut">
-              <a:rPr lang="ko-KR" altLang="en-US" smtClean="0"/>
-              <a:t>2018-11-29</a:t>
+            <a:pPr lvl="0">
+              <a:defRPr/>
+            </a:pPr>
+            <a:fld id="{60728D28-603B-4EFC-80F8-17E5E9107035}" type="datetime1">
+              <a:rPr lang="ko-KR" altLang="en-US"/>
+              <a:pPr lvl="0">
+                <a:defRPr/>
+              </a:pPr>
+              <a:t>2018-12-10</a:t>
             </a:fld>
             <a:endParaRPr lang="ko-KR" altLang="en-US"/>
           </a:p>
@@ -1178,13 +1493,7 @@
       </p:sp>
       <p:sp>
         <p:nvSpPr>
-          <p:cNvPr id="5" name="바닥글 개체 틀 4">
-            <a:extLst>
-              <a:ext uri="{FF2B5EF4-FFF2-40B4-BE49-F238E27FC236}">
-                <a16:creationId xmlns:a16="http://schemas.microsoft.com/office/drawing/2014/main" id="{C1B5033B-9E23-4A1D-9CB4-9D2DB788CA7A}"/>
-              </a:ext>
-            </a:extLst>
-          </p:cNvPr>
+          <p:cNvPr id="5" name="바닥글 개체 틀 4"/>
           <p:cNvSpPr>
             <a:spLocks noGrp="1"/>
           </p:cNvSpPr>
@@ -1197,19 +1506,20 @@
           <a:bodyPr/>
           <a:lstStyle/>
           <a:p>
-            <a:endParaRPr lang="ko-KR" altLang="en-US"/>
-          </a:p>
-        </p:txBody>
-      </p:sp>
-      <p:sp>
-        <p:nvSpPr>
-          <p:cNvPr id="6" name="슬라이드 번호 개체 틀 5">
-            <a:extLst>
-              <a:ext uri="{FF2B5EF4-FFF2-40B4-BE49-F238E27FC236}">
-                <a16:creationId xmlns:a16="http://schemas.microsoft.com/office/drawing/2014/main" id="{EE325FDF-07C7-4D5E-9564-46DD9156A5B2}"/>
-              </a:ext>
-            </a:extLst>
-          </p:cNvPr>
+            <a:pPr lvl="0">
+              <a:defRPr/>
+            </a:pPr>
+            <a:r>
+              <a:rPr lang="ko-KR" altLang="en-US"/>
+              <a:t/>
+            </a:r>
+            <a:endParaRPr lang="ko-KR" altLang="en-US"/>
+          </a:p>
+        </p:txBody>
+      </p:sp>
+      <p:sp>
+        <p:nvSpPr>
+          <p:cNvPr id="6" name="슬라이드 번호 개체 틀 5"/>
           <p:cNvSpPr>
             <a:spLocks noGrp="1"/>
           </p:cNvSpPr>
@@ -1222,8 +1532,14 @@
           <a:bodyPr/>
           <a:lstStyle/>
           <a:p>
-            <a:fld id="{304156D8-57F3-479A-8BA3-D77E0031E147}" type="slidenum">
-              <a:rPr lang="ko-KR" altLang="en-US" smtClean="0"/>
+            <a:pPr lvl="0">
+              <a:defRPr/>
+            </a:pPr>
+            <a:fld id="{AD22CD3B-FDDF-4998-970C-76E6E0BEC65F}" type="slidenum">
+              <a:rPr lang="ko-KR" altLang="en-US"/>
+              <a:pPr lvl="0">
+                <a:defRPr/>
+              </a:pPr>
               <a:t>‹#›</a:t>
             </a:fld>
             <a:endParaRPr lang="ko-KR" altLang="en-US"/>
@@ -1231,21 +1547,17 @@
         </p:txBody>
       </p:sp>
     </p:spTree>
-    <p:extLst>
-      <p:ext uri="{BB962C8B-B14F-4D97-AF65-F5344CB8AC3E}">
-        <p14:creationId xmlns:p14="http://schemas.microsoft.com/office/powerpoint/2010/main" val="2280828146"/>
-      </p:ext>
-    </p:extLst>
   </p:cSld>
   <p:clrMapOvr>
     <a:masterClrMapping/>
   </p:clrMapOvr>
+  <p:transition xmlns:mc="http://schemas.openxmlformats.org/markup-compatibility/2006" xmlns:hp="http://schemas.haansoft.com/office/presentation/8.0" mc:Ignorable="hp" hp:hslDur="500"/>
 </p:sldLayout>
 </file>
 
-<file path=ppt/slideLayouts/slideLayout4.xml><?xml version="1.0" encoding="utf-8"?>
-<p:sldLayout xmlns:a="http://schemas.openxmlformats.org/drawingml/2006/main" xmlns:r="http://schemas.openxmlformats.org/officeDocument/2006/relationships" xmlns:p="http://schemas.openxmlformats.org/presentationml/2006/main" type="twoObj" preserve="1">
-  <p:cSld name="콘텐츠 2개">
+<file path=ppt/slideLayouts/slideLayout5.xml><?xml version="1.0" encoding="utf-8"?>
+<p:sldLayout xmlns:r="http://schemas.openxmlformats.org/officeDocument/2006/relationships" xmlns:c="http://schemas.openxmlformats.org/drawingml/2006/chart" xmlns:a="http://schemas.openxmlformats.org/drawingml/2006/main" xmlns:dgm="http://schemas.openxmlformats.org/drawingml/2006/diagram" xmlns:dsp="http://schemas.microsoft.com/office/drawing/2008/diagram" xmlns:p="http://schemas.openxmlformats.org/presentationml/2006/main" showMasterPhAnim="1" matchingName="내용 2개" type="twoObj" preserve="1">
+  <p:cSld name="내용 2개">
     <p:spTree>
       <p:nvGrpSpPr>
         <p:cNvPr id="1" name=""/>
@@ -1262,18 +1574,12 @@
       </p:grpSpPr>
       <p:sp>
         <p:nvSpPr>
-          <p:cNvPr id="2" name="제목 1">
-            <a:extLst>
-              <a:ext uri="{FF2B5EF4-FFF2-40B4-BE49-F238E27FC236}">
-                <a16:creationId xmlns:a16="http://schemas.microsoft.com/office/drawing/2014/main" id="{1EFFBF70-360F-44E2-A290-B8B95D8E5EC0}"/>
-              </a:ext>
-            </a:extLst>
-          </p:cNvPr>
-          <p:cNvSpPr>
-            <a:spLocks noGrp="1"/>
-          </p:cNvSpPr>
-          <p:nvPr>
-            <p:ph type="title"/>
+          <p:cNvPr id="2" name="제목 1"/>
+          <p:cNvSpPr>
+            <a:spLocks noGrp="1"/>
+          </p:cNvSpPr>
+          <p:nvPr>
+            <p:ph type="title" idx="0"/>
           </p:nvPr>
         </p:nvSpPr>
         <p:spPr/>
@@ -1281,22 +1587,20 @@
           <a:bodyPr/>
           <a:lstStyle/>
           <a:p>
+            <a:pPr lvl="0">
+              <a:defRPr/>
+            </a:pPr>
             <a:r>
               <a:rPr lang="ko-KR" altLang="en-US"/>
               <a:t>마스터 제목 스타일 편집</a:t>
             </a:r>
-          </a:p>
-        </p:txBody>
-      </p:sp>
-      <p:sp>
-        <p:nvSpPr>
-          <p:cNvPr id="3" name="내용 개체 틀 2">
-            <a:extLst>
-              <a:ext uri="{FF2B5EF4-FFF2-40B4-BE49-F238E27FC236}">
-                <a16:creationId xmlns:a16="http://schemas.microsoft.com/office/drawing/2014/main" id="{C04EB6B0-4127-44CA-801C-7B11C4FB1E5B}"/>
-              </a:ext>
-            </a:extLst>
-          </p:cNvPr>
+            <a:endParaRPr lang="ko-KR" altLang="en-US"/>
+          </a:p>
+        </p:txBody>
+      </p:sp>
+      <p:sp>
+        <p:nvSpPr>
+          <p:cNvPr id="3" name="내용 개체 틀 2"/>
           <p:cNvSpPr>
             <a:spLocks noGrp="1"/>
           </p:cNvSpPr>
@@ -1306,59 +1610,96 @@
         </p:nvSpPr>
         <p:spPr>
           <a:xfrm>
-            <a:off x="838200" y="1825625"/>
-            <a:ext cx="5181600" cy="4351338"/>
+            <a:off x="609599" y="1600200"/>
+            <a:ext cx="5384799" cy="4525963"/>
           </a:xfrm>
         </p:spPr>
         <p:txBody>
           <a:bodyPr/>
-          <a:lstStyle/>
-          <a:p>
-            <a:pPr lvl="0"/>
-            <a:r>
-              <a:rPr lang="ko-KR" altLang="en-US"/>
-              <a:t>마스터 텍스트 스타일 편집</a:t>
-            </a:r>
-          </a:p>
-          <a:p>
-            <a:pPr lvl="1"/>
+          <a:lstStyle>
+            <a:lvl1pPr>
+              <a:defRPr sz="2800"/>
+            </a:lvl1pPr>
+            <a:lvl2pPr>
+              <a:defRPr sz="2400"/>
+            </a:lvl2pPr>
+            <a:lvl3pPr>
+              <a:defRPr sz="2000"/>
+            </a:lvl3pPr>
+            <a:lvl4pPr>
+              <a:defRPr sz="1800"/>
+            </a:lvl4pPr>
+            <a:lvl5pPr>
+              <a:defRPr sz="1800"/>
+            </a:lvl5pPr>
+            <a:lvl6pPr>
+              <a:defRPr sz="1800"/>
+            </a:lvl6pPr>
+            <a:lvl7pPr>
+              <a:defRPr sz="1800"/>
+            </a:lvl7pPr>
+            <a:lvl8pPr>
+              <a:defRPr sz="1800"/>
+            </a:lvl8pPr>
+            <a:lvl9pPr>
+              <a:defRPr sz="2800"/>
+            </a:lvl9pPr>
+          </a:lstStyle>
+          <a:p>
+            <a:pPr lvl="0">
+              <a:defRPr/>
+            </a:pPr>
+            <a:r>
+              <a:rPr lang="ko-KR" altLang="en-US"/>
+              <a:t>마스터 텍스트 스타일을 편집합니다</a:t>
+            </a:r>
+            <a:endParaRPr lang="ko-KR" altLang="en-US"/>
+          </a:p>
+          <a:p>
+            <a:pPr lvl="1">
+              <a:defRPr/>
+            </a:pPr>
             <a:r>
               <a:rPr lang="ko-KR" altLang="en-US"/>
               <a:t>둘째 수준</a:t>
             </a:r>
-          </a:p>
-          <a:p>
-            <a:pPr lvl="2"/>
+            <a:endParaRPr lang="ko-KR" altLang="en-US"/>
+          </a:p>
+          <a:p>
+            <a:pPr lvl="2">
+              <a:defRPr/>
+            </a:pPr>
             <a:r>
               <a:rPr lang="ko-KR" altLang="en-US"/>
               <a:t>셋째 수준</a:t>
             </a:r>
-          </a:p>
-          <a:p>
-            <a:pPr lvl="3"/>
+            <a:endParaRPr lang="ko-KR" altLang="en-US"/>
+          </a:p>
+          <a:p>
+            <a:pPr lvl="3">
+              <a:defRPr/>
+            </a:pPr>
             <a:r>
               <a:rPr lang="ko-KR" altLang="en-US"/>
               <a:t>넷째 수준</a:t>
             </a:r>
-          </a:p>
-          <a:p>
-            <a:pPr lvl="4"/>
+            <a:endParaRPr lang="ko-KR" altLang="en-US"/>
+          </a:p>
+          <a:p>
+            <a:pPr lvl="4">
+              <a:defRPr/>
+            </a:pPr>
             <a:r>
               <a:rPr lang="ko-KR" altLang="en-US"/>
               <a:t>다섯째 수준</a:t>
             </a:r>
-          </a:p>
-        </p:txBody>
-      </p:sp>
-      <p:sp>
-        <p:nvSpPr>
-          <p:cNvPr id="4" name="내용 개체 틀 3">
-            <a:extLst>
-              <a:ext uri="{FF2B5EF4-FFF2-40B4-BE49-F238E27FC236}">
-                <a16:creationId xmlns:a16="http://schemas.microsoft.com/office/drawing/2014/main" id="{FE4AA11F-3697-498B-AEF5-825D662CBFA5}"/>
-              </a:ext>
-            </a:extLst>
-          </p:cNvPr>
+            <a:endParaRPr lang="ko-KR" altLang="en-US"/>
+          </a:p>
+        </p:txBody>
+      </p:sp>
+      <p:sp>
+        <p:nvSpPr>
+          <p:cNvPr id="4" name="내용 개체 틀 3"/>
           <p:cNvSpPr>
             <a:spLocks noGrp="1"/>
           </p:cNvSpPr>
@@ -1368,59 +1709,96 @@
         </p:nvSpPr>
         <p:spPr>
           <a:xfrm>
-            <a:off x="6172200" y="1825625"/>
-            <a:ext cx="5181600" cy="4351338"/>
+            <a:off x="6197599" y="1600200"/>
+            <a:ext cx="5384799" cy="4525963"/>
           </a:xfrm>
         </p:spPr>
         <p:txBody>
           <a:bodyPr/>
-          <a:lstStyle/>
-          <a:p>
-            <a:pPr lvl="0"/>
-            <a:r>
-              <a:rPr lang="ko-KR" altLang="en-US"/>
-              <a:t>마스터 텍스트 스타일 편집</a:t>
-            </a:r>
-          </a:p>
-          <a:p>
-            <a:pPr lvl="1"/>
+          <a:lstStyle>
+            <a:lvl1pPr>
+              <a:defRPr sz="2800"/>
+            </a:lvl1pPr>
+            <a:lvl2pPr>
+              <a:defRPr sz="2400"/>
+            </a:lvl2pPr>
+            <a:lvl3pPr>
+              <a:defRPr sz="2000"/>
+            </a:lvl3pPr>
+            <a:lvl4pPr>
+              <a:defRPr sz="1800"/>
+            </a:lvl4pPr>
+            <a:lvl5pPr>
+              <a:defRPr sz="1800"/>
+            </a:lvl5pPr>
+            <a:lvl6pPr>
+              <a:defRPr sz="1800"/>
+            </a:lvl6pPr>
+            <a:lvl7pPr>
+              <a:defRPr sz="1800"/>
+            </a:lvl7pPr>
+            <a:lvl8pPr>
+              <a:defRPr sz="1800"/>
+            </a:lvl8pPr>
+            <a:lvl9pPr>
+              <a:defRPr sz="2800"/>
+            </a:lvl9pPr>
+          </a:lstStyle>
+          <a:p>
+            <a:pPr lvl="0">
+              <a:defRPr/>
+            </a:pPr>
+            <a:r>
+              <a:rPr lang="ko-KR" altLang="en-US"/>
+              <a:t>마스터 텍스트 스타일을 편집합니다</a:t>
+            </a:r>
+            <a:endParaRPr lang="ko-KR" altLang="en-US"/>
+          </a:p>
+          <a:p>
+            <a:pPr lvl="1">
+              <a:defRPr/>
+            </a:pPr>
             <a:r>
               <a:rPr lang="ko-KR" altLang="en-US"/>
               <a:t>둘째 수준</a:t>
             </a:r>
-          </a:p>
-          <a:p>
-            <a:pPr lvl="2"/>
+            <a:endParaRPr lang="ko-KR" altLang="en-US"/>
+          </a:p>
+          <a:p>
+            <a:pPr lvl="2">
+              <a:defRPr/>
+            </a:pPr>
             <a:r>
               <a:rPr lang="ko-KR" altLang="en-US"/>
               <a:t>셋째 수준</a:t>
             </a:r>
-          </a:p>
-          <a:p>
-            <a:pPr lvl="3"/>
+            <a:endParaRPr lang="ko-KR" altLang="en-US"/>
+          </a:p>
+          <a:p>
+            <a:pPr lvl="3">
+              <a:defRPr/>
+            </a:pPr>
             <a:r>
               <a:rPr lang="ko-KR" altLang="en-US"/>
               <a:t>넷째 수준</a:t>
             </a:r>
-          </a:p>
-          <a:p>
-            <a:pPr lvl="4"/>
+            <a:endParaRPr lang="ko-KR" altLang="en-US"/>
+          </a:p>
+          <a:p>
+            <a:pPr lvl="4">
+              <a:defRPr/>
+            </a:pPr>
             <a:r>
               <a:rPr lang="ko-KR" altLang="en-US"/>
               <a:t>다섯째 수준</a:t>
             </a:r>
-          </a:p>
-        </p:txBody>
-      </p:sp>
-      <p:sp>
-        <p:nvSpPr>
-          <p:cNvPr id="5" name="날짜 개체 틀 4">
-            <a:extLst>
-              <a:ext uri="{FF2B5EF4-FFF2-40B4-BE49-F238E27FC236}">
-                <a16:creationId xmlns:a16="http://schemas.microsoft.com/office/drawing/2014/main" id="{FCE49248-18A1-43D6-91B7-15F9DFB17C1F}"/>
-              </a:ext>
-            </a:extLst>
-          </p:cNvPr>
+            <a:endParaRPr lang="ko-KR" altLang="en-US"/>
+          </a:p>
+        </p:txBody>
+      </p:sp>
+      <p:sp>
+        <p:nvSpPr>
+          <p:cNvPr id="5" name="날짜 개체 틀 3"/>
           <p:cNvSpPr>
             <a:spLocks noGrp="1"/>
           </p:cNvSpPr>
@@ -1433,9 +1811,15 @@
           <a:bodyPr/>
           <a:lstStyle/>
           <a:p>
-            <a:fld id="{19EB0ECF-D969-43D9-9AC3-D8140255FEF8}" type="datetimeFigureOut">
-              <a:rPr lang="ko-KR" altLang="en-US" smtClean="0"/>
-              <a:t>2018-11-29</a:t>
+            <a:pPr lvl="0">
+              <a:defRPr/>
+            </a:pPr>
+            <a:fld id="{A27A1F4E-0809-4239-8034-C38E431DAF92}" type="datetime1">
+              <a:rPr lang="ko-KR" altLang="en-US"/>
+              <a:pPr lvl="0">
+                <a:defRPr/>
+              </a:pPr>
+              <a:t>2018-12-10</a:t>
             </a:fld>
             <a:endParaRPr lang="ko-KR" altLang="en-US"/>
           </a:p>
@@ -1443,13 +1827,7 @@
       </p:sp>
       <p:sp>
         <p:nvSpPr>
-          <p:cNvPr id="6" name="바닥글 개체 틀 5">
-            <a:extLst>
-              <a:ext uri="{FF2B5EF4-FFF2-40B4-BE49-F238E27FC236}">
-                <a16:creationId xmlns:a16="http://schemas.microsoft.com/office/drawing/2014/main" id="{5A9603CC-BA9D-43E9-804B-F397966AFF13}"/>
-              </a:ext>
-            </a:extLst>
-          </p:cNvPr>
+          <p:cNvPr id="6" name="바닥글 개체 틀 4"/>
           <p:cNvSpPr>
             <a:spLocks noGrp="1"/>
           </p:cNvSpPr>
@@ -1462,19 +1840,20 @@
           <a:bodyPr/>
           <a:lstStyle/>
           <a:p>
-            <a:endParaRPr lang="ko-KR" altLang="en-US"/>
-          </a:p>
-        </p:txBody>
-      </p:sp>
-      <p:sp>
-        <p:nvSpPr>
-          <p:cNvPr id="7" name="슬라이드 번호 개체 틀 6">
-            <a:extLst>
-              <a:ext uri="{FF2B5EF4-FFF2-40B4-BE49-F238E27FC236}">
-                <a16:creationId xmlns:a16="http://schemas.microsoft.com/office/drawing/2014/main" id="{60B6BF70-7B03-490C-B280-77B8318F4367}"/>
-              </a:ext>
-            </a:extLst>
-          </p:cNvPr>
+            <a:pPr lvl="0">
+              <a:defRPr/>
+            </a:pPr>
+            <a:r>
+              <a:rPr lang="ko-KR" altLang="en-US"/>
+              <a:t/>
+            </a:r>
+            <a:endParaRPr lang="ko-KR" altLang="en-US"/>
+          </a:p>
+        </p:txBody>
+      </p:sp>
+      <p:sp>
+        <p:nvSpPr>
+          <p:cNvPr id="7" name="슬라이드 번호 개체 틀 5"/>
           <p:cNvSpPr>
             <a:spLocks noGrp="1"/>
           </p:cNvSpPr>
@@ -1487,8 +1866,14 @@
           <a:bodyPr/>
           <a:lstStyle/>
           <a:p>
-            <a:fld id="{304156D8-57F3-479A-8BA3-D77E0031E147}" type="slidenum">
-              <a:rPr lang="ko-KR" altLang="en-US" smtClean="0"/>
+            <a:pPr lvl="0">
+              <a:defRPr/>
+            </a:pPr>
+            <a:fld id="{AD22CD3B-FDDF-4998-970C-76E6E0BEC65F}" type="slidenum">
+              <a:rPr lang="ko-KR" altLang="en-US"/>
+              <a:pPr lvl="0">
+                <a:defRPr/>
+              </a:pPr>
               <a:t>‹#›</a:t>
             </a:fld>
             <a:endParaRPr lang="ko-KR" altLang="en-US"/>
@@ -1496,432 +1881,16 @@
         </p:txBody>
       </p:sp>
     </p:spTree>
-    <p:extLst>
-      <p:ext uri="{BB962C8B-B14F-4D97-AF65-F5344CB8AC3E}">
-        <p14:creationId xmlns:p14="http://schemas.microsoft.com/office/powerpoint/2010/main" val="3452258411"/>
-      </p:ext>
-    </p:extLst>
   </p:cSld>
   <p:clrMapOvr>
     <a:masterClrMapping/>
   </p:clrMapOvr>
-</p:sldLayout>
-</file>
-
-<file path=ppt/slideLayouts/slideLayout5.xml><?xml version="1.0" encoding="utf-8"?>
-<p:sldLayout xmlns:a="http://schemas.openxmlformats.org/drawingml/2006/main" xmlns:r="http://schemas.openxmlformats.org/officeDocument/2006/relationships" xmlns:p="http://schemas.openxmlformats.org/presentationml/2006/main" type="twoTxTwoObj" preserve="1">
-  <p:cSld name="비교">
-    <p:spTree>
-      <p:nvGrpSpPr>
-        <p:cNvPr id="1" name=""/>
-        <p:cNvGrpSpPr/>
-        <p:nvPr/>
-      </p:nvGrpSpPr>
-      <p:grpSpPr>
-        <a:xfrm>
-          <a:off x="0" y="0"/>
-          <a:ext cx="0" cy="0"/>
-          <a:chOff x="0" y="0"/>
-          <a:chExt cx="0" cy="0"/>
-        </a:xfrm>
-      </p:grpSpPr>
-      <p:sp>
-        <p:nvSpPr>
-          <p:cNvPr id="2" name="제목 1">
-            <a:extLst>
-              <a:ext uri="{FF2B5EF4-FFF2-40B4-BE49-F238E27FC236}">
-                <a16:creationId xmlns:a16="http://schemas.microsoft.com/office/drawing/2014/main" id="{BD8F78F9-C98D-4B2F-A3FE-44A386006934}"/>
-              </a:ext>
-            </a:extLst>
-          </p:cNvPr>
-          <p:cNvSpPr>
-            <a:spLocks noGrp="1"/>
-          </p:cNvSpPr>
-          <p:nvPr>
-            <p:ph type="title"/>
-          </p:nvPr>
-        </p:nvSpPr>
-        <p:spPr>
-          <a:xfrm>
-            <a:off x="839788" y="365125"/>
-            <a:ext cx="10515600" cy="1325563"/>
-          </a:xfrm>
-        </p:spPr>
-        <p:txBody>
-          <a:bodyPr/>
-          <a:lstStyle/>
-          <a:p>
-            <a:r>
-              <a:rPr lang="ko-KR" altLang="en-US"/>
-              <a:t>마스터 제목 스타일 편집</a:t>
-            </a:r>
-          </a:p>
-        </p:txBody>
-      </p:sp>
-      <p:sp>
-        <p:nvSpPr>
-          <p:cNvPr id="3" name="텍스트 개체 틀 2">
-            <a:extLst>
-              <a:ext uri="{FF2B5EF4-FFF2-40B4-BE49-F238E27FC236}">
-                <a16:creationId xmlns:a16="http://schemas.microsoft.com/office/drawing/2014/main" id="{C2541165-B605-46DC-9E37-B32A7AFB515E}"/>
-              </a:ext>
-            </a:extLst>
-          </p:cNvPr>
-          <p:cNvSpPr>
-            <a:spLocks noGrp="1"/>
-          </p:cNvSpPr>
-          <p:nvPr>
-            <p:ph type="body" idx="1"/>
-          </p:nvPr>
-        </p:nvSpPr>
-        <p:spPr>
-          <a:xfrm>
-            <a:off x="839788" y="1681163"/>
-            <a:ext cx="5157787" cy="823912"/>
-          </a:xfrm>
-        </p:spPr>
-        <p:txBody>
-          <a:bodyPr anchor="b"/>
-          <a:lstStyle>
-            <a:lvl1pPr marL="0" indent="0">
-              <a:buNone/>
-              <a:defRPr sz="2400" b="1"/>
-            </a:lvl1pPr>
-            <a:lvl2pPr marL="457200" indent="0">
-              <a:buNone/>
-              <a:defRPr sz="2000" b="1"/>
-            </a:lvl2pPr>
-            <a:lvl3pPr marL="914400" indent="0">
-              <a:buNone/>
-              <a:defRPr sz="1800" b="1"/>
-            </a:lvl3pPr>
-            <a:lvl4pPr marL="1371600" indent="0">
-              <a:buNone/>
-              <a:defRPr sz="1600" b="1"/>
-            </a:lvl4pPr>
-            <a:lvl5pPr marL="1828800" indent="0">
-              <a:buNone/>
-              <a:defRPr sz="1600" b="1"/>
-            </a:lvl5pPr>
-            <a:lvl6pPr marL="2286000" indent="0">
-              <a:buNone/>
-              <a:defRPr sz="1600" b="1"/>
-            </a:lvl6pPr>
-            <a:lvl7pPr marL="2743200" indent="0">
-              <a:buNone/>
-              <a:defRPr sz="1600" b="1"/>
-            </a:lvl7pPr>
-            <a:lvl8pPr marL="3200400" indent="0">
-              <a:buNone/>
-              <a:defRPr sz="1600" b="1"/>
-            </a:lvl8pPr>
-            <a:lvl9pPr marL="3657600" indent="0">
-              <a:buNone/>
-              <a:defRPr sz="1600" b="1"/>
-            </a:lvl9pPr>
-          </a:lstStyle>
-          <a:p>
-            <a:pPr lvl="0"/>
-            <a:r>
-              <a:rPr lang="ko-KR" altLang="en-US"/>
-              <a:t>마스터 텍스트 스타일 편집</a:t>
-            </a:r>
-          </a:p>
-        </p:txBody>
-      </p:sp>
-      <p:sp>
-        <p:nvSpPr>
-          <p:cNvPr id="4" name="내용 개체 틀 3">
-            <a:extLst>
-              <a:ext uri="{FF2B5EF4-FFF2-40B4-BE49-F238E27FC236}">
-                <a16:creationId xmlns:a16="http://schemas.microsoft.com/office/drawing/2014/main" id="{8BE4E3FF-D62C-404F-9FC1-68836AB6B977}"/>
-              </a:ext>
-            </a:extLst>
-          </p:cNvPr>
-          <p:cNvSpPr>
-            <a:spLocks noGrp="1"/>
-          </p:cNvSpPr>
-          <p:nvPr>
-            <p:ph sz="half" idx="2"/>
-          </p:nvPr>
-        </p:nvSpPr>
-        <p:spPr>
-          <a:xfrm>
-            <a:off x="839788" y="2505075"/>
-            <a:ext cx="5157787" cy="3684588"/>
-          </a:xfrm>
-        </p:spPr>
-        <p:txBody>
-          <a:bodyPr/>
-          <a:lstStyle/>
-          <a:p>
-            <a:pPr lvl="0"/>
-            <a:r>
-              <a:rPr lang="ko-KR" altLang="en-US"/>
-              <a:t>마스터 텍스트 스타일 편집</a:t>
-            </a:r>
-          </a:p>
-          <a:p>
-            <a:pPr lvl="1"/>
-            <a:r>
-              <a:rPr lang="ko-KR" altLang="en-US"/>
-              <a:t>둘째 수준</a:t>
-            </a:r>
-          </a:p>
-          <a:p>
-            <a:pPr lvl="2"/>
-            <a:r>
-              <a:rPr lang="ko-KR" altLang="en-US"/>
-              <a:t>셋째 수준</a:t>
-            </a:r>
-          </a:p>
-          <a:p>
-            <a:pPr lvl="3"/>
-            <a:r>
-              <a:rPr lang="ko-KR" altLang="en-US"/>
-              <a:t>넷째 수준</a:t>
-            </a:r>
-          </a:p>
-          <a:p>
-            <a:pPr lvl="4"/>
-            <a:r>
-              <a:rPr lang="ko-KR" altLang="en-US"/>
-              <a:t>다섯째 수준</a:t>
-            </a:r>
-          </a:p>
-        </p:txBody>
-      </p:sp>
-      <p:sp>
-        <p:nvSpPr>
-          <p:cNvPr id="5" name="텍스트 개체 틀 4">
-            <a:extLst>
-              <a:ext uri="{FF2B5EF4-FFF2-40B4-BE49-F238E27FC236}">
-                <a16:creationId xmlns:a16="http://schemas.microsoft.com/office/drawing/2014/main" id="{1EE6FE6B-6A13-43E4-8098-51382C0EF5AA}"/>
-              </a:ext>
-            </a:extLst>
-          </p:cNvPr>
-          <p:cNvSpPr>
-            <a:spLocks noGrp="1"/>
-          </p:cNvSpPr>
-          <p:nvPr>
-            <p:ph type="body" sz="quarter" idx="3"/>
-          </p:nvPr>
-        </p:nvSpPr>
-        <p:spPr>
-          <a:xfrm>
-            <a:off x="6172200" y="1681163"/>
-            <a:ext cx="5183188" cy="823912"/>
-          </a:xfrm>
-        </p:spPr>
-        <p:txBody>
-          <a:bodyPr anchor="b"/>
-          <a:lstStyle>
-            <a:lvl1pPr marL="0" indent="0">
-              <a:buNone/>
-              <a:defRPr sz="2400" b="1"/>
-            </a:lvl1pPr>
-            <a:lvl2pPr marL="457200" indent="0">
-              <a:buNone/>
-              <a:defRPr sz="2000" b="1"/>
-            </a:lvl2pPr>
-            <a:lvl3pPr marL="914400" indent="0">
-              <a:buNone/>
-              <a:defRPr sz="1800" b="1"/>
-            </a:lvl3pPr>
-            <a:lvl4pPr marL="1371600" indent="0">
-              <a:buNone/>
-              <a:defRPr sz="1600" b="1"/>
-            </a:lvl4pPr>
-            <a:lvl5pPr marL="1828800" indent="0">
-              <a:buNone/>
-              <a:defRPr sz="1600" b="1"/>
-            </a:lvl5pPr>
-            <a:lvl6pPr marL="2286000" indent="0">
-              <a:buNone/>
-              <a:defRPr sz="1600" b="1"/>
-            </a:lvl6pPr>
-            <a:lvl7pPr marL="2743200" indent="0">
-              <a:buNone/>
-              <a:defRPr sz="1600" b="1"/>
-            </a:lvl7pPr>
-            <a:lvl8pPr marL="3200400" indent="0">
-              <a:buNone/>
-              <a:defRPr sz="1600" b="1"/>
-            </a:lvl8pPr>
-            <a:lvl9pPr marL="3657600" indent="0">
-              <a:buNone/>
-              <a:defRPr sz="1600" b="1"/>
-            </a:lvl9pPr>
-          </a:lstStyle>
-          <a:p>
-            <a:pPr lvl="0"/>
-            <a:r>
-              <a:rPr lang="ko-KR" altLang="en-US"/>
-              <a:t>마스터 텍스트 스타일 편집</a:t>
-            </a:r>
-          </a:p>
-        </p:txBody>
-      </p:sp>
-      <p:sp>
-        <p:nvSpPr>
-          <p:cNvPr id="6" name="내용 개체 틀 5">
-            <a:extLst>
-              <a:ext uri="{FF2B5EF4-FFF2-40B4-BE49-F238E27FC236}">
-                <a16:creationId xmlns:a16="http://schemas.microsoft.com/office/drawing/2014/main" id="{1BA58FE3-1777-4AE1-909E-F7223A2F0456}"/>
-              </a:ext>
-            </a:extLst>
-          </p:cNvPr>
-          <p:cNvSpPr>
-            <a:spLocks noGrp="1"/>
-          </p:cNvSpPr>
-          <p:nvPr>
-            <p:ph sz="quarter" idx="4"/>
-          </p:nvPr>
-        </p:nvSpPr>
-        <p:spPr>
-          <a:xfrm>
-            <a:off x="6172200" y="2505075"/>
-            <a:ext cx="5183188" cy="3684588"/>
-          </a:xfrm>
-        </p:spPr>
-        <p:txBody>
-          <a:bodyPr/>
-          <a:lstStyle/>
-          <a:p>
-            <a:pPr lvl="0"/>
-            <a:r>
-              <a:rPr lang="ko-KR" altLang="en-US"/>
-              <a:t>마스터 텍스트 스타일 편집</a:t>
-            </a:r>
-          </a:p>
-          <a:p>
-            <a:pPr lvl="1"/>
-            <a:r>
-              <a:rPr lang="ko-KR" altLang="en-US"/>
-              <a:t>둘째 수준</a:t>
-            </a:r>
-          </a:p>
-          <a:p>
-            <a:pPr lvl="2"/>
-            <a:r>
-              <a:rPr lang="ko-KR" altLang="en-US"/>
-              <a:t>셋째 수준</a:t>
-            </a:r>
-          </a:p>
-          <a:p>
-            <a:pPr lvl="3"/>
-            <a:r>
-              <a:rPr lang="ko-KR" altLang="en-US"/>
-              <a:t>넷째 수준</a:t>
-            </a:r>
-          </a:p>
-          <a:p>
-            <a:pPr lvl="4"/>
-            <a:r>
-              <a:rPr lang="ko-KR" altLang="en-US"/>
-              <a:t>다섯째 수준</a:t>
-            </a:r>
-          </a:p>
-        </p:txBody>
-      </p:sp>
-      <p:sp>
-        <p:nvSpPr>
-          <p:cNvPr id="7" name="날짜 개체 틀 6">
-            <a:extLst>
-              <a:ext uri="{FF2B5EF4-FFF2-40B4-BE49-F238E27FC236}">
-                <a16:creationId xmlns:a16="http://schemas.microsoft.com/office/drawing/2014/main" id="{E179E530-0308-4923-9E0A-389056D7547B}"/>
-              </a:ext>
-            </a:extLst>
-          </p:cNvPr>
-          <p:cNvSpPr>
-            <a:spLocks noGrp="1"/>
-          </p:cNvSpPr>
-          <p:nvPr>
-            <p:ph type="dt" sz="half" idx="10"/>
-          </p:nvPr>
-        </p:nvSpPr>
-        <p:spPr/>
-        <p:txBody>
-          <a:bodyPr/>
-          <a:lstStyle/>
-          <a:p>
-            <a:fld id="{19EB0ECF-D969-43D9-9AC3-D8140255FEF8}" type="datetimeFigureOut">
-              <a:rPr lang="ko-KR" altLang="en-US" smtClean="0"/>
-              <a:t>2018-11-29</a:t>
-            </a:fld>
-            <a:endParaRPr lang="ko-KR" altLang="en-US"/>
-          </a:p>
-        </p:txBody>
-      </p:sp>
-      <p:sp>
-        <p:nvSpPr>
-          <p:cNvPr id="8" name="바닥글 개체 틀 7">
-            <a:extLst>
-              <a:ext uri="{FF2B5EF4-FFF2-40B4-BE49-F238E27FC236}">
-                <a16:creationId xmlns:a16="http://schemas.microsoft.com/office/drawing/2014/main" id="{7CA53470-5302-4257-89B8-B907D08BD190}"/>
-              </a:ext>
-            </a:extLst>
-          </p:cNvPr>
-          <p:cNvSpPr>
-            <a:spLocks noGrp="1"/>
-          </p:cNvSpPr>
-          <p:nvPr>
-            <p:ph type="ftr" sz="quarter" idx="11"/>
-          </p:nvPr>
-        </p:nvSpPr>
-        <p:spPr/>
-        <p:txBody>
-          <a:bodyPr/>
-          <a:lstStyle/>
-          <a:p>
-            <a:endParaRPr lang="ko-KR" altLang="en-US"/>
-          </a:p>
-        </p:txBody>
-      </p:sp>
-      <p:sp>
-        <p:nvSpPr>
-          <p:cNvPr id="9" name="슬라이드 번호 개체 틀 8">
-            <a:extLst>
-              <a:ext uri="{FF2B5EF4-FFF2-40B4-BE49-F238E27FC236}">
-                <a16:creationId xmlns:a16="http://schemas.microsoft.com/office/drawing/2014/main" id="{8EA73DC7-DC6A-4975-9ED5-CB17E3018491}"/>
-              </a:ext>
-            </a:extLst>
-          </p:cNvPr>
-          <p:cNvSpPr>
-            <a:spLocks noGrp="1"/>
-          </p:cNvSpPr>
-          <p:nvPr>
-            <p:ph type="sldNum" sz="quarter" idx="12"/>
-          </p:nvPr>
-        </p:nvSpPr>
-        <p:spPr/>
-        <p:txBody>
-          <a:bodyPr/>
-          <a:lstStyle/>
-          <a:p>
-            <a:fld id="{304156D8-57F3-479A-8BA3-D77E0031E147}" type="slidenum">
-              <a:rPr lang="ko-KR" altLang="en-US" smtClean="0"/>
-              <a:t>‹#›</a:t>
-            </a:fld>
-            <a:endParaRPr lang="ko-KR" altLang="en-US"/>
-          </a:p>
-        </p:txBody>
-      </p:sp>
-    </p:spTree>
-    <p:extLst>
-      <p:ext uri="{BB962C8B-B14F-4D97-AF65-F5344CB8AC3E}">
-        <p14:creationId xmlns:p14="http://schemas.microsoft.com/office/powerpoint/2010/main" val="872619082"/>
-      </p:ext>
-    </p:extLst>
-  </p:cSld>
-  <p:clrMapOvr>
-    <a:masterClrMapping/>
-  </p:clrMapOvr>
+  <p:transition xmlns:mc="http://schemas.openxmlformats.org/markup-compatibility/2006" xmlns:hp="http://schemas.haansoft.com/office/presentation/8.0" mc:Ignorable="hp" hp:hslDur="500"/>
 </p:sldLayout>
 </file>
 
 <file path=ppt/slideLayouts/slideLayout6.xml><?xml version="1.0" encoding="utf-8"?>
-<p:sldLayout xmlns:a="http://schemas.openxmlformats.org/drawingml/2006/main" xmlns:r="http://schemas.openxmlformats.org/officeDocument/2006/relationships" xmlns:p="http://schemas.openxmlformats.org/presentationml/2006/main" type="titleOnly" preserve="1">
+<p:sldLayout xmlns:r="http://schemas.openxmlformats.org/officeDocument/2006/relationships" xmlns:c="http://schemas.openxmlformats.org/drawingml/2006/chart" xmlns:a="http://schemas.openxmlformats.org/drawingml/2006/main" xmlns:dgm="http://schemas.openxmlformats.org/drawingml/2006/diagram" xmlns:dsp="http://schemas.microsoft.com/office/drawing/2008/diagram" xmlns:p="http://schemas.openxmlformats.org/presentationml/2006/main" showMasterPhAnim="1" matchingName="제목만" type="titleOnly" preserve="1">
   <p:cSld name="제목만">
     <p:spTree>
       <p:nvGrpSpPr>
@@ -1939,18 +1908,12 @@
       </p:grpSpPr>
       <p:sp>
         <p:nvSpPr>
-          <p:cNvPr id="2" name="제목 1">
-            <a:extLst>
-              <a:ext uri="{FF2B5EF4-FFF2-40B4-BE49-F238E27FC236}">
-                <a16:creationId xmlns:a16="http://schemas.microsoft.com/office/drawing/2014/main" id="{9D271012-E736-4C49-9529-04D07FC32F62}"/>
-              </a:ext>
-            </a:extLst>
-          </p:cNvPr>
-          <p:cNvSpPr>
-            <a:spLocks noGrp="1"/>
-          </p:cNvSpPr>
-          <p:nvPr>
-            <p:ph type="title"/>
+          <p:cNvPr id="2" name="제목 1"/>
+          <p:cNvSpPr>
+            <a:spLocks noGrp="1"/>
+          </p:cNvSpPr>
+          <p:nvPr>
+            <p:ph type="title" idx="0"/>
           </p:nvPr>
         </p:nvSpPr>
         <p:spPr/>
@@ -1958,22 +1921,20 @@
           <a:bodyPr/>
           <a:lstStyle/>
           <a:p>
+            <a:pPr lvl="0">
+              <a:defRPr/>
+            </a:pPr>
             <a:r>
               <a:rPr lang="ko-KR" altLang="en-US"/>
               <a:t>마스터 제목 스타일 편집</a:t>
             </a:r>
-          </a:p>
-        </p:txBody>
-      </p:sp>
-      <p:sp>
-        <p:nvSpPr>
-          <p:cNvPr id="3" name="날짜 개체 틀 2">
-            <a:extLst>
-              <a:ext uri="{FF2B5EF4-FFF2-40B4-BE49-F238E27FC236}">
-                <a16:creationId xmlns:a16="http://schemas.microsoft.com/office/drawing/2014/main" id="{E2B05313-B14A-4832-86AA-E3BC9C5244D5}"/>
-              </a:ext>
-            </a:extLst>
-          </p:cNvPr>
+            <a:endParaRPr lang="ko-KR" altLang="en-US"/>
+          </a:p>
+        </p:txBody>
+      </p:sp>
+      <p:sp>
+        <p:nvSpPr>
+          <p:cNvPr id="3" name="날짜 개체 틀 3"/>
           <p:cNvSpPr>
             <a:spLocks noGrp="1"/>
           </p:cNvSpPr>
@@ -1986,9 +1947,15 @@
           <a:bodyPr/>
           <a:lstStyle/>
           <a:p>
-            <a:fld id="{19EB0ECF-D969-43D9-9AC3-D8140255FEF8}" type="datetimeFigureOut">
-              <a:rPr lang="ko-KR" altLang="en-US" smtClean="0"/>
-              <a:t>2018-11-29</a:t>
+            <a:pPr lvl="0">
+              <a:defRPr/>
+            </a:pPr>
+            <a:fld id="{5E0DA496-7307-4E8B-88DE-CB97B48BAB6F}" type="datetime1">
+              <a:rPr lang="ko-KR" altLang="en-US"/>
+              <a:pPr lvl="0">
+                <a:defRPr/>
+              </a:pPr>
+              <a:t>2018-12-10</a:t>
             </a:fld>
             <a:endParaRPr lang="ko-KR" altLang="en-US"/>
           </a:p>
@@ -1996,13 +1963,7 @@
       </p:sp>
       <p:sp>
         <p:nvSpPr>
-          <p:cNvPr id="4" name="바닥글 개체 틀 3">
-            <a:extLst>
-              <a:ext uri="{FF2B5EF4-FFF2-40B4-BE49-F238E27FC236}">
-                <a16:creationId xmlns:a16="http://schemas.microsoft.com/office/drawing/2014/main" id="{33DFEDC6-3243-4EF0-B21F-31E1AA7D2F77}"/>
-              </a:ext>
-            </a:extLst>
-          </p:cNvPr>
+          <p:cNvPr id="4" name="바닥글 개체 틀 4"/>
           <p:cNvSpPr>
             <a:spLocks noGrp="1"/>
           </p:cNvSpPr>
@@ -2015,19 +1976,20 @@
           <a:bodyPr/>
           <a:lstStyle/>
           <a:p>
-            <a:endParaRPr lang="ko-KR" altLang="en-US"/>
-          </a:p>
-        </p:txBody>
-      </p:sp>
-      <p:sp>
-        <p:nvSpPr>
-          <p:cNvPr id="5" name="슬라이드 번호 개체 틀 4">
-            <a:extLst>
-              <a:ext uri="{FF2B5EF4-FFF2-40B4-BE49-F238E27FC236}">
-                <a16:creationId xmlns:a16="http://schemas.microsoft.com/office/drawing/2014/main" id="{CE6EE23C-D21F-46AD-9037-654208A23B82}"/>
-              </a:ext>
-            </a:extLst>
-          </p:cNvPr>
+            <a:pPr lvl="0">
+              <a:defRPr/>
+            </a:pPr>
+            <a:r>
+              <a:rPr lang="ko-KR" altLang="en-US"/>
+              <a:t/>
+            </a:r>
+            <a:endParaRPr lang="ko-KR" altLang="en-US"/>
+          </a:p>
+        </p:txBody>
+      </p:sp>
+      <p:sp>
+        <p:nvSpPr>
+          <p:cNvPr id="5" name="슬라이드 번호 개체 틀 5"/>
           <p:cNvSpPr>
             <a:spLocks noGrp="1"/>
           </p:cNvSpPr>
@@ -2040,8 +2002,14 @@
           <a:bodyPr/>
           <a:lstStyle/>
           <a:p>
-            <a:fld id="{304156D8-57F3-479A-8BA3-D77E0031E147}" type="slidenum">
-              <a:rPr lang="ko-KR" altLang="en-US" smtClean="0"/>
+            <a:pPr lvl="0">
+              <a:defRPr/>
+            </a:pPr>
+            <a:fld id="{AD22CD3B-FDDF-4998-970C-76E6E0BEC65F}" type="slidenum">
+              <a:rPr lang="ko-KR" altLang="en-US"/>
+              <a:pPr lvl="0">
+                <a:defRPr/>
+              </a:pPr>
               <a:t>‹#›</a:t>
             </a:fld>
             <a:endParaRPr lang="ko-KR" altLang="en-US"/>
@@ -2049,21 +2017,17 @@
         </p:txBody>
       </p:sp>
     </p:spTree>
-    <p:extLst>
-      <p:ext uri="{BB962C8B-B14F-4D97-AF65-F5344CB8AC3E}">
-        <p14:creationId xmlns:p14="http://schemas.microsoft.com/office/powerpoint/2010/main" val="912785146"/>
-      </p:ext>
-    </p:extLst>
   </p:cSld>
   <p:clrMapOvr>
     <a:masterClrMapping/>
   </p:clrMapOvr>
+  <p:transition xmlns:mc="http://schemas.openxmlformats.org/markup-compatibility/2006" xmlns:hp="http://schemas.haansoft.com/office/presentation/8.0" mc:Ignorable="hp" hp:hslDur="500"/>
 </p:sldLayout>
 </file>
 
 <file path=ppt/slideLayouts/slideLayout7.xml><?xml version="1.0" encoding="utf-8"?>
-<p:sldLayout xmlns:a="http://schemas.openxmlformats.org/drawingml/2006/main" xmlns:r="http://schemas.openxmlformats.org/officeDocument/2006/relationships" xmlns:p="http://schemas.openxmlformats.org/presentationml/2006/main" type="blank" preserve="1">
-  <p:cSld name="빈 화면">
+<p:sldLayout xmlns:r="http://schemas.openxmlformats.org/officeDocument/2006/relationships" xmlns:c="http://schemas.openxmlformats.org/drawingml/2006/chart" xmlns:a="http://schemas.openxmlformats.org/drawingml/2006/main" xmlns:dgm="http://schemas.openxmlformats.org/drawingml/2006/diagram" xmlns:dsp="http://schemas.microsoft.com/office/drawing/2008/diagram" xmlns:p="http://schemas.openxmlformats.org/presentationml/2006/main" showMasterPhAnim="1" matchingName="표" type="tbl" preserve="1">
+  <p:cSld name="표">
     <p:spTree>
       <p:nvGrpSpPr>
         <p:cNvPr id="1" name=""/>
@@ -2080,13 +2044,70 @@
       </p:grpSpPr>
       <p:sp>
         <p:nvSpPr>
-          <p:cNvPr id="2" name="날짜 개체 틀 1">
-            <a:extLst>
-              <a:ext uri="{FF2B5EF4-FFF2-40B4-BE49-F238E27FC236}">
-                <a16:creationId xmlns:a16="http://schemas.microsoft.com/office/drawing/2014/main" id="{2F23BA9A-B3C0-404A-BB0F-8B0B7FBF57FF}"/>
-              </a:ext>
-            </a:extLst>
-          </p:cNvPr>
+          <p:cNvPr id="2" name="제목 1"/>
+          <p:cNvSpPr>
+            <a:spLocks noGrp="1"/>
+          </p:cNvSpPr>
+          <p:nvPr>
+            <p:ph type="title" idx="0"/>
+          </p:nvPr>
+        </p:nvSpPr>
+        <p:spPr/>
+        <p:txBody>
+          <a:bodyPr/>
+          <a:lstStyle/>
+          <a:p>
+            <a:pPr lvl="0">
+              <a:defRPr/>
+            </a:pPr>
+            <a:r>
+              <a:rPr lang="ko-KR" altLang="en-US"/>
+              <a:t>마스터 제목 스타일 편집</a:t>
+            </a:r>
+            <a:endParaRPr lang="ko-KR" altLang="en-US"/>
+          </a:p>
+        </p:txBody>
+      </p:sp>
+      <p:sp>
+        <p:nvSpPr>
+          <p:cNvPr id="3" name="표 개체 틀 2"/>
+          <p:cNvSpPr>
+            <a:spLocks noGrp="1"/>
+          </p:cNvSpPr>
+          <p:nvPr>
+            <p:ph type="tbl" sz="quarter" idx="13"/>
+          </p:nvPr>
+        </p:nvSpPr>
+        <p:spPr>
+          <a:xfrm>
+            <a:off x="608037" y="1643063"/>
+            <a:ext cx="10972798" cy="4525200"/>
+          </a:xfrm>
+        </p:spPr>
+        <p:txBody>
+          <a:bodyPr/>
+          <a:lstStyle>
+            <a:lvl1pPr>
+              <a:buFontTx/>
+              <a:buNone/>
+              <a:defRPr/>
+            </a:lvl1pPr>
+          </a:lstStyle>
+          <a:p>
+            <a:pPr lvl="0">
+              <a:defRPr/>
+            </a:pPr>
+            <a:r>
+              <a:rPr lang="ko-KR" altLang="en-US"/>
+              <a:t>표를 추가하려면 아이콘을 클릭하십시오</a:t>
+            </a:r>
+            <a:endParaRPr lang="ko-KR" altLang="en-US"/>
+          </a:p>
+        </p:txBody>
+      </p:sp>
+      <p:sp>
+        <p:nvSpPr>
+          <p:cNvPr id="4" name="날짜 개체 틀 3"/>
           <p:cNvSpPr>
             <a:spLocks noGrp="1"/>
           </p:cNvSpPr>
@@ -2099,9 +2120,15 @@
           <a:bodyPr/>
           <a:lstStyle/>
           <a:p>
-            <a:fld id="{19EB0ECF-D969-43D9-9AC3-D8140255FEF8}" type="datetimeFigureOut">
-              <a:rPr lang="ko-KR" altLang="en-US" smtClean="0"/>
-              <a:t>2018-11-29</a:t>
+            <a:pPr lvl="0">
+              <a:defRPr/>
+            </a:pPr>
+            <a:fld id="{58721E90-850C-410B-8B89-8394F580CFDA}" type="datetime1">
+              <a:rPr lang="ko-KR" altLang="en-US"/>
+              <a:pPr lvl="0">
+                <a:defRPr/>
+              </a:pPr>
+              <a:t>2018-12-10</a:t>
             </a:fld>
             <a:endParaRPr lang="ko-KR" altLang="en-US"/>
           </a:p>
@@ -2109,13 +2136,7 @@
       </p:sp>
       <p:sp>
         <p:nvSpPr>
-          <p:cNvPr id="3" name="바닥글 개체 틀 2">
-            <a:extLst>
-              <a:ext uri="{FF2B5EF4-FFF2-40B4-BE49-F238E27FC236}">
-                <a16:creationId xmlns:a16="http://schemas.microsoft.com/office/drawing/2014/main" id="{4C8EF928-8CCF-4A55-8639-81F9359D986D}"/>
-              </a:ext>
-            </a:extLst>
-          </p:cNvPr>
+          <p:cNvPr id="5" name="바닥글 개체 틀 4"/>
           <p:cNvSpPr>
             <a:spLocks noGrp="1"/>
           </p:cNvSpPr>
@@ -2128,19 +2149,20 @@
           <a:bodyPr/>
           <a:lstStyle/>
           <a:p>
-            <a:endParaRPr lang="ko-KR" altLang="en-US"/>
-          </a:p>
-        </p:txBody>
-      </p:sp>
-      <p:sp>
-        <p:nvSpPr>
-          <p:cNvPr id="4" name="슬라이드 번호 개체 틀 3">
-            <a:extLst>
-              <a:ext uri="{FF2B5EF4-FFF2-40B4-BE49-F238E27FC236}">
-                <a16:creationId xmlns:a16="http://schemas.microsoft.com/office/drawing/2014/main" id="{65EE9DFB-4AA5-48C5-A126-236080B63988}"/>
-              </a:ext>
-            </a:extLst>
-          </p:cNvPr>
+            <a:pPr lvl="0">
+              <a:defRPr/>
+            </a:pPr>
+            <a:r>
+              <a:rPr lang="ko-KR" altLang="en-US"/>
+              <a:t/>
+            </a:r>
+            <a:endParaRPr lang="ko-KR" altLang="en-US"/>
+          </a:p>
+        </p:txBody>
+      </p:sp>
+      <p:sp>
+        <p:nvSpPr>
+          <p:cNvPr id="6" name="슬라이드 번호 개체 틀 5"/>
           <p:cNvSpPr>
             <a:spLocks noGrp="1"/>
           </p:cNvSpPr>
@@ -2153,8 +2175,14 @@
           <a:bodyPr/>
           <a:lstStyle/>
           <a:p>
-            <a:fld id="{304156D8-57F3-479A-8BA3-D77E0031E147}" type="slidenum">
-              <a:rPr lang="ko-KR" altLang="en-US" smtClean="0"/>
+            <a:pPr lvl="0">
+              <a:defRPr/>
+            </a:pPr>
+            <a:fld id="{AD22CD3B-FDDF-4998-970C-76E6E0BEC65F}" type="slidenum">
+              <a:rPr lang="ko-KR" altLang="en-US"/>
+              <a:pPr lvl="0">
+                <a:defRPr/>
+              </a:pPr>
               <a:t>‹#›</a:t>
             </a:fld>
             <a:endParaRPr lang="ko-KR" altLang="en-US"/>
@@ -2162,21 +2190,17 @@
         </p:txBody>
       </p:sp>
     </p:spTree>
-    <p:extLst>
-      <p:ext uri="{BB962C8B-B14F-4D97-AF65-F5344CB8AC3E}">
-        <p14:creationId xmlns:p14="http://schemas.microsoft.com/office/powerpoint/2010/main" val="3882333511"/>
-      </p:ext>
-    </p:extLst>
   </p:cSld>
   <p:clrMapOvr>
     <a:masterClrMapping/>
   </p:clrMapOvr>
+  <p:transition xmlns:mc="http://schemas.openxmlformats.org/markup-compatibility/2006" xmlns:hp="http://schemas.haansoft.com/office/presentation/8.0" mc:Ignorable="hp" hp:hslDur="500"/>
 </p:sldLayout>
 </file>
 
 <file path=ppt/slideLayouts/slideLayout8.xml><?xml version="1.0" encoding="utf-8"?>
-<p:sldLayout xmlns:a="http://schemas.openxmlformats.org/drawingml/2006/main" xmlns:r="http://schemas.openxmlformats.org/officeDocument/2006/relationships" xmlns:p="http://schemas.openxmlformats.org/presentationml/2006/main" type="objTx" preserve="1">
-  <p:cSld name="캡션 있는 콘텐츠">
+<p:sldLayout xmlns:r="http://schemas.openxmlformats.org/officeDocument/2006/relationships" xmlns:c="http://schemas.openxmlformats.org/drawingml/2006/chart" xmlns:a="http://schemas.openxmlformats.org/drawingml/2006/main" xmlns:dgm="http://schemas.openxmlformats.org/drawingml/2006/diagram" xmlns:dsp="http://schemas.microsoft.com/office/drawing/2008/diagram" xmlns:p="http://schemas.openxmlformats.org/presentationml/2006/main" showMasterPhAnim="1" matchingName="내용 4개" type="fourObj" preserve="1">
+  <p:cSld name="내용 4개">
     <p:spTree>
       <p:nvGrpSpPr>
         <p:cNvPr id="1" name=""/>
@@ -2193,211 +2217,429 @@
       </p:grpSpPr>
       <p:sp>
         <p:nvSpPr>
-          <p:cNvPr id="2" name="제목 1">
-            <a:extLst>
-              <a:ext uri="{FF2B5EF4-FFF2-40B4-BE49-F238E27FC236}">
-                <a16:creationId xmlns:a16="http://schemas.microsoft.com/office/drawing/2014/main" id="{32F4ABC0-0347-43A9-8A85-944BCE06DDA1}"/>
-              </a:ext>
-            </a:extLst>
-          </p:cNvPr>
-          <p:cNvSpPr>
-            <a:spLocks noGrp="1"/>
-          </p:cNvSpPr>
-          <p:nvPr>
-            <p:ph type="title"/>
+          <p:cNvPr id="2" name="제목 1"/>
+          <p:cNvSpPr>
+            <a:spLocks noGrp="1"/>
+          </p:cNvSpPr>
+          <p:nvPr>
+            <p:ph type="title" idx="0"/>
+          </p:nvPr>
+        </p:nvSpPr>
+        <p:spPr/>
+        <p:txBody>
+          <a:bodyPr/>
+          <a:lstStyle/>
+          <a:p>
+            <a:pPr lvl="0">
+              <a:defRPr/>
+            </a:pPr>
+            <a:r>
+              <a:rPr lang="ko-KR" altLang="en-US"/>
+              <a:t>마스터 제목 스타일 편집</a:t>
+            </a:r>
+            <a:endParaRPr lang="ko-KR" altLang="en-US"/>
+          </a:p>
+        </p:txBody>
+      </p:sp>
+      <p:sp>
+        <p:nvSpPr>
+          <p:cNvPr id="3" name="내용 개체 틀 2"/>
+          <p:cNvSpPr>
+            <a:spLocks noGrp="1"/>
+          </p:cNvSpPr>
+          <p:nvPr>
+            <p:ph sz="quarter" idx="1"/>
           </p:nvPr>
         </p:nvSpPr>
         <p:spPr>
           <a:xfrm>
-            <a:off x="839788" y="457200"/>
-            <a:ext cx="3932237" cy="1600200"/>
+            <a:off x="609599" y="1600200"/>
+            <a:ext cx="5384799" cy="2196000"/>
           </a:xfrm>
         </p:spPr>
         <p:txBody>
-          <a:bodyPr anchor="b"/>
+          <a:bodyPr/>
           <a:lstStyle>
             <a:lvl1pPr>
-              <a:defRPr sz="3200"/>
+              <a:defRPr sz="2400"/>
             </a:lvl1pPr>
+            <a:lvl2pPr>
+              <a:defRPr sz="2000"/>
+            </a:lvl2pPr>
+            <a:lvl3pPr>
+              <a:defRPr sz="1800"/>
+            </a:lvl3pPr>
+            <a:lvl4pPr>
+              <a:defRPr sz="1600"/>
+            </a:lvl4pPr>
+            <a:lvl5pPr>
+              <a:defRPr sz="1600"/>
+            </a:lvl5pPr>
+            <a:lvl6pPr>
+              <a:defRPr sz="1600"/>
+            </a:lvl6pPr>
+            <a:lvl7pPr>
+              <a:defRPr sz="1600"/>
+            </a:lvl7pPr>
+            <a:lvl8pPr>
+              <a:defRPr sz="1600"/>
+            </a:lvl8pPr>
+            <a:lvl9pPr>
+              <a:defRPr sz="1600"/>
+            </a:lvl9pPr>
           </a:lstStyle>
           <a:p>
-            <a:r>
-              <a:rPr lang="ko-KR" altLang="en-US"/>
-              <a:t>마스터 제목 스타일 편집</a:t>
-            </a:r>
-          </a:p>
-        </p:txBody>
-      </p:sp>
-      <p:sp>
-        <p:nvSpPr>
-          <p:cNvPr id="3" name="내용 개체 틀 2">
-            <a:extLst>
-              <a:ext uri="{FF2B5EF4-FFF2-40B4-BE49-F238E27FC236}">
-                <a16:creationId xmlns:a16="http://schemas.microsoft.com/office/drawing/2014/main" id="{97B74CBC-49DC-425B-8504-36485827C5CD}"/>
-              </a:ext>
-            </a:extLst>
-          </p:cNvPr>
-          <p:cNvSpPr>
-            <a:spLocks noGrp="1"/>
-          </p:cNvSpPr>
-          <p:nvPr>
-            <p:ph idx="1"/>
+            <a:pPr lvl="0">
+              <a:defRPr/>
+            </a:pPr>
+            <a:r>
+              <a:rPr lang="ko-KR" altLang="en-US"/>
+              <a:t>마스터 텍스트 스타일을 편집합니다</a:t>
+            </a:r>
+            <a:endParaRPr lang="ko-KR" altLang="en-US"/>
+          </a:p>
+          <a:p>
+            <a:pPr lvl="1">
+              <a:defRPr/>
+            </a:pPr>
+            <a:r>
+              <a:rPr lang="ko-KR" altLang="en-US"/>
+              <a:t>둘째 수준</a:t>
+            </a:r>
+            <a:endParaRPr lang="ko-KR" altLang="en-US"/>
+          </a:p>
+          <a:p>
+            <a:pPr lvl="2">
+              <a:defRPr/>
+            </a:pPr>
+            <a:r>
+              <a:rPr lang="ko-KR" altLang="en-US"/>
+              <a:t>셋째 수준</a:t>
+            </a:r>
+            <a:endParaRPr lang="ko-KR" altLang="en-US"/>
+          </a:p>
+          <a:p>
+            <a:pPr lvl="3">
+              <a:defRPr/>
+            </a:pPr>
+            <a:r>
+              <a:rPr lang="ko-KR" altLang="en-US"/>
+              <a:t>넷째 수준</a:t>
+            </a:r>
+            <a:endParaRPr lang="ko-KR" altLang="en-US"/>
+          </a:p>
+          <a:p>
+            <a:pPr lvl="4">
+              <a:defRPr/>
+            </a:pPr>
+            <a:r>
+              <a:rPr lang="ko-KR" altLang="en-US"/>
+              <a:t>다섯째 수준</a:t>
+            </a:r>
+            <a:endParaRPr lang="ko-KR" altLang="en-US"/>
+          </a:p>
+        </p:txBody>
+      </p:sp>
+      <p:sp>
+        <p:nvSpPr>
+          <p:cNvPr id="4" name="내용 개체 틀 3"/>
+          <p:cNvSpPr>
+            <a:spLocks noGrp="1"/>
+          </p:cNvSpPr>
+          <p:nvPr>
+            <p:ph sz="quarter" idx="2"/>
           </p:nvPr>
         </p:nvSpPr>
         <p:spPr>
           <a:xfrm>
-            <a:off x="5183188" y="987425"/>
-            <a:ext cx="6172200" cy="4873625"/>
+            <a:off x="6197599" y="1600200"/>
+            <a:ext cx="5384799" cy="2196000"/>
           </a:xfrm>
         </p:spPr>
         <p:txBody>
           <a:bodyPr/>
           <a:lstStyle>
             <a:lvl1pPr>
-              <a:defRPr sz="3200"/>
+              <a:defRPr sz="2400"/>
             </a:lvl1pPr>
             <a:lvl2pPr>
-              <a:defRPr sz="2800"/>
+              <a:defRPr sz="2000"/>
             </a:lvl2pPr>
             <a:lvl3pPr>
-              <a:defRPr sz="2400"/>
+              <a:defRPr sz="1800"/>
             </a:lvl3pPr>
             <a:lvl4pPr>
-              <a:defRPr sz="2000"/>
+              <a:defRPr sz="1600"/>
             </a:lvl4pPr>
             <a:lvl5pPr>
-              <a:defRPr sz="2000"/>
+              <a:defRPr sz="1600"/>
             </a:lvl5pPr>
             <a:lvl6pPr>
-              <a:defRPr sz="2000"/>
+              <a:defRPr sz="1600"/>
             </a:lvl6pPr>
             <a:lvl7pPr>
-              <a:defRPr sz="2000"/>
+              <a:defRPr sz="1600"/>
             </a:lvl7pPr>
             <a:lvl8pPr>
-              <a:defRPr sz="2000"/>
+              <a:defRPr sz="1600"/>
             </a:lvl8pPr>
             <a:lvl9pPr>
-              <a:defRPr sz="2000"/>
+              <a:defRPr sz="1600"/>
             </a:lvl9pPr>
           </a:lstStyle>
           <a:p>
-            <a:pPr lvl="0"/>
-            <a:r>
-              <a:rPr lang="ko-KR" altLang="en-US"/>
-              <a:t>마스터 텍스트 스타일 편집</a:t>
-            </a:r>
-          </a:p>
-          <a:p>
-            <a:pPr lvl="1"/>
+            <a:pPr lvl="0">
+              <a:defRPr/>
+            </a:pPr>
+            <a:r>
+              <a:rPr lang="ko-KR" altLang="en-US"/>
+              <a:t>마스터 텍스트 스타일을 편집합니다</a:t>
+            </a:r>
+            <a:endParaRPr lang="ko-KR" altLang="en-US"/>
+          </a:p>
+          <a:p>
+            <a:pPr lvl="1">
+              <a:defRPr/>
+            </a:pPr>
             <a:r>
               <a:rPr lang="ko-KR" altLang="en-US"/>
               <a:t>둘째 수준</a:t>
             </a:r>
-          </a:p>
-          <a:p>
-            <a:pPr lvl="2"/>
+            <a:endParaRPr lang="ko-KR" altLang="en-US"/>
+          </a:p>
+          <a:p>
+            <a:pPr lvl="2">
+              <a:defRPr/>
+            </a:pPr>
             <a:r>
               <a:rPr lang="ko-KR" altLang="en-US"/>
               <a:t>셋째 수준</a:t>
             </a:r>
-          </a:p>
-          <a:p>
-            <a:pPr lvl="3"/>
+            <a:endParaRPr lang="ko-KR" altLang="en-US"/>
+          </a:p>
+          <a:p>
+            <a:pPr lvl="3">
+              <a:defRPr/>
+            </a:pPr>
             <a:r>
               <a:rPr lang="ko-KR" altLang="en-US"/>
               <a:t>넷째 수준</a:t>
             </a:r>
-          </a:p>
-          <a:p>
-            <a:pPr lvl="4"/>
+            <a:endParaRPr lang="ko-KR" altLang="en-US"/>
+          </a:p>
+          <a:p>
+            <a:pPr lvl="4">
+              <a:defRPr/>
+            </a:pPr>
             <a:r>
               <a:rPr lang="ko-KR" altLang="en-US"/>
               <a:t>다섯째 수준</a:t>
             </a:r>
-          </a:p>
-        </p:txBody>
-      </p:sp>
-      <p:sp>
-        <p:nvSpPr>
-          <p:cNvPr id="4" name="텍스트 개체 틀 3">
-            <a:extLst>
-              <a:ext uri="{FF2B5EF4-FFF2-40B4-BE49-F238E27FC236}">
-                <a16:creationId xmlns:a16="http://schemas.microsoft.com/office/drawing/2014/main" id="{319411E9-4715-42EF-BB0E-AC112CD9A579}"/>
-              </a:ext>
-            </a:extLst>
-          </p:cNvPr>
-          <p:cNvSpPr>
-            <a:spLocks noGrp="1"/>
-          </p:cNvSpPr>
-          <p:nvPr>
-            <p:ph type="body" sz="half" idx="2"/>
+            <a:endParaRPr lang="ko-KR" altLang="en-US"/>
+          </a:p>
+        </p:txBody>
+      </p:sp>
+      <p:sp>
+        <p:nvSpPr>
+          <p:cNvPr id="5" name="내용 개체 틀 4"/>
+          <p:cNvSpPr>
+            <a:spLocks noGrp="1"/>
+          </p:cNvSpPr>
+          <p:nvPr>
+            <p:ph sz="quarter" idx="3"/>
           </p:nvPr>
         </p:nvSpPr>
         <p:spPr>
           <a:xfrm>
-            <a:off x="839788" y="2057400"/>
-            <a:ext cx="3932237" cy="3811588"/>
+            <a:off x="608037" y="3984220"/>
+            <a:ext cx="5384799" cy="2196000"/>
           </a:xfrm>
         </p:spPr>
         <p:txBody>
           <a:bodyPr/>
           <a:lstStyle>
-            <a:lvl1pPr marL="0" indent="0">
-              <a:buNone/>
+            <a:lvl1pPr>
+              <a:defRPr sz="2400"/>
+            </a:lvl1pPr>
+            <a:lvl2pPr>
+              <a:defRPr sz="2000"/>
+            </a:lvl2pPr>
+            <a:lvl3pPr>
+              <a:defRPr sz="1800"/>
+            </a:lvl3pPr>
+            <a:lvl4pPr>
               <a:defRPr sz="1600"/>
-            </a:lvl1pPr>
-            <a:lvl2pPr marL="457200" indent="0">
-              <a:buNone/>
-              <a:defRPr sz="1400"/>
-            </a:lvl2pPr>
-            <a:lvl3pPr marL="914400" indent="0">
-              <a:buNone/>
-              <a:defRPr sz="1200"/>
-            </a:lvl3pPr>
-            <a:lvl4pPr marL="1371600" indent="0">
-              <a:buNone/>
-              <a:defRPr sz="1000"/>
             </a:lvl4pPr>
-            <a:lvl5pPr marL="1828800" indent="0">
-              <a:buNone/>
-              <a:defRPr sz="1000"/>
+            <a:lvl5pPr>
+              <a:defRPr sz="1600"/>
             </a:lvl5pPr>
-            <a:lvl6pPr marL="2286000" indent="0">
-              <a:buNone/>
-              <a:defRPr sz="1000"/>
+            <a:lvl6pPr>
+              <a:defRPr sz="1600"/>
             </a:lvl6pPr>
-            <a:lvl7pPr marL="2743200" indent="0">
-              <a:buNone/>
-              <a:defRPr sz="1000"/>
+            <a:lvl7pPr>
+              <a:defRPr sz="1600"/>
             </a:lvl7pPr>
-            <a:lvl8pPr marL="3200400" indent="0">
-              <a:buNone/>
-              <a:defRPr sz="1000"/>
+            <a:lvl8pPr>
+              <a:defRPr sz="1600"/>
             </a:lvl8pPr>
-            <a:lvl9pPr marL="3657600" indent="0">
-              <a:buNone/>
-              <a:defRPr sz="1000"/>
+            <a:lvl9pPr>
+              <a:defRPr sz="1600"/>
             </a:lvl9pPr>
           </a:lstStyle>
           <a:p>
-            <a:pPr lvl="0"/>
-            <a:r>
-              <a:rPr lang="ko-KR" altLang="en-US"/>
-              <a:t>마스터 텍스트 스타일 편집</a:t>
-            </a:r>
-          </a:p>
-        </p:txBody>
-      </p:sp>
-      <p:sp>
-        <p:nvSpPr>
-          <p:cNvPr id="5" name="날짜 개체 틀 4">
-            <a:extLst>
-              <a:ext uri="{FF2B5EF4-FFF2-40B4-BE49-F238E27FC236}">
-                <a16:creationId xmlns:a16="http://schemas.microsoft.com/office/drawing/2014/main" id="{BF2F28A3-A563-427F-A62F-329252284261}"/>
-              </a:ext>
-            </a:extLst>
-          </p:cNvPr>
+            <a:pPr lvl="0">
+              <a:defRPr/>
+            </a:pPr>
+            <a:r>
+              <a:rPr lang="ko-KR" altLang="en-US"/>
+              <a:t>마스터 텍스트 스타일을 편집합니다</a:t>
+            </a:r>
+            <a:endParaRPr lang="ko-KR" altLang="en-US"/>
+          </a:p>
+          <a:p>
+            <a:pPr lvl="1">
+              <a:defRPr/>
+            </a:pPr>
+            <a:r>
+              <a:rPr lang="ko-KR" altLang="en-US"/>
+              <a:t>둘째 수준</a:t>
+            </a:r>
+            <a:endParaRPr lang="ko-KR" altLang="en-US"/>
+          </a:p>
+          <a:p>
+            <a:pPr lvl="2">
+              <a:defRPr/>
+            </a:pPr>
+            <a:r>
+              <a:rPr lang="ko-KR" altLang="en-US"/>
+              <a:t>셋째 수준</a:t>
+            </a:r>
+            <a:endParaRPr lang="ko-KR" altLang="en-US"/>
+          </a:p>
+          <a:p>
+            <a:pPr lvl="3">
+              <a:defRPr/>
+            </a:pPr>
+            <a:r>
+              <a:rPr lang="ko-KR" altLang="en-US"/>
+              <a:t>넷째 수준</a:t>
+            </a:r>
+            <a:endParaRPr lang="ko-KR" altLang="en-US"/>
+          </a:p>
+          <a:p>
+            <a:pPr lvl="4">
+              <a:defRPr/>
+            </a:pPr>
+            <a:r>
+              <a:rPr lang="ko-KR" altLang="en-US"/>
+              <a:t>다섯째 수준</a:t>
+            </a:r>
+            <a:endParaRPr lang="ko-KR" altLang="en-US"/>
+          </a:p>
+        </p:txBody>
+      </p:sp>
+      <p:sp>
+        <p:nvSpPr>
+          <p:cNvPr id="6" name="내용 개체 틀 5"/>
+          <p:cNvSpPr>
+            <a:spLocks noGrp="1"/>
+          </p:cNvSpPr>
+          <p:nvPr>
+            <p:ph sz="quarter" idx="4"/>
+          </p:nvPr>
+        </p:nvSpPr>
+        <p:spPr>
+          <a:xfrm>
+            <a:off x="6196036" y="3984220"/>
+            <a:ext cx="5384799" cy="2196000"/>
+          </a:xfrm>
+        </p:spPr>
+        <p:txBody>
+          <a:bodyPr/>
+          <a:lstStyle>
+            <a:lvl1pPr>
+              <a:defRPr sz="2400"/>
+            </a:lvl1pPr>
+            <a:lvl2pPr>
+              <a:defRPr sz="2000"/>
+            </a:lvl2pPr>
+            <a:lvl3pPr>
+              <a:defRPr sz="1800"/>
+            </a:lvl3pPr>
+            <a:lvl4pPr>
+              <a:defRPr sz="1600"/>
+            </a:lvl4pPr>
+            <a:lvl5pPr>
+              <a:defRPr sz="1600"/>
+            </a:lvl5pPr>
+            <a:lvl6pPr>
+              <a:defRPr sz="1600"/>
+            </a:lvl6pPr>
+            <a:lvl7pPr>
+              <a:defRPr sz="1600"/>
+            </a:lvl7pPr>
+            <a:lvl8pPr>
+              <a:defRPr sz="1600"/>
+            </a:lvl8pPr>
+            <a:lvl9pPr>
+              <a:defRPr sz="1600"/>
+            </a:lvl9pPr>
+          </a:lstStyle>
+          <a:p>
+            <a:pPr lvl="0">
+              <a:defRPr/>
+            </a:pPr>
+            <a:r>
+              <a:rPr lang="ko-KR" altLang="en-US"/>
+              <a:t>마스터 텍스트 스타일을 편집합니다</a:t>
+            </a:r>
+            <a:endParaRPr lang="ko-KR" altLang="en-US"/>
+          </a:p>
+          <a:p>
+            <a:pPr lvl="1">
+              <a:defRPr/>
+            </a:pPr>
+            <a:r>
+              <a:rPr lang="ko-KR" altLang="en-US"/>
+              <a:t>둘째 수준</a:t>
+            </a:r>
+            <a:endParaRPr lang="ko-KR" altLang="en-US"/>
+          </a:p>
+          <a:p>
+            <a:pPr lvl="2">
+              <a:defRPr/>
+            </a:pPr>
+            <a:r>
+              <a:rPr lang="ko-KR" altLang="en-US"/>
+              <a:t>셋째 수준</a:t>
+            </a:r>
+            <a:endParaRPr lang="ko-KR" altLang="en-US"/>
+          </a:p>
+          <a:p>
+            <a:pPr lvl="3">
+              <a:defRPr/>
+            </a:pPr>
+            <a:r>
+              <a:rPr lang="ko-KR" altLang="en-US"/>
+              <a:t>넷째 수준</a:t>
+            </a:r>
+            <a:endParaRPr lang="ko-KR" altLang="en-US"/>
+          </a:p>
+          <a:p>
+            <a:pPr lvl="4">
+              <a:defRPr/>
+            </a:pPr>
+            <a:r>
+              <a:rPr lang="ko-KR" altLang="en-US"/>
+              <a:t>다섯째 수준</a:t>
+            </a:r>
+            <a:endParaRPr lang="ko-KR" altLang="en-US"/>
+          </a:p>
+        </p:txBody>
+      </p:sp>
+      <p:sp>
+        <p:nvSpPr>
+          <p:cNvPr id="7" name="날짜 개체 틀 3"/>
           <p:cNvSpPr>
             <a:spLocks noGrp="1"/>
           </p:cNvSpPr>
@@ -2410,9 +2652,15 @@
           <a:bodyPr/>
           <a:lstStyle/>
           <a:p>
-            <a:fld id="{19EB0ECF-D969-43D9-9AC3-D8140255FEF8}" type="datetimeFigureOut">
-              <a:rPr lang="ko-KR" altLang="en-US" smtClean="0"/>
-              <a:t>2018-11-29</a:t>
+            <a:pPr lvl="0">
+              <a:defRPr/>
+            </a:pPr>
+            <a:fld id="{5ACE7E28-9336-4363-8674-B91477D8F243}" type="datetime1">
+              <a:rPr lang="ko-KR" altLang="en-US"/>
+              <a:pPr lvl="0">
+                <a:defRPr/>
+              </a:pPr>
+              <a:t>2018-12-10</a:t>
             </a:fld>
             <a:endParaRPr lang="ko-KR" altLang="en-US"/>
           </a:p>
@@ -2420,13 +2668,7 @@
       </p:sp>
       <p:sp>
         <p:nvSpPr>
-          <p:cNvPr id="6" name="바닥글 개체 틀 5">
-            <a:extLst>
-              <a:ext uri="{FF2B5EF4-FFF2-40B4-BE49-F238E27FC236}">
-                <a16:creationId xmlns:a16="http://schemas.microsoft.com/office/drawing/2014/main" id="{D614C632-E17F-4143-BB32-A5C531875496}"/>
-              </a:ext>
-            </a:extLst>
-          </p:cNvPr>
+          <p:cNvPr id="8" name="바닥글 개체 틀 4"/>
           <p:cNvSpPr>
             <a:spLocks noGrp="1"/>
           </p:cNvSpPr>
@@ -2439,19 +2681,20 @@
           <a:bodyPr/>
           <a:lstStyle/>
           <a:p>
-            <a:endParaRPr lang="ko-KR" altLang="en-US"/>
-          </a:p>
-        </p:txBody>
-      </p:sp>
-      <p:sp>
-        <p:nvSpPr>
-          <p:cNvPr id="7" name="슬라이드 번호 개체 틀 6">
-            <a:extLst>
-              <a:ext uri="{FF2B5EF4-FFF2-40B4-BE49-F238E27FC236}">
-                <a16:creationId xmlns:a16="http://schemas.microsoft.com/office/drawing/2014/main" id="{121BBB77-E5C4-4D08-8F44-26BEE8D5E2B9}"/>
-              </a:ext>
-            </a:extLst>
-          </p:cNvPr>
+            <a:pPr lvl="0">
+              <a:defRPr/>
+            </a:pPr>
+            <a:r>
+              <a:rPr lang="ko-KR" altLang="en-US"/>
+              <a:t/>
+            </a:r>
+            <a:endParaRPr lang="ko-KR" altLang="en-US"/>
+          </a:p>
+        </p:txBody>
+      </p:sp>
+      <p:sp>
+        <p:nvSpPr>
+          <p:cNvPr id="9" name="슬라이드 번호 개체 틀 5"/>
           <p:cNvSpPr>
             <a:spLocks noGrp="1"/>
           </p:cNvSpPr>
@@ -2464,8 +2707,14 @@
           <a:bodyPr/>
           <a:lstStyle/>
           <a:p>
-            <a:fld id="{304156D8-57F3-479A-8BA3-D77E0031E147}" type="slidenum">
-              <a:rPr lang="ko-KR" altLang="en-US" smtClean="0"/>
+            <a:pPr lvl="0">
+              <a:defRPr/>
+            </a:pPr>
+            <a:fld id="{AD22CD3B-FDDF-4998-970C-76E6E0BEC65F}" type="slidenum">
+              <a:rPr lang="ko-KR" altLang="en-US"/>
+              <a:pPr lvl="0">
+                <a:defRPr/>
+              </a:pPr>
               <a:t>‹#›</a:t>
             </a:fld>
             <a:endParaRPr lang="ko-KR" altLang="en-US"/>
@@ -2473,21 +2722,17 @@
         </p:txBody>
       </p:sp>
     </p:spTree>
-    <p:extLst>
-      <p:ext uri="{BB962C8B-B14F-4D97-AF65-F5344CB8AC3E}">
-        <p14:creationId xmlns:p14="http://schemas.microsoft.com/office/powerpoint/2010/main" val="2513210310"/>
-      </p:ext>
-    </p:extLst>
   </p:cSld>
   <p:clrMapOvr>
     <a:masterClrMapping/>
   </p:clrMapOvr>
+  <p:transition xmlns:mc="http://schemas.openxmlformats.org/markup-compatibility/2006" xmlns:hp="http://schemas.haansoft.com/office/presentation/8.0" mc:Ignorable="hp" hp:hslDur="500"/>
 </p:sldLayout>
 </file>
 
 <file path=ppt/slideLayouts/slideLayout9.xml><?xml version="1.0" encoding="utf-8"?>
-<p:sldLayout xmlns:a="http://schemas.openxmlformats.org/drawingml/2006/main" xmlns:r="http://schemas.openxmlformats.org/officeDocument/2006/relationships" xmlns:p="http://schemas.openxmlformats.org/presentationml/2006/main" type="picTx" preserve="1">
-  <p:cSld name="캡션 있는 그림">
+<p:sldLayout xmlns:r="http://schemas.openxmlformats.org/officeDocument/2006/relationships" xmlns:c="http://schemas.openxmlformats.org/drawingml/2006/chart" xmlns:a="http://schemas.openxmlformats.org/drawingml/2006/main" xmlns:dgm="http://schemas.openxmlformats.org/drawingml/2006/diagram" xmlns:dsp="http://schemas.microsoft.com/office/drawing/2008/diagram" xmlns:p="http://schemas.openxmlformats.org/presentationml/2006/main" showMasterPhAnim="1" matchingName="그림 및 설명" type="picTx" preserve="1">
+  <p:cSld name="그림 및 설명">
     <p:spTree>
       <p:nvGrpSpPr>
         <p:cNvPr id="1" name=""/>
@@ -2504,50 +2749,42 @@
       </p:grpSpPr>
       <p:sp>
         <p:nvSpPr>
-          <p:cNvPr id="2" name="제목 1">
-            <a:extLst>
-              <a:ext uri="{FF2B5EF4-FFF2-40B4-BE49-F238E27FC236}">
-                <a16:creationId xmlns:a16="http://schemas.microsoft.com/office/drawing/2014/main" id="{1E3EBFBE-32C0-45DB-B3A1-0205891D1686}"/>
-              </a:ext>
-            </a:extLst>
-          </p:cNvPr>
-          <p:cNvSpPr>
-            <a:spLocks noGrp="1"/>
-          </p:cNvSpPr>
-          <p:nvPr>
-            <p:ph type="title"/>
+          <p:cNvPr id="2" name="제목 1"/>
+          <p:cNvSpPr>
+            <a:spLocks noGrp="1"/>
+          </p:cNvSpPr>
+          <p:nvPr>
+            <p:ph type="title" idx="0"/>
           </p:nvPr>
         </p:nvSpPr>
         <p:spPr>
           <a:xfrm>
-            <a:off x="839788" y="457200"/>
-            <a:ext cx="3932237" cy="1600200"/>
+            <a:off x="2389716" y="4800600"/>
+            <a:ext cx="7315199" cy="566738"/>
           </a:xfrm>
         </p:spPr>
         <p:txBody>
           <a:bodyPr anchor="b"/>
           <a:lstStyle>
-            <a:lvl1pPr>
-              <a:defRPr sz="3200"/>
+            <a:lvl1pPr algn="l">
+              <a:defRPr sz="2000" b="1"/>
             </a:lvl1pPr>
           </a:lstStyle>
           <a:p>
+            <a:pPr lvl="0">
+              <a:defRPr/>
+            </a:pPr>
             <a:r>
               <a:rPr lang="ko-KR" altLang="en-US"/>
               <a:t>마스터 제목 스타일 편집</a:t>
             </a:r>
-          </a:p>
-        </p:txBody>
-      </p:sp>
-      <p:sp>
-        <p:nvSpPr>
-          <p:cNvPr id="3" name="그림 개체 틀 2">
-            <a:extLst>
-              <a:ext uri="{FF2B5EF4-FFF2-40B4-BE49-F238E27FC236}">
-                <a16:creationId xmlns:a16="http://schemas.microsoft.com/office/drawing/2014/main" id="{FAA7073F-F1B6-48F5-897C-5CAAB3DAFF47}"/>
-              </a:ext>
-            </a:extLst>
-          </p:cNvPr>
+            <a:endParaRPr lang="ko-KR" altLang="en-US"/>
+          </a:p>
+        </p:txBody>
+      </p:sp>
+      <p:sp>
+        <p:nvSpPr>
+          <p:cNvPr id="3" name="그림 개체 틀 2"/>
           <p:cNvSpPr>
             <a:spLocks noGrp="1"/>
           </p:cNvSpPr>
@@ -2557,8 +2794,8 @@
         </p:nvSpPr>
         <p:spPr>
           <a:xfrm>
-            <a:off x="5183188" y="987425"/>
-            <a:ext cx="6172200" cy="4873625"/>
+            <a:off x="2389716" y="612775"/>
+            <a:ext cx="7315199" cy="4114800"/>
           </a:xfrm>
         </p:spPr>
         <p:txBody>
@@ -2602,19 +2839,20 @@
             </a:lvl9pPr>
           </a:lstStyle>
           <a:p>
-            <a:endParaRPr lang="ko-KR" altLang="en-US"/>
-          </a:p>
-        </p:txBody>
-      </p:sp>
-      <p:sp>
-        <p:nvSpPr>
-          <p:cNvPr id="4" name="텍스트 개체 틀 3">
-            <a:extLst>
-              <a:ext uri="{FF2B5EF4-FFF2-40B4-BE49-F238E27FC236}">
-                <a16:creationId xmlns:a16="http://schemas.microsoft.com/office/drawing/2014/main" id="{B82D218F-53C7-4AE3-B492-2F800B560B78}"/>
-              </a:ext>
-            </a:extLst>
-          </p:cNvPr>
+            <a:pPr lvl="0">
+              <a:defRPr/>
+            </a:pPr>
+            <a:r>
+              <a:rPr lang="ko-KR" altLang="en-US"/>
+              <a:t>그림을 추가하려면 아이콘을 클릭하십시오</a:t>
+            </a:r>
+            <a:endParaRPr lang="ko-KR" altLang="en-US"/>
+          </a:p>
+        </p:txBody>
+      </p:sp>
+      <p:sp>
+        <p:nvSpPr>
+          <p:cNvPr id="4" name="텍스트 개체 틀 3"/>
           <p:cNvSpPr>
             <a:spLocks noGrp="1"/>
           </p:cNvSpPr>
@@ -2624,8 +2862,8 @@
         </p:nvSpPr>
         <p:spPr>
           <a:xfrm>
-            <a:off x="839788" y="2057400"/>
-            <a:ext cx="3932237" cy="3811588"/>
+            <a:off x="2389716" y="5367338"/>
+            <a:ext cx="7315199" cy="804862"/>
           </a:xfrm>
         </p:spPr>
         <p:txBody>
@@ -2633,59 +2871,56 @@
           <a:lstStyle>
             <a:lvl1pPr marL="0" indent="0">
               <a:buNone/>
-              <a:defRPr sz="1600"/>
+              <a:defRPr sz="1400"/>
             </a:lvl1pPr>
             <a:lvl2pPr marL="457200" indent="0">
               <a:buNone/>
-              <a:defRPr sz="1400"/>
+              <a:defRPr sz="1200"/>
             </a:lvl2pPr>
             <a:lvl3pPr marL="914400" indent="0">
               <a:buNone/>
-              <a:defRPr sz="1200"/>
+              <a:defRPr sz="1000"/>
             </a:lvl3pPr>
             <a:lvl4pPr marL="1371600" indent="0">
               <a:buNone/>
-              <a:defRPr sz="1000"/>
+              <a:defRPr sz="900"/>
             </a:lvl4pPr>
             <a:lvl5pPr marL="1828800" indent="0">
               <a:buNone/>
-              <a:defRPr sz="1000"/>
+              <a:defRPr sz="900"/>
             </a:lvl5pPr>
             <a:lvl6pPr marL="2286000" indent="0">
               <a:buNone/>
-              <a:defRPr sz="1000"/>
+              <a:defRPr sz="900"/>
             </a:lvl6pPr>
             <a:lvl7pPr marL="2743200" indent="0">
               <a:buNone/>
-              <a:defRPr sz="1000"/>
+              <a:defRPr sz="900"/>
             </a:lvl7pPr>
             <a:lvl8pPr marL="3200400" indent="0">
               <a:buNone/>
-              <a:defRPr sz="1000"/>
+              <a:defRPr sz="900"/>
             </a:lvl8pPr>
             <a:lvl9pPr marL="3657600" indent="0">
               <a:buNone/>
-              <a:defRPr sz="1000"/>
+              <a:defRPr sz="900"/>
             </a:lvl9pPr>
           </a:lstStyle>
           <a:p>
-            <a:pPr lvl="0"/>
-            <a:r>
-              <a:rPr lang="ko-KR" altLang="en-US"/>
-              <a:t>마스터 텍스트 스타일 편집</a:t>
-            </a:r>
-          </a:p>
-        </p:txBody>
-      </p:sp>
-      <p:sp>
-        <p:nvSpPr>
-          <p:cNvPr id="5" name="날짜 개체 틀 4">
-            <a:extLst>
-              <a:ext uri="{FF2B5EF4-FFF2-40B4-BE49-F238E27FC236}">
-                <a16:creationId xmlns:a16="http://schemas.microsoft.com/office/drawing/2014/main" id="{03C24E94-9BFC-4147-893C-1A45F18A5267}"/>
-              </a:ext>
-            </a:extLst>
-          </p:cNvPr>
+            <a:pPr lvl="0">
+              <a:defRPr/>
+            </a:pPr>
+            <a:r>
+              <a:rPr lang="ko-KR" altLang="en-US"/>
+              <a:t>마스터 텍스트 스타일을 편집합니다</a:t>
+            </a:r>
+            <a:endParaRPr lang="ko-KR" altLang="en-US"/>
+          </a:p>
+        </p:txBody>
+      </p:sp>
+      <p:sp>
+        <p:nvSpPr>
+          <p:cNvPr id="5" name="날짜 개체 틀 3"/>
           <p:cNvSpPr>
             <a:spLocks noGrp="1"/>
           </p:cNvSpPr>
@@ -2698,9 +2933,15 @@
           <a:bodyPr/>
           <a:lstStyle/>
           <a:p>
-            <a:fld id="{19EB0ECF-D969-43D9-9AC3-D8140255FEF8}" type="datetimeFigureOut">
-              <a:rPr lang="ko-KR" altLang="en-US" smtClean="0"/>
-              <a:t>2018-11-29</a:t>
+            <a:pPr lvl="0">
+              <a:defRPr/>
+            </a:pPr>
+            <a:fld id="{5ACE7E28-9336-4363-8674-B91477D8F243}" type="datetime1">
+              <a:rPr lang="ko-KR" altLang="en-US"/>
+              <a:pPr lvl="0">
+                <a:defRPr/>
+              </a:pPr>
+              <a:t>2018-12-10</a:t>
             </a:fld>
             <a:endParaRPr lang="ko-KR" altLang="en-US"/>
           </a:p>
@@ -2708,13 +2949,7 @@
       </p:sp>
       <p:sp>
         <p:nvSpPr>
-          <p:cNvPr id="6" name="바닥글 개체 틀 5">
-            <a:extLst>
-              <a:ext uri="{FF2B5EF4-FFF2-40B4-BE49-F238E27FC236}">
-                <a16:creationId xmlns:a16="http://schemas.microsoft.com/office/drawing/2014/main" id="{C3173263-017F-4C2C-9372-621B372489E8}"/>
-              </a:ext>
-            </a:extLst>
-          </p:cNvPr>
+          <p:cNvPr id="6" name="바닥글 개체 틀 4"/>
           <p:cNvSpPr>
             <a:spLocks noGrp="1"/>
           </p:cNvSpPr>
@@ -2727,19 +2962,20 @@
           <a:bodyPr/>
           <a:lstStyle/>
           <a:p>
-            <a:endParaRPr lang="ko-KR" altLang="en-US"/>
-          </a:p>
-        </p:txBody>
-      </p:sp>
-      <p:sp>
-        <p:nvSpPr>
-          <p:cNvPr id="7" name="슬라이드 번호 개체 틀 6">
-            <a:extLst>
-              <a:ext uri="{FF2B5EF4-FFF2-40B4-BE49-F238E27FC236}">
-                <a16:creationId xmlns:a16="http://schemas.microsoft.com/office/drawing/2014/main" id="{ED394389-1ED9-4C50-90A3-7263822E0276}"/>
-              </a:ext>
-            </a:extLst>
-          </p:cNvPr>
+            <a:pPr lvl="0">
+              <a:defRPr/>
+            </a:pPr>
+            <a:r>
+              <a:rPr lang="ko-KR" altLang="en-US"/>
+              <a:t/>
+            </a:r>
+            <a:endParaRPr lang="ko-KR" altLang="en-US"/>
+          </a:p>
+        </p:txBody>
+      </p:sp>
+      <p:sp>
+        <p:nvSpPr>
+          <p:cNvPr id="7" name="슬라이드 번호 개체 틀 5"/>
           <p:cNvSpPr>
             <a:spLocks noGrp="1"/>
           </p:cNvSpPr>
@@ -2752,8 +2988,14 @@
           <a:bodyPr/>
           <a:lstStyle/>
           <a:p>
-            <a:fld id="{304156D8-57F3-479A-8BA3-D77E0031E147}" type="slidenum">
-              <a:rPr lang="ko-KR" altLang="en-US" smtClean="0"/>
+            <a:pPr lvl="0">
+              <a:defRPr/>
+            </a:pPr>
+            <a:fld id="{AD22CD3B-FDDF-4998-970C-76E6E0BEC65F}" type="slidenum">
+              <a:rPr lang="ko-KR" altLang="en-US"/>
+              <a:pPr lvl="0">
+                <a:defRPr/>
+              </a:pPr>
               <a:t>‹#›</a:t>
             </a:fld>
             <a:endParaRPr lang="ko-KR" altLang="en-US"/>
@@ -2761,21 +3003,17 @@
         </p:txBody>
       </p:sp>
     </p:spTree>
-    <p:extLst>
-      <p:ext uri="{BB962C8B-B14F-4D97-AF65-F5344CB8AC3E}">
-        <p14:creationId xmlns:p14="http://schemas.microsoft.com/office/powerpoint/2010/main" val="1274237900"/>
-      </p:ext>
-    </p:extLst>
   </p:cSld>
   <p:clrMapOvr>
     <a:masterClrMapping/>
   </p:clrMapOvr>
+  <p:transition xmlns:mc="http://schemas.openxmlformats.org/markup-compatibility/2006" xmlns:hp="http://schemas.haansoft.com/office/presentation/8.0" mc:Ignorable="hp" hp:hslDur="500"/>
 </p:sldLayout>
 </file>
 
 <file path=ppt/slideMasters/slideMaster1.xml><?xml version="1.0" encoding="utf-8"?>
-<p:sldMaster xmlns:a="http://schemas.openxmlformats.org/drawingml/2006/main" xmlns:r="http://schemas.openxmlformats.org/officeDocument/2006/relationships" xmlns:p="http://schemas.openxmlformats.org/presentationml/2006/main">
-  <p:cSld>
+<p:sldMaster xmlns:r="http://schemas.openxmlformats.org/officeDocument/2006/relationships" xmlns:c="http://schemas.openxmlformats.org/drawingml/2006/chart" xmlns:a="http://schemas.openxmlformats.org/drawingml/2006/main" xmlns:dgm="http://schemas.openxmlformats.org/drawingml/2006/diagram" xmlns:dsp="http://schemas.microsoft.com/office/drawing/2008/diagram" xmlns:p="http://schemas.openxmlformats.org/presentationml/2006/main">
+  <p:cSld name="한컴오피스">
     <p:bg>
       <p:bgRef idx="1001">
         <a:schemeClr val="bg1"/>
@@ -2797,51 +3035,43 @@
       </p:grpSpPr>
       <p:sp>
         <p:nvSpPr>
-          <p:cNvPr id="2" name="제목 개체 틀 1">
-            <a:extLst>
-              <a:ext uri="{FF2B5EF4-FFF2-40B4-BE49-F238E27FC236}">
-                <a16:creationId xmlns:a16="http://schemas.microsoft.com/office/drawing/2014/main" id="{E5331209-0B42-4828-AA4D-7CE4B910E30D}"/>
-              </a:ext>
-            </a:extLst>
-          </p:cNvPr>
-          <p:cNvSpPr>
-            <a:spLocks noGrp="1"/>
-          </p:cNvSpPr>
-          <p:nvPr>
-            <p:ph type="title"/>
+          <p:cNvPr id="2" name="제목 개체 틀 1"/>
+          <p:cNvSpPr>
+            <a:spLocks noGrp="1"/>
+          </p:cNvSpPr>
+          <p:nvPr>
+            <p:ph type="title" idx="0"/>
           </p:nvPr>
         </p:nvSpPr>
         <p:spPr>
           <a:xfrm>
-            <a:off x="838200" y="365125"/>
-            <a:ext cx="10515600" cy="1325563"/>
+            <a:off x="609599" y="274638"/>
+            <a:ext cx="10972798" cy="1143000"/>
           </a:xfrm>
           <a:prstGeom prst="rect">
             <a:avLst/>
           </a:prstGeom>
         </p:spPr>
         <p:txBody>
-          <a:bodyPr vert="horz" lIns="91440" tIns="45720" rIns="91440" bIns="45720" rtlCol="0" anchor="ctr">
+          <a:bodyPr vert="horz" lIns="91440" tIns="45720" rIns="91440" bIns="45720" anchor="ctr">
             <a:normAutofit/>
           </a:bodyPr>
           <a:lstStyle/>
           <a:p>
+            <a:pPr lvl="0">
+              <a:defRPr/>
+            </a:pPr>
             <a:r>
               <a:rPr lang="ko-KR" altLang="en-US"/>
               <a:t>마스터 제목 스타일 편집</a:t>
             </a:r>
-          </a:p>
-        </p:txBody>
-      </p:sp>
-      <p:sp>
-        <p:nvSpPr>
-          <p:cNvPr id="3" name="텍스트 개체 틀 2">
-            <a:extLst>
-              <a:ext uri="{FF2B5EF4-FFF2-40B4-BE49-F238E27FC236}">
-                <a16:creationId xmlns:a16="http://schemas.microsoft.com/office/drawing/2014/main" id="{A5F6C358-53EE-453A-BEAE-DAA87F2E32A3}"/>
-              </a:ext>
-            </a:extLst>
-          </p:cNvPr>
+            <a:endParaRPr lang="ko-KR" altLang="en-US"/>
+          </a:p>
+        </p:txBody>
+      </p:sp>
+      <p:sp>
+        <p:nvSpPr>
+          <p:cNvPr id="3" name="텍스트 개체 틀 2"/>
           <p:cNvSpPr>
             <a:spLocks noGrp="1"/>
           </p:cNvSpPr>
@@ -2851,64 +3081,73 @@
         </p:nvSpPr>
         <p:spPr>
           <a:xfrm>
-            <a:off x="838200" y="1825625"/>
-            <a:ext cx="10515600" cy="4351338"/>
+            <a:off x="609599" y="1600200"/>
+            <a:ext cx="10972798" cy="4525963"/>
           </a:xfrm>
           <a:prstGeom prst="rect">
             <a:avLst/>
           </a:prstGeom>
         </p:spPr>
         <p:txBody>
-          <a:bodyPr vert="horz" lIns="91440" tIns="45720" rIns="91440" bIns="45720" rtlCol="0">
+          <a:bodyPr vert="horz" lIns="91440" tIns="45720" rIns="91440" bIns="45720">
             <a:normAutofit/>
           </a:bodyPr>
           <a:lstStyle/>
           <a:p>
-            <a:pPr lvl="0"/>
-            <a:r>
-              <a:rPr lang="ko-KR" altLang="en-US"/>
-              <a:t>마스터 텍스트 스타일 편집</a:t>
-            </a:r>
-          </a:p>
-          <a:p>
-            <a:pPr lvl="1"/>
+            <a:pPr lvl="0">
+              <a:defRPr/>
+            </a:pPr>
+            <a:r>
+              <a:rPr lang="ko-KR" altLang="en-US"/>
+              <a:t>마스터 텍스트 스타일을 편집합니다</a:t>
+            </a:r>
+            <a:endParaRPr lang="ko-KR" altLang="en-US"/>
+          </a:p>
+          <a:p>
+            <a:pPr lvl="1">
+              <a:defRPr/>
+            </a:pPr>
             <a:r>
               <a:rPr lang="ko-KR" altLang="en-US"/>
               <a:t>둘째 수준</a:t>
             </a:r>
-          </a:p>
-          <a:p>
-            <a:pPr lvl="2"/>
+            <a:endParaRPr lang="ko-KR" altLang="en-US"/>
+          </a:p>
+          <a:p>
+            <a:pPr lvl="2">
+              <a:defRPr/>
+            </a:pPr>
             <a:r>
               <a:rPr lang="ko-KR" altLang="en-US"/>
               <a:t>셋째 수준</a:t>
             </a:r>
-          </a:p>
-          <a:p>
-            <a:pPr lvl="3"/>
+            <a:endParaRPr lang="ko-KR" altLang="en-US"/>
+          </a:p>
+          <a:p>
+            <a:pPr lvl="3">
+              <a:defRPr/>
+            </a:pPr>
             <a:r>
               <a:rPr lang="ko-KR" altLang="en-US"/>
               <a:t>넷째 수준</a:t>
             </a:r>
-          </a:p>
-          <a:p>
-            <a:pPr lvl="4"/>
+            <a:endParaRPr lang="ko-KR" altLang="en-US"/>
+          </a:p>
+          <a:p>
+            <a:pPr lvl="4">
+              <a:defRPr/>
+            </a:pPr>
             <a:r>
               <a:rPr lang="ko-KR" altLang="en-US"/>
               <a:t>다섯째 수준</a:t>
             </a:r>
-          </a:p>
-        </p:txBody>
-      </p:sp>
-      <p:sp>
-        <p:nvSpPr>
-          <p:cNvPr id="4" name="날짜 개체 틀 3">
-            <a:extLst>
-              <a:ext uri="{FF2B5EF4-FFF2-40B4-BE49-F238E27FC236}">
-                <a16:creationId xmlns:a16="http://schemas.microsoft.com/office/drawing/2014/main" id="{593CF160-312B-4DCA-9270-2707818CBE0D}"/>
-              </a:ext>
-            </a:extLst>
-          </p:cNvPr>
+            <a:endParaRPr lang="ko-KR" altLang="en-US"/>
+          </a:p>
+        </p:txBody>
+      </p:sp>
+      <p:sp>
+        <p:nvSpPr>
+          <p:cNvPr id="4" name="날짜 개체 틀 3"/>
           <p:cNvSpPr>
             <a:spLocks noGrp="1"/>
           </p:cNvSpPr>
@@ -2918,15 +3157,15 @@
         </p:nvSpPr>
         <p:spPr>
           <a:xfrm>
-            <a:off x="838200" y="6356350"/>
-            <a:ext cx="2743200" cy="365125"/>
+            <a:off x="609599" y="6356350"/>
+            <a:ext cx="2844799" cy="365125"/>
           </a:xfrm>
           <a:prstGeom prst="rect">
             <a:avLst/>
           </a:prstGeom>
         </p:spPr>
         <p:txBody>
-          <a:bodyPr vert="horz" lIns="91440" tIns="45720" rIns="91440" bIns="45720" rtlCol="0" anchor="ctr"/>
+          <a:bodyPr vert="horz" lIns="91440" tIns="45720" rIns="91440" bIns="45720" anchor="ctr"/>
           <a:lstStyle>
             <a:lvl1pPr algn="l">
               <a:defRPr sz="1200">
@@ -2939,9 +3178,15 @@
             </a:lvl1pPr>
           </a:lstStyle>
           <a:p>
-            <a:fld id="{19EB0ECF-D969-43D9-9AC3-D8140255FEF8}" type="datetimeFigureOut">
-              <a:rPr lang="ko-KR" altLang="en-US" smtClean="0"/>
-              <a:t>2018-11-29</a:t>
+            <a:pPr lvl="0">
+              <a:defRPr/>
+            </a:pPr>
+            <a:fld id="{D422D86A-5F52-4165-8473-F1B836277586}" type="datetime1">
+              <a:rPr lang="ko-KR" altLang="en-US"/>
+              <a:pPr lvl="0">
+                <a:defRPr/>
+              </a:pPr>
+              <a:t>2018-12-10</a:t>
             </a:fld>
             <a:endParaRPr lang="ko-KR" altLang="en-US"/>
           </a:p>
@@ -2949,13 +3194,7 @@
       </p:sp>
       <p:sp>
         <p:nvSpPr>
-          <p:cNvPr id="5" name="바닥글 개체 틀 4">
-            <a:extLst>
-              <a:ext uri="{FF2B5EF4-FFF2-40B4-BE49-F238E27FC236}">
-                <a16:creationId xmlns:a16="http://schemas.microsoft.com/office/drawing/2014/main" id="{7A5AB62A-9DB0-47D8-BCB2-8DEECDD4A937}"/>
-              </a:ext>
-            </a:extLst>
-          </p:cNvPr>
+          <p:cNvPr id="5" name="바닥글 개체 틀 4"/>
           <p:cNvSpPr>
             <a:spLocks noGrp="1"/>
           </p:cNvSpPr>
@@ -2965,15 +3204,15 @@
         </p:nvSpPr>
         <p:spPr>
           <a:xfrm>
-            <a:off x="4038600" y="6356350"/>
-            <a:ext cx="4114800" cy="365125"/>
+            <a:off x="4165599" y="6356350"/>
+            <a:ext cx="3860799" cy="365125"/>
           </a:xfrm>
           <a:prstGeom prst="rect">
             <a:avLst/>
           </a:prstGeom>
         </p:spPr>
         <p:txBody>
-          <a:bodyPr vert="horz" lIns="91440" tIns="45720" rIns="91440" bIns="45720" rtlCol="0" anchor="ctr"/>
+          <a:bodyPr vert="horz" lIns="91440" tIns="45720" rIns="91440" bIns="45720" anchor="ctr"/>
           <a:lstStyle>
             <a:lvl1pPr algn="ctr">
               <a:defRPr sz="1200">
@@ -2986,19 +3225,20 @@
             </a:lvl1pPr>
           </a:lstStyle>
           <a:p>
-            <a:endParaRPr lang="ko-KR" altLang="en-US"/>
-          </a:p>
-        </p:txBody>
-      </p:sp>
-      <p:sp>
-        <p:nvSpPr>
-          <p:cNvPr id="6" name="슬라이드 번호 개체 틀 5">
-            <a:extLst>
-              <a:ext uri="{FF2B5EF4-FFF2-40B4-BE49-F238E27FC236}">
-                <a16:creationId xmlns:a16="http://schemas.microsoft.com/office/drawing/2014/main" id="{9361CD69-A531-4750-9EEE-6D215E462DAA}"/>
-              </a:ext>
-            </a:extLst>
-          </p:cNvPr>
+            <a:pPr lvl="0">
+              <a:defRPr/>
+            </a:pPr>
+            <a:r>
+              <a:rPr lang="ko-KR" altLang="en-US"/>
+              <a:t/>
+            </a:r>
+            <a:endParaRPr lang="ko-KR" altLang="en-US"/>
+          </a:p>
+        </p:txBody>
+      </p:sp>
+      <p:sp>
+        <p:nvSpPr>
+          <p:cNvPr id="6" name="슬라이드 번호 개체 틀 5"/>
           <p:cNvSpPr>
             <a:spLocks noGrp="1"/>
           </p:cNvSpPr>
@@ -3008,15 +3248,15 @@
         </p:nvSpPr>
         <p:spPr>
           <a:xfrm>
-            <a:off x="8610600" y="6356350"/>
-            <a:ext cx="2743200" cy="365125"/>
+            <a:off x="8737599" y="6356350"/>
+            <a:ext cx="2844799" cy="365125"/>
           </a:xfrm>
           <a:prstGeom prst="rect">
             <a:avLst/>
           </a:prstGeom>
         </p:spPr>
         <p:txBody>
-          <a:bodyPr vert="horz" lIns="91440" tIns="45720" rIns="91440" bIns="45720" rtlCol="0" anchor="ctr"/>
+          <a:bodyPr vert="horz" lIns="91440" tIns="45720" rIns="91440" bIns="45720" anchor="ctr"/>
           <a:lstStyle>
             <a:lvl1pPr algn="r">
               <a:defRPr sz="1200">
@@ -3029,8 +3269,14 @@
             </a:lvl1pPr>
           </a:lstStyle>
           <a:p>
-            <a:fld id="{304156D8-57F3-479A-8BA3-D77E0031E147}" type="slidenum">
-              <a:rPr lang="ko-KR" altLang="en-US" smtClean="0"/>
+            <a:pPr lvl="0">
+              <a:defRPr/>
+            </a:pPr>
+            <a:fld id="{AD22CD3B-FDDF-4998-970C-76E6E0BEC65F}" type="slidenum">
+              <a:rPr lang="ko-KR" altLang="en-US"/>
+              <a:pPr lvl="0">
+                <a:defRPr/>
+              </a:pPr>
               <a:t>‹#›</a:t>
             </a:fld>
             <a:endParaRPr lang="ko-KR" altLang="en-US"/>
@@ -3038,32 +3284,27 @@
         </p:txBody>
       </p:sp>
     </p:spTree>
-    <p:extLst>
-      <p:ext uri="{BB962C8B-B14F-4D97-AF65-F5344CB8AC3E}">
-        <p14:creationId xmlns:p14="http://schemas.microsoft.com/office/powerpoint/2010/main" val="3911046343"/>
-      </p:ext>
-    </p:extLst>
   </p:cSld>
   <p:clrMap bg1="lt1" tx1="dk1" bg2="lt2" tx2="dk2" accent1="accent1" accent2="accent2" accent3="accent3" accent4="accent4" accent5="accent5" accent6="accent6" hlink="hlink" folHlink="folHlink"/>
   <p:sldLayoutIdLst>
-    <p:sldLayoutId id="2147484043" r:id="rId1"/>
-    <p:sldLayoutId id="2147484044" r:id="rId2"/>
-    <p:sldLayoutId id="2147484045" r:id="rId3"/>
-    <p:sldLayoutId id="2147484046" r:id="rId4"/>
-    <p:sldLayoutId id="2147484047" r:id="rId5"/>
-    <p:sldLayoutId id="2147484048" r:id="rId6"/>
-    <p:sldLayoutId id="2147484049" r:id="rId7"/>
-    <p:sldLayoutId id="2147484050" r:id="rId8"/>
-    <p:sldLayoutId id="2147484051" r:id="rId9"/>
-    <p:sldLayoutId id="2147484052" r:id="rId10"/>
-    <p:sldLayoutId id="2147484053" r:id="rId11"/>
+    <p:sldLayoutId id="2147484119" r:id="rId1"/>
+    <p:sldLayoutId id="2147484120" r:id="rId2"/>
+    <p:sldLayoutId id="2147484121" r:id="rId3"/>
+    <p:sldLayoutId id="2147484122" r:id="rId4"/>
+    <p:sldLayoutId id="2147484123" r:id="rId5"/>
+    <p:sldLayoutId id="2147484124" r:id="rId6"/>
+    <p:sldLayoutId id="2147484125" r:id="rId7"/>
+    <p:sldLayoutId id="2147484126" r:id="rId8"/>
+    <p:sldLayoutId id="2147484127" r:id="rId9"/>
+    <p:sldLayoutId id="2147484128" r:id="rId10"/>
+    <p:sldLayoutId id="2147484129" r:id="rId11"/>
+    <p:sldLayoutId id="2147484130" r:id="rId12"/>
   </p:sldLayoutIdLst>
+  <p:transition xmlns:mc="http://schemas.openxmlformats.org/markup-compatibility/2006" xmlns:hp="http://schemas.haansoft.com/office/presentation/8.0" mc:Ignorable="hp" hp:hslDur="500"/>
+  <p:hf sldNum="0" hdr="0" ftr="0" dt="0"/>
   <p:txStyles>
     <p:titleStyle>
-      <a:lvl1pPr algn="l" defTabSz="914400" rtl="0" eaLnBrk="1" latinLnBrk="1" hangingPunct="1">
-        <a:lnSpc>
-          <a:spcPct val="90000"/>
-        </a:lnSpc>
+      <a:lvl1pPr algn="ctr" defTabSz="914400" rtl="0" eaLnBrk="1" latinLnBrk="1" hangingPunct="1">
         <a:spcBef>
           <a:spcPct val="0"/>
         </a:spcBef>
@@ -3077,17 +3318,85 @@
           <a:cs typeface="+mj-cs"/>
         </a:defRPr>
       </a:lvl1pPr>
+      <a:lvl2pPr rtl="0" eaLnBrk="1" latinLnBrk="1" hangingPunct="1">
+        <a:defRPr>
+          <a:solidFill>
+            <a:schemeClr val="tx2"/>
+          </a:solidFill>
+        </a:defRPr>
+      </a:lvl2pPr>
+      <a:lvl3pPr rtl="0" eaLnBrk="1" latinLnBrk="1" hangingPunct="1">
+        <a:defRPr>
+          <a:solidFill>
+            <a:schemeClr val="tx2"/>
+          </a:solidFill>
+        </a:defRPr>
+      </a:lvl3pPr>
+      <a:lvl4pPr rtl="0" eaLnBrk="1" latinLnBrk="1" hangingPunct="1">
+        <a:defRPr>
+          <a:solidFill>
+            <a:schemeClr val="tx2"/>
+          </a:solidFill>
+        </a:defRPr>
+      </a:lvl4pPr>
+      <a:lvl5pPr rtl="0" eaLnBrk="1" latinLnBrk="1" hangingPunct="1">
+        <a:defRPr>
+          <a:solidFill>
+            <a:schemeClr val="tx2"/>
+          </a:solidFill>
+        </a:defRPr>
+      </a:lvl5pPr>
+      <a:lvl6pPr rtl="0" eaLnBrk="1" latinLnBrk="1" hangingPunct="1">
+        <a:defRPr>
+          <a:solidFill>
+            <a:schemeClr val="tx2"/>
+          </a:solidFill>
+        </a:defRPr>
+      </a:lvl6pPr>
+      <a:lvl7pPr rtl="0" eaLnBrk="1" latinLnBrk="1" hangingPunct="1">
+        <a:defRPr>
+          <a:solidFill>
+            <a:schemeClr val="tx2"/>
+          </a:solidFill>
+        </a:defRPr>
+      </a:lvl7pPr>
+      <a:lvl8pPr rtl="0" eaLnBrk="1" latinLnBrk="1" hangingPunct="1">
+        <a:defRPr>
+          <a:solidFill>
+            <a:schemeClr val="tx2"/>
+          </a:solidFill>
+        </a:defRPr>
+      </a:lvl8pPr>
+      <a:lvl9pPr rtl="0" eaLnBrk="1" latinLnBrk="1" hangingPunct="1">
+        <a:defRPr>
+          <a:solidFill>
+            <a:schemeClr val="tx2"/>
+          </a:solidFill>
+        </a:defRPr>
+      </a:lvl9pPr>
     </p:titleStyle>
     <p:bodyStyle>
-      <a:lvl1pPr marL="228600" indent="-228600" algn="l" defTabSz="914400" rtl="0" eaLnBrk="1" latinLnBrk="1" hangingPunct="1">
-        <a:lnSpc>
-          <a:spcPct val="90000"/>
-        </a:lnSpc>
+      <a:lvl1pPr marL="342900" indent="-342900" algn="l" defTabSz="914400" rtl="0" eaLnBrk="1" latinLnBrk="1" hangingPunct="1">
         <a:spcBef>
-          <a:spcPts val="1000"/>
+          <a:spcPct val="20000"/>
         </a:spcBef>
-        <a:buFont typeface="Arial" panose="020B0604020202020204" pitchFamily="34" charset="0"/>
+        <a:buFont typeface="Arial"/>
         <a:buChar char="•"/>
+        <a:defRPr sz="3200" kern="1200">
+          <a:solidFill>
+            <a:schemeClr val="tx1"/>
+          </a:solidFill>
+          <a:latin typeface="+mn-lt"/>
+          <a:ea typeface="+mn-ea"/>
+          <a:cs typeface="+mn-cs"/>
+        </a:defRPr>
+      </a:lvl1pPr>
+      <a:lvl2pPr marL="742950" indent="-285750" algn="l" defTabSz="914400" rtl="0" eaLnBrk="1" latinLnBrk="1" hangingPunct="1">
+        <a:spcBef>
+          <a:spcPct val="20000"/>
+        </a:spcBef>
+        <a:buFont typeface="Arial"/>
+        <a:buChar char="–"/>
         <a:defRPr sz="2800" kern="1200">
           <a:solidFill>
             <a:schemeClr val="tx1"/>
@@ -3096,15 +3405,12 @@
           <a:ea typeface="+mn-ea"/>
           <a:cs typeface="+mn-cs"/>
         </a:defRPr>
-      </a:lvl1pPr>
-      <a:lvl2pPr marL="685800" indent="-228600" algn="l" defTabSz="914400" rtl="0" eaLnBrk="1" latinLnBrk="1" hangingPunct="1">
-        <a:lnSpc>
-          <a:spcPct val="90000"/>
-        </a:lnSpc>
+      </a:lvl2pPr>
+      <a:lvl3pPr marL="1143000" indent="-228600" algn="l" defTabSz="914400" rtl="0" eaLnBrk="1" latinLnBrk="1" hangingPunct="1">
         <a:spcBef>
-          <a:spcPts val="500"/>
+          <a:spcPct val="20000"/>
         </a:spcBef>
-        <a:buFont typeface="Arial" panose="020B0604020202020204" pitchFamily="34" charset="0"/>
+        <a:buFont typeface="Arial"/>
         <a:buChar char="•"/>
         <a:defRPr sz="2400" kern="1200">
           <a:solidFill>
@@ -3114,15 +3420,42 @@
           <a:ea typeface="+mn-ea"/>
           <a:cs typeface="+mn-cs"/>
         </a:defRPr>
-      </a:lvl2pPr>
-      <a:lvl3pPr marL="1143000" indent="-228600" algn="l" defTabSz="914400" rtl="0" eaLnBrk="1" latinLnBrk="1" hangingPunct="1">
-        <a:lnSpc>
-          <a:spcPct val="90000"/>
-        </a:lnSpc>
+      </a:lvl3pPr>
+      <a:lvl4pPr marL="1600200" indent="-228600" algn="l" defTabSz="914400" rtl="0" eaLnBrk="1" latinLnBrk="1" hangingPunct="1">
         <a:spcBef>
-          <a:spcPts val="500"/>
+          <a:spcPct val="20000"/>
         </a:spcBef>
-        <a:buFont typeface="Arial" panose="020B0604020202020204" pitchFamily="34" charset="0"/>
+        <a:buFont typeface="Arial"/>
+        <a:buChar char="–"/>
+        <a:defRPr sz="2000" kern="1200">
+          <a:solidFill>
+            <a:schemeClr val="tx1"/>
+          </a:solidFill>
+          <a:latin typeface="+mn-lt"/>
+          <a:ea typeface="+mn-ea"/>
+          <a:cs typeface="+mn-cs"/>
+        </a:defRPr>
+      </a:lvl4pPr>
+      <a:lvl5pPr marL="2057400" indent="-228600" algn="l" defTabSz="914400" rtl="0" eaLnBrk="1" latinLnBrk="1" hangingPunct="1">
+        <a:spcBef>
+          <a:spcPct val="20000"/>
+        </a:spcBef>
+        <a:buFont typeface="Arial"/>
+        <a:buChar char="»"/>
+        <a:defRPr sz="2000" kern="1200">
+          <a:solidFill>
+            <a:schemeClr val="tx1"/>
+          </a:solidFill>
+          <a:latin typeface="+mn-lt"/>
+          <a:ea typeface="+mn-ea"/>
+          <a:cs typeface="+mn-cs"/>
+        </a:defRPr>
+      </a:lvl5pPr>
+      <a:lvl6pPr marL="2514600" indent="-228600" algn="l" defTabSz="914400" rtl="0" eaLnBrk="1" latinLnBrk="1" hangingPunct="1">
+        <a:spcBef>
+          <a:spcPct val="20000"/>
+        </a:spcBef>
+        <a:buFont typeface="Arial"/>
         <a:buChar char="•"/>
         <a:defRPr sz="2000" kern="1200">
           <a:solidFill>
@@ -3132,71 +3465,14 @@
           <a:ea typeface="+mn-ea"/>
           <a:cs typeface="+mn-cs"/>
         </a:defRPr>
-      </a:lvl3pPr>
-      <a:lvl4pPr marL="1600200" indent="-228600" algn="l" defTabSz="914400" rtl="0" eaLnBrk="1" latinLnBrk="1" hangingPunct="1">
-        <a:lnSpc>
-          <a:spcPct val="90000"/>
-        </a:lnSpc>
-        <a:spcBef>
-          <a:spcPts val="500"/>
-        </a:spcBef>
-        <a:buFont typeface="Arial" panose="020B0604020202020204" pitchFamily="34" charset="0"/>
-        <a:buChar char="•"/>
-        <a:defRPr sz="1800" kern="1200">
-          <a:solidFill>
-            <a:schemeClr val="tx1"/>
-          </a:solidFill>
-          <a:latin typeface="+mn-lt"/>
-          <a:ea typeface="+mn-ea"/>
-          <a:cs typeface="+mn-cs"/>
-        </a:defRPr>
-      </a:lvl4pPr>
-      <a:lvl5pPr marL="2057400" indent="-228600" algn="l" defTabSz="914400" rtl="0" eaLnBrk="1" latinLnBrk="1" hangingPunct="1">
-        <a:lnSpc>
-          <a:spcPct val="90000"/>
-        </a:lnSpc>
-        <a:spcBef>
-          <a:spcPts val="500"/>
-        </a:spcBef>
-        <a:buFont typeface="Arial" panose="020B0604020202020204" pitchFamily="34" charset="0"/>
-        <a:buChar char="•"/>
-        <a:defRPr sz="1800" kern="1200">
-          <a:solidFill>
-            <a:schemeClr val="tx1"/>
-          </a:solidFill>
-          <a:latin typeface="+mn-lt"/>
-          <a:ea typeface="+mn-ea"/>
-          <a:cs typeface="+mn-cs"/>
-        </a:defRPr>
-      </a:lvl5pPr>
-      <a:lvl6pPr marL="2514600" indent="-228600" algn="l" defTabSz="914400" rtl="0" eaLnBrk="1" latinLnBrk="1" hangingPunct="1">
-        <a:lnSpc>
-          <a:spcPct val="90000"/>
-        </a:lnSpc>
-        <a:spcBef>
-          <a:spcPts val="500"/>
-        </a:spcBef>
-        <a:buFont typeface="Arial" panose="020B0604020202020204" pitchFamily="34" charset="0"/>
-        <a:buChar char="•"/>
-        <a:defRPr sz="1800" kern="1200">
-          <a:solidFill>
-            <a:schemeClr val="tx1"/>
-          </a:solidFill>
-          <a:latin typeface="+mn-lt"/>
-          <a:ea typeface="+mn-ea"/>
-          <a:cs typeface="+mn-cs"/>
-        </a:defRPr>
       </a:lvl6pPr>
       <a:lvl7pPr marL="2971800" indent="-228600" algn="l" defTabSz="914400" rtl="0" eaLnBrk="1" latinLnBrk="1" hangingPunct="1">
-        <a:lnSpc>
-          <a:spcPct val="90000"/>
-        </a:lnSpc>
         <a:spcBef>
-          <a:spcPts val="500"/>
+          <a:spcPct val="20000"/>
         </a:spcBef>
-        <a:buFont typeface="Arial" panose="020B0604020202020204" pitchFamily="34" charset="0"/>
+        <a:buFont typeface="Arial"/>
         <a:buChar char="•"/>
-        <a:defRPr sz="1800" kern="1200">
+        <a:defRPr sz="2000" kern="1200">
           <a:solidFill>
             <a:schemeClr val="tx1"/>
           </a:solidFill>
@@ -3206,15 +3482,12 @@
         </a:defRPr>
       </a:lvl7pPr>
       <a:lvl8pPr marL="3429000" indent="-228600" algn="l" defTabSz="914400" rtl="0" eaLnBrk="1" latinLnBrk="1" hangingPunct="1">
-        <a:lnSpc>
-          <a:spcPct val="90000"/>
-        </a:lnSpc>
         <a:spcBef>
-          <a:spcPts val="500"/>
+          <a:spcPct val="20000"/>
         </a:spcBef>
-        <a:buFont typeface="Arial" panose="020B0604020202020204" pitchFamily="34" charset="0"/>
+        <a:buFont typeface="Arial"/>
         <a:buChar char="•"/>
-        <a:defRPr sz="1800" kern="1200">
+        <a:defRPr sz="2000" kern="1200">
           <a:solidFill>
             <a:schemeClr val="tx1"/>
           </a:solidFill>
@@ -3224,15 +3497,12 @@
         </a:defRPr>
       </a:lvl8pPr>
       <a:lvl9pPr marL="3886200" indent="-228600" algn="l" defTabSz="914400" rtl="0" eaLnBrk="1" latinLnBrk="1" hangingPunct="1">
-        <a:lnSpc>
-          <a:spcPct val="90000"/>
-        </a:lnSpc>
         <a:spcBef>
-          <a:spcPts val="500"/>
+          <a:spcPct val="20000"/>
         </a:spcBef>
-        <a:buFont typeface="Arial" panose="020B0604020202020204" pitchFamily="34" charset="0"/>
+        <a:buFont typeface="Arial"/>
         <a:buChar char="•"/>
-        <a:defRPr sz="1800" kern="1200">
+        <a:defRPr sz="2000" kern="1200">
           <a:solidFill>
             <a:schemeClr val="tx1"/>
           </a:solidFill>
@@ -3342,7 +3612,7 @@
 </file>
 
 <file path=ppt/slides/slide1.xml><?xml version="1.0" encoding="utf-8"?>
-<p:sld xmlns:a="http://schemas.openxmlformats.org/drawingml/2006/main" xmlns:r="http://schemas.openxmlformats.org/officeDocument/2006/relationships" xmlns:p="http://schemas.openxmlformats.org/presentationml/2006/main">
+<p:sld xmlns:r="http://schemas.openxmlformats.org/officeDocument/2006/relationships" xmlns:c="http://schemas.openxmlformats.org/drawingml/2006/chart" xmlns:a="http://schemas.openxmlformats.org/drawingml/2006/main" xmlns:dgm="http://schemas.openxmlformats.org/drawingml/2006/diagram" xmlns:dsp="http://schemas.microsoft.com/office/drawing/2008/diagram" xmlns:p="http://schemas.openxmlformats.org/presentationml/2006/main">
   <p:cSld>
     <p:spTree>
       <p:nvGrpSpPr>
@@ -3360,18 +3630,12 @@
       </p:grpSpPr>
       <p:sp>
         <p:nvSpPr>
-          <p:cNvPr id="2" name="제목 1">
-            <a:extLst>
-              <a:ext uri="{FF2B5EF4-FFF2-40B4-BE49-F238E27FC236}">
-                <a16:creationId xmlns:a16="http://schemas.microsoft.com/office/drawing/2014/main" id="{FB3833B2-4A77-473D-BE0E-44E538540EC3}"/>
-              </a:ext>
-            </a:extLst>
-          </p:cNvPr>
-          <p:cNvSpPr>
-            <a:spLocks noGrp="1"/>
-          </p:cNvSpPr>
-          <p:nvPr>
-            <p:ph type="ctrTitle"/>
+          <p:cNvPr id="2" name="제목 1"/>
+          <p:cNvSpPr>
+            <a:spLocks noGrp="1"/>
+          </p:cNvSpPr>
+          <p:nvPr>
+            <p:ph type="ctrTitle" idx="0"/>
           </p:nvPr>
         </p:nvSpPr>
         <p:spPr>
@@ -3386,26 +3650,23 @@
           </a:bodyPr>
           <a:lstStyle/>
           <a:p>
-            <a:r>
-              <a:rPr lang="ko-KR" altLang="en-US" sz="6000" dirty="0"/>
+            <a:pPr lvl="0">
+              <a:defRPr/>
+            </a:pPr>
+            <a:r>
+              <a:rPr lang="ko-KR" altLang="en-US" sz="6000"/>
               <a:t>배달 주문 시스템</a:t>
             </a:r>
             <a:br>
-              <a:rPr lang="en-US" altLang="ko-KR" sz="6000" dirty="0"/>
+              <a:rPr lang="en-US" altLang="ko-KR" sz="6000"/>
             </a:br>
-            <a:endParaRPr lang="ko-KR" altLang="en-US" sz="6000" dirty="0"/>
-          </a:p>
-        </p:txBody>
-      </p:sp>
-      <p:sp>
-        <p:nvSpPr>
-          <p:cNvPr id="3" name="부제목 2">
-            <a:extLst>
-              <a:ext uri="{FF2B5EF4-FFF2-40B4-BE49-F238E27FC236}">
-                <a16:creationId xmlns:a16="http://schemas.microsoft.com/office/drawing/2014/main" id="{133DD2C5-F2D7-4799-BE77-6F76855AE8BD}"/>
-              </a:ext>
-            </a:extLst>
-          </p:cNvPr>
+            <a:endParaRPr lang="ko-KR" altLang="en-US" sz="6000"/>
+          </a:p>
+        </p:txBody>
+      </p:sp>
+      <p:sp>
+        <p:nvSpPr>
+          <p:cNvPr id="3" name="부제목 2"/>
           <p:cNvSpPr>
             <a:spLocks noGrp="1"/>
           </p:cNvSpPr>
@@ -3421,30 +3682,25 @@
         </p:spPr>
         <p:txBody>
           <a:bodyPr>
-            <a:normAutofit fontScale="92500"/>
+            <a:normAutofit fontScale="70000" lnSpcReduction="20000"/>
           </a:bodyPr>
           <a:lstStyle/>
           <a:p>
-            <a:r>
-              <a:rPr lang="en-US" altLang="ko-KR" dirty="0"/>
+            <a:pPr lvl="0">
+              <a:defRPr/>
+            </a:pPr>
+            <a:r>
+              <a:rPr lang="en-US" altLang="ko-KR"/>
               <a:t>  Food Delivery and Ordering System</a:t>
             </a:r>
-            <a:endParaRPr lang="ko-KR" altLang="en-US" dirty="0"/>
-          </a:p>
-        </p:txBody>
-      </p:sp>
-      <p:sp>
-        <p:nvSpPr>
-          <p:cNvPr id="4" name="부제목 2">
-            <a:extLst>
-              <a:ext uri="{FF2B5EF4-FFF2-40B4-BE49-F238E27FC236}">
-                <a16:creationId xmlns:a16="http://schemas.microsoft.com/office/drawing/2014/main" id="{07A1A9B5-61D7-4F7E-9A53-B6DB768092A7}"/>
-              </a:ext>
-            </a:extLst>
-          </p:cNvPr>
-          <p:cNvSpPr txBox="1">
-            <a:spLocks/>
-          </p:cNvSpPr>
+            <a:endParaRPr lang="ko-KR" altLang="en-US"/>
+          </a:p>
+        </p:txBody>
+      </p:sp>
+      <p:sp>
+        <p:nvSpPr>
+          <p:cNvPr id="4" name="부제목 2"/>
+          <p:cNvSpPr txBox="1"/>
           <p:nvPr/>
         </p:nvSpPr>
         <p:spPr>
@@ -3457,7 +3713,7 @@
           </a:prstGeom>
         </p:spPr>
         <p:txBody>
-          <a:bodyPr vert="horz" lIns="91440" tIns="45720" rIns="91440" bIns="45720" rtlCol="0">
+          <a:bodyPr vert="horz" lIns="91440" tIns="45720" rIns="91440" bIns="45720">
             <a:noAutofit/>
           </a:bodyPr>
           <a:lstStyle>
@@ -3468,7 +3724,7 @@
               <a:spcBef>
                 <a:spcPts val="1000"/>
               </a:spcBef>
-              <a:buFont typeface="Arial" panose="020B0604020202020204" pitchFamily="34" charset="0"/>
+              <a:buFont typeface="Arial"/>
               <a:buNone/>
               <a:defRPr sz="2400" kern="1200">
                 <a:solidFill>
@@ -3486,7 +3742,7 @@
               <a:spcBef>
                 <a:spcPts val="500"/>
               </a:spcBef>
-              <a:buFont typeface="Arial" panose="020B0604020202020204" pitchFamily="34" charset="0"/>
+              <a:buFont typeface="Arial"/>
               <a:buNone/>
               <a:defRPr sz="2000" kern="1200">
                 <a:solidFill>
@@ -3504,7 +3760,7 @@
               <a:spcBef>
                 <a:spcPts val="500"/>
               </a:spcBef>
-              <a:buFont typeface="Arial" panose="020B0604020202020204" pitchFamily="34" charset="0"/>
+              <a:buFont typeface="Arial"/>
               <a:buNone/>
               <a:defRPr sz="1800" kern="1200">
                 <a:solidFill>
@@ -3522,7 +3778,7 @@
               <a:spcBef>
                 <a:spcPts val="500"/>
               </a:spcBef>
-              <a:buFont typeface="Arial" panose="020B0604020202020204" pitchFamily="34" charset="0"/>
+              <a:buFont typeface="Arial"/>
               <a:buNone/>
               <a:defRPr sz="1600" kern="1200">
                 <a:solidFill>
@@ -3540,7 +3796,7 @@
               <a:spcBef>
                 <a:spcPts val="500"/>
               </a:spcBef>
-              <a:buFont typeface="Arial" panose="020B0604020202020204" pitchFamily="34" charset="0"/>
+              <a:buFont typeface="Arial"/>
               <a:buNone/>
               <a:defRPr sz="1600" kern="1200">
                 <a:solidFill>
@@ -3558,7 +3814,7 @@
               <a:spcBef>
                 <a:spcPts val="500"/>
               </a:spcBef>
-              <a:buFont typeface="Arial" panose="020B0604020202020204" pitchFamily="34" charset="0"/>
+              <a:buFont typeface="Arial"/>
               <a:buNone/>
               <a:defRPr sz="1600" kern="1200">
                 <a:solidFill>
@@ -3576,7 +3832,7 @@
               <a:spcBef>
                 <a:spcPts val="500"/>
               </a:spcBef>
-              <a:buFont typeface="Arial" panose="020B0604020202020204" pitchFamily="34" charset="0"/>
+              <a:buFont typeface="Arial"/>
               <a:buNone/>
               <a:defRPr sz="1600" kern="1200">
                 <a:solidFill>
@@ -3594,7 +3850,7 @@
               <a:spcBef>
                 <a:spcPts val="500"/>
               </a:spcBef>
-              <a:buFont typeface="Arial" panose="020B0604020202020204" pitchFamily="34" charset="0"/>
+              <a:buFont typeface="Arial"/>
               <a:buNone/>
               <a:defRPr sz="1600" kern="1200">
                 <a:solidFill>
@@ -3612,7 +3868,7 @@
               <a:spcBef>
                 <a:spcPts val="500"/>
               </a:spcBef>
-              <a:buFont typeface="Arial" panose="020B0604020202020204" pitchFamily="34" charset="0"/>
+              <a:buFont typeface="Arial"/>
               <a:buNone/>
               <a:defRPr sz="1600" kern="1200">
                 <a:solidFill>
@@ -3625,37 +3881,59 @@
             </a:lvl9pPr>
           </a:lstStyle>
           <a:p>
-            <a:r>
-              <a:rPr lang="ko-KR" altLang="en-US" sz="3600" dirty="0" err="1"/>
+            <a:pPr lvl="0">
+              <a:defRPr/>
+            </a:pPr>
+            <a:r>
+              <a:rPr lang="ko-KR" altLang="en-US" sz="3600">
+                <a:solidFill>
+                  <a:srgbClr val="f2f2f2"/>
+                </a:solidFill>
+              </a:rPr>
               <a:t>김휘령</a:t>
             </a:r>
             <a:r>
-              <a:rPr lang="en-US" altLang="ko-KR" sz="3600" dirty="0"/>
+              <a:rPr lang="en-US" altLang="ko-KR" sz="3600">
+                <a:solidFill>
+                  <a:srgbClr val="f2f2f2"/>
+                </a:solidFill>
+              </a:rPr>
               <a:t>, </a:t>
             </a:r>
             <a:r>
-              <a:rPr lang="ko-KR" altLang="en-US" sz="3600" dirty="0" err="1"/>
+              <a:rPr lang="ko-KR" altLang="en-US" sz="3600">
+                <a:solidFill>
+                  <a:srgbClr val="f2f2f2"/>
+                </a:solidFill>
+              </a:rPr>
               <a:t>양찬우</a:t>
             </a:r>
-            <a:endParaRPr lang="ko-KR" altLang="en-US" sz="3600" dirty="0"/>
+            <a:endParaRPr lang="ko-KR" altLang="en-US" sz="3600">
+              <a:solidFill>
+                <a:srgbClr val="f2f2f2"/>
+              </a:solidFill>
+            </a:endParaRPr>
           </a:p>
         </p:txBody>
       </p:sp>
     </p:spTree>
-    <p:extLst>
-      <p:ext uri="{BB962C8B-B14F-4D97-AF65-F5344CB8AC3E}">
-        <p14:creationId xmlns:p14="http://schemas.microsoft.com/office/powerpoint/2010/main" val="4239119722"/>
-      </p:ext>
-    </p:extLst>
   </p:cSld>
   <p:clrMapOvr>
     <a:masterClrMapping/>
   </p:clrMapOvr>
+  <mc:AlternateContent xmlns:mc="http://schemas.openxmlformats.org/markup-compatibility/2006">
+    <mc:Choice xmlns:p14="http://schemas.microsoft.com/office/powerpoint/2010/main" Requires="p14">
+      <p:transition xmlns:mc="http://schemas.openxmlformats.org/markup-compatibility/2006" xmlns:p14="http://schemas.microsoft.com/office/powerpoint/2010/main" mc:Ignorable="p14" p14:dur="500"/>
+    </mc:Choice>
+    <mc:Fallback>
+      <p:transition/>
+    </mc:Fallback>
+  </mc:AlternateContent>
 </p:sld>
 </file>
 
 <file path=ppt/slides/slide2.xml><?xml version="1.0" encoding="utf-8"?>
-<p:sld xmlns:a="http://schemas.openxmlformats.org/drawingml/2006/main" xmlns:r="http://schemas.openxmlformats.org/officeDocument/2006/relationships" xmlns:p="http://schemas.openxmlformats.org/presentationml/2006/main">
+<p:sld xmlns:r="http://schemas.openxmlformats.org/officeDocument/2006/relationships" xmlns:c="http://schemas.openxmlformats.org/drawingml/2006/chart" xmlns:a="http://schemas.openxmlformats.org/drawingml/2006/main" xmlns:dgm="http://schemas.openxmlformats.org/drawingml/2006/diagram" xmlns:dsp="http://schemas.microsoft.com/office/drawing/2008/diagram" xmlns:p="http://schemas.openxmlformats.org/presentationml/2006/main">
   <p:cSld>
     <p:spTree>
       <p:nvGrpSpPr>
@@ -3673,18 +3951,12 @@
       </p:grpSpPr>
       <p:sp>
         <p:nvSpPr>
-          <p:cNvPr id="2" name="제목 1">
-            <a:extLst>
-              <a:ext uri="{FF2B5EF4-FFF2-40B4-BE49-F238E27FC236}">
-                <a16:creationId xmlns:a16="http://schemas.microsoft.com/office/drawing/2014/main" id="{345DBF10-66BC-4150-B8A8-ED6CC466C7AC}"/>
-              </a:ext>
-            </a:extLst>
-          </p:cNvPr>
-          <p:cNvSpPr>
-            <a:spLocks noGrp="1"/>
-          </p:cNvSpPr>
-          <p:nvPr>
-            <p:ph type="title"/>
+          <p:cNvPr id="2" name="제목 1"/>
+          <p:cNvSpPr>
+            <a:spLocks noGrp="1"/>
+          </p:cNvSpPr>
+          <p:nvPr>
+            <p:ph type="title" idx="0"/>
           </p:nvPr>
         </p:nvSpPr>
         <p:spPr>
@@ -3697,22 +3969,20 @@
           <a:bodyPr/>
           <a:lstStyle/>
           <a:p>
-            <a:r>
-              <a:rPr lang="ko-KR" altLang="en-US" dirty="0"/>
+            <a:pPr lvl="0">
+              <a:defRPr/>
+            </a:pPr>
+            <a:r>
+              <a:rPr lang="ko-KR" altLang="en-US"/>
               <a:t>목차</a:t>
             </a:r>
-          </a:p>
-        </p:txBody>
-      </p:sp>
-      <p:sp>
-        <p:nvSpPr>
-          <p:cNvPr id="3" name="내용 개체 틀 2">
-            <a:extLst>
-              <a:ext uri="{FF2B5EF4-FFF2-40B4-BE49-F238E27FC236}">
-                <a16:creationId xmlns:a16="http://schemas.microsoft.com/office/drawing/2014/main" id="{D76713BF-E386-4255-BF63-573AE53FCEC7}"/>
-              </a:ext>
-            </a:extLst>
-          </p:cNvPr>
+            <a:endParaRPr lang="ko-KR" altLang="en-US"/>
+          </a:p>
+        </p:txBody>
+      </p:sp>
+      <p:sp>
+        <p:nvSpPr>
+          <p:cNvPr id="3" name="내용 개체 틀 2"/>
           <p:cNvSpPr>
             <a:spLocks noGrp="1"/>
           </p:cNvSpPr>
@@ -3728,119 +3998,138 @@
         </p:spPr>
         <p:txBody>
           <a:bodyPr>
-            <a:normAutofit lnSpcReduction="10000"/>
+            <a:normAutofit fontScale="85000" lnSpcReduction="20000"/>
           </a:bodyPr>
           <a:lstStyle/>
           <a:p>
             <a:pPr marL="0" indent="0">
               <a:buNone/>
-            </a:pPr>
-            <a:endParaRPr lang="ko-KR" altLang="en-US" b="0" dirty="0">
+              <a:defRPr/>
+            </a:pPr>
+            <a:endParaRPr lang="ko-KR" altLang="en-US" b="0">
               <a:effectLst/>
             </a:endParaRPr>
           </a:p>
           <a:p>
             <a:pPr marL="0" indent="0">
               <a:buNone/>
-            </a:pPr>
-            <a:r>
-              <a:rPr lang="en-US" altLang="ko-KR" dirty="0"/>
+              <a:defRPr/>
+            </a:pPr>
+            <a:r>
+              <a:rPr lang="en-US" altLang="ko-KR"/>
               <a:t>1.</a:t>
             </a:r>
             <a:r>
-              <a:rPr lang="ko-KR" altLang="en-US" dirty="0"/>
+              <a:rPr lang="ko-KR" altLang="en-US"/>
               <a:t>개요</a:t>
             </a:r>
-            <a:endParaRPr lang="ko-KR" altLang="en-US" b="0" dirty="0">
-              <a:effectLst/>
-            </a:endParaRPr>
+            <a:endParaRPr lang="ko-KR" altLang="en-US"/>
           </a:p>
           <a:p>
             <a:pPr marL="0" indent="0">
               <a:buNone/>
-            </a:pPr>
-            <a:r>
-              <a:rPr lang="en-US" altLang="ko-KR" dirty="0"/>
+              <a:defRPr/>
+            </a:pPr>
+            <a:r>
+              <a:rPr lang="en-US" altLang="ko-KR"/>
               <a:t>2.</a:t>
             </a:r>
             <a:r>
-              <a:rPr lang="ko-KR" altLang="en-US" dirty="0"/>
+              <a:rPr lang="ko-KR" altLang="en-US"/>
               <a:t>순서도</a:t>
             </a:r>
-            <a:endParaRPr lang="ko-KR" altLang="en-US" b="0" dirty="0">
-              <a:effectLst/>
-            </a:endParaRPr>
+            <a:endParaRPr lang="ko-KR" altLang="en-US"/>
           </a:p>
           <a:p>
             <a:pPr marL="0" indent="0">
               <a:buNone/>
-            </a:pPr>
-            <a:r>
-              <a:rPr lang="en-US" altLang="ko-KR" dirty="0"/>
+              <a:defRPr/>
+            </a:pPr>
+            <a:r>
+              <a:rPr lang="en-US" altLang="ko-KR"/>
               <a:t>3.</a:t>
             </a:r>
             <a:r>
-              <a:rPr lang="ko-KR" altLang="en-US" dirty="0"/>
+              <a:rPr lang="ko-KR" altLang="en-US"/>
+              <a:t>사용기술</a:t>
+            </a:r>
+            <a:endParaRPr lang="ko-KR" altLang="en-US"/>
+          </a:p>
+          <a:p>
+            <a:pPr marL="0" indent="0">
+              <a:buNone/>
+              <a:defRPr/>
+            </a:pPr>
+            <a:r>
+              <a:rPr lang="en-US" altLang="ko-KR"/>
+              <a:t>3.</a:t>
+            </a:r>
+            <a:r>
+              <a:rPr lang="ko-KR" altLang="en-US"/>
               <a:t>역할</a:t>
             </a:r>
-            <a:endParaRPr lang="ko-KR" altLang="en-US" b="0" dirty="0">
-              <a:effectLst/>
-            </a:endParaRPr>
+            <a:endParaRPr lang="ko-KR" altLang="en-US"/>
           </a:p>
           <a:p>
             <a:pPr marL="0" indent="0">
               <a:buNone/>
-            </a:pPr>
-            <a:r>
-              <a:rPr lang="en-US" altLang="ko-KR" dirty="0"/>
+              <a:defRPr/>
+            </a:pPr>
+            <a:r>
+              <a:rPr lang="en-US" altLang="ko-KR"/>
               <a:t>4.</a:t>
             </a:r>
             <a:r>
-              <a:rPr lang="ko-KR" altLang="en-US" dirty="0"/>
+              <a:rPr lang="ko-KR" altLang="en-US"/>
               <a:t>기능</a:t>
             </a:r>
-            <a:endParaRPr lang="en-US" altLang="ko-KR" dirty="0"/>
+            <a:endParaRPr lang="ko-KR" altLang="en-US"/>
           </a:p>
           <a:p>
             <a:pPr marL="0" indent="0">
               <a:buNone/>
-            </a:pPr>
-            <a:r>
-              <a:rPr lang="en-US" altLang="ko-KR" b="0" dirty="0">
+              <a:defRPr/>
+            </a:pPr>
+            <a:r>
+              <a:rPr lang="en-US" altLang="ko-KR" b="0">
                 <a:effectLst/>
               </a:rPr>
               <a:t>5.</a:t>
             </a:r>
-            <a:endParaRPr lang="ko-KR" altLang="en-US" b="0" dirty="0">
+            <a:endParaRPr lang="en-US" altLang="ko-KR" b="0">
               <a:effectLst/>
             </a:endParaRPr>
           </a:p>
           <a:p>
             <a:pPr marL="0" indent="0">
               <a:buNone/>
+              <a:defRPr/>
             </a:pPr>
             <a:br>
-              <a:rPr lang="ko-KR" altLang="en-US" dirty="0"/>
+              <a:rPr lang="ko-KR" altLang="en-US"/>
             </a:br>
-            <a:endParaRPr lang="ko-KR" altLang="en-US" dirty="0"/>
+            <a:endParaRPr lang="ko-KR" altLang="en-US"/>
           </a:p>
         </p:txBody>
       </p:sp>
     </p:spTree>
-    <p:extLst>
-      <p:ext uri="{BB962C8B-B14F-4D97-AF65-F5344CB8AC3E}">
-        <p14:creationId xmlns:p14="http://schemas.microsoft.com/office/powerpoint/2010/main" val="103053195"/>
-      </p:ext>
-    </p:extLst>
   </p:cSld>
   <p:clrMapOvr>
     <a:masterClrMapping/>
   </p:clrMapOvr>
+  <mc:AlternateContent xmlns:mc="http://schemas.openxmlformats.org/markup-compatibility/2006">
+    <mc:Choice xmlns:p14="http://schemas.microsoft.com/office/powerpoint/2010/main" Requires="p14">
+      <p:transition xmlns:mc="http://schemas.openxmlformats.org/markup-compatibility/2006" xmlns:p14="http://schemas.microsoft.com/office/powerpoint/2010/main" mc:Ignorable="p14" p14:dur="500"/>
+    </mc:Choice>
+    <mc:Fallback>
+      <p:transition/>
+    </mc:Fallback>
+  </mc:AlternateContent>
 </p:sld>
 </file>
 
 <file path=ppt/slides/slide3.xml><?xml version="1.0" encoding="utf-8"?>
-<p:sld xmlns:a="http://schemas.openxmlformats.org/drawingml/2006/main" xmlns:r="http://schemas.openxmlformats.org/officeDocument/2006/relationships" xmlns:p="http://schemas.openxmlformats.org/presentationml/2006/main">
+<p:sld xmlns:r="http://schemas.openxmlformats.org/officeDocument/2006/relationships" xmlns:c="http://schemas.openxmlformats.org/drawingml/2006/chart" xmlns:a="http://schemas.openxmlformats.org/drawingml/2006/main" xmlns:dgm="http://schemas.openxmlformats.org/drawingml/2006/diagram" xmlns:dsp="http://schemas.microsoft.com/office/drawing/2008/diagram" xmlns:p="http://schemas.openxmlformats.org/presentationml/2006/main">
   <p:cSld>
     <p:spTree>
       <p:nvGrpSpPr>
@@ -3858,18 +4147,12 @@
       </p:grpSpPr>
       <p:sp>
         <p:nvSpPr>
-          <p:cNvPr id="2" name="제목 1">
-            <a:extLst>
-              <a:ext uri="{FF2B5EF4-FFF2-40B4-BE49-F238E27FC236}">
-                <a16:creationId xmlns:a16="http://schemas.microsoft.com/office/drawing/2014/main" id="{6E98B7BD-C39C-467A-B385-0E559BB61BAD}"/>
-              </a:ext>
-            </a:extLst>
-          </p:cNvPr>
-          <p:cNvSpPr>
-            <a:spLocks noGrp="1"/>
-          </p:cNvSpPr>
-          <p:nvPr>
-            <p:ph type="title"/>
+          <p:cNvPr id="2" name="제목 1"/>
+          <p:cNvSpPr>
+            <a:spLocks noGrp="1"/>
+          </p:cNvSpPr>
+          <p:nvPr>
+            <p:ph type="title" idx="0"/>
           </p:nvPr>
         </p:nvSpPr>
         <p:spPr/>
@@ -3877,22 +4160,20 @@
           <a:bodyPr/>
           <a:lstStyle/>
           <a:p>
-            <a:r>
-              <a:rPr lang="ko-KR" altLang="en-US" dirty="0"/>
+            <a:pPr lvl="0">
+              <a:defRPr/>
+            </a:pPr>
+            <a:r>
+              <a:rPr lang="ko-KR" altLang="en-US"/>
               <a:t>개요</a:t>
             </a:r>
-          </a:p>
-        </p:txBody>
-      </p:sp>
-      <p:sp>
-        <p:nvSpPr>
-          <p:cNvPr id="3" name="내용 개체 틀 2">
-            <a:extLst>
-              <a:ext uri="{FF2B5EF4-FFF2-40B4-BE49-F238E27FC236}">
-                <a16:creationId xmlns:a16="http://schemas.microsoft.com/office/drawing/2014/main" id="{EC2214FB-3275-4C92-87C5-CE3A9124B5C7}"/>
-              </a:ext>
-            </a:extLst>
-          </p:cNvPr>
+            <a:endParaRPr lang="ko-KR" altLang="en-US"/>
+          </a:p>
+        </p:txBody>
+      </p:sp>
+      <p:sp>
+        <p:nvSpPr>
+          <p:cNvPr id="3" name="내용 개체 틀 2"/>
           <p:cNvSpPr>
             <a:spLocks noGrp="1"/>
           </p:cNvSpPr>
@@ -3902,8 +4183,8 @@
         </p:nvSpPr>
         <p:spPr>
           <a:xfrm>
-            <a:off x="1342748" y="1824912"/>
-            <a:ext cx="9034433" cy="3745378"/>
+            <a:off x="942697" y="1272462"/>
+            <a:ext cx="10406032" cy="4793128"/>
           </a:xfrm>
         </p:spPr>
         <p:txBody>
@@ -3914,111 +4195,90 @@
           <a:p>
             <a:pPr marL="0" indent="0">
               <a:buNone/>
-            </a:pPr>
-            <a:r>
-              <a:rPr lang="ko-KR" altLang="en-US" b="1" u="sng" dirty="0"/>
+              <a:defRPr/>
+            </a:pPr>
+            <a:r>
+              <a:rPr lang="ko-KR" altLang="en-US" b="1" u="sng"/>
               <a:t>배달 주문 서비스</a:t>
             </a:r>
-            <a:endParaRPr lang="ko-KR" altLang="en-US" b="1" dirty="0">
-              <a:effectLst/>
-            </a:endParaRPr>
+            <a:endParaRPr lang="ko-KR" altLang="en-US" b="1" u="sng"/>
           </a:p>
           <a:p>
             <a:pPr marL="0" indent="0">
               <a:buNone/>
+              <a:defRPr/>
             </a:pPr>
             <a:br>
-              <a:rPr lang="ko-KR" altLang="en-US" b="0" dirty="0">
+              <a:rPr lang="ko-KR" altLang="en-US" b="0">
                 <a:effectLst/>
               </a:rPr>
             </a:br>
             <a:r>
-              <a:rPr lang="ko-KR" altLang="en-US" dirty="0"/>
+              <a:rPr lang="ko-KR" altLang="en-US"/>
               <a:t>대표적 주문사이트 요기요를 모니터링</a:t>
             </a:r>
             <a:r>
-              <a:rPr lang="en-US" altLang="ko-KR" dirty="0"/>
+              <a:rPr lang="en-US" altLang="ko-KR"/>
               <a:t>, </a:t>
             </a:r>
+            <a:endParaRPr lang="en-US" altLang="ko-KR"/>
           </a:p>
           <a:p>
             <a:pPr marL="0" indent="0">
               <a:buNone/>
-            </a:pPr>
-            <a:r>
-              <a:rPr lang="ko-KR" altLang="en-US" dirty="0"/>
+              <a:defRPr/>
+            </a:pPr>
+            <a:r>
+              <a:rPr lang="ko-KR" altLang="en-US"/>
               <a:t>모티브로 한 배달 주문 서비스</a:t>
             </a:r>
             <a:r>
-              <a:rPr lang="en-US" altLang="ko-KR" dirty="0"/>
+              <a:rPr lang="en-US" altLang="ko-KR"/>
               <a:t>. </a:t>
             </a:r>
-            <a:endParaRPr lang="ko-KR" altLang="en-US" b="0" dirty="0">
-              <a:effectLst/>
-            </a:endParaRPr>
+            <a:endParaRPr lang="en-US" altLang="ko-KR"/>
           </a:p>
           <a:p>
             <a:pPr marL="0" indent="0">
               <a:buNone/>
-            </a:pPr>
-            <a:endParaRPr lang="en-US" altLang="ko-KR" dirty="0"/>
+              <a:defRPr/>
+            </a:pPr>
+            <a:endParaRPr lang="en-US" altLang="ko-KR"/>
           </a:p>
           <a:p>
             <a:pPr marL="0" indent="0">
               <a:buNone/>
-            </a:pPr>
-            <a:r>
-              <a:rPr lang="ko-KR" altLang="en-US" dirty="0"/>
-              <a:t>회원가입으로 이용</a:t>
-            </a:r>
-            <a:r>
-              <a:rPr lang="en-US" altLang="ko-KR" dirty="0"/>
-              <a:t>, </a:t>
-            </a:r>
-            <a:r>
-              <a:rPr lang="ko-KR" altLang="en-US" dirty="0"/>
-              <a:t>게시판과 주문</a:t>
-            </a:r>
-            <a:r>
-              <a:rPr lang="en-US" altLang="ko-KR" dirty="0"/>
-              <a:t>, </a:t>
-            </a:r>
-            <a:r>
-              <a:rPr lang="ko-KR" altLang="en-US" dirty="0"/>
-              <a:t>주문기록까지 </a:t>
-            </a:r>
-            <a:endParaRPr lang="en-US" altLang="ko-KR" dirty="0"/>
-          </a:p>
-          <a:p>
-            <a:pPr marL="0" indent="0">
-              <a:buNone/>
-            </a:pPr>
-            <a:r>
-              <a:rPr lang="ko-KR" altLang="en-US" dirty="0"/>
-              <a:t>기능하는 시스템</a:t>
+              <a:defRPr/>
+            </a:pPr>
+            <a:r>
+              <a:rPr lang="ko-KR" altLang="en-US"/>
+              <a:t>회원가입으로 이용하고 종류 메뉴별로 분류되어 주문하고 좋아할만한 기능을 추천받는 시스템</a:t>
             </a:r>
             <a:br>
-              <a:rPr lang="ko-KR" altLang="en-US" dirty="0"/>
+              <a:rPr lang="ko-KR" altLang="en-US"/>
             </a:br>
-            <a:endParaRPr lang="ko-KR" altLang="en-US" dirty="0"/>
+            <a:endParaRPr lang="ko-KR" altLang="en-US"/>
           </a:p>
         </p:txBody>
       </p:sp>
     </p:spTree>
-    <p:extLst>
-      <p:ext uri="{BB962C8B-B14F-4D97-AF65-F5344CB8AC3E}">
-        <p14:creationId xmlns:p14="http://schemas.microsoft.com/office/powerpoint/2010/main" val="211242938"/>
-      </p:ext>
-    </p:extLst>
   </p:cSld>
   <p:clrMapOvr>
     <a:masterClrMapping/>
   </p:clrMapOvr>
+  <mc:AlternateContent xmlns:mc="http://schemas.openxmlformats.org/markup-compatibility/2006">
+    <mc:Choice xmlns:p14="http://schemas.microsoft.com/office/powerpoint/2010/main" Requires="p14">
+      <p:transition xmlns:mc="http://schemas.openxmlformats.org/markup-compatibility/2006" xmlns:p14="http://schemas.microsoft.com/office/powerpoint/2010/main" mc:Ignorable="p14" p14:dur="500"/>
+    </mc:Choice>
+    <mc:Fallback>
+      <p:transition/>
+    </mc:Fallback>
+  </mc:AlternateContent>
 </p:sld>
 </file>
 
 <file path=ppt/slides/slide4.xml><?xml version="1.0" encoding="utf-8"?>
-<p:sld xmlns:a="http://schemas.openxmlformats.org/drawingml/2006/main" xmlns:r="http://schemas.openxmlformats.org/officeDocument/2006/relationships" xmlns:p="http://schemas.openxmlformats.org/presentationml/2006/main">
+<p:sld xmlns:r="http://schemas.openxmlformats.org/officeDocument/2006/relationships" xmlns:c="http://schemas.openxmlformats.org/drawingml/2006/chart" xmlns:a="http://schemas.openxmlformats.org/drawingml/2006/main" xmlns:dgm="http://schemas.openxmlformats.org/drawingml/2006/diagram" xmlns:dsp="http://schemas.microsoft.com/office/drawing/2008/diagram" xmlns:p="http://schemas.openxmlformats.org/presentationml/2006/main">
   <p:cSld>
     <p:spTree>
       <p:nvGrpSpPr>
@@ -4036,18 +4296,12 @@
       </p:grpSpPr>
       <p:sp>
         <p:nvSpPr>
-          <p:cNvPr id="2" name="제목 1">
-            <a:extLst>
-              <a:ext uri="{FF2B5EF4-FFF2-40B4-BE49-F238E27FC236}">
-                <a16:creationId xmlns:a16="http://schemas.microsoft.com/office/drawing/2014/main" id="{11D851BE-7804-4048-87AD-46CFE49E4DE4}"/>
-              </a:ext>
-            </a:extLst>
-          </p:cNvPr>
-          <p:cNvSpPr>
-            <a:spLocks noGrp="1"/>
-          </p:cNvSpPr>
-          <p:nvPr>
-            <p:ph type="title"/>
+          <p:cNvPr id="2" name="제목 1"/>
+          <p:cNvSpPr>
+            <a:spLocks noGrp="1"/>
+          </p:cNvSpPr>
+          <p:nvPr>
+            <p:ph type="title" idx="0"/>
           </p:nvPr>
         </p:nvSpPr>
         <p:spPr>
@@ -4060,35 +4314,27 @@
           <a:bodyPr/>
           <a:lstStyle/>
           <a:p>
+            <a:pPr lvl="0">
+              <a:defRPr/>
+            </a:pPr>
             <a:r>
               <a:rPr lang="ko-KR" altLang="en-US"/>
               <a:t>순서도</a:t>
             </a:r>
+            <a:endParaRPr lang="ko-KR" altLang="en-US"/>
           </a:p>
         </p:txBody>
       </p:sp>
       <p:pic>
         <p:nvPicPr>
-          <p:cNvPr id="8" name="그림 7">
-            <a:extLst>
-              <a:ext uri="{FF2B5EF4-FFF2-40B4-BE49-F238E27FC236}">
-                <a16:creationId xmlns:a16="http://schemas.microsoft.com/office/drawing/2014/main" id="{20C37E96-C5F5-4080-9B4F-B610BB8622E7}"/>
-              </a:ext>
-            </a:extLst>
-          </p:cNvPr>
+          <p:cNvPr id="8" name="그림 7"/>
           <p:cNvPicPr>
             <a:picLocks noChangeAspect="1"/>
           </p:cNvPicPr>
           <p:nvPr/>
         </p:nvPicPr>
-        <p:blipFill>
-          <a:blip r:embed="rId2">
-            <a:extLst>
-              <a:ext uri="{28A0092B-C50C-407E-A947-70E740481C1C}">
-                <a14:useLocalDpi xmlns:a14="http://schemas.microsoft.com/office/drawing/2010/main" val="0"/>
-              </a:ext>
-            </a:extLst>
-          </a:blip>
+        <p:blipFill rotWithShape="1">
+          <a:blip r:embed="rId2"/>
           <a:stretch>
             <a:fillRect/>
           </a:stretch>
@@ -4104,20 +4350,23 @@
         </p:spPr>
       </p:pic>
     </p:spTree>
-    <p:extLst>
-      <p:ext uri="{BB962C8B-B14F-4D97-AF65-F5344CB8AC3E}">
-        <p14:creationId xmlns:p14="http://schemas.microsoft.com/office/powerpoint/2010/main" val="186420588"/>
-      </p:ext>
-    </p:extLst>
   </p:cSld>
   <p:clrMapOvr>
     <a:masterClrMapping/>
   </p:clrMapOvr>
+  <mc:AlternateContent xmlns:mc="http://schemas.openxmlformats.org/markup-compatibility/2006">
+    <mc:Choice xmlns:p14="http://schemas.microsoft.com/office/powerpoint/2010/main" Requires="p14">
+      <p:transition xmlns:mc="http://schemas.openxmlformats.org/markup-compatibility/2006" xmlns:p14="http://schemas.microsoft.com/office/powerpoint/2010/main" mc:Ignorable="p14" p14:dur="500"/>
+    </mc:Choice>
+    <mc:Fallback>
+      <p:transition/>
+    </mc:Fallback>
+  </mc:AlternateContent>
 </p:sld>
 </file>
 
 <file path=ppt/slides/slide5.xml><?xml version="1.0" encoding="utf-8"?>
-<p:sld xmlns:a="http://schemas.openxmlformats.org/drawingml/2006/main" xmlns:r="http://schemas.openxmlformats.org/officeDocument/2006/relationships" xmlns:p="http://schemas.openxmlformats.org/presentationml/2006/main">
+<p:sld xmlns:r="http://schemas.openxmlformats.org/officeDocument/2006/relationships" xmlns:c="http://schemas.openxmlformats.org/drawingml/2006/chart" xmlns:a="http://schemas.openxmlformats.org/drawingml/2006/main" xmlns:dgm="http://schemas.openxmlformats.org/drawingml/2006/diagram" xmlns:dsp="http://schemas.microsoft.com/office/drawing/2008/diagram" xmlns:p="http://schemas.openxmlformats.org/presentationml/2006/main">
   <p:cSld>
     <p:spTree>
       <p:nvGrpSpPr>
@@ -4135,18 +4384,12 @@
       </p:grpSpPr>
       <p:sp>
         <p:nvSpPr>
-          <p:cNvPr id="2" name="제목 1">
-            <a:extLst>
-              <a:ext uri="{FF2B5EF4-FFF2-40B4-BE49-F238E27FC236}">
-                <a16:creationId xmlns:a16="http://schemas.microsoft.com/office/drawing/2014/main" id="{EADFE9D1-D329-4075-B9A3-FD7BB18420A6}"/>
-              </a:ext>
-            </a:extLst>
-          </p:cNvPr>
-          <p:cNvSpPr>
-            <a:spLocks noGrp="1"/>
-          </p:cNvSpPr>
-          <p:nvPr>
-            <p:ph type="title"/>
+          <p:cNvPr id="2" name="제목 1"/>
+          <p:cNvSpPr>
+            <a:spLocks noGrp="1"/>
+          </p:cNvSpPr>
+          <p:nvPr>
+            <p:ph type="title" idx="0"/>
           </p:nvPr>
         </p:nvSpPr>
         <p:spPr>
@@ -4159,35 +4402,27 @@
           <a:bodyPr/>
           <a:lstStyle/>
           <a:p>
-            <a:r>
-              <a:rPr lang="ko-KR" altLang="en-US" dirty="0"/>
+            <a:pPr lvl="0">
+              <a:defRPr/>
+            </a:pPr>
+            <a:r>
+              <a:rPr lang="ko-KR" altLang="en-US"/>
               <a:t>역할</a:t>
             </a:r>
+            <a:endParaRPr lang="ko-KR" altLang="en-US"/>
           </a:p>
         </p:txBody>
       </p:sp>
       <p:pic>
         <p:nvPicPr>
-          <p:cNvPr id="5" name="그림 4">
-            <a:extLst>
-              <a:ext uri="{FF2B5EF4-FFF2-40B4-BE49-F238E27FC236}">
-                <a16:creationId xmlns:a16="http://schemas.microsoft.com/office/drawing/2014/main" id="{20EAEC71-D2E2-43AF-9337-3683F62D200E}"/>
-              </a:ext>
-            </a:extLst>
-          </p:cNvPr>
+          <p:cNvPr id="5" name="그림 4"/>
           <p:cNvPicPr>
             <a:picLocks noChangeAspect="1"/>
           </p:cNvPicPr>
           <p:nvPr/>
         </p:nvPicPr>
-        <p:blipFill>
-          <a:blip r:embed="rId2">
-            <a:extLst>
-              <a:ext uri="{28A0092B-C50C-407E-A947-70E740481C1C}">
-                <a14:useLocalDpi xmlns:a14="http://schemas.microsoft.com/office/drawing/2010/main" val="0"/>
-              </a:ext>
-            </a:extLst>
-          </a:blip>
+        <p:blipFill rotWithShape="1">
+          <a:blip r:embed="rId3"/>
           <a:stretch>
             <a:fillRect/>
           </a:stretch>
@@ -4204,20 +4439,14 @@
       </p:pic>
       <p:sp>
         <p:nvSpPr>
-          <p:cNvPr id="6" name="TextBox 5">
-            <a:extLst>
-              <a:ext uri="{FF2B5EF4-FFF2-40B4-BE49-F238E27FC236}">
-                <a16:creationId xmlns:a16="http://schemas.microsoft.com/office/drawing/2014/main" id="{0C3B81E0-44BC-4892-B85E-8EE29603459E}"/>
-              </a:ext>
-            </a:extLst>
-          </p:cNvPr>
+          <p:cNvPr id="6" name="TextBox 5"/>
           <p:cNvSpPr txBox="1"/>
           <p:nvPr/>
         </p:nvSpPr>
         <p:spPr>
           <a:xfrm>
             <a:off x="5930500" y="2215579"/>
-            <a:ext cx="2282322" cy="923330"/>
+            <a:ext cx="2282322" cy="906716"/>
           </a:xfrm>
           <a:prstGeom prst="rect">
             <a:avLst/>
@@ -4225,47 +4454,52 @@
           <a:noFill/>
         </p:spPr>
         <p:txBody>
-          <a:bodyPr wrap="square" rtlCol="0">
+          <a:bodyPr wrap="square">
             <a:spAutoFit/>
           </a:bodyPr>
           <a:lstStyle/>
           <a:p>
-            <a:r>
-              <a:rPr lang="en-US" altLang="ko-KR" dirty="0"/>
+            <a:pPr lvl="0">
+              <a:defRPr/>
+            </a:pPr>
+            <a:r>
+              <a:rPr lang="en-US" altLang="ko-KR"/>
               <a:t>DB : Delivery</a:t>
             </a:r>
-          </a:p>
-          <a:p>
-            <a:r>
-              <a:rPr lang="en-US" altLang="ko-KR" dirty="0"/>
+            <a:endParaRPr lang="en-US" altLang="ko-KR"/>
+          </a:p>
+          <a:p>
+            <a:pPr lvl="0">
+              <a:defRPr/>
+            </a:pPr>
+            <a:r>
+              <a:rPr lang="en-US" altLang="ko-KR"/>
               <a:t>Table : Member</a:t>
             </a:r>
-          </a:p>
-          <a:p>
-            <a:r>
-              <a:rPr lang="en-US" altLang="ko-KR" dirty="0"/>
+            <a:endParaRPr lang="en-US" altLang="ko-KR"/>
+          </a:p>
+          <a:p>
+            <a:pPr lvl="0">
+              <a:defRPr/>
+            </a:pPr>
+            <a:r>
+              <a:rPr lang="en-US" altLang="ko-KR"/>
               <a:t>         Board</a:t>
             </a:r>
-            <a:endParaRPr lang="ko-KR" altLang="en-US" dirty="0"/>
-          </a:p>
-        </p:txBody>
-      </p:sp>
-      <p:sp>
-        <p:nvSpPr>
-          <p:cNvPr id="7" name="TextBox 6">
-            <a:extLst>
-              <a:ext uri="{FF2B5EF4-FFF2-40B4-BE49-F238E27FC236}">
-                <a16:creationId xmlns:a16="http://schemas.microsoft.com/office/drawing/2014/main" id="{641C090C-EB05-4EA2-AE74-28C5499BF209}"/>
-              </a:ext>
-            </a:extLst>
-          </p:cNvPr>
+            <a:endParaRPr lang="ko-KR" altLang="en-US"/>
+          </a:p>
+        </p:txBody>
+      </p:sp>
+      <p:sp>
+        <p:nvSpPr>
+          <p:cNvPr id="7" name="TextBox 6"/>
           <p:cNvSpPr txBox="1"/>
           <p:nvPr/>
         </p:nvSpPr>
         <p:spPr>
           <a:xfrm>
             <a:off x="5930500" y="4717922"/>
-            <a:ext cx="2282322" cy="923330"/>
+            <a:ext cx="2282322" cy="909448"/>
           </a:xfrm>
           <a:prstGeom prst="rect">
             <a:avLst/>
@@ -4273,47 +4507,52 @@
           <a:noFill/>
         </p:spPr>
         <p:txBody>
-          <a:bodyPr wrap="square" rtlCol="0">
+          <a:bodyPr wrap="square">
             <a:spAutoFit/>
           </a:bodyPr>
           <a:lstStyle/>
           <a:p>
-            <a:r>
-              <a:rPr lang="en-US" altLang="ko-KR" dirty="0"/>
+            <a:pPr lvl="0">
+              <a:defRPr/>
+            </a:pPr>
+            <a:r>
+              <a:rPr lang="en-US" altLang="ko-KR"/>
               <a:t>DB : Delivery</a:t>
             </a:r>
-          </a:p>
-          <a:p>
-            <a:r>
-              <a:rPr lang="en-US" altLang="ko-KR" dirty="0"/>
+            <a:endParaRPr lang="en-US" altLang="ko-KR"/>
+          </a:p>
+          <a:p>
+            <a:pPr lvl="0">
+              <a:defRPr/>
+            </a:pPr>
+            <a:r>
+              <a:rPr lang="en-US" altLang="ko-KR"/>
               <a:t>Table : FoodList</a:t>
             </a:r>
-          </a:p>
-          <a:p>
-            <a:r>
-              <a:rPr lang="en-US" altLang="ko-KR" dirty="0"/>
+            <a:endParaRPr lang="en-US" altLang="ko-KR"/>
+          </a:p>
+          <a:p>
+            <a:pPr lvl="0">
+              <a:defRPr/>
+            </a:pPr>
+            <a:r>
+              <a:rPr lang="en-US" altLang="ko-KR"/>
               <a:t>         OrderHistory</a:t>
             </a:r>
-            <a:endParaRPr lang="ko-KR" altLang="en-US" dirty="0"/>
-          </a:p>
-        </p:txBody>
-      </p:sp>
-      <p:sp>
-        <p:nvSpPr>
-          <p:cNvPr id="3" name="TextBox 2">
-            <a:extLst>
-              <a:ext uri="{FF2B5EF4-FFF2-40B4-BE49-F238E27FC236}">
-                <a16:creationId xmlns:a16="http://schemas.microsoft.com/office/drawing/2014/main" id="{46D07161-3B25-4D29-9C2F-141DD233D775}"/>
-              </a:ext>
-            </a:extLst>
-          </p:cNvPr>
+            <a:endParaRPr lang="ko-KR" altLang="en-US"/>
+          </a:p>
+        </p:txBody>
+      </p:sp>
+      <p:sp>
+        <p:nvSpPr>
+          <p:cNvPr id="3" name="TextBox 2"/>
           <p:cNvSpPr txBox="1"/>
           <p:nvPr/>
         </p:nvSpPr>
         <p:spPr>
           <a:xfrm>
             <a:off x="8573548" y="1674674"/>
-            <a:ext cx="3059184" cy="1754326"/>
+            <a:ext cx="3059184" cy="1733371"/>
           </a:xfrm>
           <a:prstGeom prst="rect">
             <a:avLst/>
@@ -4321,98 +4560,110 @@
           <a:noFill/>
         </p:spPr>
         <p:txBody>
-          <a:bodyPr wrap="square" rtlCol="0">
+          <a:bodyPr wrap="square">
             <a:spAutoFit/>
           </a:bodyPr>
           <a:lstStyle/>
           <a:p>
-            <a:r>
-              <a:rPr lang="ko-KR" altLang="en-US" dirty="0"/>
+            <a:pPr lvl="0">
+              <a:defRPr/>
+            </a:pPr>
+            <a:r>
+              <a:rPr lang="ko-KR" altLang="en-US"/>
               <a:t>기능구현</a:t>
             </a:r>
-            <a:endParaRPr lang="en-US" altLang="ko-KR" dirty="0"/>
-          </a:p>
-          <a:p>
-            <a:endParaRPr lang="en-US" altLang="ko-KR" dirty="0"/>
-          </a:p>
-          <a:p>
-            <a:r>
-              <a:rPr lang="en-US" altLang="ko-KR" dirty="0"/>
+            <a:endParaRPr lang="ko-KR" altLang="en-US"/>
+          </a:p>
+          <a:p>
+            <a:pPr lvl="0">
+              <a:defRPr/>
+            </a:pPr>
+            <a:endParaRPr lang="en-US" altLang="ko-KR"/>
+          </a:p>
+          <a:p>
+            <a:pPr lvl="0">
+              <a:defRPr/>
+            </a:pPr>
+            <a:r>
+              <a:rPr lang="en-US" altLang="ko-KR"/>
               <a:t>-</a:t>
             </a:r>
             <a:r>
-              <a:rPr lang="ko-KR" altLang="en-US" dirty="0"/>
+              <a:rPr lang="ko-KR" altLang="en-US"/>
               <a:t>로그인</a:t>
             </a:r>
-            <a:endParaRPr lang="en-US" altLang="ko-KR" dirty="0"/>
-          </a:p>
-          <a:p>
-            <a:r>
-              <a:rPr lang="en-US" altLang="ko-KR" dirty="0"/>
+            <a:endParaRPr lang="ko-KR" altLang="en-US"/>
+          </a:p>
+          <a:p>
+            <a:pPr lvl="0">
+              <a:defRPr/>
+            </a:pPr>
+            <a:r>
+              <a:rPr lang="en-US" altLang="ko-KR"/>
               <a:t>-</a:t>
             </a:r>
             <a:r>
-              <a:rPr lang="ko-KR" altLang="en-US" dirty="0"/>
+              <a:rPr lang="ko-KR" altLang="en-US"/>
               <a:t>회원가입</a:t>
             </a:r>
-            <a:endParaRPr lang="en-US" altLang="ko-KR" dirty="0"/>
-          </a:p>
-          <a:p>
-            <a:r>
-              <a:rPr lang="en-US" altLang="ko-KR" dirty="0"/>
+            <a:endParaRPr lang="ko-KR" altLang="en-US"/>
+          </a:p>
+          <a:p>
+            <a:pPr lvl="0">
+              <a:defRPr/>
+            </a:pPr>
+            <a:r>
+              <a:rPr lang="en-US" altLang="ko-KR"/>
               <a:t>-</a:t>
             </a:r>
             <a:r>
-              <a:rPr lang="ko-KR" altLang="en-US" dirty="0"/>
+              <a:rPr lang="ko-KR" altLang="en-US"/>
               <a:t>회원정보수정</a:t>
             </a:r>
             <a:r>
-              <a:rPr lang="en-US" altLang="ko-KR" dirty="0"/>
+              <a:rPr lang="en-US" altLang="ko-KR"/>
               <a:t>,</a:t>
             </a:r>
             <a:r>
-              <a:rPr lang="ko-KR" altLang="en-US" dirty="0"/>
+              <a:rPr lang="ko-KR" altLang="en-US"/>
               <a:t>탈퇴</a:t>
             </a:r>
-            <a:endParaRPr lang="en-US" altLang="ko-KR" dirty="0"/>
-          </a:p>
-          <a:p>
-            <a:r>
-              <a:rPr lang="en-US" altLang="ko-KR" dirty="0"/>
+            <a:endParaRPr lang="ko-KR" altLang="en-US"/>
+          </a:p>
+          <a:p>
+            <a:pPr lvl="0">
+              <a:defRPr/>
+            </a:pPr>
+            <a:r>
+              <a:rPr lang="en-US" altLang="ko-KR"/>
               <a:t>-</a:t>
             </a:r>
             <a:r>
-              <a:rPr lang="ko-KR" altLang="en-US" dirty="0"/>
+              <a:rPr lang="ko-KR" altLang="en-US"/>
               <a:t>게시판 글 게재</a:t>
             </a:r>
             <a:r>
-              <a:rPr lang="en-US" altLang="ko-KR" dirty="0"/>
+              <a:rPr lang="en-US" altLang="ko-KR"/>
               <a:t>, </a:t>
             </a:r>
             <a:r>
-              <a:rPr lang="ko-KR" altLang="en-US" dirty="0"/>
+              <a:rPr lang="ko-KR" altLang="en-US"/>
               <a:t>수정삭제</a:t>
             </a:r>
-            <a:endParaRPr lang="en-US" altLang="ko-KR" dirty="0"/>
-          </a:p>
-        </p:txBody>
-      </p:sp>
-      <p:sp>
-        <p:nvSpPr>
-          <p:cNvPr id="8" name="TextBox 7">
-            <a:extLst>
-              <a:ext uri="{FF2B5EF4-FFF2-40B4-BE49-F238E27FC236}">
-                <a16:creationId xmlns:a16="http://schemas.microsoft.com/office/drawing/2014/main" id="{9745609C-31F4-48D7-81BE-1CEB584892A4}"/>
-              </a:ext>
-            </a:extLst>
-          </p:cNvPr>
+            <a:endParaRPr lang="en-US" altLang="ko-KR"/>
+          </a:p>
+        </p:txBody>
+      </p:sp>
+      <p:sp>
+        <p:nvSpPr>
+          <p:cNvPr id="8" name="TextBox 7"/>
           <p:cNvSpPr txBox="1"/>
           <p:nvPr/>
         </p:nvSpPr>
         <p:spPr>
           <a:xfrm>
             <a:off x="8573548" y="4558531"/>
-            <a:ext cx="2231473" cy="1477328"/>
+            <a:ext cx="2231473" cy="1459363"/>
           </a:xfrm>
           <a:prstGeom prst="rect">
             <a:avLst/>
@@ -4420,74 +4671,92 @@
           <a:noFill/>
         </p:spPr>
         <p:txBody>
-          <a:bodyPr wrap="square" rtlCol="0">
+          <a:bodyPr wrap="square">
             <a:spAutoFit/>
           </a:bodyPr>
           <a:lstStyle/>
           <a:p>
-            <a:r>
-              <a:rPr lang="en-US" altLang="ko-KR" dirty="0"/>
+            <a:pPr lvl="0">
+              <a:defRPr/>
+            </a:pPr>
+            <a:r>
+              <a:rPr lang="en-US" altLang="ko-KR"/>
               <a:t>-</a:t>
             </a:r>
             <a:r>
-              <a:rPr lang="ko-KR" altLang="en-US" dirty="0"/>
+              <a:rPr lang="ko-KR" altLang="en-US"/>
               <a:t>음식선택</a:t>
             </a:r>
-            <a:endParaRPr lang="en-US" altLang="ko-KR" dirty="0"/>
-          </a:p>
-          <a:p>
-            <a:r>
-              <a:rPr lang="en-US" altLang="ko-KR" dirty="0"/>
+            <a:endParaRPr lang="ko-KR" altLang="en-US"/>
+          </a:p>
+          <a:p>
+            <a:pPr lvl="0">
+              <a:defRPr/>
+            </a:pPr>
+            <a:r>
+              <a:rPr lang="en-US" altLang="ko-KR"/>
               <a:t>-</a:t>
             </a:r>
             <a:r>
-              <a:rPr lang="ko-KR" altLang="en-US" dirty="0"/>
+              <a:rPr lang="ko-KR" altLang="en-US"/>
               <a:t>주문시스템</a:t>
             </a:r>
-            <a:endParaRPr lang="en-US" altLang="ko-KR" dirty="0"/>
-          </a:p>
-          <a:p>
-            <a:r>
-              <a:rPr lang="en-US" altLang="ko-KR" dirty="0"/>
+            <a:endParaRPr lang="ko-KR" altLang="en-US"/>
+          </a:p>
+          <a:p>
+            <a:pPr lvl="0">
+              <a:defRPr/>
+            </a:pPr>
+            <a:r>
+              <a:rPr lang="en-US" altLang="ko-KR"/>
               <a:t>-</a:t>
             </a:r>
             <a:r>
-              <a:rPr lang="ko-KR" altLang="en-US" dirty="0"/>
+              <a:rPr lang="ko-KR" altLang="en-US"/>
               <a:t>장바구니</a:t>
             </a:r>
-            <a:endParaRPr lang="en-US" altLang="ko-KR" dirty="0"/>
-          </a:p>
-          <a:p>
-            <a:r>
-              <a:rPr lang="en-US" altLang="ko-KR" dirty="0"/>
+            <a:endParaRPr lang="ko-KR" altLang="en-US"/>
+          </a:p>
+          <a:p>
+            <a:pPr lvl="0">
+              <a:defRPr/>
+            </a:pPr>
+            <a:r>
+              <a:rPr lang="en-US" altLang="ko-KR"/>
               <a:t>-</a:t>
             </a:r>
             <a:r>
-              <a:rPr lang="ko-KR" altLang="en-US" dirty="0"/>
+              <a:rPr lang="ko-KR" altLang="en-US"/>
               <a:t>주문기록</a:t>
             </a:r>
-            <a:endParaRPr lang="en-US" altLang="ko-KR" dirty="0"/>
-          </a:p>
-          <a:p>
-            <a:endParaRPr lang="en-US" altLang="ko-KR" dirty="0"/>
+            <a:endParaRPr lang="ko-KR" altLang="en-US"/>
+          </a:p>
+          <a:p>
+            <a:pPr lvl="0">
+              <a:defRPr/>
+            </a:pPr>
+            <a:endParaRPr lang="en-US" altLang="ko-KR"/>
           </a:p>
         </p:txBody>
       </p:sp>
     </p:spTree>
-    <p:extLst>
-      <p:ext uri="{BB962C8B-B14F-4D97-AF65-F5344CB8AC3E}">
-        <p14:creationId xmlns:p14="http://schemas.microsoft.com/office/powerpoint/2010/main" val="709860420"/>
-      </p:ext>
-    </p:extLst>
   </p:cSld>
   <p:clrMapOvr>
     <a:masterClrMapping/>
   </p:clrMapOvr>
+  <mc:AlternateContent xmlns:mc="http://schemas.openxmlformats.org/markup-compatibility/2006">
+    <mc:Choice xmlns:p14="http://schemas.microsoft.com/office/powerpoint/2010/main" Requires="p14">
+      <p:transition xmlns:mc="http://schemas.openxmlformats.org/markup-compatibility/2006" xmlns:p14="http://schemas.microsoft.com/office/powerpoint/2010/main" mc:Ignorable="p14" p14:dur="500"/>
+    </mc:Choice>
+    <mc:Fallback>
+      <p:transition/>
+    </mc:Fallback>
+  </mc:AlternateContent>
 </p:sld>
 </file>
 
 <file path=ppt/slides/slide6.xml><?xml version="1.0" encoding="utf-8"?>
-<p:sld xmlns:a="http://schemas.openxmlformats.org/drawingml/2006/main" xmlns:r="http://schemas.openxmlformats.org/officeDocument/2006/relationships" xmlns:p="http://schemas.openxmlformats.org/presentationml/2006/main">
+<p:sld xmlns:r="http://schemas.openxmlformats.org/officeDocument/2006/relationships" xmlns:c="http://schemas.openxmlformats.org/drawingml/2006/chart" xmlns:a="http://schemas.openxmlformats.org/drawingml/2006/main" xmlns:dgm="http://schemas.openxmlformats.org/drawingml/2006/diagram" xmlns:dsp="http://schemas.microsoft.com/office/drawing/2008/diagram" xmlns:p="http://schemas.openxmlformats.org/presentationml/2006/main">
   <p:cSld>
     <p:spTree>
       <p:nvGrpSpPr>
@@ -4505,18 +4774,12 @@
       </p:grpSpPr>
       <p:sp>
         <p:nvSpPr>
-          <p:cNvPr id="2" name="제목 1">
-            <a:extLst>
-              <a:ext uri="{FF2B5EF4-FFF2-40B4-BE49-F238E27FC236}">
-                <a16:creationId xmlns:a16="http://schemas.microsoft.com/office/drawing/2014/main" id="{C8A1FB5F-1B7F-44B3-9E07-A54571732AC4}"/>
-              </a:ext>
-            </a:extLst>
-          </p:cNvPr>
-          <p:cNvSpPr>
-            <a:spLocks noGrp="1"/>
-          </p:cNvSpPr>
-          <p:nvPr>
-            <p:ph type="title"/>
+          <p:cNvPr id="2" name="제목 1"/>
+          <p:cNvSpPr>
+            <a:spLocks noGrp="1"/>
+          </p:cNvSpPr>
+          <p:nvPr>
+            <p:ph type="title" idx="0"/>
           </p:nvPr>
         </p:nvSpPr>
         <p:spPr>
@@ -4529,22 +4792,20 @@
           <a:bodyPr/>
           <a:lstStyle/>
           <a:p>
-            <a:r>
-              <a:rPr lang="ko-KR" altLang="en-US" dirty="0"/>
+            <a:pPr lvl="0">
+              <a:defRPr/>
+            </a:pPr>
+            <a:r>
+              <a:rPr lang="ko-KR" altLang="en-US"/>
               <a:t>기능</a:t>
             </a:r>
-          </a:p>
-        </p:txBody>
-      </p:sp>
-      <p:sp>
-        <p:nvSpPr>
-          <p:cNvPr id="4" name="내용 개체 틀 3">
-            <a:extLst>
-              <a:ext uri="{FF2B5EF4-FFF2-40B4-BE49-F238E27FC236}">
-                <a16:creationId xmlns:a16="http://schemas.microsoft.com/office/drawing/2014/main" id="{1A148FA7-8B14-4B46-949D-0346E1F2CAB6}"/>
-              </a:ext>
-            </a:extLst>
-          </p:cNvPr>
+            <a:endParaRPr lang="ko-KR" altLang="en-US"/>
+          </a:p>
+        </p:txBody>
+      </p:sp>
+      <p:sp>
+        <p:nvSpPr>
+          <p:cNvPr id="4" name="내용 개체 틀 3"/>
           <p:cNvSpPr>
             <a:spLocks noGrp="1"/>
           </p:cNvSpPr>
@@ -4566,287 +4827,302 @@
           <a:p>
             <a:pPr marL="457200" indent="-457200">
               <a:buAutoNum type="alphaUcPeriod"/>
-            </a:pPr>
-            <a:r>
-              <a:rPr lang="ko-KR" altLang="en-US" sz="2000" dirty="0"/>
+              <a:defRPr/>
+            </a:pPr>
+            <a:r>
+              <a:rPr lang="ko-KR" altLang="en-US" sz="2000"/>
               <a:t>로그인 </a:t>
             </a:r>
             <a:r>
-              <a:rPr lang="en-US" altLang="ko-KR" sz="2000" dirty="0"/>
+              <a:rPr lang="en-US" altLang="ko-KR" sz="2000"/>
               <a:t>		: </a:t>
             </a:r>
             <a:r>
-              <a:rPr lang="ko-KR" altLang="en-US" sz="1500" dirty="0"/>
+              <a:rPr lang="ko-KR" altLang="en-US" sz="1500"/>
               <a:t>아이디</a:t>
             </a:r>
             <a:r>
-              <a:rPr lang="en-US" altLang="ko-KR" sz="1500" dirty="0"/>
+              <a:rPr lang="en-US" altLang="ko-KR" sz="1500"/>
               <a:t>, </a:t>
             </a:r>
             <a:r>
-              <a:rPr lang="ko-KR" altLang="en-US" sz="1600" dirty="0"/>
+              <a:rPr lang="ko-KR" altLang="en-US" sz="1600"/>
               <a:t>패스워드</a:t>
             </a:r>
             <a:r>
-              <a:rPr lang="ko-KR" altLang="en-US" sz="1500" dirty="0"/>
+              <a:rPr lang="ko-KR" altLang="en-US" sz="1500"/>
               <a:t> 확인</a:t>
             </a:r>
             <a:r>
-              <a:rPr lang="en-US" altLang="ko-KR" sz="1500" dirty="0"/>
+              <a:rPr lang="en-US" altLang="ko-KR" sz="1500"/>
               <a:t> [DB table: Member]</a:t>
             </a:r>
+            <a:endParaRPr lang="en-US" altLang="ko-KR" sz="1500"/>
           </a:p>
           <a:p>
             <a:pPr marL="457200" indent="-457200">
               <a:buAutoNum type="alphaUcPeriod"/>
-            </a:pPr>
-            <a:r>
-              <a:rPr lang="ko-KR" altLang="en-US" sz="2000" dirty="0"/>
+              <a:defRPr/>
+            </a:pPr>
+            <a:r>
+              <a:rPr lang="ko-KR" altLang="en-US" sz="2000"/>
               <a:t>회원가입</a:t>
             </a:r>
             <a:r>
-              <a:rPr lang="en-US" altLang="ko-KR" sz="2000" dirty="0"/>
+              <a:rPr lang="en-US" altLang="ko-KR" sz="2000"/>
               <a:t>		: </a:t>
             </a:r>
             <a:r>
-              <a:rPr lang="ko-KR" altLang="en-US" sz="1600" dirty="0"/>
+              <a:rPr lang="ko-KR" altLang="en-US" sz="1600"/>
               <a:t>정보입력</a:t>
             </a:r>
             <a:r>
-              <a:rPr lang="en-US" altLang="ko-KR" sz="1600" dirty="0"/>
+              <a:rPr lang="en-US" altLang="ko-KR" sz="1600"/>
               <a:t>, </a:t>
             </a:r>
             <a:r>
-              <a:rPr lang="ko-KR" altLang="en-US" sz="1600" dirty="0"/>
+              <a:rPr lang="ko-KR" altLang="en-US" sz="1600"/>
               <a:t>아이디 중복확인</a:t>
             </a:r>
             <a:r>
-              <a:rPr lang="en-US" altLang="ko-KR" sz="1600" dirty="0"/>
+              <a:rPr lang="en-US" altLang="ko-KR" sz="1600"/>
               <a:t> [Member]</a:t>
             </a:r>
+            <a:endParaRPr lang="en-US" altLang="ko-KR" sz="1600"/>
           </a:p>
           <a:p>
             <a:pPr marL="457200" indent="-457200">
               <a:buAutoNum type="alphaUcPeriod"/>
-            </a:pPr>
-            <a:r>
-              <a:rPr lang="ko-KR" altLang="en-US" sz="2000" dirty="0"/>
+              <a:defRPr/>
+            </a:pPr>
+            <a:r>
+              <a:rPr lang="ko-KR" altLang="en-US" sz="2000"/>
               <a:t>마이페이지</a:t>
             </a:r>
             <a:r>
-              <a:rPr lang="en-US" altLang="ko-KR" sz="2000" dirty="0"/>
+              <a:rPr lang="en-US" altLang="ko-KR" sz="2000"/>
               <a:t>		: </a:t>
             </a:r>
             <a:r>
-              <a:rPr lang="ko-KR" altLang="en-US" sz="1600" dirty="0"/>
+              <a:rPr lang="ko-KR" altLang="en-US" sz="1600"/>
               <a:t>회원정보수정</a:t>
             </a:r>
             <a:r>
-              <a:rPr lang="en-US" altLang="ko-KR" sz="1600" dirty="0"/>
+              <a:rPr lang="en-US" altLang="ko-KR" sz="1600"/>
               <a:t>, </a:t>
             </a:r>
             <a:r>
-              <a:rPr lang="ko-KR" altLang="en-US" sz="1600" dirty="0"/>
+              <a:rPr lang="ko-KR" altLang="en-US" sz="1600"/>
               <a:t>탈퇴</a:t>
             </a:r>
             <a:r>
-              <a:rPr lang="en-US" altLang="ko-KR" sz="1600" dirty="0"/>
+              <a:rPr lang="en-US" altLang="ko-KR" sz="1600"/>
               <a:t>, </a:t>
             </a:r>
             <a:r>
-              <a:rPr lang="ko-KR" altLang="en-US" sz="1600" dirty="0"/>
+              <a:rPr lang="ko-KR" altLang="en-US" sz="1600"/>
               <a:t>회원 아이디 출력 </a:t>
             </a:r>
             <a:r>
-              <a:rPr lang="en-US" altLang="ko-KR" sz="1600" dirty="0"/>
+              <a:rPr lang="en-US" altLang="ko-KR" sz="1600"/>
               <a:t>[Member]</a:t>
             </a:r>
-            <a:endParaRPr lang="en-US" altLang="ko-KR" sz="2000" dirty="0"/>
+            <a:endParaRPr lang="en-US" altLang="ko-KR" sz="1600"/>
           </a:p>
           <a:p>
             <a:pPr marL="457200" indent="-457200">
               <a:buAutoNum type="alphaUcPeriod"/>
-            </a:pPr>
-            <a:r>
-              <a:rPr lang="ko-KR" altLang="en-US" sz="2000" dirty="0"/>
+              <a:defRPr/>
+            </a:pPr>
+            <a:r>
+              <a:rPr lang="ko-KR" altLang="en-US" sz="2000"/>
               <a:t>주문</a:t>
             </a:r>
             <a:r>
-              <a:rPr lang="en-US" altLang="ko-KR" sz="2000" dirty="0"/>
+              <a:rPr lang="en-US" altLang="ko-KR" sz="2000"/>
               <a:t>		: </a:t>
             </a:r>
             <a:r>
-              <a:rPr lang="ko-KR" altLang="en-US" sz="1600" dirty="0"/>
+              <a:rPr lang="ko-KR" altLang="en-US" sz="1600"/>
               <a:t>지역선택</a:t>
             </a:r>
             <a:r>
-              <a:rPr lang="en-US" altLang="ko-KR" sz="1600" dirty="0"/>
+              <a:rPr lang="en-US" altLang="ko-KR" sz="1600"/>
               <a:t>, </a:t>
             </a:r>
             <a:r>
-              <a:rPr lang="ko-KR" altLang="en-US" sz="1600" dirty="0"/>
+              <a:rPr lang="ko-KR" altLang="en-US" sz="1600"/>
               <a:t>음식선택 </a:t>
             </a:r>
             <a:r>
-              <a:rPr lang="en-US" altLang="ko-KR" sz="1600" dirty="0"/>
+              <a:rPr lang="en-US" altLang="ko-KR" sz="1600"/>
               <a:t>[FoodList]</a:t>
             </a:r>
             <a:r>
-              <a:rPr lang="en-US" altLang="ko-KR" sz="2000" dirty="0"/>
+              <a:rPr lang="en-US" altLang="ko-KR" sz="2000"/>
               <a:t>		: </a:t>
             </a:r>
+            <a:endParaRPr lang="en-US" altLang="ko-KR" sz="2000"/>
           </a:p>
           <a:p>
             <a:pPr marL="457200" indent="-457200">
               <a:buAutoNum type="alphaUcPeriod"/>
-            </a:pPr>
-            <a:r>
-              <a:rPr lang="ko-KR" altLang="en-US" sz="2000" dirty="0"/>
+              <a:defRPr/>
+            </a:pPr>
+            <a:r>
+              <a:rPr lang="ko-KR" altLang="en-US" sz="2000"/>
               <a:t>장바구니</a:t>
             </a:r>
             <a:r>
-              <a:rPr lang="en-US" altLang="ko-KR" sz="2000" dirty="0"/>
+              <a:rPr lang="en-US" altLang="ko-KR" sz="2000"/>
               <a:t>		: </a:t>
             </a:r>
             <a:r>
-              <a:rPr lang="ko-KR" altLang="en-US" sz="1600" dirty="0"/>
+              <a:rPr lang="ko-KR" altLang="en-US" sz="1600"/>
               <a:t>선택한 음식 리스트</a:t>
             </a:r>
             <a:r>
-              <a:rPr lang="en-US" altLang="ko-KR" sz="1600" dirty="0"/>
+              <a:rPr lang="en-US" altLang="ko-KR" sz="1600"/>
               <a:t>, </a:t>
             </a:r>
             <a:r>
-              <a:rPr lang="ko-KR" altLang="en-US" sz="1600" dirty="0"/>
+              <a:rPr lang="ko-KR" altLang="en-US" sz="1600"/>
               <a:t>총 가격</a:t>
             </a:r>
             <a:r>
-              <a:rPr lang="en-US" altLang="ko-KR" sz="1600" dirty="0"/>
+              <a:rPr lang="en-US" altLang="ko-KR" sz="1600"/>
               <a:t> [FoodList]</a:t>
             </a:r>
-            <a:endParaRPr lang="en-US" altLang="ko-KR" sz="2000" dirty="0"/>
+            <a:endParaRPr lang="en-US" altLang="ko-KR" sz="1600"/>
           </a:p>
           <a:p>
             <a:pPr marL="457200" indent="-457200">
               <a:buAutoNum type="alphaUcPeriod"/>
-            </a:pPr>
-            <a:r>
-              <a:rPr lang="ko-KR" altLang="en-US" sz="2000" dirty="0"/>
+              <a:defRPr/>
+            </a:pPr>
+            <a:r>
+              <a:rPr lang="ko-KR" altLang="en-US" sz="2000"/>
               <a:t>결제</a:t>
             </a:r>
             <a:r>
-              <a:rPr lang="en-US" altLang="ko-KR" sz="2000" dirty="0"/>
+              <a:rPr lang="en-US" altLang="ko-KR" sz="2000"/>
               <a:t>		: </a:t>
             </a:r>
             <a:r>
-              <a:rPr lang="ko-KR" altLang="en-US" sz="1600" dirty="0"/>
+              <a:rPr lang="ko-KR" altLang="en-US" sz="1600"/>
               <a:t>총 금액</a:t>
             </a:r>
             <a:r>
-              <a:rPr lang="en-US" altLang="ko-KR" sz="1600" dirty="0"/>
+              <a:rPr lang="en-US" altLang="ko-KR" sz="1600"/>
               <a:t>, </a:t>
             </a:r>
             <a:r>
-              <a:rPr lang="ko-KR" altLang="en-US" sz="1600" dirty="0"/>
+              <a:rPr lang="ko-KR" altLang="en-US" sz="1600"/>
               <a:t>결제방식 선택 </a:t>
             </a:r>
             <a:r>
-              <a:rPr lang="en-US" altLang="ko-KR" sz="1600" dirty="0"/>
+              <a:rPr lang="en-US" altLang="ko-KR" sz="1600"/>
               <a:t>[OrderHistory]</a:t>
             </a:r>
-            <a:endParaRPr lang="en-US" altLang="ko-KR" sz="2000" dirty="0"/>
+            <a:endParaRPr lang="en-US" altLang="ko-KR" sz="1600"/>
           </a:p>
           <a:p>
             <a:pPr marL="457200" indent="-457200">
               <a:buAutoNum type="alphaUcPeriod"/>
-            </a:pPr>
-            <a:r>
-              <a:rPr lang="ko-KR" altLang="en-US" sz="2000" dirty="0"/>
+              <a:defRPr/>
+            </a:pPr>
+            <a:r>
+              <a:rPr lang="ko-KR" altLang="en-US" sz="2000"/>
               <a:t>주문기록</a:t>
             </a:r>
             <a:r>
-              <a:rPr lang="en-US" altLang="ko-KR" sz="2000" dirty="0"/>
+              <a:rPr lang="en-US" altLang="ko-KR" sz="2000"/>
               <a:t>		: </a:t>
             </a:r>
             <a:r>
-              <a:rPr lang="ko-KR" altLang="en-US" sz="1600" dirty="0"/>
+              <a:rPr lang="ko-KR" altLang="en-US" sz="1600"/>
               <a:t>주문기록</a:t>
             </a:r>
             <a:r>
-              <a:rPr lang="en-US" altLang="ko-KR" sz="1600" dirty="0"/>
+              <a:rPr lang="en-US" altLang="ko-KR" sz="1600"/>
               <a:t> [OrderHistory]</a:t>
             </a:r>
-            <a:endParaRPr lang="en-US" altLang="ko-KR" sz="2000" dirty="0"/>
+            <a:endParaRPr lang="en-US" altLang="ko-KR" sz="1600"/>
           </a:p>
           <a:p>
             <a:pPr marL="457200" indent="-457200">
               <a:buAutoNum type="alphaUcPeriod"/>
-            </a:pPr>
-            <a:r>
-              <a:rPr lang="ko-KR" altLang="en-US" sz="2000" dirty="0"/>
+              <a:defRPr/>
+            </a:pPr>
+            <a:r>
+              <a:rPr lang="ko-KR" altLang="en-US" sz="2000"/>
               <a:t>게시판</a:t>
             </a:r>
             <a:r>
-              <a:rPr lang="en-US" altLang="ko-KR" sz="2000" dirty="0"/>
+              <a:rPr lang="en-US" altLang="ko-KR" sz="2000"/>
               <a:t>		: </a:t>
             </a:r>
             <a:r>
-              <a:rPr lang="ko-KR" altLang="en-US" sz="1600" dirty="0"/>
+              <a:rPr lang="ko-KR" altLang="en-US" sz="1600"/>
               <a:t>글 작성</a:t>
             </a:r>
             <a:r>
-              <a:rPr lang="en-US" altLang="ko-KR" sz="1600" dirty="0"/>
+              <a:rPr lang="en-US" altLang="ko-KR" sz="1600"/>
               <a:t> </a:t>
             </a:r>
             <a:r>
-              <a:rPr lang="ko-KR" altLang="en-US" sz="1600" dirty="0"/>
+              <a:rPr lang="ko-KR" altLang="en-US" sz="1600"/>
               <a:t>수정 삭제</a:t>
             </a:r>
             <a:r>
-              <a:rPr lang="en-US" altLang="ko-KR" sz="1600" dirty="0"/>
+              <a:rPr lang="en-US" altLang="ko-KR" sz="1600"/>
               <a:t>, </a:t>
             </a:r>
             <a:r>
-              <a:rPr lang="ko-KR" altLang="en-US" sz="1600" dirty="0"/>
+              <a:rPr lang="ko-KR" altLang="en-US" sz="1600"/>
               <a:t>내 글 조회</a:t>
             </a:r>
             <a:r>
-              <a:rPr lang="en-US" altLang="ko-KR" sz="1600" dirty="0"/>
+              <a:rPr lang="en-US" altLang="ko-KR" sz="1600"/>
               <a:t>, </a:t>
             </a:r>
             <a:r>
-              <a:rPr lang="ko-KR" altLang="en-US" sz="1600" dirty="0"/>
+              <a:rPr lang="ko-KR" altLang="en-US" sz="1600"/>
               <a:t>전체 글 리스트</a:t>
             </a:r>
             <a:r>
-              <a:rPr lang="en-US" altLang="ko-KR" sz="1600" dirty="0"/>
+              <a:rPr lang="en-US" altLang="ko-KR" sz="1600"/>
               <a:t> [Board]</a:t>
             </a:r>
-            <a:endParaRPr lang="en-US" altLang="ko-KR" sz="2000" dirty="0"/>
+            <a:endParaRPr lang="en-US" altLang="ko-KR" sz="1600"/>
           </a:p>
           <a:p>
             <a:pPr marL="457200" indent="-457200">
               <a:buAutoNum type="alphaUcPeriod"/>
-            </a:pPr>
-            <a:endParaRPr lang="en-US" altLang="ko-KR" sz="2000" dirty="0"/>
+              <a:defRPr/>
+            </a:pPr>
+            <a:endParaRPr lang="en-US" altLang="ko-KR" sz="2000"/>
           </a:p>
         </p:txBody>
       </p:sp>
     </p:spTree>
-    <p:extLst>
-      <p:ext uri="{BB962C8B-B14F-4D97-AF65-F5344CB8AC3E}">
-        <p14:creationId xmlns:p14="http://schemas.microsoft.com/office/powerpoint/2010/main" val="2523665794"/>
-      </p:ext>
-    </p:extLst>
   </p:cSld>
   <p:clrMapOvr>
     <a:masterClrMapping/>
   </p:clrMapOvr>
+  <mc:AlternateContent xmlns:mc="http://schemas.openxmlformats.org/markup-compatibility/2006">
+    <mc:Choice xmlns:p14="http://schemas.microsoft.com/office/powerpoint/2010/main" Requires="p14">
+      <p:transition xmlns:mc="http://schemas.openxmlformats.org/markup-compatibility/2006" xmlns:p14="http://schemas.microsoft.com/office/powerpoint/2010/main" mc:Ignorable="p14" p14:dur="500"/>
+    </mc:Choice>
+    <mc:Fallback>
+      <p:transition/>
+    </mc:Fallback>
+  </mc:AlternateContent>
 </p:sld>
 </file>
 
 <file path=ppt/slides/slide7.xml><?xml version="1.0" encoding="utf-8"?>
-<p:sld xmlns:a="http://schemas.openxmlformats.org/drawingml/2006/main" xmlns:r="http://schemas.openxmlformats.org/officeDocument/2006/relationships" xmlns:p="http://schemas.openxmlformats.org/presentationml/2006/main">
+<p:sld xmlns:r="http://schemas.openxmlformats.org/officeDocument/2006/relationships" xmlns:c="http://schemas.openxmlformats.org/drawingml/2006/chart" xmlns:a="http://schemas.openxmlformats.org/drawingml/2006/main" xmlns:dgm="http://schemas.openxmlformats.org/drawingml/2006/diagram" xmlns:dsp="http://schemas.microsoft.com/office/drawing/2008/diagram" xmlns:p="http://schemas.openxmlformats.org/presentationml/2006/main">
   <p:cSld>
     <p:spTree>
       <p:nvGrpSpPr>
@@ -4864,18 +5140,12 @@
       </p:grpSpPr>
       <p:sp>
         <p:nvSpPr>
-          <p:cNvPr id="2" name="제목 1">
-            <a:extLst>
-              <a:ext uri="{FF2B5EF4-FFF2-40B4-BE49-F238E27FC236}">
-                <a16:creationId xmlns:a16="http://schemas.microsoft.com/office/drawing/2014/main" id="{E5DC7EF2-2D71-4397-99BE-1B6BC432B349}"/>
-              </a:ext>
-            </a:extLst>
-          </p:cNvPr>
-          <p:cNvSpPr>
-            <a:spLocks noGrp="1"/>
-          </p:cNvSpPr>
-          <p:nvPr>
-            <p:ph type="title"/>
+          <p:cNvPr id="2" name="제목 1"/>
+          <p:cNvSpPr>
+            <a:spLocks noGrp="1"/>
+          </p:cNvSpPr>
+          <p:nvPr>
+            <p:ph type="title" idx="0"/>
           </p:nvPr>
         </p:nvSpPr>
         <p:spPr>
@@ -4888,52 +5158,89 @@
           <a:bodyPr/>
           <a:lstStyle/>
           <a:p>
-            <a:r>
-              <a:rPr lang="en-US" altLang="ko-KR" dirty="0"/>
+            <a:pPr lvl="0">
+              <a:defRPr/>
+            </a:pPr>
+            <a:r>
+              <a:rPr lang="en-US" altLang="ko-KR"/>
               <a:t>DB</a:t>
             </a:r>
             <a:r>
-              <a:rPr lang="ko-KR" altLang="en-US" dirty="0"/>
+              <a:rPr lang="ko-KR" altLang="en-US"/>
               <a:t> </a:t>
             </a:r>
             <a:r>
-              <a:rPr lang="en-US" altLang="ko-KR" dirty="0"/>
+              <a:rPr lang="en-US" altLang="ko-KR"/>
               <a:t>Schema</a:t>
             </a:r>
-            <a:endParaRPr lang="ko-KR" altLang="en-US" dirty="0"/>
+            <a:endParaRPr lang="ko-KR" altLang="en-US"/>
+          </a:p>
+        </p:txBody>
+      </p:sp>
+      <p:sp>
+        <p:nvSpPr>
+          <p:cNvPr id="4" name="직사각형 3"/>
+          <p:cNvSpPr/>
+          <p:nvPr/>
+        </p:nvSpPr>
+        <p:spPr>
+          <a:xfrm>
+            <a:off x="4602847" y="1477879"/>
+            <a:ext cx="2013358" cy="713064"/>
+          </a:xfrm>
+          <a:prstGeom prst="rect">
+            <a:avLst/>
+          </a:prstGeom>
+        </p:spPr>
+        <p:style>
+          <a:lnRef idx="2">
+            <a:schemeClr val="accent1">
+              <a:shade val="50000"/>
+            </a:schemeClr>
+          </a:lnRef>
+          <a:fillRef idx="1">
+            <a:schemeClr val="accent1"/>
+          </a:fillRef>
+          <a:effectRef idx="0">
+            <a:schemeClr val="accent1"/>
+          </a:effectRef>
+          <a:fontRef idx="minor">
+            <a:schemeClr val="lt1"/>
+          </a:fontRef>
+        </p:style>
+        <p:txBody>
+          <a:bodyPr anchor="ctr"/>
+          <a:lstStyle/>
+          <a:p>
+            <a:pPr algn="ctr">
+              <a:defRPr/>
+            </a:pPr>
+            <a:r>
+              <a:rPr lang="en-US" altLang="ko-KR"/>
+              <a:t>Delivery Database</a:t>
+            </a:r>
+            <a:endParaRPr lang="ko-KR" altLang="en-US"/>
           </a:p>
         </p:txBody>
       </p:sp>
       <p:pic>
         <p:nvPicPr>
-          <p:cNvPr id="6" name="그림 5">
-            <a:extLst>
-              <a:ext uri="{FF2B5EF4-FFF2-40B4-BE49-F238E27FC236}">
-                <a16:creationId xmlns:a16="http://schemas.microsoft.com/office/drawing/2014/main" id="{F21E362C-D550-495A-8E16-D833A7554B9A}"/>
-              </a:ext>
-            </a:extLst>
-          </p:cNvPr>
+          <p:cNvPr id="7" name=""/>
           <p:cNvPicPr>
             <a:picLocks noChangeAspect="1"/>
           </p:cNvPicPr>
           <p:nvPr/>
         </p:nvPicPr>
-        <p:blipFill>
-          <a:blip r:embed="rId2">
-            <a:extLst>
-              <a:ext uri="{28A0092B-C50C-407E-A947-70E740481C1C}">
-                <a14:useLocalDpi xmlns:a14="http://schemas.microsoft.com/office/drawing/2010/main" val="0"/>
-              </a:ext>
-            </a:extLst>
-          </a:blip>
+        <p:blipFill rotWithShape="1">
+          <a:blip r:embed="rId2"/>
           <a:stretch>
             <a:fillRect/>
           </a:stretch>
         </p:blipFill>
         <p:spPr>
           <a:xfrm>
-            <a:off x="1358317" y="2267300"/>
-            <a:ext cx="4305300" cy="3162300"/>
+            <a:off x="678179" y="563879"/>
+            <a:ext cx="3444240" cy="5730240"/>
           </a:xfrm>
           <a:prstGeom prst="rect">
             <a:avLst/>
@@ -4941,72 +5248,157 @@
         </p:spPr>
       </p:pic>
     </p:spTree>
-    <p:extLst>
-      <p:ext uri="{BB962C8B-B14F-4D97-AF65-F5344CB8AC3E}">
-        <p14:creationId xmlns:p14="http://schemas.microsoft.com/office/powerpoint/2010/main" val="2022061129"/>
-      </p:ext>
-    </p:extLst>
   </p:cSld>
   <p:clrMapOvr>
     <a:masterClrMapping/>
   </p:clrMapOvr>
+  <mc:AlternateContent xmlns:mc="http://schemas.openxmlformats.org/markup-compatibility/2006">
+    <mc:Choice xmlns:p14="http://schemas.microsoft.com/office/powerpoint/2010/main" Requires="p14">
+      <p:transition xmlns:mc="http://schemas.openxmlformats.org/markup-compatibility/2006" xmlns:p14="http://schemas.microsoft.com/office/powerpoint/2010/main" mc:Ignorable="p14" p14:dur="500"/>
+    </mc:Choice>
+    <mc:Fallback>
+      <p:transition/>
+    </mc:Fallback>
+  </mc:AlternateContent>
+</p:sld>
+</file>
+
+<file path=ppt/slides/slide8.xml><?xml version="1.0" encoding="utf-8"?>
+<p:sld xmlns:r="http://schemas.openxmlformats.org/officeDocument/2006/relationships" xmlns:c="http://schemas.openxmlformats.org/drawingml/2006/chart" xmlns:a="http://schemas.openxmlformats.org/drawingml/2006/main" xmlns:dgm="http://schemas.openxmlformats.org/drawingml/2006/diagram" xmlns:dsp="http://schemas.microsoft.com/office/drawing/2008/diagram" xmlns:p="http://schemas.openxmlformats.org/presentationml/2006/main">
+  <p:cSld>
+    <p:spTree>
+      <p:nvGrpSpPr>
+        <p:cNvPr id="1" name=""/>
+        <p:cNvGrpSpPr/>
+        <p:nvPr/>
+      </p:nvGrpSpPr>
+      <p:grpSpPr>
+        <a:xfrm>
+          <a:off x="0" y="0"/>
+          <a:ext cx="0" cy="0"/>
+          <a:chOff x="0" y="0"/>
+          <a:chExt cx="0" cy="0"/>
+        </a:xfrm>
+      </p:grpSpPr>
+      <p:sp>
+        <p:nvSpPr>
+          <p:cNvPr id="2" name="제목 1"/>
+          <p:cNvSpPr>
+            <a:spLocks noGrp="1"/>
+          </p:cNvSpPr>
+          <p:nvPr>
+            <p:ph type="title" idx="0"/>
+          </p:nvPr>
+        </p:nvSpPr>
+        <p:spPr/>
+        <p:txBody>
+          <a:bodyPr/>
+          <a:lstStyle/>
+          <a:p>
+            <a:pPr>
+              <a:defRPr/>
+            </a:pPr>
+            <a:r>
+              <a:rPr lang="ko-KR" altLang="en-US"/>
+              <a:t>사용한 기술</a:t>
+            </a:r>
+            <a:endParaRPr lang="ko-KR" altLang="en-US"/>
+          </a:p>
+        </p:txBody>
+      </p:sp>
+      <p:pic>
+        <p:nvPicPr>
+          <p:cNvPr id="4" name=""/>
+          <p:cNvPicPr>
+            <a:picLocks noChangeAspect="1"/>
+          </p:cNvPicPr>
+          <p:nvPr/>
+        </p:nvPicPr>
+        <p:blipFill rotWithShape="1">
+          <a:blip r:embed="rId2"/>
+          <a:stretch>
+            <a:fillRect/>
+          </a:stretch>
+        </p:blipFill>
+        <p:spPr>
+          <a:xfrm>
+            <a:off x="2333625" y="1476374"/>
+            <a:ext cx="7524750" cy="5016500"/>
+          </a:xfrm>
+          <a:prstGeom prst="rect">
+            <a:avLst/>
+          </a:prstGeom>
+        </p:spPr>
+      </p:pic>
+    </p:spTree>
+  </p:cSld>
+  <p:clrMapOvr>
+    <a:masterClrMapping/>
+  </p:clrMapOvr>
+  <mc:AlternateContent xmlns:mc="http://schemas.openxmlformats.org/markup-compatibility/2006">
+    <mc:Choice xmlns:p14="http://schemas.microsoft.com/office/powerpoint/2010/main" Requires="p14">
+      <p:transition xmlns:mc="http://schemas.openxmlformats.org/markup-compatibility/2006" xmlns:p14="http://schemas.microsoft.com/office/powerpoint/2010/main" mc:Ignorable="p14" p14:dur="500"/>
+    </mc:Choice>
+    <mc:Fallback>
+      <p:transition/>
+    </mc:Fallback>
+  </mc:AlternateContent>
 </p:sld>
 </file>
 
 <file path=ppt/theme/theme1.xml><?xml version="1.0" encoding="utf-8"?>
-<a:theme xmlns:a="http://schemas.openxmlformats.org/drawingml/2006/main" name="Office 테마">
+<a:theme xmlns:r="http://schemas.openxmlformats.org/officeDocument/2006/relationships" xmlns:c="http://schemas.openxmlformats.org/drawingml/2006/chart" xmlns:dgm="http://schemas.openxmlformats.org/drawingml/2006/diagram" xmlns:dsp="http://schemas.microsoft.com/office/drawing/2008/diagram" xmlns:a="http://schemas.openxmlformats.org/drawingml/2006/main" xmlns:pic="http://schemas.openxmlformats.org/drawingml/2006/picture" xmlns:wp="http://schemas.openxmlformats.org/drawingml/2006/wordprocessingDrawing" xmlns:xdr="http://schemas.openxmlformats.org/drawingml/2006/spreadsheetDrawing" xmlns:p="http://schemas.openxmlformats.org/presentationml/2006/main" name="한컴오피스">
   <a:themeElements>
-    <a:clrScheme name="Office">
+    <a:clrScheme name="한컴오피스">
       <a:dk1>
         <a:sysClr val="windowText" lastClr="000000"/>
       </a:dk1>
       <a:lt1>
-        <a:sysClr val="window" lastClr="FFFFFF"/>
+        <a:sysClr val="window" lastClr="ffffff"/>
       </a:lt1>
       <a:dk2>
-        <a:srgbClr val="44546A"/>
+        <a:srgbClr val="3a3c84"/>
       </a:dk2>
       <a:lt2>
-        <a:srgbClr val="E7E6E6"/>
+        <a:srgbClr val="faf3db"/>
       </a:lt2>
       <a:accent1>
-        <a:srgbClr val="4472C4"/>
+        <a:srgbClr val="6182d6"/>
       </a:accent1>
       <a:accent2>
-        <a:srgbClr val="ED7D31"/>
+        <a:srgbClr val="ff843a"/>
       </a:accent2>
       <a:accent3>
-        <a:srgbClr val="A5A5A5"/>
+        <a:srgbClr val="b2b2b2"/>
       </a:accent3>
       <a:accent4>
-        <a:srgbClr val="FFC000"/>
+        <a:srgbClr val="ffd700"/>
       </a:accent4>
       <a:accent5>
-        <a:srgbClr val="5B9BD5"/>
+        <a:srgbClr val="289b6e"/>
       </a:accent5>
       <a:accent6>
-        <a:srgbClr val="70AD47"/>
+        <a:srgbClr val="9d5cbb"/>
       </a:accent6>
       <a:hlink>
-        <a:srgbClr val="0563C1"/>
+        <a:srgbClr val="0000ff"/>
       </a:hlink>
       <a:folHlink>
-        <a:srgbClr val="954F72"/>
+        <a:srgbClr val="800080"/>
       </a:folHlink>
     </a:clrScheme>
-    <a:fontScheme name="Office">
+    <a:fontScheme name="한컴오피스">
       <a:majorFont>
-        <a:latin typeface="맑은 고딕" panose="020F0302020204030204"/>
+        <a:latin typeface="함초롬돋움"/>
         <a:ea typeface=""/>
-        <a:cs typeface=""/>
-        <a:font script="Jpan" typeface="游ゴシック Light"/>
-        <a:font script="Hang" typeface="맑은 고딕"/>
-        <a:font script="Hans" typeface="等线 Light"/>
+        <a:cs typeface="Times New Roman"/>
+        <a:font script="Jpan" typeface="MS PGothic"/>
+        <a:font script="Hang" typeface="함초롬돋움"/>
+        <a:font script="Hans" typeface="SimSun"/>
         <a:font script="Hant" typeface="新細明體"/>
         <a:font script="Arab" typeface="Times New Roman"/>
         <a:font script="Hebr" typeface="Times New Roman"/>
         <a:font script="Thai" typeface="Angsana New"/>
-        <a:font script="Ethi" typeface="Nyala"/>
         <a:font script="Beng" typeface="Vrinda"/>
         <a:font script="Gujr" typeface="Shruti"/>
         <a:font script="Khmr" typeface="MoolBoran"/>
@@ -5028,40 +5420,21 @@
         <a:font script="Mong" typeface="Mongolian Baiti"/>
         <a:font script="Viet" typeface="Times New Roman"/>
         <a:font script="Uigh" typeface="Microsoft Uighur"/>
-        <a:font script="Geor" typeface="Sylfaen"/>
-        <a:font script="Armn" typeface="Arial"/>
-        <a:font script="Bugi" typeface="Leelawadee UI"/>
-        <a:font script="Bopo" typeface="Microsoft JhengHei"/>
-        <a:font script="Java" typeface="Javanese Text"/>
-        <a:font script="Lisu" typeface="Segoe UI"/>
-        <a:font script="Mymr" typeface="Myanmar Text"/>
-        <a:font script="Nkoo" typeface="Ebrima"/>
-        <a:font script="Olck" typeface="Nirmala UI"/>
-        <a:font script="Osma" typeface="Ebrima"/>
-        <a:font script="Phag" typeface="Phagspa"/>
-        <a:font script="Syrn" typeface="Estrangelo Edessa"/>
-        <a:font script="Syrj" typeface="Estrangelo Edessa"/>
-        <a:font script="Syre" typeface="Estrangelo Edessa"/>
-        <a:font script="Sora" typeface="Nirmala UI"/>
-        <a:font script="Tale" typeface="Microsoft Tai Le"/>
-        <a:font script="Talu" typeface="Microsoft New Tai Lue"/>
-        <a:font script="Tfng" typeface="Ebrima"/>
       </a:majorFont>
       <a:minorFont>
-        <a:latin typeface="맑은 고딕" panose="020F0502020204030204"/>
+        <a:latin typeface="함초롬돋움"/>
         <a:ea typeface=""/>
-        <a:cs typeface=""/>
-        <a:font script="Jpan" typeface="游ゴシック"/>
-        <a:font script="Hang" typeface="맑은 고딕"/>
-        <a:font script="Hans" typeface="等线"/>
+        <a:cs typeface="Times New Roman"/>
+        <a:font script="Jpan" typeface="MS PGothic"/>
+        <a:font script="Hang" typeface="함초롬돋움"/>
+        <a:font script="Hans" typeface="SimSun"/>
         <a:font script="Hant" typeface="新細明體"/>
-        <a:font script="Arab" typeface="Arial"/>
-        <a:font script="Hebr" typeface="Arial"/>
-        <a:font script="Thai" typeface="Cordia New"/>
-        <a:font script="Ethi" typeface="Nyala"/>
+        <a:font script="Arab" typeface="Times New Roman"/>
+        <a:font script="Hebr" typeface="Times New Roman"/>
+        <a:font script="Thai" typeface="Angsana New"/>
         <a:font script="Beng" typeface="Vrinda"/>
         <a:font script="Gujr" typeface="Shruti"/>
-        <a:font script="Khmr" typeface="DaunPenh"/>
+        <a:font script="Khmr" typeface="MoolBoran"/>
         <a:font script="Knda" typeface="Tunga"/>
         <a:font script="Guru" typeface="Raavi"/>
         <a:font script="Cans" typeface="Euphemia"/>
@@ -5078,29 +5451,11 @@
         <a:font script="Laoo" typeface="DokChampa"/>
         <a:font script="Sinh" typeface="Iskoola Pota"/>
         <a:font script="Mong" typeface="Mongolian Baiti"/>
-        <a:font script="Viet" typeface="Arial"/>
+        <a:font script="Viet" typeface="Times New Roman"/>
         <a:font script="Uigh" typeface="Microsoft Uighur"/>
-        <a:font script="Geor" typeface="Sylfaen"/>
-        <a:font script="Armn" typeface="Arial"/>
-        <a:font script="Bugi" typeface="Leelawadee UI"/>
-        <a:font script="Bopo" typeface="Microsoft JhengHei"/>
-        <a:font script="Java" typeface="Javanese Text"/>
-        <a:font script="Lisu" typeface="Segoe UI"/>
-        <a:font script="Mymr" typeface="Myanmar Text"/>
-        <a:font script="Nkoo" typeface="Ebrima"/>
-        <a:font script="Olck" typeface="Nirmala UI"/>
-        <a:font script="Osma" typeface="Ebrima"/>
-        <a:font script="Phag" typeface="Phagspa"/>
-        <a:font script="Syrn" typeface="Estrangelo Edessa"/>
-        <a:font script="Syrj" typeface="Estrangelo Edessa"/>
-        <a:font script="Syre" typeface="Estrangelo Edessa"/>
-        <a:font script="Sora" typeface="Nirmala UI"/>
-        <a:font script="Tale" typeface="Microsoft Tai Le"/>
-        <a:font script="Talu" typeface="Microsoft New Tai Lue"/>
-        <a:font script="Tfng" typeface="Ebrima"/>
       </a:minorFont>
     </a:fontScheme>
-    <a:fmtScheme name="Office">
+    <a:fmtScheme name="한컴오피스">
       <a:fillStyleLst>
         <a:solidFill>
           <a:schemeClr val="phClr"/>
@@ -5109,92 +5464,93 @@
           <a:gsLst>
             <a:gs pos="0">
               <a:schemeClr val="phClr">
-                <a:lumMod val="110000"/>
-                <a:satMod val="105000"/>
-                <a:tint val="67000"/>
+                <a:tint val="50000"/>
+                <a:satMod val="300000"/>
               </a:schemeClr>
             </a:gs>
-            <a:gs pos="50000">
+            <a:gs pos="35000">
               <a:schemeClr val="phClr">
-                <a:lumMod val="105000"/>
-                <a:satMod val="103000"/>
-                <a:tint val="73000"/>
+                <a:tint val="37000"/>
+                <a:satMod val="300000"/>
               </a:schemeClr>
             </a:gs>
             <a:gs pos="100000">
               <a:schemeClr val="phClr">
-                <a:lumMod val="105000"/>
-                <a:satMod val="109000"/>
-                <a:tint val="81000"/>
+                <a:tint val="15000"/>
+                <a:satMod val="350000"/>
               </a:schemeClr>
             </a:gs>
           </a:gsLst>
-          <a:lin ang="5400000" scaled="0"/>
+          <a:lin ang="16200000" scaled="1"/>
         </a:gradFill>
         <a:gradFill rotWithShape="1">
           <a:gsLst>
             <a:gs pos="0">
               <a:schemeClr val="phClr">
-                <a:satMod val="103000"/>
-                <a:lumMod val="102000"/>
-                <a:tint val="94000"/>
+                <a:shade val="51000"/>
+                <a:satMod val="130000"/>
               </a:schemeClr>
             </a:gs>
-            <a:gs pos="50000">
+            <a:gs pos="80000">
               <a:schemeClr val="phClr">
-                <a:satMod val="110000"/>
-                <a:lumMod val="100000"/>
-                <a:shade val="100000"/>
+                <a:shade val="93000"/>
+                <a:satMod val="130000"/>
               </a:schemeClr>
             </a:gs>
             <a:gs pos="100000">
               <a:schemeClr val="phClr">
-                <a:lumMod val="99000"/>
-                <a:satMod val="120000"/>
-                <a:shade val="78000"/>
+                <a:shade val="94000"/>
+                <a:satMod val="135000"/>
               </a:schemeClr>
             </a:gs>
           </a:gsLst>
-          <a:lin ang="5400000" scaled="0"/>
+          <a:lin ang="16200000" scaled="0"/>
         </a:gradFill>
       </a:fillStyleLst>
       <a:lnStyleLst>
-        <a:ln w="6350" cap="flat" cmpd="sng" algn="ctr">
+        <a:ln w="12700" cap="flat" cmpd="sng" algn="ctr">
           <a:solidFill>
-            <a:schemeClr val="phClr"/>
+            <a:schemeClr val="phClr">
+              <a:satMod val="105000"/>
+            </a:schemeClr>
           </a:solidFill>
           <a:prstDash val="solid"/>
-          <a:miter lim="800000"/>
-        </a:ln>
-        <a:ln w="12700" cap="flat" cmpd="sng" algn="ctr">
-          <a:solidFill>
-            <a:schemeClr val="phClr"/>
-          </a:solidFill>
-          <a:prstDash val="solid"/>
-          <a:miter lim="800000"/>
         </a:ln>
         <a:ln w="19050" cap="flat" cmpd="sng" algn="ctr">
           <a:solidFill>
             <a:schemeClr val="phClr"/>
           </a:solidFill>
           <a:prstDash val="solid"/>
-          <a:miter lim="800000"/>
+        </a:ln>
+        <a:ln w="38100" cap="flat" cmpd="sng" algn="ctr">
+          <a:solidFill>
+            <a:schemeClr val="phClr"/>
+          </a:solidFill>
+          <a:prstDash val="solid"/>
         </a:ln>
       </a:lnStyleLst>
       <a:effectStyleLst>
         <a:effectStyle>
-          <a:effectLst/>
-        </a:effectStyle>
-        <a:effectStyle>
-          <a:effectLst/>
+          <a:effectLst>
+            <a:outerShdw blurRad="38100" dist="25400" dir="5400000" rotWithShape="0">
+              <a:srgbClr val="000000">
+                <a:alpha val="75000"/>
+              </a:srgbClr>
+            </a:outerShdw>
+          </a:effectLst>
         </a:effectStyle>
         <a:effectStyle>
           <a:effectLst>
-            <a:outerShdw blurRad="57150" dist="19050" dir="5400000" algn="ctr" rotWithShape="0">
+            <a:outerShdw blurRad="38100" dist="25400" dir="5400000" rotWithShape="0">
               <a:srgbClr val="000000">
-                <a:alpha val="63000"/>
+                <a:alpha val="75000"/>
               </a:srgbClr>
             </a:outerShdw>
+          </a:effectLst>
+        </a:effectStyle>
+        <a:effectStyle>
+          <a:effectLst>
+            <a:reflection blurRad="12700" stA="26000" endPos="28000" dist="38100" dir="5400000" sy="-100000" rotWithShape="0"/>
           </a:effectLst>
         </a:effectStyle>
       </a:effectStyleLst>
@@ -5202,48 +5558,53 @@
         <a:solidFill>
           <a:schemeClr val="phClr"/>
         </a:solidFill>
-        <a:solidFill>
-          <a:schemeClr val="phClr">
-            <a:tint val="95000"/>
-            <a:satMod val="170000"/>
-          </a:schemeClr>
-        </a:solidFill>
         <a:gradFill rotWithShape="1">
           <a:gsLst>
             <a:gs pos="0">
               <a:schemeClr val="phClr">
-                <a:tint val="93000"/>
-                <a:satMod val="150000"/>
-                <a:shade val="98000"/>
-                <a:lumMod val="102000"/>
+                <a:tint val="40000"/>
+                <a:satMod val="350000"/>
               </a:schemeClr>
             </a:gs>
-            <a:gs pos="50000">
+            <a:gs pos="40000">
               <a:schemeClr val="phClr">
-                <a:tint val="98000"/>
-                <a:satMod val="130000"/>
-                <a:shade val="90000"/>
-                <a:lumMod val="103000"/>
+                <a:tint val="45000"/>
+                <a:shade val="99000"/>
+                <a:satMod val="350000"/>
               </a:schemeClr>
             </a:gs>
             <a:gs pos="100000">
               <a:schemeClr val="phClr">
-                <a:shade val="63000"/>
-                <a:satMod val="120000"/>
+                <a:shade val="20000"/>
+                <a:satMod val="255000"/>
               </a:schemeClr>
             </a:gs>
           </a:gsLst>
-          <a:lin ang="5400000" scaled="0"/>
+          <a:path path="circle">
+            <a:fillToRect l="50000" t="-80000" r="50000" b="180000"/>
+          </a:path>
+        </a:gradFill>
+        <a:gradFill rotWithShape="1">
+          <a:gsLst>
+            <a:gs pos="0">
+              <a:schemeClr val="phClr">
+                <a:tint val="80000"/>
+                <a:satMod val="300000"/>
+              </a:schemeClr>
+            </a:gs>
+            <a:gs pos="100000">
+              <a:schemeClr val="phClr">
+                <a:shade val="30000"/>
+                <a:satMod val="200000"/>
+              </a:schemeClr>
+            </a:gs>
+          </a:gsLst>
+          <a:path path="circle">
+            <a:fillToRect l="50000" t="50000" r="50000" b="50000"/>
+          </a:path>
         </a:gradFill>
       </a:bgFillStyleLst>
     </a:fmtScheme>
   </a:themeElements>
-  <a:objectDefaults/>
-  <a:extraClrSchemeLst/>
-  <a:extLst>
-    <a:ext uri="{05A4C25C-085E-4340-85A3-A5531E510DB2}">
-      <thm15:themeFamily xmlns:thm15="http://schemas.microsoft.com/office/thememl/2012/main" name="Office Theme" id="{62F939B6-93AF-4DB8-9C6B-D6C7DFDC589F}" vid="{4A3C46E8-61CC-4603-A589-7422A47A8E4A}"/>
-    </a:ext>
-  </a:extLst>
 </a:theme>
 </file>
--- a/배달 주문 시스템.pptx
+++ b/배달 주문 시스템.pptx
@@ -1,18 +1,15 @@
 
 <file path=ppt/presentation.xml><?xml version="1.0" encoding="utf-8"?>
-<p:presentation xmlns:r="http://schemas.openxmlformats.org/officeDocument/2006/relationships" xmlns:c="http://schemas.openxmlformats.org/drawingml/2006/chart" xmlns:a="http://schemas.openxmlformats.org/drawingml/2006/main" xmlns:dgm="http://schemas.openxmlformats.org/drawingml/2006/diagram" xmlns:dsp="http://schemas.microsoft.com/office/drawing/2008/diagram" xmlns:p="http://schemas.openxmlformats.org/presentationml/2006/main">
+<p:presentation xmlns:a="http://schemas.openxmlformats.org/drawingml/2006/main" xmlns:r="http://schemas.openxmlformats.org/officeDocument/2006/relationships" xmlns:p="http://schemas.openxmlformats.org/presentationml/2006/main">
   <p:sldMasterIdLst>
     <p:sldMasterId id="2147484131" r:id="rId1"/>
   </p:sldMasterIdLst>
   <p:sldIdLst>
     <p:sldId id="256" r:id="rId2"/>
-    <p:sldId id="257" r:id="rId3"/>
-    <p:sldId id="258" r:id="rId4"/>
-    <p:sldId id="259" r:id="rId5"/>
-    <p:sldId id="260" r:id="rId6"/>
-    <p:sldId id="261" r:id="rId7"/>
-    <p:sldId id="262" r:id="rId8"/>
-    <p:sldId id="263" r:id="rId9"/>
+    <p:sldId id="263" r:id="rId3"/>
+    <p:sldId id="260" r:id="rId4"/>
+    <p:sldId id="262" r:id="rId5"/>
+    <p:sldId id="259" r:id="rId6"/>
   </p:sldIdLst>
   <p:sldSz cx="12192000" cy="6858000"/>
   <p:notesSz cx="6858000" cy="9144000"/>
@@ -111,26 +108,22 @@
       </a:defRPr>
     </a:lvl9pPr>
   </p:defaultTextStyle>
+  <p:extLst>
+    <p:ext uri="{EFAFB233-063F-42B5-8137-9DF3F51BA10A}">
+      <p15:sldGuideLst xmlns:p15="http://schemas.microsoft.com/office/powerpoint/2012/main"/>
+    </p:ext>
+  </p:extLst>
 </p:presentation>
 </file>
 
 <file path=ppt/commentAuthors.xml><?xml version="1.0" encoding="utf-8"?>
-<p:cmAuthorLst xmlns:r="http://schemas.openxmlformats.org/officeDocument/2006/relationships" xmlns:c="http://schemas.openxmlformats.org/drawingml/2006/chart" xmlns:a="http://schemas.openxmlformats.org/drawingml/2006/main" xmlns:dgm="http://schemas.openxmlformats.org/drawingml/2006/diagram" xmlns:dsp="http://schemas.microsoft.com/office/drawing/2008/diagram" xmlns:p="http://schemas.openxmlformats.org/presentationml/2006/main">
+<p:cmAuthorLst xmlns:a="http://schemas.openxmlformats.org/drawingml/2006/main" xmlns:r="http://schemas.openxmlformats.org/officeDocument/2006/relationships" xmlns:p="http://schemas.openxmlformats.org/presentationml/2006/main">
   <p:cmAuthor id="1" name="user" initials="u" lastIdx="1" clrIdx="0"/>
 </p:cmAuthorLst>
 </file>
 
-<file path=ppt/comments/comment1.xml><?xml version="1.0" encoding="utf-8"?>
-<p:cmLst xmlns:r="http://schemas.openxmlformats.org/officeDocument/2006/relationships" xmlns:c="http://schemas.openxmlformats.org/drawingml/2006/chart" xmlns:a="http://schemas.openxmlformats.org/drawingml/2006/main" xmlns:dgm="http://schemas.openxmlformats.org/drawingml/2006/diagram" xmlns:dsp="http://schemas.microsoft.com/office/drawing/2008/diagram" xmlns:p="http://schemas.openxmlformats.org/presentationml/2006/main">
-  <p:cm authorId="1" dt="2018-11-28T16:29:09.870" idx="1">
-    <p:pos x="9" y="9"/>
-    <p:text/>
-  </p:cm>
-</p:cmLst>
-</file>
-
 <file path=ppt/slideLayouts/slideLayout1.xml><?xml version="1.0" encoding="utf-8"?>
-<p:sldLayout xmlns:r="http://schemas.openxmlformats.org/officeDocument/2006/relationships" xmlns:c="http://schemas.openxmlformats.org/drawingml/2006/chart" xmlns:a="http://schemas.openxmlformats.org/drawingml/2006/main" xmlns:dgm="http://schemas.openxmlformats.org/drawingml/2006/diagram" xmlns:dsp="http://schemas.microsoft.com/office/drawing/2008/diagram" xmlns:p="http://schemas.openxmlformats.org/presentationml/2006/main" showMasterPhAnim="1" matchingName="제목 슬라이드" type="title" preserve="1">
+<p:sldLayout xmlns:a="http://schemas.openxmlformats.org/drawingml/2006/main" xmlns:r="http://schemas.openxmlformats.org/officeDocument/2006/relationships" xmlns:p="http://schemas.openxmlformats.org/presentationml/2006/main" matchingName="제목 슬라이드" type="title" preserve="1">
   <p:cSld name="제목 슬라이드">
     <p:spTree>
       <p:nvGrpSpPr>
@@ -153,7 +146,7 @@
             <a:spLocks noGrp="1"/>
           </p:cNvSpPr>
           <p:nvPr>
-            <p:ph type="ctrTitle" idx="0"/>
+            <p:ph type="ctrTitle"/>
           </p:nvPr>
         </p:nvSpPr>
         <p:spPr>
@@ -173,7 +166,6 @@
               <a:rPr lang="ko-KR" altLang="en-US"/>
               <a:t>마스터 제목 스타일 편집</a:t>
             </a:r>
-            <a:endParaRPr lang="ko-KR" altLang="en-US"/>
           </a:p>
         </p:txBody>
       </p:sp>
@@ -295,7 +287,6 @@
               <a:rPr lang="ko-KR" altLang="en-US"/>
               <a:t>마스터 부제목 스타일 편집</a:t>
             </a:r>
-            <a:endParaRPr lang="ko-KR" altLang="en-US"/>
           </a:p>
         </p:txBody>
       </p:sp>
@@ -322,7 +313,7 @@
               <a:pPr lvl="0">
                 <a:defRPr/>
               </a:pPr>
-              <a:t>2018-12-10</a:t>
+              <a:t>2018-12-11</a:t>
             </a:fld>
             <a:endParaRPr lang="ko-KR" altLang="en-US"/>
           </a:p>
@@ -346,10 +337,6 @@
             <a:pPr lvl="0">
               <a:defRPr/>
             </a:pPr>
-            <a:r>
-              <a:rPr lang="ko-KR" altLang="en-US"/>
-              <a:t/>
-            </a:r>
             <a:endParaRPr lang="ko-KR" altLang="en-US"/>
           </a:p>
         </p:txBody>
@@ -388,12 +375,12 @@
   <p:clrMapOvr>
     <a:masterClrMapping/>
   </p:clrMapOvr>
-  <p:transition xmlns:mc="http://schemas.openxmlformats.org/markup-compatibility/2006" xmlns:hp="http://schemas.haansoft.com/office/presentation/8.0" mc:Ignorable="hp" hp:hslDur="500"/>
+  <p:transition/>
 </p:sldLayout>
 </file>
 
 <file path=ppt/slideLayouts/slideLayout10.xml><?xml version="1.0" encoding="utf-8"?>
-<p:sldLayout xmlns:r="http://schemas.openxmlformats.org/officeDocument/2006/relationships" xmlns:c="http://schemas.openxmlformats.org/drawingml/2006/chart" xmlns:a="http://schemas.openxmlformats.org/drawingml/2006/main" xmlns:dgm="http://schemas.openxmlformats.org/drawingml/2006/diagram" xmlns:dsp="http://schemas.microsoft.com/office/drawing/2008/diagram" xmlns:p="http://schemas.openxmlformats.org/presentationml/2006/main" showMasterPhAnim="1" matchingName="간지" type="objOnly" preserve="1">
+<p:sldLayout xmlns:a="http://schemas.openxmlformats.org/drawingml/2006/main" xmlns:r="http://schemas.openxmlformats.org/officeDocument/2006/relationships" xmlns:p="http://schemas.openxmlformats.org/presentationml/2006/main" matchingName="간지" type="objOnly" preserve="1">
   <p:cSld name="간지">
     <p:spTree>
       <p:nvGrpSpPr>
@@ -416,7 +403,7 @@
             <a:spLocks noGrp="1"/>
           </p:cNvSpPr>
           <p:nvPr>
-            <p:ph type="ctrTitle" idx="0"/>
+            <p:ph type="ctrTitle"/>
           </p:nvPr>
         </p:nvSpPr>
         <p:spPr>
@@ -442,7 +429,6 @@
               <a:rPr lang="ko-KR" altLang="en-US"/>
               <a:t>마스터 제목 스타일 편집</a:t>
             </a:r>
-            <a:endParaRPr lang="ko-KR" altLang="en-US"/>
           </a:p>
         </p:txBody>
       </p:sp>
@@ -469,7 +455,7 @@
               <a:pPr lvl="0">
                 <a:defRPr/>
               </a:pPr>
-              <a:t>2018-12-10</a:t>
+              <a:t>2018-12-11</a:t>
             </a:fld>
             <a:endParaRPr lang="ko-KR" altLang="en-US"/>
           </a:p>
@@ -493,10 +479,6 @@
             <a:pPr lvl="0">
               <a:defRPr/>
             </a:pPr>
-            <a:r>
-              <a:rPr lang="ko-KR" altLang="en-US"/>
-              <a:t/>
-            </a:r>
             <a:endParaRPr lang="ko-KR" altLang="en-US"/>
           </a:p>
         </p:txBody>
@@ -535,12 +517,12 @@
   <p:clrMapOvr>
     <a:masterClrMapping/>
   </p:clrMapOvr>
-  <p:transition xmlns:mc="http://schemas.openxmlformats.org/markup-compatibility/2006" xmlns:hp="http://schemas.haansoft.com/office/presentation/8.0" mc:Ignorable="hp" hp:hslDur="500"/>
+  <p:transition/>
 </p:sldLayout>
 </file>
 
 <file path=ppt/slideLayouts/slideLayout11.xml><?xml version="1.0" encoding="utf-8"?>
-<p:sldLayout xmlns:r="http://schemas.openxmlformats.org/officeDocument/2006/relationships" xmlns:c="http://schemas.openxmlformats.org/drawingml/2006/chart" xmlns:a="http://schemas.openxmlformats.org/drawingml/2006/main" xmlns:dgm="http://schemas.openxmlformats.org/drawingml/2006/diagram" xmlns:dsp="http://schemas.microsoft.com/office/drawing/2008/diagram" xmlns:p="http://schemas.openxmlformats.org/presentationml/2006/main" showMasterPhAnim="1" matchingName="목차" type="clipArtAndTx" preserve="1">
+<p:sldLayout xmlns:a="http://schemas.openxmlformats.org/drawingml/2006/main" xmlns:r="http://schemas.openxmlformats.org/officeDocument/2006/relationships" xmlns:p="http://schemas.openxmlformats.org/presentationml/2006/main" matchingName="목차" type="clipArtAndTx" preserve="1">
   <p:cSld name="목차">
     <p:spTree>
       <p:nvGrpSpPr>
@@ -563,7 +545,7 @@
             <a:spLocks noGrp="1"/>
           </p:cNvSpPr>
           <p:nvPr>
-            <p:ph type="title" idx="0"/>
+            <p:ph type="title"/>
           </p:nvPr>
         </p:nvSpPr>
         <p:spPr>
@@ -587,7 +569,6 @@
               <a:rPr lang="ko-KR" altLang="en-US"/>
               <a:t>마스터 제목 스타일 편집</a:t>
             </a:r>
-            <a:endParaRPr lang="ko-KR" altLang="en-US"/>
           </a:p>
         </p:txBody>
       </p:sp>
@@ -627,7 +608,6 @@
               <a:rPr lang="ko-KR" altLang="en-US"/>
               <a:t>첫째 목차</a:t>
             </a:r>
-            <a:endParaRPr lang="ko-KR" altLang="en-US"/>
           </a:p>
           <a:p>
             <a:pPr lvl="0">
@@ -637,7 +617,6 @@
               <a:rPr lang="ko-KR" altLang="en-US"/>
               <a:t>둘째 목차</a:t>
             </a:r>
-            <a:endParaRPr lang="ko-KR" altLang="en-US"/>
           </a:p>
           <a:p>
             <a:pPr lvl="0">
@@ -647,7 +626,6 @@
               <a:rPr lang="ko-KR" altLang="en-US"/>
               <a:t>셋째 목차</a:t>
             </a:r>
-            <a:endParaRPr lang="ko-KR" altLang="en-US"/>
           </a:p>
           <a:p>
             <a:pPr lvl="0">
@@ -657,7 +635,6 @@
               <a:rPr lang="ko-KR" altLang="en-US"/>
               <a:t>넷째 목차</a:t>
             </a:r>
-            <a:endParaRPr lang="ko-KR" altLang="en-US"/>
           </a:p>
           <a:p>
             <a:pPr lvl="0">
@@ -667,7 +644,6 @@
               <a:rPr lang="ko-KR" altLang="en-US"/>
               <a:t>다섯째 목차</a:t>
             </a:r>
-            <a:endParaRPr lang="ko-KR" altLang="en-US"/>
           </a:p>
         </p:txBody>
       </p:sp>
@@ -694,7 +670,7 @@
               <a:pPr lvl="0">
                 <a:defRPr/>
               </a:pPr>
-              <a:t>2018-12-10</a:t>
+              <a:t>2018-12-11</a:t>
             </a:fld>
             <a:endParaRPr lang="ko-KR" altLang="en-US"/>
           </a:p>
@@ -718,10 +694,6 @@
             <a:pPr lvl="0">
               <a:defRPr/>
             </a:pPr>
-            <a:r>
-              <a:rPr lang="ko-KR" altLang="en-US"/>
-              <a:t/>
-            </a:r>
             <a:endParaRPr lang="ko-KR" altLang="en-US"/>
           </a:p>
         </p:txBody>
@@ -760,12 +732,12 @@
   <p:clrMapOvr>
     <a:masterClrMapping/>
   </p:clrMapOvr>
-  <p:transition xmlns:mc="http://schemas.openxmlformats.org/markup-compatibility/2006" xmlns:hp="http://schemas.haansoft.com/office/presentation/8.0" mc:Ignorable="hp" hp:hslDur="500"/>
+  <p:transition/>
 </p:sldLayout>
 </file>
 
 <file path=ppt/slideLayouts/slideLayout12.xml><?xml version="1.0" encoding="utf-8"?>
-<p:sldLayout xmlns:r="http://schemas.openxmlformats.org/officeDocument/2006/relationships" xmlns:c="http://schemas.openxmlformats.org/drawingml/2006/chart" xmlns:a="http://schemas.openxmlformats.org/drawingml/2006/main" xmlns:dgm="http://schemas.openxmlformats.org/drawingml/2006/diagram" xmlns:dsp="http://schemas.microsoft.com/office/drawing/2008/diagram" xmlns:p="http://schemas.openxmlformats.org/presentationml/2006/main" showMasterPhAnim="1" matchingName="세로 제목 및 본문" type="vertTitleAndTx" preserve="1">
+<p:sldLayout xmlns:a="http://schemas.openxmlformats.org/drawingml/2006/main" xmlns:r="http://schemas.openxmlformats.org/officeDocument/2006/relationships" xmlns:p="http://schemas.openxmlformats.org/presentationml/2006/main" matchingName="세로 제목 및 본문" type="vertTitleAndTx" preserve="1">
   <p:cSld name="세로 제목 및 본문">
     <p:spTree>
       <p:nvGrpSpPr>
@@ -788,7 +760,7 @@
             <a:spLocks noGrp="1"/>
           </p:cNvSpPr>
           <p:nvPr>
-            <p:ph type="title" orient="vert" idx="0"/>
+            <p:ph type="title" orient="vert"/>
           </p:nvPr>
         </p:nvSpPr>
         <p:spPr>
@@ -808,7 +780,6 @@
               <a:rPr lang="ko-KR" altLang="en-US"/>
               <a:t>마스터 제목 스타일 편집</a:t>
             </a:r>
-            <a:endParaRPr lang="ko-KR" altLang="en-US"/>
           </a:p>
         </p:txBody>
       </p:sp>
@@ -839,7 +810,6 @@
               <a:rPr lang="ko-KR" altLang="en-US"/>
               <a:t>마스터 텍스트 스타일을 편집합니다</a:t>
             </a:r>
-            <a:endParaRPr lang="ko-KR" altLang="en-US"/>
           </a:p>
           <a:p>
             <a:pPr lvl="1">
@@ -849,7 +819,6 @@
               <a:rPr lang="ko-KR" altLang="en-US"/>
               <a:t>둘째 수준</a:t>
             </a:r>
-            <a:endParaRPr lang="ko-KR" altLang="en-US"/>
           </a:p>
           <a:p>
             <a:pPr lvl="2">
@@ -859,7 +828,6 @@
               <a:rPr lang="ko-KR" altLang="en-US"/>
               <a:t>셋째 수준</a:t>
             </a:r>
-            <a:endParaRPr lang="ko-KR" altLang="en-US"/>
           </a:p>
           <a:p>
             <a:pPr lvl="3">
@@ -869,7 +837,6 @@
               <a:rPr lang="ko-KR" altLang="en-US"/>
               <a:t>넷째 수준</a:t>
             </a:r>
-            <a:endParaRPr lang="ko-KR" altLang="en-US"/>
           </a:p>
           <a:p>
             <a:pPr lvl="4">
@@ -879,7 +846,6 @@
               <a:rPr lang="ko-KR" altLang="en-US"/>
               <a:t>다섯째 수준</a:t>
             </a:r>
-            <a:endParaRPr lang="ko-KR" altLang="en-US"/>
           </a:p>
         </p:txBody>
       </p:sp>
@@ -906,7 +872,7 @@
               <a:pPr lvl="0">
                 <a:defRPr/>
               </a:pPr>
-              <a:t>2018-12-10</a:t>
+              <a:t>2018-12-11</a:t>
             </a:fld>
             <a:endParaRPr lang="ko-KR" altLang="en-US"/>
           </a:p>
@@ -930,10 +896,6 @@
             <a:pPr lvl="0">
               <a:defRPr/>
             </a:pPr>
-            <a:r>
-              <a:rPr lang="ko-KR" altLang="en-US"/>
-              <a:t/>
-            </a:r>
             <a:endParaRPr lang="ko-KR" altLang="en-US"/>
           </a:p>
         </p:txBody>
@@ -972,12 +934,12 @@
   <p:clrMapOvr>
     <a:masterClrMapping/>
   </p:clrMapOvr>
-  <p:transition xmlns:mc="http://schemas.openxmlformats.org/markup-compatibility/2006" xmlns:hp="http://schemas.haansoft.com/office/presentation/8.0" mc:Ignorable="hp" hp:hslDur="500"/>
+  <p:transition/>
 </p:sldLayout>
 </file>
 
 <file path=ppt/slideLayouts/slideLayout2.xml><?xml version="1.0" encoding="utf-8"?>
-<p:sldLayout xmlns:r="http://schemas.openxmlformats.org/officeDocument/2006/relationships" xmlns:c="http://schemas.openxmlformats.org/drawingml/2006/chart" xmlns:a="http://schemas.openxmlformats.org/drawingml/2006/main" xmlns:dgm="http://schemas.openxmlformats.org/drawingml/2006/diagram" xmlns:dsp="http://schemas.microsoft.com/office/drawing/2008/diagram" xmlns:p="http://schemas.openxmlformats.org/presentationml/2006/main" showMasterPhAnim="1" matchingName="제목 및 내용" type="obj" preserve="1">
+<p:sldLayout xmlns:a="http://schemas.openxmlformats.org/drawingml/2006/main" xmlns:r="http://schemas.openxmlformats.org/officeDocument/2006/relationships" xmlns:p="http://schemas.openxmlformats.org/presentationml/2006/main" matchingName="제목 및 내용" type="obj" preserve="1">
   <p:cSld name="제목 및 내용">
     <p:spTree>
       <p:nvGrpSpPr>
@@ -1000,7 +962,7 @@
             <a:spLocks noGrp="1"/>
           </p:cNvSpPr>
           <p:nvPr>
-            <p:ph type="title" idx="0"/>
+            <p:ph type="title"/>
           </p:nvPr>
         </p:nvSpPr>
         <p:spPr/>
@@ -1015,7 +977,6 @@
               <a:rPr lang="ko-KR" altLang="en-US"/>
               <a:t>마스터 제목 스타일 편집</a:t>
             </a:r>
-            <a:endParaRPr lang="ko-KR" altLang="en-US"/>
           </a:p>
         </p:txBody>
       </p:sp>
@@ -1041,7 +1002,6 @@
               <a:rPr lang="ko-KR" altLang="en-US"/>
               <a:t>마스터 텍스트 스타일을 편집합니다</a:t>
             </a:r>
-            <a:endParaRPr lang="ko-KR" altLang="en-US"/>
           </a:p>
           <a:p>
             <a:pPr lvl="1">
@@ -1051,7 +1011,6 @@
               <a:rPr lang="ko-KR" altLang="en-US"/>
               <a:t>둘째 수준</a:t>
             </a:r>
-            <a:endParaRPr lang="ko-KR" altLang="en-US"/>
           </a:p>
           <a:p>
             <a:pPr lvl="2">
@@ -1061,7 +1020,6 @@
               <a:rPr lang="ko-KR" altLang="en-US"/>
               <a:t>셋째 수준</a:t>
             </a:r>
-            <a:endParaRPr lang="ko-KR" altLang="en-US"/>
           </a:p>
           <a:p>
             <a:pPr lvl="3">
@@ -1071,7 +1029,6 @@
               <a:rPr lang="ko-KR" altLang="en-US"/>
               <a:t>넷째 수준</a:t>
             </a:r>
-            <a:endParaRPr lang="ko-KR" altLang="en-US"/>
           </a:p>
           <a:p>
             <a:pPr lvl="4">
@@ -1081,7 +1038,6 @@
               <a:rPr lang="ko-KR" altLang="en-US"/>
               <a:t>다섯째 수준</a:t>
             </a:r>
-            <a:endParaRPr lang="ko-KR" altLang="en-US"/>
           </a:p>
         </p:txBody>
       </p:sp>
@@ -1108,7 +1064,7 @@
               <a:pPr lvl="0">
                 <a:defRPr/>
               </a:pPr>
-              <a:t>2018-12-10</a:t>
+              <a:t>2018-12-11</a:t>
             </a:fld>
             <a:endParaRPr lang="ko-KR" altLang="en-US"/>
           </a:p>
@@ -1132,10 +1088,6 @@
             <a:pPr lvl="0">
               <a:defRPr/>
             </a:pPr>
-            <a:r>
-              <a:rPr lang="ko-KR" altLang="en-US"/>
-              <a:t/>
-            </a:r>
             <a:endParaRPr lang="ko-KR" altLang="en-US"/>
           </a:p>
         </p:txBody>
@@ -1174,12 +1126,12 @@
   <p:clrMapOvr>
     <a:masterClrMapping/>
   </p:clrMapOvr>
-  <p:transition xmlns:mc="http://schemas.openxmlformats.org/markup-compatibility/2006" xmlns:hp="http://schemas.haansoft.com/office/presentation/8.0" mc:Ignorable="hp" hp:hslDur="500"/>
+  <p:transition/>
 </p:sldLayout>
 </file>
 
 <file path=ppt/slideLayouts/slideLayout3.xml><?xml version="1.0" encoding="utf-8"?>
-<p:sldLayout xmlns:r="http://schemas.openxmlformats.org/officeDocument/2006/relationships" xmlns:c="http://schemas.openxmlformats.org/drawingml/2006/chart" xmlns:a="http://schemas.openxmlformats.org/drawingml/2006/main" xmlns:dgm="http://schemas.openxmlformats.org/drawingml/2006/diagram" xmlns:dsp="http://schemas.microsoft.com/office/drawing/2008/diagram" xmlns:p="http://schemas.openxmlformats.org/presentationml/2006/main" showMasterPhAnim="1" matchingName="빈 화면" type="blank" preserve="1">
+<p:sldLayout xmlns:a="http://schemas.openxmlformats.org/drawingml/2006/main" xmlns:r="http://schemas.openxmlformats.org/officeDocument/2006/relationships" xmlns:p="http://schemas.openxmlformats.org/presentationml/2006/main" matchingName="빈 화면" type="blank" preserve="1">
   <p:cSld name="빈 화면">
     <p:spTree>
       <p:nvGrpSpPr>
@@ -1218,7 +1170,7 @@
               <a:pPr lvl="0">
                 <a:defRPr/>
               </a:pPr>
-              <a:t>2018-12-10</a:t>
+              <a:t>2018-12-11</a:t>
             </a:fld>
             <a:endParaRPr lang="ko-KR" altLang="en-US"/>
           </a:p>
@@ -1242,10 +1194,6 @@
             <a:pPr lvl="0">
               <a:defRPr/>
             </a:pPr>
-            <a:r>
-              <a:rPr lang="ko-KR" altLang="en-US"/>
-              <a:t/>
-            </a:r>
             <a:endParaRPr lang="ko-KR" altLang="en-US"/>
           </a:p>
         </p:txBody>
@@ -1284,12 +1232,12 @@
   <p:clrMapOvr>
     <a:masterClrMapping/>
   </p:clrMapOvr>
-  <p:transition xmlns:mc="http://schemas.openxmlformats.org/markup-compatibility/2006" xmlns:hp="http://schemas.haansoft.com/office/presentation/8.0" mc:Ignorable="hp" hp:hslDur="500"/>
+  <p:transition/>
 </p:sldLayout>
 </file>
 
 <file path=ppt/slideLayouts/slideLayout4.xml><?xml version="1.0" encoding="utf-8"?>
-<p:sldLayout xmlns:r="http://schemas.openxmlformats.org/officeDocument/2006/relationships" xmlns:c="http://schemas.openxmlformats.org/drawingml/2006/chart" xmlns:a="http://schemas.openxmlformats.org/drawingml/2006/main" xmlns:dgm="http://schemas.openxmlformats.org/drawingml/2006/diagram" xmlns:dsp="http://schemas.microsoft.com/office/drawing/2008/diagram" xmlns:p="http://schemas.openxmlformats.org/presentationml/2006/main" showMasterPhAnim="1" matchingName="구역 머리글" type="secHead" preserve="1">
+<p:sldLayout xmlns:a="http://schemas.openxmlformats.org/drawingml/2006/main" xmlns:r="http://schemas.openxmlformats.org/officeDocument/2006/relationships" xmlns:p="http://schemas.openxmlformats.org/presentationml/2006/main" matchingName="구역 머리글" type="secHead" preserve="1">
   <p:cSld name="구역 머리글">
     <p:spTree>
       <p:nvGrpSpPr>
@@ -1312,7 +1260,7 @@
             <a:spLocks noGrp="1"/>
           </p:cNvSpPr>
           <p:nvPr>
-            <p:ph type="title" idx="0"/>
+            <p:ph type="title"/>
           </p:nvPr>
         </p:nvSpPr>
         <p:spPr>
@@ -1336,7 +1284,6 @@
               <a:rPr lang="ko-KR" altLang="en-US"/>
               <a:t>마스터 제목 스타일 편집</a:t>
             </a:r>
-            <a:endParaRPr lang="ko-KR" altLang="en-US"/>
           </a:p>
         </p:txBody>
       </p:sp>
@@ -1458,7 +1405,6 @@
               <a:rPr lang="ko-KR" altLang="en-US"/>
               <a:t>마스터 텍스트 스타일을 편집합니다</a:t>
             </a:r>
-            <a:endParaRPr lang="ko-KR" altLang="en-US"/>
           </a:p>
         </p:txBody>
       </p:sp>
@@ -1485,7 +1431,7 @@
               <a:pPr lvl="0">
                 <a:defRPr/>
               </a:pPr>
-              <a:t>2018-12-10</a:t>
+              <a:t>2018-12-11</a:t>
             </a:fld>
             <a:endParaRPr lang="ko-KR" altLang="en-US"/>
           </a:p>
@@ -1509,10 +1455,6 @@
             <a:pPr lvl="0">
               <a:defRPr/>
             </a:pPr>
-            <a:r>
-              <a:rPr lang="ko-KR" altLang="en-US"/>
-              <a:t/>
-            </a:r>
             <a:endParaRPr lang="ko-KR" altLang="en-US"/>
           </a:p>
         </p:txBody>
@@ -1551,12 +1493,12 @@
   <p:clrMapOvr>
     <a:masterClrMapping/>
   </p:clrMapOvr>
-  <p:transition xmlns:mc="http://schemas.openxmlformats.org/markup-compatibility/2006" xmlns:hp="http://schemas.haansoft.com/office/presentation/8.0" mc:Ignorable="hp" hp:hslDur="500"/>
+  <p:transition/>
 </p:sldLayout>
 </file>
 
 <file path=ppt/slideLayouts/slideLayout5.xml><?xml version="1.0" encoding="utf-8"?>
-<p:sldLayout xmlns:r="http://schemas.openxmlformats.org/officeDocument/2006/relationships" xmlns:c="http://schemas.openxmlformats.org/drawingml/2006/chart" xmlns:a="http://schemas.openxmlformats.org/drawingml/2006/main" xmlns:dgm="http://schemas.openxmlformats.org/drawingml/2006/diagram" xmlns:dsp="http://schemas.microsoft.com/office/drawing/2008/diagram" xmlns:p="http://schemas.openxmlformats.org/presentationml/2006/main" showMasterPhAnim="1" matchingName="내용 2개" type="twoObj" preserve="1">
+<p:sldLayout xmlns:a="http://schemas.openxmlformats.org/drawingml/2006/main" xmlns:r="http://schemas.openxmlformats.org/officeDocument/2006/relationships" xmlns:p="http://schemas.openxmlformats.org/presentationml/2006/main" matchingName="내용 2개" type="twoObj" preserve="1">
   <p:cSld name="내용 2개">
     <p:spTree>
       <p:nvGrpSpPr>
@@ -1579,7 +1521,7 @@
             <a:spLocks noGrp="1"/>
           </p:cNvSpPr>
           <p:nvPr>
-            <p:ph type="title" idx="0"/>
+            <p:ph type="title"/>
           </p:nvPr>
         </p:nvSpPr>
         <p:spPr/>
@@ -1594,7 +1536,6 @@
               <a:rPr lang="ko-KR" altLang="en-US"/>
               <a:t>마스터 제목 스타일 편집</a:t>
             </a:r>
-            <a:endParaRPr lang="ko-KR" altLang="en-US"/>
           </a:p>
         </p:txBody>
       </p:sp>
@@ -1653,7 +1594,6 @@
               <a:rPr lang="ko-KR" altLang="en-US"/>
               <a:t>마스터 텍스트 스타일을 편집합니다</a:t>
             </a:r>
-            <a:endParaRPr lang="ko-KR" altLang="en-US"/>
           </a:p>
           <a:p>
             <a:pPr lvl="1">
@@ -1663,7 +1603,6 @@
               <a:rPr lang="ko-KR" altLang="en-US"/>
               <a:t>둘째 수준</a:t>
             </a:r>
-            <a:endParaRPr lang="ko-KR" altLang="en-US"/>
           </a:p>
           <a:p>
             <a:pPr lvl="2">
@@ -1673,7 +1612,6 @@
               <a:rPr lang="ko-KR" altLang="en-US"/>
               <a:t>셋째 수준</a:t>
             </a:r>
-            <a:endParaRPr lang="ko-KR" altLang="en-US"/>
           </a:p>
           <a:p>
             <a:pPr lvl="3">
@@ -1683,7 +1621,6 @@
               <a:rPr lang="ko-KR" altLang="en-US"/>
               <a:t>넷째 수준</a:t>
             </a:r>
-            <a:endParaRPr lang="ko-KR" altLang="en-US"/>
           </a:p>
           <a:p>
             <a:pPr lvl="4">
@@ -1693,7 +1630,6 @@
               <a:rPr lang="ko-KR" altLang="en-US"/>
               <a:t>다섯째 수준</a:t>
             </a:r>
-            <a:endParaRPr lang="ko-KR" altLang="en-US"/>
           </a:p>
         </p:txBody>
       </p:sp>
@@ -1752,7 +1688,6 @@
               <a:rPr lang="ko-KR" altLang="en-US"/>
               <a:t>마스터 텍스트 스타일을 편집합니다</a:t>
             </a:r>
-            <a:endParaRPr lang="ko-KR" altLang="en-US"/>
           </a:p>
           <a:p>
             <a:pPr lvl="1">
@@ -1762,7 +1697,6 @@
               <a:rPr lang="ko-KR" altLang="en-US"/>
               <a:t>둘째 수준</a:t>
             </a:r>
-            <a:endParaRPr lang="ko-KR" altLang="en-US"/>
           </a:p>
           <a:p>
             <a:pPr lvl="2">
@@ -1772,7 +1706,6 @@
               <a:rPr lang="ko-KR" altLang="en-US"/>
               <a:t>셋째 수준</a:t>
             </a:r>
-            <a:endParaRPr lang="ko-KR" altLang="en-US"/>
           </a:p>
           <a:p>
             <a:pPr lvl="3">
@@ -1782,7 +1715,6 @@
               <a:rPr lang="ko-KR" altLang="en-US"/>
               <a:t>넷째 수준</a:t>
             </a:r>
-            <a:endParaRPr lang="ko-KR" altLang="en-US"/>
           </a:p>
           <a:p>
             <a:pPr lvl="4">
@@ -1792,7 +1724,6 @@
               <a:rPr lang="ko-KR" altLang="en-US"/>
               <a:t>다섯째 수준</a:t>
             </a:r>
-            <a:endParaRPr lang="ko-KR" altLang="en-US"/>
           </a:p>
         </p:txBody>
       </p:sp>
@@ -1819,7 +1750,7 @@
               <a:pPr lvl="0">
                 <a:defRPr/>
               </a:pPr>
-              <a:t>2018-12-10</a:t>
+              <a:t>2018-12-11</a:t>
             </a:fld>
             <a:endParaRPr lang="ko-KR" altLang="en-US"/>
           </a:p>
@@ -1843,10 +1774,6 @@
             <a:pPr lvl="0">
               <a:defRPr/>
             </a:pPr>
-            <a:r>
-              <a:rPr lang="ko-KR" altLang="en-US"/>
-              <a:t/>
-            </a:r>
             <a:endParaRPr lang="ko-KR" altLang="en-US"/>
           </a:p>
         </p:txBody>
@@ -1885,12 +1812,12 @@
   <p:clrMapOvr>
     <a:masterClrMapping/>
   </p:clrMapOvr>
-  <p:transition xmlns:mc="http://schemas.openxmlformats.org/markup-compatibility/2006" xmlns:hp="http://schemas.haansoft.com/office/presentation/8.0" mc:Ignorable="hp" hp:hslDur="500"/>
+  <p:transition/>
 </p:sldLayout>
 </file>
 
 <file path=ppt/slideLayouts/slideLayout6.xml><?xml version="1.0" encoding="utf-8"?>
-<p:sldLayout xmlns:r="http://schemas.openxmlformats.org/officeDocument/2006/relationships" xmlns:c="http://schemas.openxmlformats.org/drawingml/2006/chart" xmlns:a="http://schemas.openxmlformats.org/drawingml/2006/main" xmlns:dgm="http://schemas.openxmlformats.org/drawingml/2006/diagram" xmlns:dsp="http://schemas.microsoft.com/office/drawing/2008/diagram" xmlns:p="http://schemas.openxmlformats.org/presentationml/2006/main" showMasterPhAnim="1" matchingName="제목만" type="titleOnly" preserve="1">
+<p:sldLayout xmlns:a="http://schemas.openxmlformats.org/drawingml/2006/main" xmlns:r="http://schemas.openxmlformats.org/officeDocument/2006/relationships" xmlns:p="http://schemas.openxmlformats.org/presentationml/2006/main" matchingName="제목만" type="titleOnly" preserve="1">
   <p:cSld name="제목만">
     <p:spTree>
       <p:nvGrpSpPr>
@@ -1913,7 +1840,7 @@
             <a:spLocks noGrp="1"/>
           </p:cNvSpPr>
           <p:nvPr>
-            <p:ph type="title" idx="0"/>
+            <p:ph type="title"/>
           </p:nvPr>
         </p:nvSpPr>
         <p:spPr/>
@@ -1928,7 +1855,6 @@
               <a:rPr lang="ko-KR" altLang="en-US"/>
               <a:t>마스터 제목 스타일 편집</a:t>
             </a:r>
-            <a:endParaRPr lang="ko-KR" altLang="en-US"/>
           </a:p>
         </p:txBody>
       </p:sp>
@@ -1955,7 +1881,7 @@
               <a:pPr lvl="0">
                 <a:defRPr/>
               </a:pPr>
-              <a:t>2018-12-10</a:t>
+              <a:t>2018-12-11</a:t>
             </a:fld>
             <a:endParaRPr lang="ko-KR" altLang="en-US"/>
           </a:p>
@@ -1979,10 +1905,6 @@
             <a:pPr lvl="0">
               <a:defRPr/>
             </a:pPr>
-            <a:r>
-              <a:rPr lang="ko-KR" altLang="en-US"/>
-              <a:t/>
-            </a:r>
             <a:endParaRPr lang="ko-KR" altLang="en-US"/>
           </a:p>
         </p:txBody>
@@ -2021,12 +1943,12 @@
   <p:clrMapOvr>
     <a:masterClrMapping/>
   </p:clrMapOvr>
-  <p:transition xmlns:mc="http://schemas.openxmlformats.org/markup-compatibility/2006" xmlns:hp="http://schemas.haansoft.com/office/presentation/8.0" mc:Ignorable="hp" hp:hslDur="500"/>
+  <p:transition/>
 </p:sldLayout>
 </file>
 
 <file path=ppt/slideLayouts/slideLayout7.xml><?xml version="1.0" encoding="utf-8"?>
-<p:sldLayout xmlns:r="http://schemas.openxmlformats.org/officeDocument/2006/relationships" xmlns:c="http://schemas.openxmlformats.org/drawingml/2006/chart" xmlns:a="http://schemas.openxmlformats.org/drawingml/2006/main" xmlns:dgm="http://schemas.openxmlformats.org/drawingml/2006/diagram" xmlns:dsp="http://schemas.microsoft.com/office/drawing/2008/diagram" xmlns:p="http://schemas.openxmlformats.org/presentationml/2006/main" showMasterPhAnim="1" matchingName="표" type="tbl" preserve="1">
+<p:sldLayout xmlns:a="http://schemas.openxmlformats.org/drawingml/2006/main" xmlns:r="http://schemas.openxmlformats.org/officeDocument/2006/relationships" xmlns:p="http://schemas.openxmlformats.org/presentationml/2006/main" matchingName="표" type="tbl" preserve="1">
   <p:cSld name="표">
     <p:spTree>
       <p:nvGrpSpPr>
@@ -2049,7 +1971,7 @@
             <a:spLocks noGrp="1"/>
           </p:cNvSpPr>
           <p:nvPr>
-            <p:ph type="title" idx="0"/>
+            <p:ph type="title"/>
           </p:nvPr>
         </p:nvSpPr>
         <p:spPr/>
@@ -2064,7 +1986,6 @@
               <a:rPr lang="ko-KR" altLang="en-US"/>
               <a:t>마스터 제목 스타일 편집</a:t>
             </a:r>
-            <a:endParaRPr lang="ko-KR" altLang="en-US"/>
           </a:p>
         </p:txBody>
       </p:sp>
@@ -2101,7 +2022,6 @@
               <a:rPr lang="ko-KR" altLang="en-US"/>
               <a:t>표를 추가하려면 아이콘을 클릭하십시오</a:t>
             </a:r>
-            <a:endParaRPr lang="ko-KR" altLang="en-US"/>
           </a:p>
         </p:txBody>
       </p:sp>
@@ -2128,7 +2048,7 @@
               <a:pPr lvl="0">
                 <a:defRPr/>
               </a:pPr>
-              <a:t>2018-12-10</a:t>
+              <a:t>2018-12-11</a:t>
             </a:fld>
             <a:endParaRPr lang="ko-KR" altLang="en-US"/>
           </a:p>
@@ -2152,10 +2072,6 @@
             <a:pPr lvl="0">
               <a:defRPr/>
             </a:pPr>
-            <a:r>
-              <a:rPr lang="ko-KR" altLang="en-US"/>
-              <a:t/>
-            </a:r>
             <a:endParaRPr lang="ko-KR" altLang="en-US"/>
           </a:p>
         </p:txBody>
@@ -2194,12 +2110,12 @@
   <p:clrMapOvr>
     <a:masterClrMapping/>
   </p:clrMapOvr>
-  <p:transition xmlns:mc="http://schemas.openxmlformats.org/markup-compatibility/2006" xmlns:hp="http://schemas.haansoft.com/office/presentation/8.0" mc:Ignorable="hp" hp:hslDur="500"/>
+  <p:transition/>
 </p:sldLayout>
 </file>
 
 <file path=ppt/slideLayouts/slideLayout8.xml><?xml version="1.0" encoding="utf-8"?>
-<p:sldLayout xmlns:r="http://schemas.openxmlformats.org/officeDocument/2006/relationships" xmlns:c="http://schemas.openxmlformats.org/drawingml/2006/chart" xmlns:a="http://schemas.openxmlformats.org/drawingml/2006/main" xmlns:dgm="http://schemas.openxmlformats.org/drawingml/2006/diagram" xmlns:dsp="http://schemas.microsoft.com/office/drawing/2008/diagram" xmlns:p="http://schemas.openxmlformats.org/presentationml/2006/main" showMasterPhAnim="1" matchingName="내용 4개" type="fourObj" preserve="1">
+<p:sldLayout xmlns:a="http://schemas.openxmlformats.org/drawingml/2006/main" xmlns:r="http://schemas.openxmlformats.org/officeDocument/2006/relationships" xmlns:p="http://schemas.openxmlformats.org/presentationml/2006/main" matchingName="내용 4개" type="fourObj" preserve="1">
   <p:cSld name="내용 4개">
     <p:spTree>
       <p:nvGrpSpPr>
@@ -2222,7 +2138,7 @@
             <a:spLocks noGrp="1"/>
           </p:cNvSpPr>
           <p:nvPr>
-            <p:ph type="title" idx="0"/>
+            <p:ph type="title"/>
           </p:nvPr>
         </p:nvSpPr>
         <p:spPr/>
@@ -2237,7 +2153,6 @@
               <a:rPr lang="ko-KR" altLang="en-US"/>
               <a:t>마스터 제목 스타일 편집</a:t>
             </a:r>
-            <a:endParaRPr lang="ko-KR" altLang="en-US"/>
           </a:p>
         </p:txBody>
       </p:sp>
@@ -2296,7 +2211,6 @@
               <a:rPr lang="ko-KR" altLang="en-US"/>
               <a:t>마스터 텍스트 스타일을 편집합니다</a:t>
             </a:r>
-            <a:endParaRPr lang="ko-KR" altLang="en-US"/>
           </a:p>
           <a:p>
             <a:pPr lvl="1">
@@ -2306,7 +2220,6 @@
               <a:rPr lang="ko-KR" altLang="en-US"/>
               <a:t>둘째 수준</a:t>
             </a:r>
-            <a:endParaRPr lang="ko-KR" altLang="en-US"/>
           </a:p>
           <a:p>
             <a:pPr lvl="2">
@@ -2316,7 +2229,6 @@
               <a:rPr lang="ko-KR" altLang="en-US"/>
               <a:t>셋째 수준</a:t>
             </a:r>
-            <a:endParaRPr lang="ko-KR" altLang="en-US"/>
           </a:p>
           <a:p>
             <a:pPr lvl="3">
@@ -2326,7 +2238,6 @@
               <a:rPr lang="ko-KR" altLang="en-US"/>
               <a:t>넷째 수준</a:t>
             </a:r>
-            <a:endParaRPr lang="ko-KR" altLang="en-US"/>
           </a:p>
           <a:p>
             <a:pPr lvl="4">
@@ -2336,7 +2247,6 @@
               <a:rPr lang="ko-KR" altLang="en-US"/>
               <a:t>다섯째 수준</a:t>
             </a:r>
-            <a:endParaRPr lang="ko-KR" altLang="en-US"/>
           </a:p>
         </p:txBody>
       </p:sp>
@@ -2395,7 +2305,6 @@
               <a:rPr lang="ko-KR" altLang="en-US"/>
               <a:t>마스터 텍스트 스타일을 편집합니다</a:t>
             </a:r>
-            <a:endParaRPr lang="ko-KR" altLang="en-US"/>
           </a:p>
           <a:p>
             <a:pPr lvl="1">
@@ -2405,7 +2314,6 @@
               <a:rPr lang="ko-KR" altLang="en-US"/>
               <a:t>둘째 수준</a:t>
             </a:r>
-            <a:endParaRPr lang="ko-KR" altLang="en-US"/>
           </a:p>
           <a:p>
             <a:pPr lvl="2">
@@ -2415,7 +2323,6 @@
               <a:rPr lang="ko-KR" altLang="en-US"/>
               <a:t>셋째 수준</a:t>
             </a:r>
-            <a:endParaRPr lang="ko-KR" altLang="en-US"/>
           </a:p>
           <a:p>
             <a:pPr lvl="3">
@@ -2425,7 +2332,6 @@
               <a:rPr lang="ko-KR" altLang="en-US"/>
               <a:t>넷째 수준</a:t>
             </a:r>
-            <a:endParaRPr lang="ko-KR" altLang="en-US"/>
           </a:p>
           <a:p>
             <a:pPr lvl="4">
@@ -2435,7 +2341,6 @@
               <a:rPr lang="ko-KR" altLang="en-US"/>
               <a:t>다섯째 수준</a:t>
             </a:r>
-            <a:endParaRPr lang="ko-KR" altLang="en-US"/>
           </a:p>
         </p:txBody>
       </p:sp>
@@ -2494,7 +2399,6 @@
               <a:rPr lang="ko-KR" altLang="en-US"/>
               <a:t>마스터 텍스트 스타일을 편집합니다</a:t>
             </a:r>
-            <a:endParaRPr lang="ko-KR" altLang="en-US"/>
           </a:p>
           <a:p>
             <a:pPr lvl="1">
@@ -2504,7 +2408,6 @@
               <a:rPr lang="ko-KR" altLang="en-US"/>
               <a:t>둘째 수준</a:t>
             </a:r>
-            <a:endParaRPr lang="ko-KR" altLang="en-US"/>
           </a:p>
           <a:p>
             <a:pPr lvl="2">
@@ -2514,7 +2417,6 @@
               <a:rPr lang="ko-KR" altLang="en-US"/>
               <a:t>셋째 수준</a:t>
             </a:r>
-            <a:endParaRPr lang="ko-KR" altLang="en-US"/>
           </a:p>
           <a:p>
             <a:pPr lvl="3">
@@ -2524,7 +2426,6 @@
               <a:rPr lang="ko-KR" altLang="en-US"/>
               <a:t>넷째 수준</a:t>
             </a:r>
-            <a:endParaRPr lang="ko-KR" altLang="en-US"/>
           </a:p>
           <a:p>
             <a:pPr lvl="4">
@@ -2534,7 +2435,6 @@
               <a:rPr lang="ko-KR" altLang="en-US"/>
               <a:t>다섯째 수준</a:t>
             </a:r>
-            <a:endParaRPr lang="ko-KR" altLang="en-US"/>
           </a:p>
         </p:txBody>
       </p:sp>
@@ -2593,7 +2493,6 @@
               <a:rPr lang="ko-KR" altLang="en-US"/>
               <a:t>마스터 텍스트 스타일을 편집합니다</a:t>
             </a:r>
-            <a:endParaRPr lang="ko-KR" altLang="en-US"/>
           </a:p>
           <a:p>
             <a:pPr lvl="1">
@@ -2603,7 +2502,6 @@
               <a:rPr lang="ko-KR" altLang="en-US"/>
               <a:t>둘째 수준</a:t>
             </a:r>
-            <a:endParaRPr lang="ko-KR" altLang="en-US"/>
           </a:p>
           <a:p>
             <a:pPr lvl="2">
@@ -2613,7 +2511,6 @@
               <a:rPr lang="ko-KR" altLang="en-US"/>
               <a:t>셋째 수준</a:t>
             </a:r>
-            <a:endParaRPr lang="ko-KR" altLang="en-US"/>
           </a:p>
           <a:p>
             <a:pPr lvl="3">
@@ -2623,7 +2520,6 @@
               <a:rPr lang="ko-KR" altLang="en-US"/>
               <a:t>넷째 수준</a:t>
             </a:r>
-            <a:endParaRPr lang="ko-KR" altLang="en-US"/>
           </a:p>
           <a:p>
             <a:pPr lvl="4">
@@ -2633,7 +2529,6 @@
               <a:rPr lang="ko-KR" altLang="en-US"/>
               <a:t>다섯째 수준</a:t>
             </a:r>
-            <a:endParaRPr lang="ko-KR" altLang="en-US"/>
           </a:p>
         </p:txBody>
       </p:sp>
@@ -2660,7 +2555,7 @@
               <a:pPr lvl="0">
                 <a:defRPr/>
               </a:pPr>
-              <a:t>2018-12-10</a:t>
+              <a:t>2018-12-11</a:t>
             </a:fld>
             <a:endParaRPr lang="ko-KR" altLang="en-US"/>
           </a:p>
@@ -2684,10 +2579,6 @@
             <a:pPr lvl="0">
               <a:defRPr/>
             </a:pPr>
-            <a:r>
-              <a:rPr lang="ko-KR" altLang="en-US"/>
-              <a:t/>
-            </a:r>
             <a:endParaRPr lang="ko-KR" altLang="en-US"/>
           </a:p>
         </p:txBody>
@@ -2726,12 +2617,12 @@
   <p:clrMapOvr>
     <a:masterClrMapping/>
   </p:clrMapOvr>
-  <p:transition xmlns:mc="http://schemas.openxmlformats.org/markup-compatibility/2006" xmlns:hp="http://schemas.haansoft.com/office/presentation/8.0" mc:Ignorable="hp" hp:hslDur="500"/>
+  <p:transition/>
 </p:sldLayout>
 </file>
 
 <file path=ppt/slideLayouts/slideLayout9.xml><?xml version="1.0" encoding="utf-8"?>
-<p:sldLayout xmlns:r="http://schemas.openxmlformats.org/officeDocument/2006/relationships" xmlns:c="http://schemas.openxmlformats.org/drawingml/2006/chart" xmlns:a="http://schemas.openxmlformats.org/drawingml/2006/main" xmlns:dgm="http://schemas.openxmlformats.org/drawingml/2006/diagram" xmlns:dsp="http://schemas.microsoft.com/office/drawing/2008/diagram" xmlns:p="http://schemas.openxmlformats.org/presentationml/2006/main" showMasterPhAnim="1" matchingName="그림 및 설명" type="picTx" preserve="1">
+<p:sldLayout xmlns:a="http://schemas.openxmlformats.org/drawingml/2006/main" xmlns:r="http://schemas.openxmlformats.org/officeDocument/2006/relationships" xmlns:p="http://schemas.openxmlformats.org/presentationml/2006/main" matchingName="그림 및 설명" type="picTx" preserve="1">
   <p:cSld name="그림 및 설명">
     <p:spTree>
       <p:nvGrpSpPr>
@@ -2754,7 +2645,7 @@
             <a:spLocks noGrp="1"/>
           </p:cNvSpPr>
           <p:nvPr>
-            <p:ph type="title" idx="0"/>
+            <p:ph type="title"/>
           </p:nvPr>
         </p:nvSpPr>
         <p:spPr>
@@ -2778,7 +2669,6 @@
               <a:rPr lang="ko-KR" altLang="en-US"/>
               <a:t>마스터 제목 스타일 편집</a:t>
             </a:r>
-            <a:endParaRPr lang="ko-KR" altLang="en-US"/>
           </a:p>
         </p:txBody>
       </p:sp>
@@ -2846,7 +2736,6 @@
               <a:rPr lang="ko-KR" altLang="en-US"/>
               <a:t>그림을 추가하려면 아이콘을 클릭하십시오</a:t>
             </a:r>
-            <a:endParaRPr lang="ko-KR" altLang="en-US"/>
           </a:p>
         </p:txBody>
       </p:sp>
@@ -2914,7 +2803,6 @@
               <a:rPr lang="ko-KR" altLang="en-US"/>
               <a:t>마스터 텍스트 스타일을 편집합니다</a:t>
             </a:r>
-            <a:endParaRPr lang="ko-KR" altLang="en-US"/>
           </a:p>
         </p:txBody>
       </p:sp>
@@ -2941,7 +2829,7 @@
               <a:pPr lvl="0">
                 <a:defRPr/>
               </a:pPr>
-              <a:t>2018-12-10</a:t>
+              <a:t>2018-12-11</a:t>
             </a:fld>
             <a:endParaRPr lang="ko-KR" altLang="en-US"/>
           </a:p>
@@ -2965,10 +2853,6 @@
             <a:pPr lvl="0">
               <a:defRPr/>
             </a:pPr>
-            <a:r>
-              <a:rPr lang="ko-KR" altLang="en-US"/>
-              <a:t/>
-            </a:r>
             <a:endParaRPr lang="ko-KR" altLang="en-US"/>
           </a:p>
         </p:txBody>
@@ -3007,12 +2891,12 @@
   <p:clrMapOvr>
     <a:masterClrMapping/>
   </p:clrMapOvr>
-  <p:transition xmlns:mc="http://schemas.openxmlformats.org/markup-compatibility/2006" xmlns:hp="http://schemas.haansoft.com/office/presentation/8.0" mc:Ignorable="hp" hp:hslDur="500"/>
+  <p:transition/>
 </p:sldLayout>
 </file>
 
 <file path=ppt/slideMasters/slideMaster1.xml><?xml version="1.0" encoding="utf-8"?>
-<p:sldMaster xmlns:r="http://schemas.openxmlformats.org/officeDocument/2006/relationships" xmlns:c="http://schemas.openxmlformats.org/drawingml/2006/chart" xmlns:a="http://schemas.openxmlformats.org/drawingml/2006/main" xmlns:dgm="http://schemas.openxmlformats.org/drawingml/2006/diagram" xmlns:dsp="http://schemas.microsoft.com/office/drawing/2008/diagram" xmlns:p="http://schemas.openxmlformats.org/presentationml/2006/main">
+<p:sldMaster xmlns:a="http://schemas.openxmlformats.org/drawingml/2006/main" xmlns:r="http://schemas.openxmlformats.org/officeDocument/2006/relationships" xmlns:p="http://schemas.openxmlformats.org/presentationml/2006/main">
   <p:cSld name="한컴오피스">
     <p:bg>
       <p:bgRef idx="1001">
@@ -3040,7 +2924,7 @@
             <a:spLocks noGrp="1"/>
           </p:cNvSpPr>
           <p:nvPr>
-            <p:ph type="title" idx="0"/>
+            <p:ph type="title"/>
           </p:nvPr>
         </p:nvSpPr>
         <p:spPr>
@@ -3065,7 +2949,6 @@
               <a:rPr lang="ko-KR" altLang="en-US"/>
               <a:t>마스터 제목 스타일 편집</a:t>
             </a:r>
-            <a:endParaRPr lang="ko-KR" altLang="en-US"/>
           </a:p>
         </p:txBody>
       </p:sp>
@@ -3101,7 +2984,6 @@
               <a:rPr lang="ko-KR" altLang="en-US"/>
               <a:t>마스터 텍스트 스타일을 편집합니다</a:t>
             </a:r>
-            <a:endParaRPr lang="ko-KR" altLang="en-US"/>
           </a:p>
           <a:p>
             <a:pPr lvl="1">
@@ -3111,7 +2993,6 @@
               <a:rPr lang="ko-KR" altLang="en-US"/>
               <a:t>둘째 수준</a:t>
             </a:r>
-            <a:endParaRPr lang="ko-KR" altLang="en-US"/>
           </a:p>
           <a:p>
             <a:pPr lvl="2">
@@ -3121,7 +3002,6 @@
               <a:rPr lang="ko-KR" altLang="en-US"/>
               <a:t>셋째 수준</a:t>
             </a:r>
-            <a:endParaRPr lang="ko-KR" altLang="en-US"/>
           </a:p>
           <a:p>
             <a:pPr lvl="3">
@@ -3131,7 +3011,6 @@
               <a:rPr lang="ko-KR" altLang="en-US"/>
               <a:t>넷째 수준</a:t>
             </a:r>
-            <a:endParaRPr lang="ko-KR" altLang="en-US"/>
           </a:p>
           <a:p>
             <a:pPr lvl="4">
@@ -3141,7 +3020,6 @@
               <a:rPr lang="ko-KR" altLang="en-US"/>
               <a:t>다섯째 수준</a:t>
             </a:r>
-            <a:endParaRPr lang="ko-KR" altLang="en-US"/>
           </a:p>
         </p:txBody>
       </p:sp>
@@ -3186,7 +3064,7 @@
               <a:pPr lvl="0">
                 <a:defRPr/>
               </a:pPr>
-              <a:t>2018-12-10</a:t>
+              <a:t>2018-12-11</a:t>
             </a:fld>
             <a:endParaRPr lang="ko-KR" altLang="en-US"/>
           </a:p>
@@ -3228,10 +3106,6 @@
             <a:pPr lvl="0">
               <a:defRPr/>
             </a:pPr>
-            <a:r>
-              <a:rPr lang="ko-KR" altLang="en-US"/>
-              <a:t/>
-            </a:r>
             <a:endParaRPr lang="ko-KR" altLang="en-US"/>
           </a:p>
         </p:txBody>
@@ -3300,7 +3174,7 @@
     <p:sldLayoutId id="2147484129" r:id="rId11"/>
     <p:sldLayoutId id="2147484130" r:id="rId12"/>
   </p:sldLayoutIdLst>
-  <p:transition xmlns:mc="http://schemas.openxmlformats.org/markup-compatibility/2006" xmlns:hp="http://schemas.haansoft.com/office/presentation/8.0" mc:Ignorable="hp" hp:hslDur="500"/>
+  <p:transition/>
   <p:hf sldNum="0" hdr="0" ftr="0" dt="0"/>
   <p:txStyles>
     <p:titleStyle>
@@ -3612,7 +3486,7 @@
 </file>
 
 <file path=ppt/slides/slide1.xml><?xml version="1.0" encoding="utf-8"?>
-<p:sld xmlns:r="http://schemas.openxmlformats.org/officeDocument/2006/relationships" xmlns:c="http://schemas.openxmlformats.org/drawingml/2006/chart" xmlns:a="http://schemas.openxmlformats.org/drawingml/2006/main" xmlns:dgm="http://schemas.openxmlformats.org/drawingml/2006/diagram" xmlns:dsp="http://schemas.microsoft.com/office/drawing/2008/diagram" xmlns:p="http://schemas.openxmlformats.org/presentationml/2006/main">
+<p:sld xmlns:a="http://schemas.openxmlformats.org/drawingml/2006/main" xmlns:r="http://schemas.openxmlformats.org/officeDocument/2006/relationships" xmlns:p="http://schemas.openxmlformats.org/presentationml/2006/main">
   <p:cSld>
     <p:spTree>
       <p:nvGrpSpPr>
@@ -3635,7 +3509,7 @@
             <a:spLocks noGrp="1"/>
           </p:cNvSpPr>
           <p:nvPr>
-            <p:ph type="ctrTitle" idx="0"/>
+            <p:ph type="ctrTitle"/>
           </p:nvPr>
         </p:nvSpPr>
         <p:spPr>
@@ -3654,13 +3528,13 @@
               <a:defRPr/>
             </a:pPr>
             <a:r>
-              <a:rPr lang="ko-KR" altLang="en-US" sz="6000"/>
+              <a:rPr lang="ko-KR" altLang="en-US" sz="6000" b="1" dirty="0"/>
               <a:t>배달 주문 시스템</a:t>
             </a:r>
             <a:br>
-              <a:rPr lang="en-US" altLang="ko-KR" sz="6000"/>
+              <a:rPr lang="en-US" altLang="ko-KR" sz="6000" b="1" dirty="0"/>
             </a:br>
-            <a:endParaRPr lang="ko-KR" altLang="en-US" sz="6000"/>
+            <a:endParaRPr lang="ko-KR" altLang="en-US" sz="6000" b="1" dirty="0"/>
           </a:p>
         </p:txBody>
       </p:sp>
@@ -3885,34 +3759,18 @@
               <a:defRPr/>
             </a:pPr>
             <a:r>
-              <a:rPr lang="ko-KR" altLang="en-US" sz="3600">
-                <a:solidFill>
-                  <a:srgbClr val="f2f2f2"/>
-                </a:solidFill>
-              </a:rPr>
+              <a:rPr lang="ko-KR" altLang="en-US" sz="3600" dirty="0" err="1"/>
               <a:t>김휘령</a:t>
             </a:r>
             <a:r>
-              <a:rPr lang="en-US" altLang="ko-KR" sz="3600">
-                <a:solidFill>
-                  <a:srgbClr val="f2f2f2"/>
-                </a:solidFill>
-              </a:rPr>
+              <a:rPr lang="en-US" altLang="ko-KR" sz="3600" dirty="0"/>
               <a:t>, </a:t>
             </a:r>
             <a:r>
-              <a:rPr lang="ko-KR" altLang="en-US" sz="3600">
-                <a:solidFill>
-                  <a:srgbClr val="f2f2f2"/>
-                </a:solidFill>
-              </a:rPr>
+              <a:rPr lang="ko-KR" altLang="en-US" sz="3600" dirty="0" err="1"/>
               <a:t>양찬우</a:t>
             </a:r>
-            <a:endParaRPr lang="ko-KR" altLang="en-US" sz="3600">
-              <a:solidFill>
-                <a:srgbClr val="f2f2f2"/>
-              </a:solidFill>
-            </a:endParaRPr>
+            <a:endParaRPr lang="ko-KR" altLang="en-US" sz="3600" dirty="0"/>
           </a:p>
         </p:txBody>
       </p:sp>
@@ -3921,11 +3779,11 @@
   <p:clrMapOvr>
     <a:masterClrMapping/>
   </p:clrMapOvr>
-  <mc:AlternateContent xmlns:mc="http://schemas.openxmlformats.org/markup-compatibility/2006">
-    <mc:Choice xmlns:p14="http://schemas.microsoft.com/office/powerpoint/2010/main" Requires="p14">
-      <p:transition xmlns:mc="http://schemas.openxmlformats.org/markup-compatibility/2006" xmlns:p14="http://schemas.microsoft.com/office/powerpoint/2010/main" mc:Ignorable="p14" p14:dur="500"/>
+  <mc:AlternateContent xmlns:mc="http://schemas.openxmlformats.org/markup-compatibility/2006" xmlns:p14="http://schemas.microsoft.com/office/powerpoint/2010/main">
+    <mc:Choice Requires="p14">
+      <p:transition/>
     </mc:Choice>
-    <mc:Fallback>
+    <mc:Fallback xmlns="" xmlns:c="http://schemas.openxmlformats.org/drawingml/2006/chart" xmlns:dgm="http://schemas.openxmlformats.org/drawingml/2006/diagram" xmlns:dsp="http://schemas.microsoft.com/office/drawing/2008/diagram">
       <p:transition/>
     </mc:Fallback>
   </mc:AlternateContent>
@@ -3933,7 +3791,7 @@
 </file>
 
 <file path=ppt/slides/slide2.xml><?xml version="1.0" encoding="utf-8"?>
-<p:sld xmlns:r="http://schemas.openxmlformats.org/officeDocument/2006/relationships" xmlns:c="http://schemas.openxmlformats.org/drawingml/2006/chart" xmlns:a="http://schemas.openxmlformats.org/drawingml/2006/main" xmlns:dgm="http://schemas.openxmlformats.org/drawingml/2006/diagram" xmlns:dsp="http://schemas.microsoft.com/office/drawing/2008/diagram" xmlns:p="http://schemas.openxmlformats.org/presentationml/2006/main">
+<p:sld xmlns:a="http://schemas.openxmlformats.org/drawingml/2006/main" xmlns:r="http://schemas.openxmlformats.org/officeDocument/2006/relationships" xmlns:p="http://schemas.openxmlformats.org/presentationml/2006/main">
   <p:cSld>
     <p:spTree>
       <p:nvGrpSpPr>
@@ -3956,172 +3814,183 @@
             <a:spLocks noGrp="1"/>
           </p:cNvSpPr>
           <p:nvPr>
-            <p:ph type="title" idx="0"/>
+            <p:ph type="title"/>
           </p:nvPr>
         </p:nvSpPr>
         <p:spPr>
           <a:xfrm>
-            <a:off x="695587" y="457404"/>
-            <a:ext cx="10515600" cy="1325563"/>
+            <a:off x="303647" y="481321"/>
+            <a:ext cx="7167240" cy="1143000"/>
           </a:xfrm>
         </p:spPr>
         <p:txBody>
           <a:bodyPr/>
           <a:lstStyle/>
           <a:p>
-            <a:pPr lvl="0">
-              <a:defRPr/>
-            </a:pPr>
-            <a:r>
-              <a:rPr lang="ko-KR" altLang="en-US"/>
-              <a:t>목차</a:t>
-            </a:r>
-            <a:endParaRPr lang="ko-KR" altLang="en-US"/>
-          </a:p>
-        </p:txBody>
-      </p:sp>
-      <p:sp>
-        <p:nvSpPr>
-          <p:cNvPr id="3" name="내용 개체 틀 2"/>
-          <p:cNvSpPr>
-            <a:spLocks noGrp="1"/>
-          </p:cNvSpPr>
-          <p:nvPr>
-            <p:ph idx="1"/>
-          </p:nvPr>
-        </p:nvSpPr>
+            <a:pPr>
+              <a:defRPr/>
+            </a:pPr>
+            <a:r>
+              <a:rPr lang="ko-KR" altLang="en-US" b="1" dirty="0"/>
+              <a:t>사용한 기술</a:t>
+            </a:r>
+          </a:p>
+        </p:txBody>
+      </p:sp>
+      <p:pic>
+        <p:nvPicPr>
+          <p:cNvPr id="3" name="그림 2"/>
+          <p:cNvPicPr>
+            <a:picLocks noChangeAspect="1"/>
+          </p:cNvPicPr>
+          <p:nvPr/>
+        </p:nvPicPr>
+        <p:blipFill>
+          <a:blip r:embed="rId2"/>
+          <a:stretch>
+            <a:fillRect/>
+          </a:stretch>
+        </p:blipFill>
         <p:spPr>
           <a:xfrm>
-            <a:off x="1314275" y="1510857"/>
-            <a:ext cx="10972800" cy="3836286"/>
+            <a:off x="894180" y="4605851"/>
+            <a:ext cx="3802512" cy="1901257"/>
           </a:xfrm>
+          <a:prstGeom prst="rect">
+            <a:avLst/>
+          </a:prstGeom>
         </p:spPr>
-        <p:txBody>
-          <a:bodyPr>
-            <a:normAutofit fontScale="85000" lnSpcReduction="20000"/>
-          </a:bodyPr>
-          <a:lstStyle/>
-          <a:p>
-            <a:pPr marL="0" indent="0">
-              <a:buNone/>
-              <a:defRPr/>
-            </a:pPr>
-            <a:endParaRPr lang="ko-KR" altLang="en-US" b="0">
-              <a:effectLst/>
-            </a:endParaRPr>
-          </a:p>
-          <a:p>
-            <a:pPr marL="0" indent="0">
-              <a:buNone/>
-              <a:defRPr/>
-            </a:pPr>
-            <a:r>
-              <a:rPr lang="en-US" altLang="ko-KR"/>
-              <a:t>1.</a:t>
-            </a:r>
-            <a:r>
-              <a:rPr lang="ko-KR" altLang="en-US"/>
-              <a:t>개요</a:t>
-            </a:r>
-            <a:endParaRPr lang="ko-KR" altLang="en-US"/>
-          </a:p>
-          <a:p>
-            <a:pPr marL="0" indent="0">
-              <a:buNone/>
-              <a:defRPr/>
-            </a:pPr>
-            <a:r>
-              <a:rPr lang="en-US" altLang="ko-KR"/>
-              <a:t>2.</a:t>
-            </a:r>
-            <a:r>
-              <a:rPr lang="ko-KR" altLang="en-US"/>
-              <a:t>순서도</a:t>
-            </a:r>
-            <a:endParaRPr lang="ko-KR" altLang="en-US"/>
-          </a:p>
-          <a:p>
-            <a:pPr marL="0" indent="0">
-              <a:buNone/>
-              <a:defRPr/>
-            </a:pPr>
-            <a:r>
-              <a:rPr lang="en-US" altLang="ko-KR"/>
-              <a:t>3.</a:t>
-            </a:r>
-            <a:r>
-              <a:rPr lang="ko-KR" altLang="en-US"/>
-              <a:t>사용기술</a:t>
-            </a:r>
-            <a:endParaRPr lang="ko-KR" altLang="en-US"/>
-          </a:p>
-          <a:p>
-            <a:pPr marL="0" indent="0">
-              <a:buNone/>
-              <a:defRPr/>
-            </a:pPr>
-            <a:r>
-              <a:rPr lang="en-US" altLang="ko-KR"/>
-              <a:t>3.</a:t>
-            </a:r>
-            <a:r>
-              <a:rPr lang="ko-KR" altLang="en-US"/>
-              <a:t>역할</a:t>
-            </a:r>
-            <a:endParaRPr lang="ko-KR" altLang="en-US"/>
-          </a:p>
-          <a:p>
-            <a:pPr marL="0" indent="0">
-              <a:buNone/>
-              <a:defRPr/>
-            </a:pPr>
-            <a:r>
-              <a:rPr lang="en-US" altLang="ko-KR"/>
-              <a:t>4.</a:t>
-            </a:r>
-            <a:r>
-              <a:rPr lang="ko-KR" altLang="en-US"/>
-              <a:t>기능</a:t>
-            </a:r>
-            <a:endParaRPr lang="ko-KR" altLang="en-US"/>
-          </a:p>
-          <a:p>
-            <a:pPr marL="0" indent="0">
-              <a:buNone/>
-              <a:defRPr/>
-            </a:pPr>
-            <a:r>
-              <a:rPr lang="en-US" altLang="ko-KR" b="0">
-                <a:effectLst/>
-              </a:rPr>
-              <a:t>5.</a:t>
-            </a:r>
-            <a:endParaRPr lang="en-US" altLang="ko-KR" b="0">
-              <a:effectLst/>
-            </a:endParaRPr>
-          </a:p>
-          <a:p>
-            <a:pPr marL="0" indent="0">
-              <a:buNone/>
-              <a:defRPr/>
-            </a:pPr>
-            <a:br>
-              <a:rPr lang="ko-KR" altLang="en-US"/>
-            </a:br>
-            <a:endParaRPr lang="ko-KR" altLang="en-US"/>
-          </a:p>
-        </p:txBody>
-      </p:sp>
+      </p:pic>
+      <p:pic>
+        <p:nvPicPr>
+          <p:cNvPr id="5" name="그림 4">
+            <a:extLst>
+              <a:ext uri="{FF2B5EF4-FFF2-40B4-BE49-F238E27FC236}">
+                <a16:creationId xmlns:a16="http://schemas.microsoft.com/office/drawing/2014/main" id="{E258387F-E8F3-4DFF-9AB1-1157A0E8BAF7}"/>
+              </a:ext>
+            </a:extLst>
+          </p:cNvPr>
+          <p:cNvPicPr>
+            <a:picLocks noChangeAspect="1"/>
+          </p:cNvPicPr>
+          <p:nvPr/>
+        </p:nvPicPr>
+        <p:blipFill>
+          <a:blip r:embed="rId3"/>
+          <a:stretch>
+            <a:fillRect/>
+          </a:stretch>
+        </p:blipFill>
+        <p:spPr>
+          <a:xfrm>
+            <a:off x="5686594" y="2730271"/>
+            <a:ext cx="2857500" cy="2857500"/>
+          </a:xfrm>
+          <a:prstGeom prst="rect">
+            <a:avLst/>
+          </a:prstGeom>
+        </p:spPr>
+      </p:pic>
+      <p:pic>
+        <p:nvPicPr>
+          <p:cNvPr id="6" name="그림 5">
+            <a:extLst>
+              <a:ext uri="{FF2B5EF4-FFF2-40B4-BE49-F238E27FC236}">
+                <a16:creationId xmlns:a16="http://schemas.microsoft.com/office/drawing/2014/main" id="{17D80F0E-5713-4AEF-8418-580901001D4A}"/>
+              </a:ext>
+            </a:extLst>
+          </p:cNvPr>
+          <p:cNvPicPr>
+            <a:picLocks noChangeAspect="1"/>
+          </p:cNvPicPr>
+          <p:nvPr/>
+        </p:nvPicPr>
+        <p:blipFill>
+          <a:blip r:embed="rId4"/>
+          <a:stretch>
+            <a:fillRect/>
+          </a:stretch>
+        </p:blipFill>
+        <p:spPr>
+          <a:xfrm>
+            <a:off x="9030853" y="3811329"/>
+            <a:ext cx="2857500" cy="2857500"/>
+          </a:xfrm>
+          <a:prstGeom prst="rect">
+            <a:avLst/>
+          </a:prstGeom>
+        </p:spPr>
+      </p:pic>
+      <p:pic>
+        <p:nvPicPr>
+          <p:cNvPr id="7" name="그림 6">
+            <a:extLst>
+              <a:ext uri="{FF2B5EF4-FFF2-40B4-BE49-F238E27FC236}">
+                <a16:creationId xmlns:a16="http://schemas.microsoft.com/office/drawing/2014/main" id="{A7C20E33-4D38-4393-8701-6209B224CFE8}"/>
+              </a:ext>
+            </a:extLst>
+          </p:cNvPr>
+          <p:cNvPicPr>
+            <a:picLocks noChangeAspect="1"/>
+          </p:cNvPicPr>
+          <p:nvPr/>
+        </p:nvPicPr>
+        <p:blipFill>
+          <a:blip r:embed="rId5"/>
+          <a:stretch>
+            <a:fillRect/>
+          </a:stretch>
+        </p:blipFill>
+        <p:spPr>
+          <a:xfrm>
+            <a:off x="7964422" y="468543"/>
+            <a:ext cx="3748747" cy="2230437"/>
+          </a:xfrm>
+          <a:prstGeom prst="rect">
+            <a:avLst/>
+          </a:prstGeom>
+        </p:spPr>
+      </p:pic>
+      <p:pic>
+        <p:nvPicPr>
+          <p:cNvPr id="8" name="그림 7">
+            <a:extLst>
+              <a:ext uri="{FF2B5EF4-FFF2-40B4-BE49-F238E27FC236}">
+                <a16:creationId xmlns:a16="http://schemas.microsoft.com/office/drawing/2014/main" id="{11BB0316-2DB9-4499-AB2A-8FE80391BA4F}"/>
+              </a:ext>
+            </a:extLst>
+          </p:cNvPr>
+          <p:cNvPicPr>
+            <a:picLocks noChangeAspect="1"/>
+          </p:cNvPicPr>
+          <p:nvPr/>
+        </p:nvPicPr>
+        <p:blipFill>
+          <a:blip r:embed="rId6"/>
+          <a:stretch>
+            <a:fillRect/>
+          </a:stretch>
+        </p:blipFill>
+        <p:spPr>
+          <a:xfrm>
+            <a:off x="1969943" y="2076802"/>
+            <a:ext cx="2876550" cy="2209800"/>
+          </a:xfrm>
+          <a:prstGeom prst="rect">
+            <a:avLst/>
+          </a:prstGeom>
+        </p:spPr>
+      </p:pic>
     </p:spTree>
   </p:cSld>
   <p:clrMapOvr>
     <a:masterClrMapping/>
   </p:clrMapOvr>
-  <mc:AlternateContent xmlns:mc="http://schemas.openxmlformats.org/markup-compatibility/2006">
-    <mc:Choice xmlns:p14="http://schemas.microsoft.com/office/powerpoint/2010/main" Requires="p14">
-      <p:transition xmlns:mc="http://schemas.openxmlformats.org/markup-compatibility/2006" xmlns:p14="http://schemas.microsoft.com/office/powerpoint/2010/main" mc:Ignorable="p14" p14:dur="500"/>
+  <mc:AlternateContent xmlns:mc="http://schemas.openxmlformats.org/markup-compatibility/2006" xmlns:p14="http://schemas.microsoft.com/office/powerpoint/2010/main">
+    <mc:Choice Requires="p14">
+      <p:transition/>
     </mc:Choice>
-    <mc:Fallback>
+    <mc:Fallback xmlns="" xmlns:c="http://schemas.openxmlformats.org/drawingml/2006/chart" xmlns:dgm="http://schemas.openxmlformats.org/drawingml/2006/diagram" xmlns:dsp="http://schemas.microsoft.com/office/drawing/2008/diagram">
       <p:transition/>
     </mc:Fallback>
   </mc:AlternateContent>
@@ -4129,7 +3998,7 @@
 </file>
 
 <file path=ppt/slides/slide3.xml><?xml version="1.0" encoding="utf-8"?>
-<p:sld xmlns:r="http://schemas.openxmlformats.org/officeDocument/2006/relationships" xmlns:c="http://schemas.openxmlformats.org/drawingml/2006/chart" xmlns:a="http://schemas.openxmlformats.org/drawingml/2006/main" xmlns:dgm="http://schemas.openxmlformats.org/drawingml/2006/diagram" xmlns:dsp="http://schemas.microsoft.com/office/drawing/2008/diagram" xmlns:p="http://schemas.openxmlformats.org/presentationml/2006/main">
+<p:sld xmlns:a="http://schemas.openxmlformats.org/drawingml/2006/main" xmlns:r="http://schemas.openxmlformats.org/officeDocument/2006/relationships" xmlns:p="http://schemas.openxmlformats.org/presentationml/2006/main">
   <p:cSld>
     <p:spTree>
       <p:nvGrpSpPr>
@@ -4152,112 +4021,355 @@
             <a:spLocks noGrp="1"/>
           </p:cNvSpPr>
           <p:nvPr>
-            <p:ph type="title" idx="0"/>
-          </p:nvPr>
-        </p:nvSpPr>
-        <p:spPr/>
-        <p:txBody>
-          <a:bodyPr/>
-          <a:lstStyle/>
-          <a:p>
-            <a:pPr lvl="0">
-              <a:defRPr/>
-            </a:pPr>
-            <a:r>
-              <a:rPr lang="ko-KR" altLang="en-US"/>
-              <a:t>개요</a:t>
-            </a:r>
-            <a:endParaRPr lang="ko-KR" altLang="en-US"/>
-          </a:p>
-        </p:txBody>
-      </p:sp>
-      <p:sp>
-        <p:nvSpPr>
-          <p:cNvPr id="3" name="내용 개체 틀 2"/>
-          <p:cNvSpPr>
-            <a:spLocks noGrp="1"/>
-          </p:cNvSpPr>
-          <p:nvPr>
-            <p:ph idx="1"/>
+            <p:ph type="title"/>
           </p:nvPr>
         </p:nvSpPr>
         <p:spPr>
           <a:xfrm>
-            <a:off x="942697" y="1272462"/>
-            <a:ext cx="10406032" cy="4793128"/>
+            <a:off x="5750137" y="382152"/>
+            <a:ext cx="3516285" cy="915907"/>
           </a:xfrm>
         </p:spPr>
         <p:txBody>
           <a:bodyPr>
-            <a:normAutofit lnSpcReduction="10000"/>
+            <a:normAutofit fontScale="90000"/>
           </a:bodyPr>
           <a:lstStyle/>
           <a:p>
-            <a:pPr marL="0" indent="0">
-              <a:buNone/>
-              <a:defRPr/>
-            </a:pPr>
-            <a:r>
-              <a:rPr lang="ko-KR" altLang="en-US" b="1" u="sng"/>
-              <a:t>배달 주문 서비스</a:t>
-            </a:r>
-            <a:endParaRPr lang="ko-KR" altLang="en-US" b="1" u="sng"/>
-          </a:p>
-          <a:p>
-            <a:pPr marL="0" indent="0">
-              <a:buNone/>
-              <a:defRPr/>
-            </a:pPr>
-            <a:br>
-              <a:rPr lang="ko-KR" altLang="en-US" b="0">
-                <a:effectLst/>
-              </a:rPr>
-            </a:br>
-            <a:r>
-              <a:rPr lang="ko-KR" altLang="en-US"/>
-              <a:t>대표적 주문사이트 요기요를 모니터링</a:t>
+            <a:pPr lvl="0">
+              <a:defRPr/>
+            </a:pPr>
+            <a:r>
+              <a:rPr lang="ko-KR" altLang="en-US" b="1" dirty="0"/>
+              <a:t>구성도</a:t>
+            </a:r>
+            <a:r>
+              <a:rPr lang="en-US" altLang="ko-KR" b="1" dirty="0"/>
+              <a:t>(</a:t>
+            </a:r>
+            <a:r>
+              <a:rPr lang="ko-KR" altLang="en-US" b="1" dirty="0"/>
+              <a:t>흐름도</a:t>
+            </a:r>
+            <a:r>
+              <a:rPr lang="en-US" altLang="ko-KR" b="1" dirty="0"/>
+              <a:t>)</a:t>
+            </a:r>
+            <a:endParaRPr lang="ko-KR" altLang="en-US" b="1" dirty="0"/>
+          </a:p>
+        </p:txBody>
+      </p:sp>
+      <p:pic>
+        <p:nvPicPr>
+          <p:cNvPr id="5" name="그림 4"/>
+          <p:cNvPicPr>
+            <a:picLocks noChangeAspect="1"/>
+          </p:cNvPicPr>
+          <p:nvPr/>
+        </p:nvPicPr>
+        <p:blipFill rotWithShape="1">
+          <a:blip r:embed="rId2"/>
+          <a:stretch>
+            <a:fillRect/>
+          </a:stretch>
+        </p:blipFill>
+        <p:spPr>
+          <a:xfrm>
+            <a:off x="515922" y="1078920"/>
+            <a:ext cx="5234215" cy="5232671"/>
+          </a:xfrm>
+          <a:prstGeom prst="rect">
+            <a:avLst/>
+          </a:prstGeom>
+        </p:spPr>
+      </p:pic>
+      <p:sp>
+        <p:nvSpPr>
+          <p:cNvPr id="6" name="TextBox 5"/>
+          <p:cNvSpPr txBox="1"/>
+          <p:nvPr/>
+        </p:nvSpPr>
+        <p:spPr>
+          <a:xfrm>
+            <a:off x="5930500" y="2215579"/>
+            <a:ext cx="2282322" cy="906716"/>
+          </a:xfrm>
+          <a:prstGeom prst="rect">
+            <a:avLst/>
+          </a:prstGeom>
+          <a:noFill/>
+        </p:spPr>
+        <p:txBody>
+          <a:bodyPr wrap="square">
+            <a:spAutoFit/>
+          </a:bodyPr>
+          <a:lstStyle/>
+          <a:p>
+            <a:pPr lvl="0">
+              <a:defRPr/>
+            </a:pPr>
+            <a:r>
+              <a:rPr lang="en-US" altLang="ko-KR"/>
+              <a:t>DB : Delivery</a:t>
+            </a:r>
+          </a:p>
+          <a:p>
+            <a:pPr lvl="0">
+              <a:defRPr/>
+            </a:pPr>
+            <a:r>
+              <a:rPr lang="en-US" altLang="ko-KR"/>
+              <a:t>Table : Member</a:t>
+            </a:r>
+          </a:p>
+          <a:p>
+            <a:pPr lvl="0">
+              <a:defRPr/>
+            </a:pPr>
+            <a:r>
+              <a:rPr lang="en-US" altLang="ko-KR"/>
+              <a:t>         Board</a:t>
+            </a:r>
+            <a:endParaRPr lang="ko-KR" altLang="en-US"/>
+          </a:p>
+        </p:txBody>
+      </p:sp>
+      <p:sp>
+        <p:nvSpPr>
+          <p:cNvPr id="7" name="TextBox 6"/>
+          <p:cNvSpPr txBox="1"/>
+          <p:nvPr/>
+        </p:nvSpPr>
+        <p:spPr>
+          <a:xfrm>
+            <a:off x="5930500" y="4717922"/>
+            <a:ext cx="2282322" cy="909448"/>
+          </a:xfrm>
+          <a:prstGeom prst="rect">
+            <a:avLst/>
+          </a:prstGeom>
+          <a:noFill/>
+        </p:spPr>
+        <p:txBody>
+          <a:bodyPr wrap="square">
+            <a:spAutoFit/>
+          </a:bodyPr>
+          <a:lstStyle/>
+          <a:p>
+            <a:pPr lvl="0">
+              <a:defRPr/>
+            </a:pPr>
+            <a:r>
+              <a:rPr lang="en-US" altLang="ko-KR"/>
+              <a:t>DB : Delivery</a:t>
+            </a:r>
+          </a:p>
+          <a:p>
+            <a:pPr lvl="0">
+              <a:defRPr/>
+            </a:pPr>
+            <a:r>
+              <a:rPr lang="en-US" altLang="ko-KR"/>
+              <a:t>Table : FoodList</a:t>
+            </a:r>
+          </a:p>
+          <a:p>
+            <a:pPr lvl="0">
+              <a:defRPr/>
+            </a:pPr>
+            <a:r>
+              <a:rPr lang="en-US" altLang="ko-KR"/>
+              <a:t>         OrderHistory</a:t>
+            </a:r>
+            <a:endParaRPr lang="ko-KR" altLang="en-US"/>
+          </a:p>
+        </p:txBody>
+      </p:sp>
+      <p:sp>
+        <p:nvSpPr>
+          <p:cNvPr id="3" name="TextBox 2"/>
+          <p:cNvSpPr txBox="1"/>
+          <p:nvPr/>
+        </p:nvSpPr>
+        <p:spPr>
+          <a:xfrm>
+            <a:off x="8573548" y="1674674"/>
+            <a:ext cx="3059184" cy="1733371"/>
+          </a:xfrm>
+          <a:prstGeom prst="rect">
+            <a:avLst/>
+          </a:prstGeom>
+          <a:noFill/>
+        </p:spPr>
+        <p:txBody>
+          <a:bodyPr wrap="square">
+            <a:spAutoFit/>
+          </a:bodyPr>
+          <a:lstStyle/>
+          <a:p>
+            <a:pPr lvl="0">
+              <a:defRPr/>
+            </a:pPr>
+            <a:r>
+              <a:rPr lang="ko-KR" altLang="en-US"/>
+              <a:t>기능구현</a:t>
+            </a:r>
+          </a:p>
+          <a:p>
+            <a:pPr lvl="0">
+              <a:defRPr/>
+            </a:pPr>
+            <a:endParaRPr lang="en-US" altLang="ko-KR"/>
+          </a:p>
+          <a:p>
+            <a:pPr lvl="0">
+              <a:defRPr/>
+            </a:pPr>
+            <a:r>
+              <a:rPr lang="en-US" altLang="ko-KR"/>
+              <a:t>-</a:t>
+            </a:r>
+            <a:r>
+              <a:rPr lang="ko-KR" altLang="en-US"/>
+              <a:t>로그인</a:t>
+            </a:r>
+          </a:p>
+          <a:p>
+            <a:pPr lvl="0">
+              <a:defRPr/>
+            </a:pPr>
+            <a:r>
+              <a:rPr lang="en-US" altLang="ko-KR"/>
+              <a:t>-</a:t>
+            </a:r>
+            <a:r>
+              <a:rPr lang="ko-KR" altLang="en-US"/>
+              <a:t>회원가입</a:t>
+            </a:r>
+          </a:p>
+          <a:p>
+            <a:pPr lvl="0">
+              <a:defRPr/>
+            </a:pPr>
+            <a:r>
+              <a:rPr lang="en-US" altLang="ko-KR"/>
+              <a:t>-</a:t>
+            </a:r>
+            <a:r>
+              <a:rPr lang="ko-KR" altLang="en-US"/>
+              <a:t>회원정보수정</a:t>
+            </a:r>
+            <a:r>
+              <a:rPr lang="en-US" altLang="ko-KR"/>
+              <a:t>,</a:t>
+            </a:r>
+            <a:r>
+              <a:rPr lang="ko-KR" altLang="en-US"/>
+              <a:t>탈퇴</a:t>
+            </a:r>
+          </a:p>
+          <a:p>
+            <a:pPr lvl="0">
+              <a:defRPr/>
+            </a:pPr>
+            <a:r>
+              <a:rPr lang="en-US" altLang="ko-KR"/>
+              <a:t>-</a:t>
+            </a:r>
+            <a:r>
+              <a:rPr lang="ko-KR" altLang="en-US"/>
+              <a:t>게시판 글 게재</a:t>
             </a:r>
             <a:r>
               <a:rPr lang="en-US" altLang="ko-KR"/>
               <a:t>, </a:t>
             </a:r>
+            <a:r>
+              <a:rPr lang="ko-KR" altLang="en-US"/>
+              <a:t>수정삭제</a:t>
+            </a:r>
             <a:endParaRPr lang="en-US" altLang="ko-KR"/>
           </a:p>
-          <a:p>
-            <a:pPr marL="0" indent="0">
-              <a:buNone/>
-              <a:defRPr/>
-            </a:pPr>
-            <a:r>
-              <a:rPr lang="ko-KR" altLang="en-US"/>
-              <a:t>모티브로 한 배달 주문 서비스</a:t>
-            </a:r>
+        </p:txBody>
+      </p:sp>
+      <p:sp>
+        <p:nvSpPr>
+          <p:cNvPr id="8" name="TextBox 7"/>
+          <p:cNvSpPr txBox="1"/>
+          <p:nvPr/>
+        </p:nvSpPr>
+        <p:spPr>
+          <a:xfrm>
+            <a:off x="8573548" y="4558531"/>
+            <a:ext cx="2231473" cy="1459363"/>
+          </a:xfrm>
+          <a:prstGeom prst="rect">
+            <a:avLst/>
+          </a:prstGeom>
+          <a:noFill/>
+        </p:spPr>
+        <p:txBody>
+          <a:bodyPr wrap="square">
+            <a:spAutoFit/>
+          </a:bodyPr>
+          <a:lstStyle/>
+          <a:p>
+            <a:pPr lvl="0">
+              <a:defRPr/>
+            </a:pPr>
             <a:r>
               <a:rPr lang="en-US" altLang="ko-KR"/>
-              <a:t>. </a:t>
-            </a:r>
+              <a:t>-</a:t>
+            </a:r>
+            <a:r>
+              <a:rPr lang="ko-KR" altLang="en-US"/>
+              <a:t>음식선택</a:t>
+            </a:r>
+          </a:p>
+          <a:p>
+            <a:pPr lvl="0">
+              <a:defRPr/>
+            </a:pPr>
+            <a:r>
+              <a:rPr lang="en-US" altLang="ko-KR"/>
+              <a:t>-</a:t>
+            </a:r>
+            <a:r>
+              <a:rPr lang="ko-KR" altLang="en-US"/>
+              <a:t>주문시스템</a:t>
+            </a:r>
+          </a:p>
+          <a:p>
+            <a:pPr lvl="0">
+              <a:defRPr/>
+            </a:pPr>
+            <a:r>
+              <a:rPr lang="en-US" altLang="ko-KR"/>
+              <a:t>-</a:t>
+            </a:r>
+            <a:r>
+              <a:rPr lang="ko-KR" altLang="en-US"/>
+              <a:t>장바구니</a:t>
+            </a:r>
+          </a:p>
+          <a:p>
+            <a:pPr lvl="0">
+              <a:defRPr/>
+            </a:pPr>
+            <a:r>
+              <a:rPr lang="en-US" altLang="ko-KR"/>
+              <a:t>-</a:t>
+            </a:r>
+            <a:r>
+              <a:rPr lang="ko-KR" altLang="en-US"/>
+              <a:t>주문기록</a:t>
+            </a:r>
+          </a:p>
+          <a:p>
+            <a:pPr lvl="0">
+              <a:defRPr/>
+            </a:pPr>
             <a:endParaRPr lang="en-US" altLang="ko-KR"/>
-          </a:p>
-          <a:p>
-            <a:pPr marL="0" indent="0">
-              <a:buNone/>
-              <a:defRPr/>
-            </a:pPr>
-            <a:endParaRPr lang="en-US" altLang="ko-KR"/>
-          </a:p>
-          <a:p>
-            <a:pPr marL="0" indent="0">
-              <a:buNone/>
-              <a:defRPr/>
-            </a:pPr>
-            <a:r>
-              <a:rPr lang="ko-KR" altLang="en-US"/>
-              <a:t>회원가입으로 이용하고 종류 메뉴별로 분류되어 주문하고 좋아할만한 기능을 추천받는 시스템</a:t>
-            </a:r>
-            <a:br>
-              <a:rPr lang="ko-KR" altLang="en-US"/>
-            </a:br>
-            <a:endParaRPr lang="ko-KR" altLang="en-US"/>
           </a:p>
         </p:txBody>
       </p:sp>
@@ -4266,11 +4378,11 @@
   <p:clrMapOvr>
     <a:masterClrMapping/>
   </p:clrMapOvr>
-  <mc:AlternateContent xmlns:mc="http://schemas.openxmlformats.org/markup-compatibility/2006">
-    <mc:Choice xmlns:p14="http://schemas.microsoft.com/office/powerpoint/2010/main" Requires="p14">
-      <p:transition xmlns:mc="http://schemas.openxmlformats.org/markup-compatibility/2006" xmlns:p14="http://schemas.microsoft.com/office/powerpoint/2010/main" mc:Ignorable="p14" p14:dur="500"/>
+  <mc:AlternateContent xmlns:mc="http://schemas.openxmlformats.org/markup-compatibility/2006" xmlns:p14="http://schemas.microsoft.com/office/powerpoint/2010/main">
+    <mc:Choice Requires="p14">
+      <p:transition/>
     </mc:Choice>
-    <mc:Fallback>
+    <mc:Fallback xmlns="" xmlns:c="http://schemas.openxmlformats.org/drawingml/2006/chart" xmlns:dgm="http://schemas.openxmlformats.org/drawingml/2006/diagram" xmlns:dsp="http://schemas.microsoft.com/office/drawing/2008/diagram">
       <p:transition/>
     </mc:Fallback>
   </mc:AlternateContent>
@@ -4278,7 +4390,7 @@
 </file>
 
 <file path=ppt/slides/slide4.xml><?xml version="1.0" encoding="utf-8"?>
-<p:sld xmlns:r="http://schemas.openxmlformats.org/officeDocument/2006/relationships" xmlns:c="http://schemas.openxmlformats.org/drawingml/2006/chart" xmlns:a="http://schemas.openxmlformats.org/drawingml/2006/main" xmlns:dgm="http://schemas.openxmlformats.org/drawingml/2006/diagram" xmlns:dsp="http://schemas.microsoft.com/office/drawing/2008/diagram" xmlns:p="http://schemas.openxmlformats.org/presentationml/2006/main">
+<p:sld xmlns:a="http://schemas.openxmlformats.org/drawingml/2006/main" xmlns:r="http://schemas.openxmlformats.org/officeDocument/2006/relationships" xmlns:p="http://schemas.openxmlformats.org/presentationml/2006/main">
   <p:cSld>
     <p:spTree>
       <p:nvGrpSpPr>
@@ -4301,856 +4413,12 @@
             <a:spLocks noGrp="1"/>
           </p:cNvSpPr>
           <p:nvPr>
-            <p:ph type="title" idx="0"/>
+            <p:ph type="title"/>
           </p:nvPr>
         </p:nvSpPr>
         <p:spPr>
           <a:xfrm>
-            <a:off x="838200" y="365125"/>
-            <a:ext cx="2408853" cy="1325563"/>
-          </a:xfrm>
-        </p:spPr>
-        <p:txBody>
-          <a:bodyPr/>
-          <a:lstStyle/>
-          <a:p>
-            <a:pPr lvl="0">
-              <a:defRPr/>
-            </a:pPr>
-            <a:r>
-              <a:rPr lang="ko-KR" altLang="en-US"/>
-              <a:t>순서도</a:t>
-            </a:r>
-            <a:endParaRPr lang="ko-KR" altLang="en-US"/>
-          </a:p>
-        </p:txBody>
-      </p:sp>
-      <p:pic>
-        <p:nvPicPr>
-          <p:cNvPr id="8" name="그림 7"/>
-          <p:cNvPicPr>
-            <a:picLocks noChangeAspect="1"/>
-          </p:cNvPicPr>
-          <p:nvPr/>
-        </p:nvPicPr>
-        <p:blipFill rotWithShape="1">
-          <a:blip r:embed="rId2"/>
-          <a:stretch>
-            <a:fillRect/>
-          </a:stretch>
-        </p:blipFill>
-        <p:spPr>
-          <a:xfrm>
-            <a:off x="4053912" y="107061"/>
-            <a:ext cx="4670638" cy="6578965"/>
-          </a:xfrm>
-          <a:prstGeom prst="rect">
-            <a:avLst/>
-          </a:prstGeom>
-        </p:spPr>
-      </p:pic>
-    </p:spTree>
-  </p:cSld>
-  <p:clrMapOvr>
-    <a:masterClrMapping/>
-  </p:clrMapOvr>
-  <mc:AlternateContent xmlns:mc="http://schemas.openxmlformats.org/markup-compatibility/2006">
-    <mc:Choice xmlns:p14="http://schemas.microsoft.com/office/powerpoint/2010/main" Requires="p14">
-      <p:transition xmlns:mc="http://schemas.openxmlformats.org/markup-compatibility/2006" xmlns:p14="http://schemas.microsoft.com/office/powerpoint/2010/main" mc:Ignorable="p14" p14:dur="500"/>
-    </mc:Choice>
-    <mc:Fallback>
-      <p:transition/>
-    </mc:Fallback>
-  </mc:AlternateContent>
-</p:sld>
-</file>
-
-<file path=ppt/slides/slide5.xml><?xml version="1.0" encoding="utf-8"?>
-<p:sld xmlns:r="http://schemas.openxmlformats.org/officeDocument/2006/relationships" xmlns:c="http://schemas.openxmlformats.org/drawingml/2006/chart" xmlns:a="http://schemas.openxmlformats.org/drawingml/2006/main" xmlns:dgm="http://schemas.openxmlformats.org/drawingml/2006/diagram" xmlns:dsp="http://schemas.microsoft.com/office/drawing/2008/diagram" xmlns:p="http://schemas.openxmlformats.org/presentationml/2006/main">
-  <p:cSld>
-    <p:spTree>
-      <p:nvGrpSpPr>
-        <p:cNvPr id="1" name=""/>
-        <p:cNvGrpSpPr/>
-        <p:nvPr/>
-      </p:nvGrpSpPr>
-      <p:grpSpPr>
-        <a:xfrm>
-          <a:off x="0" y="0"/>
-          <a:ext cx="0" cy="0"/>
-          <a:chOff x="0" y="0"/>
-          <a:chExt cx="0" cy="0"/>
-        </a:xfrm>
-      </p:grpSpPr>
-      <p:sp>
-        <p:nvSpPr>
-          <p:cNvPr id="2" name="제목 1"/>
-          <p:cNvSpPr>
-            <a:spLocks noGrp="1"/>
-          </p:cNvSpPr>
-          <p:nvPr>
-            <p:ph type="title" idx="0"/>
-          </p:nvPr>
-        </p:nvSpPr>
-        <p:spPr>
-          <a:xfrm>
-            <a:off x="5301144" y="163013"/>
-            <a:ext cx="2550952" cy="915907"/>
-          </a:xfrm>
-        </p:spPr>
-        <p:txBody>
-          <a:bodyPr/>
-          <a:lstStyle/>
-          <a:p>
-            <a:pPr lvl="0">
-              <a:defRPr/>
-            </a:pPr>
-            <a:r>
-              <a:rPr lang="ko-KR" altLang="en-US"/>
-              <a:t>역할</a:t>
-            </a:r>
-            <a:endParaRPr lang="ko-KR" altLang="en-US"/>
-          </a:p>
-        </p:txBody>
-      </p:sp>
-      <p:pic>
-        <p:nvPicPr>
-          <p:cNvPr id="5" name="그림 4"/>
-          <p:cNvPicPr>
-            <a:picLocks noChangeAspect="1"/>
-          </p:cNvPicPr>
-          <p:nvPr/>
-        </p:nvPicPr>
-        <p:blipFill rotWithShape="1">
-          <a:blip r:embed="rId3"/>
-          <a:stretch>
-            <a:fillRect/>
-          </a:stretch>
-        </p:blipFill>
-        <p:spPr>
-          <a:xfrm>
-            <a:off x="515922" y="1078920"/>
-            <a:ext cx="5234215" cy="5232671"/>
-          </a:xfrm>
-          <a:prstGeom prst="rect">
-            <a:avLst/>
-          </a:prstGeom>
-        </p:spPr>
-      </p:pic>
-      <p:sp>
-        <p:nvSpPr>
-          <p:cNvPr id="6" name="TextBox 5"/>
-          <p:cNvSpPr txBox="1"/>
-          <p:nvPr/>
-        </p:nvSpPr>
-        <p:spPr>
-          <a:xfrm>
-            <a:off x="5930500" y="2215579"/>
-            <a:ext cx="2282322" cy="906716"/>
-          </a:xfrm>
-          <a:prstGeom prst="rect">
-            <a:avLst/>
-          </a:prstGeom>
-          <a:noFill/>
-        </p:spPr>
-        <p:txBody>
-          <a:bodyPr wrap="square">
-            <a:spAutoFit/>
-          </a:bodyPr>
-          <a:lstStyle/>
-          <a:p>
-            <a:pPr lvl="0">
-              <a:defRPr/>
-            </a:pPr>
-            <a:r>
-              <a:rPr lang="en-US" altLang="ko-KR"/>
-              <a:t>DB : Delivery</a:t>
-            </a:r>
-            <a:endParaRPr lang="en-US" altLang="ko-KR"/>
-          </a:p>
-          <a:p>
-            <a:pPr lvl="0">
-              <a:defRPr/>
-            </a:pPr>
-            <a:r>
-              <a:rPr lang="en-US" altLang="ko-KR"/>
-              <a:t>Table : Member</a:t>
-            </a:r>
-            <a:endParaRPr lang="en-US" altLang="ko-KR"/>
-          </a:p>
-          <a:p>
-            <a:pPr lvl="0">
-              <a:defRPr/>
-            </a:pPr>
-            <a:r>
-              <a:rPr lang="en-US" altLang="ko-KR"/>
-              <a:t>         Board</a:t>
-            </a:r>
-            <a:endParaRPr lang="ko-KR" altLang="en-US"/>
-          </a:p>
-        </p:txBody>
-      </p:sp>
-      <p:sp>
-        <p:nvSpPr>
-          <p:cNvPr id="7" name="TextBox 6"/>
-          <p:cNvSpPr txBox="1"/>
-          <p:nvPr/>
-        </p:nvSpPr>
-        <p:spPr>
-          <a:xfrm>
-            <a:off x="5930500" y="4717922"/>
-            <a:ext cx="2282322" cy="909448"/>
-          </a:xfrm>
-          <a:prstGeom prst="rect">
-            <a:avLst/>
-          </a:prstGeom>
-          <a:noFill/>
-        </p:spPr>
-        <p:txBody>
-          <a:bodyPr wrap="square">
-            <a:spAutoFit/>
-          </a:bodyPr>
-          <a:lstStyle/>
-          <a:p>
-            <a:pPr lvl="0">
-              <a:defRPr/>
-            </a:pPr>
-            <a:r>
-              <a:rPr lang="en-US" altLang="ko-KR"/>
-              <a:t>DB : Delivery</a:t>
-            </a:r>
-            <a:endParaRPr lang="en-US" altLang="ko-KR"/>
-          </a:p>
-          <a:p>
-            <a:pPr lvl="0">
-              <a:defRPr/>
-            </a:pPr>
-            <a:r>
-              <a:rPr lang="en-US" altLang="ko-KR"/>
-              <a:t>Table : FoodList</a:t>
-            </a:r>
-            <a:endParaRPr lang="en-US" altLang="ko-KR"/>
-          </a:p>
-          <a:p>
-            <a:pPr lvl="0">
-              <a:defRPr/>
-            </a:pPr>
-            <a:r>
-              <a:rPr lang="en-US" altLang="ko-KR"/>
-              <a:t>         OrderHistory</a:t>
-            </a:r>
-            <a:endParaRPr lang="ko-KR" altLang="en-US"/>
-          </a:p>
-        </p:txBody>
-      </p:sp>
-      <p:sp>
-        <p:nvSpPr>
-          <p:cNvPr id="3" name="TextBox 2"/>
-          <p:cNvSpPr txBox="1"/>
-          <p:nvPr/>
-        </p:nvSpPr>
-        <p:spPr>
-          <a:xfrm>
-            <a:off x="8573548" y="1674674"/>
-            <a:ext cx="3059184" cy="1733371"/>
-          </a:xfrm>
-          <a:prstGeom prst="rect">
-            <a:avLst/>
-          </a:prstGeom>
-          <a:noFill/>
-        </p:spPr>
-        <p:txBody>
-          <a:bodyPr wrap="square">
-            <a:spAutoFit/>
-          </a:bodyPr>
-          <a:lstStyle/>
-          <a:p>
-            <a:pPr lvl="0">
-              <a:defRPr/>
-            </a:pPr>
-            <a:r>
-              <a:rPr lang="ko-KR" altLang="en-US"/>
-              <a:t>기능구현</a:t>
-            </a:r>
-            <a:endParaRPr lang="ko-KR" altLang="en-US"/>
-          </a:p>
-          <a:p>
-            <a:pPr lvl="0">
-              <a:defRPr/>
-            </a:pPr>
-            <a:endParaRPr lang="en-US" altLang="ko-KR"/>
-          </a:p>
-          <a:p>
-            <a:pPr lvl="0">
-              <a:defRPr/>
-            </a:pPr>
-            <a:r>
-              <a:rPr lang="en-US" altLang="ko-KR"/>
-              <a:t>-</a:t>
-            </a:r>
-            <a:r>
-              <a:rPr lang="ko-KR" altLang="en-US"/>
-              <a:t>로그인</a:t>
-            </a:r>
-            <a:endParaRPr lang="ko-KR" altLang="en-US"/>
-          </a:p>
-          <a:p>
-            <a:pPr lvl="0">
-              <a:defRPr/>
-            </a:pPr>
-            <a:r>
-              <a:rPr lang="en-US" altLang="ko-KR"/>
-              <a:t>-</a:t>
-            </a:r>
-            <a:r>
-              <a:rPr lang="ko-KR" altLang="en-US"/>
-              <a:t>회원가입</a:t>
-            </a:r>
-            <a:endParaRPr lang="ko-KR" altLang="en-US"/>
-          </a:p>
-          <a:p>
-            <a:pPr lvl="0">
-              <a:defRPr/>
-            </a:pPr>
-            <a:r>
-              <a:rPr lang="en-US" altLang="ko-KR"/>
-              <a:t>-</a:t>
-            </a:r>
-            <a:r>
-              <a:rPr lang="ko-KR" altLang="en-US"/>
-              <a:t>회원정보수정</a:t>
-            </a:r>
-            <a:r>
-              <a:rPr lang="en-US" altLang="ko-KR"/>
-              <a:t>,</a:t>
-            </a:r>
-            <a:r>
-              <a:rPr lang="ko-KR" altLang="en-US"/>
-              <a:t>탈퇴</a:t>
-            </a:r>
-            <a:endParaRPr lang="ko-KR" altLang="en-US"/>
-          </a:p>
-          <a:p>
-            <a:pPr lvl="0">
-              <a:defRPr/>
-            </a:pPr>
-            <a:r>
-              <a:rPr lang="en-US" altLang="ko-KR"/>
-              <a:t>-</a:t>
-            </a:r>
-            <a:r>
-              <a:rPr lang="ko-KR" altLang="en-US"/>
-              <a:t>게시판 글 게재</a:t>
-            </a:r>
-            <a:r>
-              <a:rPr lang="en-US" altLang="ko-KR"/>
-              <a:t>, </a:t>
-            </a:r>
-            <a:r>
-              <a:rPr lang="ko-KR" altLang="en-US"/>
-              <a:t>수정삭제</a:t>
-            </a:r>
-            <a:endParaRPr lang="en-US" altLang="ko-KR"/>
-          </a:p>
-        </p:txBody>
-      </p:sp>
-      <p:sp>
-        <p:nvSpPr>
-          <p:cNvPr id="8" name="TextBox 7"/>
-          <p:cNvSpPr txBox="1"/>
-          <p:nvPr/>
-        </p:nvSpPr>
-        <p:spPr>
-          <a:xfrm>
-            <a:off x="8573548" y="4558531"/>
-            <a:ext cx="2231473" cy="1459363"/>
-          </a:xfrm>
-          <a:prstGeom prst="rect">
-            <a:avLst/>
-          </a:prstGeom>
-          <a:noFill/>
-        </p:spPr>
-        <p:txBody>
-          <a:bodyPr wrap="square">
-            <a:spAutoFit/>
-          </a:bodyPr>
-          <a:lstStyle/>
-          <a:p>
-            <a:pPr lvl="0">
-              <a:defRPr/>
-            </a:pPr>
-            <a:r>
-              <a:rPr lang="en-US" altLang="ko-KR"/>
-              <a:t>-</a:t>
-            </a:r>
-            <a:r>
-              <a:rPr lang="ko-KR" altLang="en-US"/>
-              <a:t>음식선택</a:t>
-            </a:r>
-            <a:endParaRPr lang="ko-KR" altLang="en-US"/>
-          </a:p>
-          <a:p>
-            <a:pPr lvl="0">
-              <a:defRPr/>
-            </a:pPr>
-            <a:r>
-              <a:rPr lang="en-US" altLang="ko-KR"/>
-              <a:t>-</a:t>
-            </a:r>
-            <a:r>
-              <a:rPr lang="ko-KR" altLang="en-US"/>
-              <a:t>주문시스템</a:t>
-            </a:r>
-            <a:endParaRPr lang="ko-KR" altLang="en-US"/>
-          </a:p>
-          <a:p>
-            <a:pPr lvl="0">
-              <a:defRPr/>
-            </a:pPr>
-            <a:r>
-              <a:rPr lang="en-US" altLang="ko-KR"/>
-              <a:t>-</a:t>
-            </a:r>
-            <a:r>
-              <a:rPr lang="ko-KR" altLang="en-US"/>
-              <a:t>장바구니</a:t>
-            </a:r>
-            <a:endParaRPr lang="ko-KR" altLang="en-US"/>
-          </a:p>
-          <a:p>
-            <a:pPr lvl="0">
-              <a:defRPr/>
-            </a:pPr>
-            <a:r>
-              <a:rPr lang="en-US" altLang="ko-KR"/>
-              <a:t>-</a:t>
-            </a:r>
-            <a:r>
-              <a:rPr lang="ko-KR" altLang="en-US"/>
-              <a:t>주문기록</a:t>
-            </a:r>
-            <a:endParaRPr lang="ko-KR" altLang="en-US"/>
-          </a:p>
-          <a:p>
-            <a:pPr lvl="0">
-              <a:defRPr/>
-            </a:pPr>
-            <a:endParaRPr lang="en-US" altLang="ko-KR"/>
-          </a:p>
-        </p:txBody>
-      </p:sp>
-    </p:spTree>
-  </p:cSld>
-  <p:clrMapOvr>
-    <a:masterClrMapping/>
-  </p:clrMapOvr>
-  <mc:AlternateContent xmlns:mc="http://schemas.openxmlformats.org/markup-compatibility/2006">
-    <mc:Choice xmlns:p14="http://schemas.microsoft.com/office/powerpoint/2010/main" Requires="p14">
-      <p:transition xmlns:mc="http://schemas.openxmlformats.org/markup-compatibility/2006" xmlns:p14="http://schemas.microsoft.com/office/powerpoint/2010/main" mc:Ignorable="p14" p14:dur="500"/>
-    </mc:Choice>
-    <mc:Fallback>
-      <p:transition/>
-    </mc:Fallback>
-  </mc:AlternateContent>
-</p:sld>
-</file>
-
-<file path=ppt/slides/slide6.xml><?xml version="1.0" encoding="utf-8"?>
-<p:sld xmlns:r="http://schemas.openxmlformats.org/officeDocument/2006/relationships" xmlns:c="http://schemas.openxmlformats.org/drawingml/2006/chart" xmlns:a="http://schemas.openxmlformats.org/drawingml/2006/main" xmlns:dgm="http://schemas.openxmlformats.org/drawingml/2006/diagram" xmlns:dsp="http://schemas.microsoft.com/office/drawing/2008/diagram" xmlns:p="http://schemas.openxmlformats.org/presentationml/2006/main">
-  <p:cSld>
-    <p:spTree>
-      <p:nvGrpSpPr>
-        <p:cNvPr id="1" name=""/>
-        <p:cNvGrpSpPr/>
-        <p:nvPr/>
-      </p:nvGrpSpPr>
-      <p:grpSpPr>
-        <a:xfrm>
-          <a:off x="0" y="0"/>
-          <a:ext cx="0" cy="0"/>
-          <a:chOff x="0" y="0"/>
-          <a:chExt cx="0" cy="0"/>
-        </a:xfrm>
-      </p:grpSpPr>
-      <p:sp>
-        <p:nvSpPr>
-          <p:cNvPr id="2" name="제목 1"/>
-          <p:cNvSpPr>
-            <a:spLocks noGrp="1"/>
-          </p:cNvSpPr>
-          <p:nvPr>
-            <p:ph type="title" idx="0"/>
-          </p:nvPr>
-        </p:nvSpPr>
-        <p:spPr>
-          <a:xfrm>
-            <a:off x="584883" y="556008"/>
-            <a:ext cx="3380763" cy="937470"/>
-          </a:xfrm>
-        </p:spPr>
-        <p:txBody>
-          <a:bodyPr/>
-          <a:lstStyle/>
-          <a:p>
-            <a:pPr lvl="0">
-              <a:defRPr/>
-            </a:pPr>
-            <a:r>
-              <a:rPr lang="ko-KR" altLang="en-US"/>
-              <a:t>기능</a:t>
-            </a:r>
-            <a:endParaRPr lang="ko-KR" altLang="en-US"/>
-          </a:p>
-        </p:txBody>
-      </p:sp>
-      <p:sp>
-        <p:nvSpPr>
-          <p:cNvPr id="4" name="내용 개체 틀 3"/>
-          <p:cNvSpPr>
-            <a:spLocks noGrp="1"/>
-          </p:cNvSpPr>
-          <p:nvPr>
-            <p:ph idx="1"/>
-          </p:nvPr>
-        </p:nvSpPr>
-        <p:spPr>
-          <a:xfrm>
-            <a:off x="1517709" y="1872843"/>
-            <a:ext cx="8851084" cy="4429149"/>
-          </a:xfrm>
-        </p:spPr>
-        <p:txBody>
-          <a:bodyPr>
-            <a:normAutofit/>
-          </a:bodyPr>
-          <a:lstStyle/>
-          <a:p>
-            <a:pPr marL="457200" indent="-457200">
-              <a:buAutoNum type="alphaUcPeriod"/>
-              <a:defRPr/>
-            </a:pPr>
-            <a:r>
-              <a:rPr lang="ko-KR" altLang="en-US" sz="2000"/>
-              <a:t>로그인 </a:t>
-            </a:r>
-            <a:r>
-              <a:rPr lang="en-US" altLang="ko-KR" sz="2000"/>
-              <a:t>		: </a:t>
-            </a:r>
-            <a:r>
-              <a:rPr lang="ko-KR" altLang="en-US" sz="1500"/>
-              <a:t>아이디</a:t>
-            </a:r>
-            <a:r>
-              <a:rPr lang="en-US" altLang="ko-KR" sz="1500"/>
-              <a:t>, </a:t>
-            </a:r>
-            <a:r>
-              <a:rPr lang="ko-KR" altLang="en-US" sz="1600"/>
-              <a:t>패스워드</a:t>
-            </a:r>
-            <a:r>
-              <a:rPr lang="ko-KR" altLang="en-US" sz="1500"/>
-              <a:t> 확인</a:t>
-            </a:r>
-            <a:r>
-              <a:rPr lang="en-US" altLang="ko-KR" sz="1500"/>
-              <a:t> [DB table: Member]</a:t>
-            </a:r>
-            <a:endParaRPr lang="en-US" altLang="ko-KR" sz="1500"/>
-          </a:p>
-          <a:p>
-            <a:pPr marL="457200" indent="-457200">
-              <a:buAutoNum type="alphaUcPeriod"/>
-              <a:defRPr/>
-            </a:pPr>
-            <a:r>
-              <a:rPr lang="ko-KR" altLang="en-US" sz="2000"/>
-              <a:t>회원가입</a:t>
-            </a:r>
-            <a:r>
-              <a:rPr lang="en-US" altLang="ko-KR" sz="2000"/>
-              <a:t>		: </a:t>
-            </a:r>
-            <a:r>
-              <a:rPr lang="ko-KR" altLang="en-US" sz="1600"/>
-              <a:t>정보입력</a:t>
-            </a:r>
-            <a:r>
-              <a:rPr lang="en-US" altLang="ko-KR" sz="1600"/>
-              <a:t>, </a:t>
-            </a:r>
-            <a:r>
-              <a:rPr lang="ko-KR" altLang="en-US" sz="1600"/>
-              <a:t>아이디 중복확인</a:t>
-            </a:r>
-            <a:r>
-              <a:rPr lang="en-US" altLang="ko-KR" sz="1600"/>
-              <a:t> [Member]</a:t>
-            </a:r>
-            <a:endParaRPr lang="en-US" altLang="ko-KR" sz="1600"/>
-          </a:p>
-          <a:p>
-            <a:pPr marL="457200" indent="-457200">
-              <a:buAutoNum type="alphaUcPeriod"/>
-              <a:defRPr/>
-            </a:pPr>
-            <a:r>
-              <a:rPr lang="ko-KR" altLang="en-US" sz="2000"/>
-              <a:t>마이페이지</a:t>
-            </a:r>
-            <a:r>
-              <a:rPr lang="en-US" altLang="ko-KR" sz="2000"/>
-              <a:t>		: </a:t>
-            </a:r>
-            <a:r>
-              <a:rPr lang="ko-KR" altLang="en-US" sz="1600"/>
-              <a:t>회원정보수정</a:t>
-            </a:r>
-            <a:r>
-              <a:rPr lang="en-US" altLang="ko-KR" sz="1600"/>
-              <a:t>, </a:t>
-            </a:r>
-            <a:r>
-              <a:rPr lang="ko-KR" altLang="en-US" sz="1600"/>
-              <a:t>탈퇴</a:t>
-            </a:r>
-            <a:r>
-              <a:rPr lang="en-US" altLang="ko-KR" sz="1600"/>
-              <a:t>, </a:t>
-            </a:r>
-            <a:r>
-              <a:rPr lang="ko-KR" altLang="en-US" sz="1600"/>
-              <a:t>회원 아이디 출력 </a:t>
-            </a:r>
-            <a:r>
-              <a:rPr lang="en-US" altLang="ko-KR" sz="1600"/>
-              <a:t>[Member]</a:t>
-            </a:r>
-            <a:endParaRPr lang="en-US" altLang="ko-KR" sz="1600"/>
-          </a:p>
-          <a:p>
-            <a:pPr marL="457200" indent="-457200">
-              <a:buAutoNum type="alphaUcPeriod"/>
-              <a:defRPr/>
-            </a:pPr>
-            <a:r>
-              <a:rPr lang="ko-KR" altLang="en-US" sz="2000"/>
-              <a:t>주문</a:t>
-            </a:r>
-            <a:r>
-              <a:rPr lang="en-US" altLang="ko-KR" sz="2000"/>
-              <a:t>		: </a:t>
-            </a:r>
-            <a:r>
-              <a:rPr lang="ko-KR" altLang="en-US" sz="1600"/>
-              <a:t>지역선택</a:t>
-            </a:r>
-            <a:r>
-              <a:rPr lang="en-US" altLang="ko-KR" sz="1600"/>
-              <a:t>, </a:t>
-            </a:r>
-            <a:r>
-              <a:rPr lang="ko-KR" altLang="en-US" sz="1600"/>
-              <a:t>음식선택 </a:t>
-            </a:r>
-            <a:r>
-              <a:rPr lang="en-US" altLang="ko-KR" sz="1600"/>
-              <a:t>[FoodList]</a:t>
-            </a:r>
-            <a:r>
-              <a:rPr lang="en-US" altLang="ko-KR" sz="2000"/>
-              <a:t>		: </a:t>
-            </a:r>
-            <a:endParaRPr lang="en-US" altLang="ko-KR" sz="2000"/>
-          </a:p>
-          <a:p>
-            <a:pPr marL="457200" indent="-457200">
-              <a:buAutoNum type="alphaUcPeriod"/>
-              <a:defRPr/>
-            </a:pPr>
-            <a:r>
-              <a:rPr lang="ko-KR" altLang="en-US" sz="2000"/>
-              <a:t>장바구니</a:t>
-            </a:r>
-            <a:r>
-              <a:rPr lang="en-US" altLang="ko-KR" sz="2000"/>
-              <a:t>		: </a:t>
-            </a:r>
-            <a:r>
-              <a:rPr lang="ko-KR" altLang="en-US" sz="1600"/>
-              <a:t>선택한 음식 리스트</a:t>
-            </a:r>
-            <a:r>
-              <a:rPr lang="en-US" altLang="ko-KR" sz="1600"/>
-              <a:t>, </a:t>
-            </a:r>
-            <a:r>
-              <a:rPr lang="ko-KR" altLang="en-US" sz="1600"/>
-              <a:t>총 가격</a:t>
-            </a:r>
-            <a:r>
-              <a:rPr lang="en-US" altLang="ko-KR" sz="1600"/>
-              <a:t> [FoodList]</a:t>
-            </a:r>
-            <a:endParaRPr lang="en-US" altLang="ko-KR" sz="1600"/>
-          </a:p>
-          <a:p>
-            <a:pPr marL="457200" indent="-457200">
-              <a:buAutoNum type="alphaUcPeriod"/>
-              <a:defRPr/>
-            </a:pPr>
-            <a:r>
-              <a:rPr lang="ko-KR" altLang="en-US" sz="2000"/>
-              <a:t>결제</a:t>
-            </a:r>
-            <a:r>
-              <a:rPr lang="en-US" altLang="ko-KR" sz="2000"/>
-              <a:t>		: </a:t>
-            </a:r>
-            <a:r>
-              <a:rPr lang="ko-KR" altLang="en-US" sz="1600"/>
-              <a:t>총 금액</a:t>
-            </a:r>
-            <a:r>
-              <a:rPr lang="en-US" altLang="ko-KR" sz="1600"/>
-              <a:t>, </a:t>
-            </a:r>
-            <a:r>
-              <a:rPr lang="ko-KR" altLang="en-US" sz="1600"/>
-              <a:t>결제방식 선택 </a:t>
-            </a:r>
-            <a:r>
-              <a:rPr lang="en-US" altLang="ko-KR" sz="1600"/>
-              <a:t>[OrderHistory]</a:t>
-            </a:r>
-            <a:endParaRPr lang="en-US" altLang="ko-KR" sz="1600"/>
-          </a:p>
-          <a:p>
-            <a:pPr marL="457200" indent="-457200">
-              <a:buAutoNum type="alphaUcPeriod"/>
-              <a:defRPr/>
-            </a:pPr>
-            <a:r>
-              <a:rPr lang="ko-KR" altLang="en-US" sz="2000"/>
-              <a:t>주문기록</a:t>
-            </a:r>
-            <a:r>
-              <a:rPr lang="en-US" altLang="ko-KR" sz="2000"/>
-              <a:t>		: </a:t>
-            </a:r>
-            <a:r>
-              <a:rPr lang="ko-KR" altLang="en-US" sz="1600"/>
-              <a:t>주문기록</a:t>
-            </a:r>
-            <a:r>
-              <a:rPr lang="en-US" altLang="ko-KR" sz="1600"/>
-              <a:t> [OrderHistory]</a:t>
-            </a:r>
-            <a:endParaRPr lang="en-US" altLang="ko-KR" sz="1600"/>
-          </a:p>
-          <a:p>
-            <a:pPr marL="457200" indent="-457200">
-              <a:buAutoNum type="alphaUcPeriod"/>
-              <a:defRPr/>
-            </a:pPr>
-            <a:r>
-              <a:rPr lang="ko-KR" altLang="en-US" sz="2000"/>
-              <a:t>게시판</a:t>
-            </a:r>
-            <a:r>
-              <a:rPr lang="en-US" altLang="ko-KR" sz="2000"/>
-              <a:t>		: </a:t>
-            </a:r>
-            <a:r>
-              <a:rPr lang="ko-KR" altLang="en-US" sz="1600"/>
-              <a:t>글 작성</a:t>
-            </a:r>
-            <a:r>
-              <a:rPr lang="en-US" altLang="ko-KR" sz="1600"/>
-              <a:t> </a:t>
-            </a:r>
-            <a:r>
-              <a:rPr lang="ko-KR" altLang="en-US" sz="1600"/>
-              <a:t>수정 삭제</a:t>
-            </a:r>
-            <a:r>
-              <a:rPr lang="en-US" altLang="ko-KR" sz="1600"/>
-              <a:t>, </a:t>
-            </a:r>
-            <a:r>
-              <a:rPr lang="ko-KR" altLang="en-US" sz="1600"/>
-              <a:t>내 글 조회</a:t>
-            </a:r>
-            <a:r>
-              <a:rPr lang="en-US" altLang="ko-KR" sz="1600"/>
-              <a:t>, </a:t>
-            </a:r>
-            <a:r>
-              <a:rPr lang="ko-KR" altLang="en-US" sz="1600"/>
-              <a:t>전체 글 리스트</a:t>
-            </a:r>
-            <a:r>
-              <a:rPr lang="en-US" altLang="ko-KR" sz="1600"/>
-              <a:t> [Board]</a:t>
-            </a:r>
-            <a:endParaRPr lang="en-US" altLang="ko-KR" sz="1600"/>
-          </a:p>
-          <a:p>
-            <a:pPr marL="457200" indent="-457200">
-              <a:buAutoNum type="alphaUcPeriod"/>
-              <a:defRPr/>
-            </a:pPr>
-            <a:endParaRPr lang="en-US" altLang="ko-KR" sz="2000"/>
-          </a:p>
-        </p:txBody>
-      </p:sp>
-    </p:spTree>
-  </p:cSld>
-  <p:clrMapOvr>
-    <a:masterClrMapping/>
-  </p:clrMapOvr>
-  <mc:AlternateContent xmlns:mc="http://schemas.openxmlformats.org/markup-compatibility/2006">
-    <mc:Choice xmlns:p14="http://schemas.microsoft.com/office/powerpoint/2010/main" Requires="p14">
-      <p:transition xmlns:mc="http://schemas.openxmlformats.org/markup-compatibility/2006" xmlns:p14="http://schemas.microsoft.com/office/powerpoint/2010/main" mc:Ignorable="p14" p14:dur="500"/>
-    </mc:Choice>
-    <mc:Fallback>
-      <p:transition/>
-    </mc:Fallback>
-  </mc:AlternateContent>
-</p:sld>
-</file>
-
-<file path=ppt/slides/slide7.xml><?xml version="1.0" encoding="utf-8"?>
-<p:sld xmlns:r="http://schemas.openxmlformats.org/officeDocument/2006/relationships" xmlns:c="http://schemas.openxmlformats.org/drawingml/2006/chart" xmlns:a="http://schemas.openxmlformats.org/drawingml/2006/main" xmlns:dgm="http://schemas.openxmlformats.org/drawingml/2006/diagram" xmlns:dsp="http://schemas.microsoft.com/office/drawing/2008/diagram" xmlns:p="http://schemas.openxmlformats.org/presentationml/2006/main">
-  <p:cSld>
-    <p:spTree>
-      <p:nvGrpSpPr>
-        <p:cNvPr id="1" name=""/>
-        <p:cNvGrpSpPr/>
-        <p:nvPr/>
-      </p:nvGrpSpPr>
-      <p:grpSpPr>
-        <a:xfrm>
-          <a:off x="0" y="0"/>
-          <a:ext cx="0" cy="0"/>
-          <a:chOff x="0" y="0"/>
-          <a:chExt cx="0" cy="0"/>
-        </a:xfrm>
-      </p:grpSpPr>
-      <p:sp>
-        <p:nvSpPr>
-          <p:cNvPr id="2" name="제목 1"/>
-          <p:cNvSpPr>
-            <a:spLocks noGrp="1"/>
-          </p:cNvSpPr>
-          <p:nvPr>
-            <p:ph type="title" idx="0"/>
-          </p:nvPr>
-        </p:nvSpPr>
-        <p:spPr>
-          <a:xfrm>
-            <a:off x="703976" y="432237"/>
+            <a:off x="351726" y="0"/>
             <a:ext cx="10515600" cy="1325563"/>
           </a:xfrm>
         </p:spPr>
@@ -5162,18 +4430,18 @@
               <a:defRPr/>
             </a:pPr>
             <a:r>
-              <a:rPr lang="en-US" altLang="ko-KR"/>
+              <a:rPr lang="en-US" altLang="ko-KR" b="1" dirty="0"/>
               <a:t>DB</a:t>
             </a:r>
             <a:r>
-              <a:rPr lang="ko-KR" altLang="en-US"/>
+              <a:rPr lang="ko-KR" altLang="en-US" b="1" dirty="0"/>
               <a:t> </a:t>
             </a:r>
             <a:r>
-              <a:rPr lang="en-US" altLang="ko-KR"/>
+              <a:rPr lang="en-US" altLang="ko-KR" b="1" dirty="0"/>
               <a:t>Schema</a:t>
             </a:r>
-            <a:endParaRPr lang="ko-KR" altLang="en-US"/>
+            <a:endParaRPr lang="ko-KR" altLang="en-US" b="1" dirty="0"/>
           </a:p>
         </p:txBody>
       </p:sp>
@@ -5216,22 +4484,22 @@
               <a:defRPr/>
             </a:pPr>
             <a:r>
-              <a:rPr lang="en-US" altLang="ko-KR"/>
+              <a:rPr lang="en-US" altLang="ko-KR" dirty="0"/>
               <a:t>Delivery Database</a:t>
             </a:r>
-            <a:endParaRPr lang="ko-KR" altLang="en-US"/>
+            <a:endParaRPr lang="ko-KR" altLang="en-US" dirty="0"/>
           </a:p>
         </p:txBody>
       </p:sp>
       <p:pic>
         <p:nvPicPr>
-          <p:cNvPr id="7" name=""/>
+          <p:cNvPr id="5" name="그림 4"/>
           <p:cNvPicPr>
             <a:picLocks noChangeAspect="1"/>
           </p:cNvPicPr>
           <p:nvPr/>
         </p:nvPicPr>
-        <p:blipFill rotWithShape="1">
+        <p:blipFill>
           <a:blip r:embed="rId2"/>
           <a:stretch>
             <a:fillRect/>
@@ -5239,8 +4507,71 @@
         </p:blipFill>
         <p:spPr>
           <a:xfrm>
-            <a:off x="678179" y="563879"/>
-            <a:ext cx="3444240" cy="5730240"/>
+            <a:off x="7491413" y="824700"/>
+            <a:ext cx="4529138" cy="5469419"/>
+          </a:xfrm>
+          <a:prstGeom prst="rect">
+            <a:avLst/>
+          </a:prstGeom>
+        </p:spPr>
+      </p:pic>
+      <p:sp>
+        <p:nvSpPr>
+          <p:cNvPr id="6" name="TextBox 5"/>
+          <p:cNvSpPr txBox="1"/>
+          <p:nvPr/>
+        </p:nvSpPr>
+        <p:spPr>
+          <a:xfrm>
+            <a:off x="7491412" y="399415"/>
+            <a:ext cx="2517457" cy="369332"/>
+          </a:xfrm>
+          <a:prstGeom prst="rect">
+            <a:avLst/>
+          </a:prstGeom>
+          <a:noFill/>
+        </p:spPr>
+        <p:txBody>
+          <a:bodyPr wrap="square" rtlCol="0">
+            <a:spAutoFit/>
+          </a:bodyPr>
+          <a:lstStyle/>
+          <a:p>
+            <a:r>
+              <a:rPr lang="en-US" altLang="ko-KR" dirty="0"/>
+              <a:t>DB</a:t>
+            </a:r>
+            <a:r>
+              <a:rPr lang="ko-KR" altLang="en-US" dirty="0"/>
+              <a:t>테이블  제약조건</a:t>
+            </a:r>
+          </a:p>
+        </p:txBody>
+      </p:sp>
+      <p:pic>
+        <p:nvPicPr>
+          <p:cNvPr id="3" name="그림 2">
+            <a:extLst>
+              <a:ext uri="{FF2B5EF4-FFF2-40B4-BE49-F238E27FC236}">
+                <a16:creationId xmlns:a16="http://schemas.microsoft.com/office/drawing/2014/main" id="{3AC851F8-2BAF-417B-8DE2-25DED23D68E6}"/>
+              </a:ext>
+            </a:extLst>
+          </p:cNvPr>
+          <p:cNvPicPr>
+            <a:picLocks noChangeAspect="1"/>
+          </p:cNvPicPr>
+          <p:nvPr/>
+        </p:nvPicPr>
+        <p:blipFill>
+          <a:blip r:embed="rId3"/>
+          <a:stretch>
+            <a:fillRect/>
+          </a:stretch>
+        </p:blipFill>
+        <p:spPr>
+          <a:xfrm>
+            <a:off x="0" y="584081"/>
+            <a:ext cx="4118453" cy="5689838"/>
           </a:xfrm>
           <a:prstGeom prst="rect">
             <a:avLst/>
@@ -5252,19 +4583,19 @@
   <p:clrMapOvr>
     <a:masterClrMapping/>
   </p:clrMapOvr>
-  <mc:AlternateContent xmlns:mc="http://schemas.openxmlformats.org/markup-compatibility/2006">
-    <mc:Choice xmlns:p14="http://schemas.microsoft.com/office/powerpoint/2010/main" Requires="p14">
-      <p:transition xmlns:mc="http://schemas.openxmlformats.org/markup-compatibility/2006" xmlns:p14="http://schemas.microsoft.com/office/powerpoint/2010/main" mc:Ignorable="p14" p14:dur="500"/>
+  <mc:AlternateContent xmlns:mc="http://schemas.openxmlformats.org/markup-compatibility/2006" xmlns:p14="http://schemas.microsoft.com/office/powerpoint/2010/main">
+    <mc:Choice Requires="p14">
+      <p:transition/>
     </mc:Choice>
-    <mc:Fallback>
+    <mc:Fallback xmlns="" xmlns:c="http://schemas.openxmlformats.org/drawingml/2006/chart" xmlns:dgm="http://schemas.openxmlformats.org/drawingml/2006/diagram" xmlns:dsp="http://schemas.microsoft.com/office/drawing/2008/diagram">
       <p:transition/>
     </mc:Fallback>
   </mc:AlternateContent>
 </p:sld>
 </file>
 
-<file path=ppt/slides/slide8.xml><?xml version="1.0" encoding="utf-8"?>
-<p:sld xmlns:r="http://schemas.openxmlformats.org/officeDocument/2006/relationships" xmlns:c="http://schemas.openxmlformats.org/drawingml/2006/chart" xmlns:a="http://schemas.openxmlformats.org/drawingml/2006/main" xmlns:dgm="http://schemas.openxmlformats.org/drawingml/2006/diagram" xmlns:dsp="http://schemas.microsoft.com/office/drawing/2008/diagram" xmlns:p="http://schemas.openxmlformats.org/presentationml/2006/main">
+<file path=ppt/slides/slide5.xml><?xml version="1.0" encoding="utf-8"?>
+<p:sld xmlns:a="http://schemas.openxmlformats.org/drawingml/2006/main" xmlns:r="http://schemas.openxmlformats.org/officeDocument/2006/relationships" xmlns:p="http://schemas.openxmlformats.org/presentationml/2006/main">
   <p:cSld>
     <p:spTree>
       <p:nvGrpSpPr>
@@ -5280,41 +4611,21 @@
           <a:chExt cx="0" cy="0"/>
         </a:xfrm>
       </p:grpSpPr>
-      <p:sp>
-        <p:nvSpPr>
-          <p:cNvPr id="2" name="제목 1"/>
-          <p:cNvSpPr>
-            <a:spLocks noGrp="1"/>
-          </p:cNvSpPr>
-          <p:nvPr>
-            <p:ph type="title" idx="0"/>
-          </p:nvPr>
-        </p:nvSpPr>
-        <p:spPr/>
-        <p:txBody>
-          <a:bodyPr/>
-          <a:lstStyle/>
-          <a:p>
-            <a:pPr>
-              <a:defRPr/>
-            </a:pPr>
-            <a:r>
-              <a:rPr lang="ko-KR" altLang="en-US"/>
-              <a:t>사용한 기술</a:t>
-            </a:r>
-            <a:endParaRPr lang="ko-KR" altLang="en-US"/>
-          </a:p>
-        </p:txBody>
-      </p:sp>
       <p:pic>
         <p:nvPicPr>
-          <p:cNvPr id="4" name=""/>
+          <p:cNvPr id="6" name="그림 5">
+            <a:extLst>
+              <a:ext uri="{FF2B5EF4-FFF2-40B4-BE49-F238E27FC236}">
+                <a16:creationId xmlns:a16="http://schemas.microsoft.com/office/drawing/2014/main" id="{5E5FD29A-E5FD-4553-B8E3-BA4BC285B547}"/>
+              </a:ext>
+            </a:extLst>
+          </p:cNvPr>
           <p:cNvPicPr>
             <a:picLocks noChangeAspect="1"/>
           </p:cNvPicPr>
           <p:nvPr/>
         </p:nvPicPr>
-        <p:blipFill rotWithShape="1">
+        <p:blipFill>
           <a:blip r:embed="rId2"/>
           <a:stretch>
             <a:fillRect/>
@@ -5322,8 +4633,8 @@
         </p:blipFill>
         <p:spPr>
           <a:xfrm>
-            <a:off x="2333625" y="1476374"/>
-            <a:ext cx="7524750" cy="5016500"/>
+            <a:off x="1046375" y="0"/>
+            <a:ext cx="9568205" cy="6858000"/>
           </a:xfrm>
           <a:prstGeom prst="rect">
             <a:avLst/>
@@ -5335,11 +4646,11 @@
   <p:clrMapOvr>
     <a:masterClrMapping/>
   </p:clrMapOvr>
-  <mc:AlternateContent xmlns:mc="http://schemas.openxmlformats.org/markup-compatibility/2006">
-    <mc:Choice xmlns:p14="http://schemas.microsoft.com/office/powerpoint/2010/main" Requires="p14">
-      <p:transition xmlns:mc="http://schemas.openxmlformats.org/markup-compatibility/2006" xmlns:p14="http://schemas.microsoft.com/office/powerpoint/2010/main" mc:Ignorable="p14" p14:dur="500"/>
+  <mc:AlternateContent xmlns:mc="http://schemas.openxmlformats.org/markup-compatibility/2006" xmlns:p14="http://schemas.microsoft.com/office/powerpoint/2010/main">
+    <mc:Choice Requires="p14">
+      <p:transition/>
     </mc:Choice>
-    <mc:Fallback>
+    <mc:Fallback xmlns="" xmlns:c="http://schemas.openxmlformats.org/drawingml/2006/chart" xmlns:dgm="http://schemas.openxmlformats.org/drawingml/2006/diagram" xmlns:dsp="http://schemas.microsoft.com/office/drawing/2008/diagram">
       <p:transition/>
     </mc:Fallback>
   </mc:AlternateContent>
@@ -5347,41 +4658,41 @@
 </file>
 
 <file path=ppt/theme/theme1.xml><?xml version="1.0" encoding="utf-8"?>
-<a:theme xmlns:r="http://schemas.openxmlformats.org/officeDocument/2006/relationships" xmlns:c="http://schemas.openxmlformats.org/drawingml/2006/chart" xmlns:dgm="http://schemas.openxmlformats.org/drawingml/2006/diagram" xmlns:dsp="http://schemas.microsoft.com/office/drawing/2008/diagram" xmlns:a="http://schemas.openxmlformats.org/drawingml/2006/main" xmlns:pic="http://schemas.openxmlformats.org/drawingml/2006/picture" xmlns:wp="http://schemas.openxmlformats.org/drawingml/2006/wordprocessingDrawing" xmlns:xdr="http://schemas.openxmlformats.org/drawingml/2006/spreadsheetDrawing" xmlns:p="http://schemas.openxmlformats.org/presentationml/2006/main" name="한컴오피스">
+<a:theme xmlns:a="http://schemas.openxmlformats.org/drawingml/2006/main" name="한컴오피스">
   <a:themeElements>
     <a:clrScheme name="한컴오피스">
       <a:dk1>
         <a:sysClr val="windowText" lastClr="000000"/>
       </a:dk1>
       <a:lt1>
-        <a:sysClr val="window" lastClr="ffffff"/>
+        <a:sysClr val="window" lastClr="FFFFFF"/>
       </a:lt1>
       <a:dk2>
-        <a:srgbClr val="3a3c84"/>
+        <a:srgbClr val="3A3C84"/>
       </a:dk2>
       <a:lt2>
-        <a:srgbClr val="faf3db"/>
+        <a:srgbClr val="FAF3DB"/>
       </a:lt2>
       <a:accent1>
-        <a:srgbClr val="6182d6"/>
+        <a:srgbClr val="6182D6"/>
       </a:accent1>
       <a:accent2>
-        <a:srgbClr val="ff843a"/>
+        <a:srgbClr val="FF843A"/>
       </a:accent2>
       <a:accent3>
-        <a:srgbClr val="b2b2b2"/>
+        <a:srgbClr val="B2B2B2"/>
       </a:accent3>
       <a:accent4>
-        <a:srgbClr val="ffd700"/>
+        <a:srgbClr val="FFD700"/>
       </a:accent4>
       <a:accent5>
-        <a:srgbClr val="289b6e"/>
+        <a:srgbClr val="289B6E"/>
       </a:accent5>
       <a:accent6>
-        <a:srgbClr val="9d5cbb"/>
+        <a:srgbClr val="9D5CBB"/>
       </a:accent6>
       <a:hlink>
-        <a:srgbClr val="0000ff"/>
+        <a:srgbClr val="0000FF"/>
       </a:hlink>
       <a:folHlink>
         <a:srgbClr val="800080"/>
@@ -5606,5 +4917,7 @@
       </a:bgFillStyleLst>
     </a:fmtScheme>
   </a:themeElements>
+  <a:objectDefaults/>
+  <a:extraClrSchemeLst/>
 </a:theme>
 </file>